--- a/TypeSafeWebDevWithYesodAndHaskell.pptx
+++ b/TypeSafeWebDevWithYesodAndHaskell.pptx
@@ -7,18 +7,30 @@
   <p:sldIdLst>
     <p:sldId id="256" r:id="rId2"/>
     <p:sldId id="258" r:id="rId3"/>
-    <p:sldId id="264" r:id="rId4"/>
-    <p:sldId id="265" r:id="rId5"/>
-    <p:sldId id="259" r:id="rId6"/>
-    <p:sldId id="260" r:id="rId7"/>
-    <p:sldId id="261" r:id="rId8"/>
-    <p:sldId id="257" r:id="rId9"/>
-    <p:sldId id="266" r:id="rId10"/>
-    <p:sldId id="267" r:id="rId11"/>
-    <p:sldId id="268" r:id="rId12"/>
-    <p:sldId id="269" r:id="rId13"/>
-    <p:sldId id="270" r:id="rId14"/>
-    <p:sldId id="271" r:id="rId15"/>
+    <p:sldId id="273" r:id="rId4"/>
+    <p:sldId id="264" r:id="rId5"/>
+    <p:sldId id="265" r:id="rId6"/>
+    <p:sldId id="259" r:id="rId7"/>
+    <p:sldId id="260" r:id="rId8"/>
+    <p:sldId id="261" r:id="rId9"/>
+    <p:sldId id="272" r:id="rId10"/>
+    <p:sldId id="257" r:id="rId11"/>
+    <p:sldId id="266" r:id="rId12"/>
+    <p:sldId id="267" r:id="rId13"/>
+    <p:sldId id="268" r:id="rId14"/>
+    <p:sldId id="269" r:id="rId15"/>
+    <p:sldId id="270" r:id="rId16"/>
+    <p:sldId id="271" r:id="rId17"/>
+    <p:sldId id="274" r:id="rId18"/>
+    <p:sldId id="275" r:id="rId19"/>
+    <p:sldId id="276" r:id="rId20"/>
+    <p:sldId id="277" r:id="rId21"/>
+    <p:sldId id="283" r:id="rId22"/>
+    <p:sldId id="278" r:id="rId23"/>
+    <p:sldId id="279" r:id="rId24"/>
+    <p:sldId id="280" r:id="rId25"/>
+    <p:sldId id="281" r:id="rId26"/>
+    <p:sldId id="282" r:id="rId27"/>
   </p:sldIdLst>
   <p:sldSz cx="9144000" cy="6858000" type="screen4x3"/>
   <p:notesSz cx="6858000" cy="9144000"/>
@@ -413,7 +425,7 @@
             <a:fld id="{23A271A1-F6D6-438B-A432-4747EE7ECD40}" type="datetimeFigureOut">
               <a:rPr lang="en-US" smtClean="0"/>
               <a:pPr algn="ctr" eaLnBrk="1" latinLnBrk="0" hangingPunct="1"/>
-              <a:t>11/06/12</a:t>
+              <a:t>12/06/12</a:t>
             </a:fld>
             <a:endParaRPr lang="en-US" sz="2000" dirty="0">
               <a:solidFill>
@@ -620,7 +632,7 @@
             <a:fld id="{23A271A1-F6D6-438B-A432-4747EE7ECD40}" type="datetimeFigureOut">
               <a:rPr lang="en-US" smtClean="0"/>
               <a:pPr eaLnBrk="1" latinLnBrk="0" hangingPunct="1"/>
-              <a:t>11/06/12</a:t>
+              <a:t>12/06/12</a:t>
             </a:fld>
             <a:endParaRPr lang="en-US"/>
           </a:p>
@@ -808,7 +820,7 @@
             <a:fld id="{23A271A1-F6D6-438B-A432-4747EE7ECD40}" type="datetimeFigureOut">
               <a:rPr lang="en-US" smtClean="0"/>
               <a:pPr eaLnBrk="1" latinLnBrk="0" hangingPunct="1"/>
-              <a:t>11/06/12</a:t>
+              <a:t>12/06/12</a:t>
             </a:fld>
             <a:endParaRPr lang="en-US" dirty="0"/>
           </a:p>
@@ -1074,7 +1086,7 @@
             <a:fld id="{23A271A1-F6D6-438B-A432-4747EE7ECD40}" type="datetimeFigureOut">
               <a:rPr lang="en-US" smtClean="0"/>
               <a:pPr eaLnBrk="1" latinLnBrk="0" hangingPunct="1"/>
-              <a:t>11/06/12</a:t>
+              <a:t>12/06/12</a:t>
             </a:fld>
             <a:endParaRPr lang="en-US" dirty="0"/>
           </a:p>
@@ -1497,7 +1509,7 @@
             <a:fld id="{23A271A1-F6D6-438B-A432-4747EE7ECD40}" type="datetimeFigureOut">
               <a:rPr lang="en-US" smtClean="0"/>
               <a:pPr eaLnBrk="1" latinLnBrk="0" hangingPunct="1"/>
-              <a:t>11/06/12</a:t>
+              <a:t>12/06/12</a:t>
             </a:fld>
             <a:endParaRPr lang="en-US"/>
           </a:p>
@@ -1747,7 +1759,7 @@
             <a:fld id="{23A271A1-F6D6-438B-A432-4747EE7ECD40}" type="datetimeFigureOut">
               <a:rPr lang="en-US" smtClean="0"/>
               <a:pPr eaLnBrk="1" latinLnBrk="0" hangingPunct="1"/>
-              <a:t>11/06/12</a:t>
+              <a:t>12/06/12</a:t>
             </a:fld>
             <a:endParaRPr lang="en-US"/>
           </a:p>
@@ -1987,7 +1999,7 @@
             <a:fld id="{23A271A1-F6D6-438B-A432-4747EE7ECD40}" type="datetimeFigureOut">
               <a:rPr lang="en-US" smtClean="0"/>
               <a:pPr eaLnBrk="1" latinLnBrk="0" hangingPunct="1"/>
-              <a:t>11/06/12</a:t>
+              <a:t>12/06/12</a:t>
             </a:fld>
             <a:endParaRPr lang="en-US"/>
           </a:p>
@@ -2186,7 +2198,7 @@
             <a:fld id="{23A271A1-F6D6-438B-A432-4747EE7ECD40}" type="datetimeFigureOut">
               <a:rPr lang="en-US" smtClean="0"/>
               <a:pPr eaLnBrk="1" latinLnBrk="0" hangingPunct="1"/>
-              <a:t>11/06/12</a:t>
+              <a:t>12/06/12</a:t>
             </a:fld>
             <a:endParaRPr lang="en-US"/>
           </a:p>
@@ -2291,7 +2303,7 @@
             <a:fld id="{23A271A1-F6D6-438B-A432-4747EE7ECD40}" type="datetimeFigureOut">
               <a:rPr lang="en-US" smtClean="0"/>
               <a:pPr eaLnBrk="1" latinLnBrk="0" hangingPunct="1"/>
-              <a:t>11/06/12</a:t>
+              <a:t>12/06/12</a:t>
             </a:fld>
             <a:endParaRPr lang="en-US"/>
           </a:p>
@@ -2434,7 +2446,7 @@
             <a:fld id="{23A271A1-F6D6-438B-A432-4747EE7ECD40}" type="datetimeFigureOut">
               <a:rPr lang="en-US" smtClean="0"/>
               <a:pPr eaLnBrk="1" latinLnBrk="0" hangingPunct="1"/>
-              <a:t>11/06/12</a:t>
+              <a:t>12/06/12</a:t>
             </a:fld>
             <a:endParaRPr lang="en-US"/>
           </a:p>
@@ -2959,7 +2971,7 @@
             <a:fld id="{23A271A1-F6D6-438B-A432-4747EE7ECD40}" type="datetimeFigureOut">
               <a:rPr lang="en-US" smtClean="0"/>
               <a:pPr eaLnBrk="1" latinLnBrk="0" hangingPunct="1"/>
-              <a:t>11/06/12</a:t>
+              <a:t>12/06/12</a:t>
             </a:fld>
             <a:endParaRPr lang="en-US"/>
           </a:p>
@@ -3224,7 +3236,7 @@
             <a:fld id="{23A271A1-F6D6-438B-A432-4747EE7ECD40}" type="datetimeFigureOut">
               <a:rPr lang="en-US" smtClean="0"/>
               <a:pPr eaLnBrk="1" latinLnBrk="0" hangingPunct="1"/>
-              <a:t>11/06/12</a:t>
+              <a:t>12/06/12</a:t>
             </a:fld>
             <a:endParaRPr lang="en-US" sz="1400" dirty="0">
               <a:solidFill>
@@ -3817,12 +3829,16 @@
           <a:lstStyle/>
           <a:p>
             <a:r>
-              <a:rPr lang="en-US" dirty="0"/>
-              <a:t>u</a:t>
-            </a:r>
-            <a:r>
               <a:rPr lang="en-US" dirty="0" smtClean="0"/>
-              <a:t>sing Yesod and Haskell</a:t>
+              <a:t>with</a:t>
+            </a:r>
+            <a:r>
+              <a:rPr lang="en-US" dirty="0" smtClean="0"/>
+              <a:t> </a:t>
+            </a:r>
+            <a:r>
+              <a:rPr lang="en-US" dirty="0" smtClean="0"/>
+              <a:t>Yesod and Haskell</a:t>
             </a:r>
             <a:endParaRPr lang="en-US" dirty="0"/>
           </a:p>
@@ -3882,7 +3898,7 @@
           <a:p>
             <a:r>
               <a:rPr lang="en-US" dirty="0" smtClean="0"/>
-              <a:t>Imports</a:t>
+              <a:t>Hello Yesod!</a:t>
             </a:r>
             <a:endParaRPr lang="en-US" dirty="0"/>
           </a:p>
@@ -3900,6 +3916,976 @@
         </p:nvSpPr>
         <p:spPr>
           <a:xfrm>
+            <a:off x="202051" y="1600199"/>
+            <a:ext cx="8745912" cy="5125500"/>
+          </a:xfrm>
+        </p:spPr>
+        <p:txBody>
+          <a:bodyPr>
+            <a:normAutofit fontScale="55000" lnSpcReduction="20000"/>
+          </a:bodyPr>
+          <a:lstStyle/>
+          <a:p>
+            <a:pPr marL="0" indent="0">
+              <a:buNone/>
+            </a:pPr>
+            <a:r>
+              <a:rPr lang="en-US" dirty="0" smtClean="0">
+                <a:latin typeface="Andale Mono"/>
+                <a:cs typeface="Andale Mono"/>
+              </a:rPr>
+              <a:t>{-# LANGUAGE </a:t>
+            </a:r>
+            <a:r>
+              <a:rPr lang="en-US" dirty="0" err="1" smtClean="0">
+                <a:latin typeface="Andale Mono"/>
+                <a:cs typeface="Andale Mono"/>
+              </a:rPr>
+              <a:t>TypeFamilies</a:t>
+            </a:r>
+            <a:r>
+              <a:rPr lang="en-US" dirty="0" smtClean="0">
+                <a:latin typeface="Andale Mono"/>
+                <a:cs typeface="Andale Mono"/>
+              </a:rPr>
+              <a:t>, </a:t>
+            </a:r>
+            <a:r>
+              <a:rPr lang="en-US" dirty="0" err="1" smtClean="0">
+                <a:latin typeface="Andale Mono"/>
+                <a:cs typeface="Andale Mono"/>
+              </a:rPr>
+              <a:t>QuasiQuotes</a:t>
+            </a:r>
+            <a:r>
+              <a:rPr lang="en-US" dirty="0" smtClean="0">
+                <a:latin typeface="Andale Mono"/>
+                <a:cs typeface="Andale Mono"/>
+              </a:rPr>
+              <a:t>, </a:t>
+            </a:r>
+            <a:r>
+              <a:rPr lang="en-US" dirty="0" err="1" smtClean="0">
+                <a:latin typeface="Andale Mono"/>
+                <a:cs typeface="Andale Mono"/>
+              </a:rPr>
+              <a:t>MultiParamTypeClasses</a:t>
+            </a:r>
+            <a:r>
+              <a:rPr lang="en-US" dirty="0" smtClean="0">
+                <a:latin typeface="Andale Mono"/>
+                <a:cs typeface="Andale Mono"/>
+              </a:rPr>
+              <a:t>,</a:t>
+            </a:r>
+          </a:p>
+          <a:p>
+            <a:pPr marL="0" indent="0">
+              <a:buNone/>
+            </a:pPr>
+            <a:r>
+              <a:rPr lang="en-US" dirty="0" smtClean="0">
+                <a:latin typeface="Andale Mono"/>
+                <a:cs typeface="Andale Mono"/>
+              </a:rPr>
+              <a:t>             </a:t>
+            </a:r>
+            <a:r>
+              <a:rPr lang="en-US" dirty="0" err="1" smtClean="0">
+                <a:latin typeface="Andale Mono"/>
+                <a:cs typeface="Andale Mono"/>
+              </a:rPr>
+              <a:t>TemplateHaskell</a:t>
+            </a:r>
+            <a:r>
+              <a:rPr lang="en-US" dirty="0" smtClean="0">
+                <a:latin typeface="Andale Mono"/>
+                <a:cs typeface="Andale Mono"/>
+              </a:rPr>
+              <a:t>, </a:t>
+            </a:r>
+            <a:r>
+              <a:rPr lang="en-US" dirty="0" err="1" smtClean="0">
+                <a:latin typeface="Andale Mono"/>
+                <a:cs typeface="Andale Mono"/>
+              </a:rPr>
+              <a:t>OverloadedStrings</a:t>
+            </a:r>
+            <a:r>
+              <a:rPr lang="en-US" dirty="0" smtClean="0">
+                <a:latin typeface="Andale Mono"/>
+                <a:cs typeface="Andale Mono"/>
+              </a:rPr>
+              <a:t> #-}</a:t>
+            </a:r>
+          </a:p>
+          <a:p>
+            <a:pPr marL="0" indent="0">
+              <a:buNone/>
+            </a:pPr>
+            <a:r>
+              <a:rPr lang="en-US" dirty="0" smtClean="0">
+                <a:latin typeface="Andale Mono"/>
+                <a:cs typeface="Andale Mono"/>
+              </a:rPr>
+              <a:t>import Yesod</a:t>
+            </a:r>
+          </a:p>
+          <a:p>
+            <a:pPr marL="0" indent="0">
+              <a:buNone/>
+            </a:pPr>
+            <a:r>
+              <a:rPr lang="en-US" dirty="0" smtClean="0">
+                <a:latin typeface="Andale Mono"/>
+                <a:cs typeface="Andale Mono"/>
+              </a:rPr>
+              <a:t>import </a:t>
+            </a:r>
+            <a:r>
+              <a:rPr lang="en-US" dirty="0" err="1" smtClean="0">
+                <a:latin typeface="Andale Mono"/>
+                <a:cs typeface="Andale Mono"/>
+              </a:rPr>
+              <a:t>Data.Text</a:t>
+            </a:r>
+            <a:endParaRPr lang="en-US" dirty="0" smtClean="0">
+              <a:latin typeface="Andale Mono"/>
+              <a:cs typeface="Andale Mono"/>
+            </a:endParaRPr>
+          </a:p>
+          <a:p>
+            <a:pPr marL="0" indent="0">
+              <a:buNone/>
+            </a:pPr>
+            <a:endParaRPr lang="en-US" dirty="0" smtClean="0">
+              <a:latin typeface="Andale Mono"/>
+              <a:cs typeface="Andale Mono"/>
+            </a:endParaRPr>
+          </a:p>
+          <a:p>
+            <a:pPr marL="0" indent="0">
+              <a:buNone/>
+            </a:pPr>
+            <a:r>
+              <a:rPr lang="en-US" dirty="0" smtClean="0">
+                <a:latin typeface="Andale Mono"/>
+                <a:cs typeface="Andale Mono"/>
+              </a:rPr>
+              <a:t>data </a:t>
+            </a:r>
+            <a:r>
+              <a:rPr lang="en-US" dirty="0" err="1" smtClean="0">
+                <a:latin typeface="Andale Mono"/>
+                <a:cs typeface="Andale Mono"/>
+              </a:rPr>
+              <a:t>HelloWorld</a:t>
+            </a:r>
+            <a:r>
+              <a:rPr lang="en-US" dirty="0" smtClean="0">
+                <a:latin typeface="Andale Mono"/>
+                <a:cs typeface="Andale Mono"/>
+              </a:rPr>
+              <a:t> = </a:t>
+            </a:r>
+            <a:r>
+              <a:rPr lang="en-US" dirty="0" err="1" smtClean="0">
+                <a:latin typeface="Andale Mono"/>
+                <a:cs typeface="Andale Mono"/>
+              </a:rPr>
+              <a:t>HelloWorld</a:t>
+            </a:r>
+            <a:endParaRPr lang="en-US" dirty="0" smtClean="0">
+              <a:latin typeface="Andale Mono"/>
+              <a:cs typeface="Andale Mono"/>
+            </a:endParaRPr>
+          </a:p>
+          <a:p>
+            <a:pPr marL="0" indent="0">
+              <a:buNone/>
+            </a:pPr>
+            <a:endParaRPr lang="en-US" dirty="0">
+              <a:latin typeface="Andale Mono"/>
+              <a:cs typeface="Andale Mono"/>
+            </a:endParaRPr>
+          </a:p>
+          <a:p>
+            <a:pPr marL="0" indent="0">
+              <a:buNone/>
+            </a:pPr>
+            <a:r>
+              <a:rPr lang="en-US" dirty="0" err="1">
+                <a:latin typeface="Andale Mono"/>
+                <a:cs typeface="Andale Mono"/>
+              </a:rPr>
+              <a:t>mkYesod</a:t>
+            </a:r>
+            <a:r>
+              <a:rPr lang="en-US" dirty="0">
+                <a:latin typeface="Andale Mono"/>
+                <a:cs typeface="Andale Mono"/>
+              </a:rPr>
+              <a:t> "</a:t>
+            </a:r>
+            <a:r>
+              <a:rPr lang="en-US" dirty="0" err="1">
+                <a:latin typeface="Andale Mono"/>
+                <a:cs typeface="Andale Mono"/>
+              </a:rPr>
+              <a:t>HelloWorld</a:t>
+            </a:r>
+            <a:r>
+              <a:rPr lang="en-US" dirty="0">
+                <a:latin typeface="Andale Mono"/>
+                <a:cs typeface="Andale Mono"/>
+              </a:rPr>
+              <a:t>" [</a:t>
+            </a:r>
+            <a:r>
+              <a:rPr lang="en-US" dirty="0" err="1">
+                <a:latin typeface="Andale Mono"/>
+                <a:cs typeface="Andale Mono"/>
+              </a:rPr>
+              <a:t>parseRoutes</a:t>
+            </a:r>
+            <a:r>
+              <a:rPr lang="en-US" dirty="0">
+                <a:latin typeface="Andale Mono"/>
+                <a:cs typeface="Andale Mono"/>
+              </a:rPr>
+              <a:t>|</a:t>
+            </a:r>
+          </a:p>
+          <a:p>
+            <a:pPr marL="0" indent="0">
+              <a:buNone/>
+            </a:pPr>
+            <a:r>
+              <a:rPr lang="en-US" dirty="0">
+                <a:latin typeface="Andale Mono"/>
+                <a:cs typeface="Andale Mono"/>
+              </a:rPr>
+              <a:t>/ </a:t>
+            </a:r>
+            <a:r>
+              <a:rPr lang="en-US" dirty="0" err="1">
+                <a:latin typeface="Andale Mono"/>
+                <a:cs typeface="Andale Mono"/>
+              </a:rPr>
+              <a:t>HomeR</a:t>
+            </a:r>
+            <a:r>
+              <a:rPr lang="en-US" dirty="0">
+                <a:latin typeface="Andale Mono"/>
+                <a:cs typeface="Andale Mono"/>
+              </a:rPr>
+              <a:t> GET</a:t>
+            </a:r>
+          </a:p>
+          <a:p>
+            <a:pPr marL="0" indent="0">
+              <a:buNone/>
+            </a:pPr>
+            <a:r>
+              <a:rPr lang="en-US" dirty="0">
+                <a:latin typeface="Andale Mono"/>
+                <a:cs typeface="Andale Mono"/>
+              </a:rPr>
+              <a:t>|]</a:t>
+            </a:r>
+          </a:p>
+          <a:p>
+            <a:pPr marL="0" indent="0">
+              <a:buNone/>
+            </a:pPr>
+            <a:endParaRPr lang="en-US" dirty="0">
+              <a:latin typeface="Andale Mono"/>
+              <a:cs typeface="Andale Mono"/>
+            </a:endParaRPr>
+          </a:p>
+          <a:p>
+            <a:pPr marL="0" indent="0">
+              <a:buNone/>
+            </a:pPr>
+            <a:r>
+              <a:rPr lang="en-US" dirty="0">
+                <a:latin typeface="Andale Mono"/>
+                <a:cs typeface="Andale Mono"/>
+              </a:rPr>
+              <a:t>instance Yesod </a:t>
+            </a:r>
+            <a:r>
+              <a:rPr lang="en-US" dirty="0" err="1">
+                <a:latin typeface="Andale Mono"/>
+                <a:cs typeface="Andale Mono"/>
+              </a:rPr>
+              <a:t>HelloWorld</a:t>
+            </a:r>
+            <a:endParaRPr lang="en-US" dirty="0">
+              <a:latin typeface="Andale Mono"/>
+              <a:cs typeface="Andale Mono"/>
+            </a:endParaRPr>
+          </a:p>
+          <a:p>
+            <a:pPr marL="0" indent="0">
+              <a:buNone/>
+            </a:pPr>
+            <a:endParaRPr lang="en-US" dirty="0">
+              <a:latin typeface="Andale Mono"/>
+              <a:cs typeface="Andale Mono"/>
+            </a:endParaRPr>
+          </a:p>
+          <a:p>
+            <a:pPr marL="0" indent="0">
+              <a:buNone/>
+            </a:pPr>
+            <a:r>
+              <a:rPr lang="en-US" dirty="0" err="1">
+                <a:latin typeface="Andale Mono"/>
+                <a:cs typeface="Andale Mono"/>
+              </a:rPr>
+              <a:t>getHomeR</a:t>
+            </a:r>
+            <a:r>
+              <a:rPr lang="en-US" dirty="0">
+                <a:latin typeface="Andale Mono"/>
+                <a:cs typeface="Andale Mono"/>
+              </a:rPr>
+              <a:t> :: Handler </a:t>
+            </a:r>
+            <a:r>
+              <a:rPr lang="en-US" dirty="0" err="1">
+                <a:latin typeface="Andale Mono"/>
+                <a:cs typeface="Andale Mono"/>
+              </a:rPr>
+              <a:t>RepHtml</a:t>
+            </a:r>
+            <a:endParaRPr lang="en-US" dirty="0">
+              <a:latin typeface="Andale Mono"/>
+              <a:cs typeface="Andale Mono"/>
+            </a:endParaRPr>
+          </a:p>
+          <a:p>
+            <a:pPr marL="0" indent="0">
+              <a:buNone/>
+            </a:pPr>
+            <a:r>
+              <a:rPr lang="en-US" dirty="0" err="1">
+                <a:latin typeface="Andale Mono"/>
+                <a:cs typeface="Andale Mono"/>
+              </a:rPr>
+              <a:t>getHomeR</a:t>
+            </a:r>
+            <a:r>
+              <a:rPr lang="en-US" dirty="0">
+                <a:latin typeface="Andale Mono"/>
+                <a:cs typeface="Andale Mono"/>
+              </a:rPr>
+              <a:t> = </a:t>
+            </a:r>
+            <a:r>
+              <a:rPr lang="en-US" dirty="0" err="1">
+                <a:latin typeface="Andale Mono"/>
+                <a:cs typeface="Andale Mono"/>
+              </a:rPr>
+              <a:t>defaultLayout</a:t>
+            </a:r>
+            <a:r>
+              <a:rPr lang="en-US" dirty="0">
+                <a:latin typeface="Andale Mono"/>
+                <a:cs typeface="Andale Mono"/>
+              </a:rPr>
+              <a:t> [</a:t>
+            </a:r>
+            <a:r>
+              <a:rPr lang="en-US" dirty="0" err="1">
+                <a:latin typeface="Andale Mono"/>
+                <a:cs typeface="Andale Mono"/>
+              </a:rPr>
+              <a:t>whamlet|Hello</a:t>
+            </a:r>
+            <a:r>
+              <a:rPr lang="en-US" dirty="0">
+                <a:latin typeface="Andale Mono"/>
+                <a:cs typeface="Andale Mono"/>
+              </a:rPr>
+              <a:t> </a:t>
+            </a:r>
+            <a:r>
+              <a:rPr lang="en-US" dirty="0" smtClean="0">
+                <a:latin typeface="Andale Mono"/>
+                <a:cs typeface="Andale Mono"/>
+              </a:rPr>
+              <a:t>Yesod!</a:t>
+            </a:r>
+            <a:r>
+              <a:rPr lang="en-US" dirty="0">
+                <a:latin typeface="Andale Mono"/>
+                <a:cs typeface="Andale Mono"/>
+              </a:rPr>
+              <a:t>|]</a:t>
+            </a:r>
+          </a:p>
+          <a:p>
+            <a:pPr marL="0" indent="0">
+              <a:buNone/>
+            </a:pPr>
+            <a:endParaRPr lang="en-US" dirty="0">
+              <a:latin typeface="Andale Mono"/>
+              <a:cs typeface="Andale Mono"/>
+            </a:endParaRPr>
+          </a:p>
+          <a:p>
+            <a:pPr marL="0" indent="0">
+              <a:buNone/>
+            </a:pPr>
+            <a:r>
+              <a:rPr lang="en-US" dirty="0">
+                <a:latin typeface="Andale Mono"/>
+                <a:cs typeface="Andale Mono"/>
+              </a:rPr>
+              <a:t>main :: IO ()</a:t>
+            </a:r>
+          </a:p>
+          <a:p>
+            <a:pPr marL="0" indent="0">
+              <a:buNone/>
+            </a:pPr>
+            <a:r>
+              <a:rPr lang="en-US" dirty="0">
+                <a:latin typeface="Andale Mono"/>
+                <a:cs typeface="Andale Mono"/>
+              </a:rPr>
+              <a:t>main = </a:t>
+            </a:r>
+            <a:r>
+              <a:rPr lang="en-US" dirty="0" err="1">
+                <a:latin typeface="Andale Mono"/>
+                <a:cs typeface="Andale Mono"/>
+              </a:rPr>
+              <a:t>warpDebug</a:t>
+            </a:r>
+            <a:r>
+              <a:rPr lang="en-US" dirty="0">
+                <a:latin typeface="Andale Mono"/>
+                <a:cs typeface="Andale Mono"/>
+              </a:rPr>
+              <a:t> 3000 </a:t>
+            </a:r>
+            <a:r>
+              <a:rPr lang="en-US" dirty="0" err="1">
+                <a:latin typeface="Andale Mono"/>
+                <a:cs typeface="Andale Mono"/>
+              </a:rPr>
+              <a:t>HelloWorld</a:t>
+            </a:r>
+            <a:endParaRPr lang="en-US" dirty="0">
+              <a:latin typeface="Andale Mono"/>
+              <a:cs typeface="Andale Mono"/>
+            </a:endParaRPr>
+          </a:p>
+        </p:txBody>
+      </p:sp>
+    </p:spTree>
+    <p:extLst>
+      <p:ext uri="{BB962C8B-B14F-4D97-AF65-F5344CB8AC3E}">
+        <p14:creationId xmlns:p14="http://schemas.microsoft.com/office/powerpoint/2010/main" val="3794061408"/>
+      </p:ext>
+    </p:extLst>
+  </p:cSld>
+  <p:clrMapOvr>
+    <a:masterClrMapping/>
+  </p:clrMapOvr>
+  <p:timing>
+    <p:tnLst>
+      <p:par>
+        <p:cTn xmlns:p14="http://schemas.microsoft.com/office/powerpoint/2010/main" id="1" dur="indefinite" restart="never" nodeType="tmRoot"/>
+      </p:par>
+    </p:tnLst>
+  </p:timing>
+</p:sld>
+</file>
+
+<file path=ppt/slides/slide11.xml><?xml version="1.0" encoding="utf-8"?>
+<p:sld xmlns:a="http://schemas.openxmlformats.org/drawingml/2006/main" xmlns:r="http://schemas.openxmlformats.org/officeDocument/2006/relationships" xmlns:p="http://schemas.openxmlformats.org/presentationml/2006/main">
+  <p:cSld>
+    <p:spTree>
+      <p:nvGrpSpPr>
+        <p:cNvPr id="1" name=""/>
+        <p:cNvGrpSpPr/>
+        <p:nvPr/>
+      </p:nvGrpSpPr>
+      <p:grpSpPr>
+        <a:xfrm>
+          <a:off x="0" y="0"/>
+          <a:ext cx="0" cy="0"/>
+          <a:chOff x="0" y="0"/>
+          <a:chExt cx="0" cy="0"/>
+        </a:xfrm>
+      </p:grpSpPr>
+      <p:sp>
+        <p:nvSpPr>
+          <p:cNvPr id="2" name="Title 1"/>
+          <p:cNvSpPr>
+            <a:spLocks noGrp="1"/>
+          </p:cNvSpPr>
+          <p:nvPr>
+            <p:ph type="title"/>
+          </p:nvPr>
+        </p:nvSpPr>
+        <p:spPr/>
+        <p:txBody>
+          <a:bodyPr/>
+          <a:lstStyle/>
+          <a:p>
+            <a:r>
+              <a:rPr lang="en-US" dirty="0" smtClean="0"/>
+              <a:t>Language Pragmas</a:t>
+            </a:r>
+            <a:endParaRPr lang="en-US" dirty="0"/>
+          </a:p>
+        </p:txBody>
+      </p:sp>
+      <p:sp>
+        <p:nvSpPr>
+          <p:cNvPr id="3" name="Content Placeholder 2"/>
+          <p:cNvSpPr>
+            <a:spLocks noGrp="1"/>
+          </p:cNvSpPr>
+          <p:nvPr>
+            <p:ph sz="quarter" idx="1"/>
+          </p:nvPr>
+        </p:nvSpPr>
+        <p:spPr>
+          <a:xfrm>
+            <a:off x="612648" y="2443960"/>
+            <a:ext cx="8153400" cy="4031570"/>
+          </a:xfrm>
+        </p:spPr>
+        <p:txBody>
+          <a:bodyPr>
+            <a:normAutofit fontScale="92500" lnSpcReduction="20000"/>
+          </a:bodyPr>
+          <a:lstStyle/>
+          <a:p>
+            <a:r>
+              <a:rPr lang="en-AU" dirty="0" smtClean="0"/>
+              <a:t>These extend Haskell98 to provide syntactic features that </a:t>
+            </a:r>
+            <a:r>
+              <a:rPr lang="en-AU" dirty="0" err="1" smtClean="0"/>
+              <a:t>yesod</a:t>
+            </a:r>
+            <a:r>
+              <a:rPr lang="en-AU" dirty="0" smtClean="0"/>
+              <a:t> requires.</a:t>
+            </a:r>
+          </a:p>
+          <a:p>
+            <a:r>
+              <a:rPr lang="en-AU" dirty="0" smtClean="0"/>
+              <a:t>TH &amp; QQ: used to generate boilerplate code ( more on this later )</a:t>
+            </a:r>
+          </a:p>
+          <a:p>
+            <a:r>
+              <a:rPr lang="en-AU" dirty="0" smtClean="0"/>
+              <a:t>OS: Strings declared in code are coerced into Text, </a:t>
+            </a:r>
+            <a:r>
+              <a:rPr lang="en-AU" dirty="0" err="1" smtClean="0"/>
+              <a:t>ByteString</a:t>
+            </a:r>
+            <a:r>
+              <a:rPr lang="en-AU" dirty="0" smtClean="0"/>
+              <a:t>, Html ( or anything else that has an instance of </a:t>
+            </a:r>
+            <a:r>
+              <a:rPr lang="en-AU" dirty="0" err="1" smtClean="0"/>
+              <a:t>IsString</a:t>
+            </a:r>
+            <a:r>
+              <a:rPr lang="en-AU" dirty="0" smtClean="0"/>
+              <a:t> ) depending on type required. Need this because String / [Char] is pretty inefficient.</a:t>
+            </a:r>
+          </a:p>
+          <a:p>
+            <a:r>
+              <a:rPr lang="en-AU" dirty="0" smtClean="0"/>
+              <a:t>TF &amp; MPTC: Extensions to type class syntax that are utilised by the instances generated by </a:t>
+            </a:r>
+            <a:r>
+              <a:rPr lang="en-AU" dirty="0" err="1" smtClean="0"/>
+              <a:t>mkYesod</a:t>
+            </a:r>
+            <a:r>
+              <a:rPr lang="en-AU" dirty="0" smtClean="0"/>
+              <a:t>.</a:t>
+            </a:r>
+            <a:endParaRPr lang="en-AU" dirty="0"/>
+          </a:p>
+        </p:txBody>
+      </p:sp>
+      <p:sp>
+        <p:nvSpPr>
+          <p:cNvPr id="4" name="Content Placeholder 2"/>
+          <p:cNvSpPr txBox="1">
+            <a:spLocks/>
+          </p:cNvSpPr>
+          <p:nvPr/>
+        </p:nvSpPr>
+        <p:spPr>
+          <a:xfrm>
+            <a:off x="202051" y="1600199"/>
+            <a:ext cx="8745912" cy="680188"/>
+          </a:xfrm>
+          <a:prstGeom prst="rect">
+            <a:avLst/>
+          </a:prstGeom>
+        </p:spPr>
+        <p:txBody>
+          <a:bodyPr vert="horz">
+            <a:normAutofit fontScale="62500" lnSpcReduction="20000"/>
+          </a:bodyPr>
+          <a:lstStyle>
+            <a:lvl1pPr marL="320040" indent="-320040" algn="l" rtl="0" eaLnBrk="1" latinLnBrk="0" hangingPunct="1">
+              <a:spcBef>
+                <a:spcPts val="700"/>
+              </a:spcBef>
+              <a:buClr>
+                <a:schemeClr val="accent2"/>
+              </a:buClr>
+              <a:buSzPct val="60000"/>
+              <a:buFont typeface="Wingdings"/>
+              <a:buChar char=""/>
+              <a:defRPr kumimoji="0" sz="2900" kern="1200">
+                <a:solidFill>
+                  <a:schemeClr val="tx1"/>
+                </a:solidFill>
+                <a:latin typeface="+mn-lt"/>
+                <a:ea typeface="+mn-ea"/>
+                <a:cs typeface="+mn-cs"/>
+              </a:defRPr>
+            </a:lvl1pPr>
+            <a:lvl2pPr marL="640080" indent="-274320" algn="l" rtl="0" eaLnBrk="1" latinLnBrk="0" hangingPunct="1">
+              <a:spcBef>
+                <a:spcPts val="550"/>
+              </a:spcBef>
+              <a:buClr>
+                <a:schemeClr val="accent1"/>
+              </a:buClr>
+              <a:buSzPct val="70000"/>
+              <a:buFont typeface="Wingdings 2"/>
+              <a:buChar char=""/>
+              <a:defRPr kumimoji="0" sz="2600" kern="1200">
+                <a:solidFill>
+                  <a:schemeClr val="tx1"/>
+                </a:solidFill>
+                <a:latin typeface="+mn-lt"/>
+                <a:ea typeface="+mn-ea"/>
+                <a:cs typeface="+mn-cs"/>
+              </a:defRPr>
+            </a:lvl2pPr>
+            <a:lvl3pPr marL="914400" indent="-228600" algn="l" rtl="0" eaLnBrk="1" latinLnBrk="0" hangingPunct="1">
+              <a:spcBef>
+                <a:spcPts val="500"/>
+              </a:spcBef>
+              <a:buClr>
+                <a:schemeClr val="accent2"/>
+              </a:buClr>
+              <a:buSzPct val="75000"/>
+              <a:buFont typeface="Wingdings"/>
+              <a:buChar char=""/>
+              <a:defRPr kumimoji="0" sz="2300" kern="1200">
+                <a:solidFill>
+                  <a:schemeClr val="tx1"/>
+                </a:solidFill>
+                <a:latin typeface="+mn-lt"/>
+                <a:ea typeface="+mn-ea"/>
+                <a:cs typeface="+mn-cs"/>
+              </a:defRPr>
+            </a:lvl3pPr>
+            <a:lvl4pPr marL="1371600" indent="-228600" algn="l" rtl="0" eaLnBrk="1" latinLnBrk="0" hangingPunct="1">
+              <a:spcBef>
+                <a:spcPts val="400"/>
+              </a:spcBef>
+              <a:buClr>
+                <a:schemeClr val="accent3"/>
+              </a:buClr>
+              <a:buSzPct val="75000"/>
+              <a:buFont typeface="Wingdings"/>
+              <a:buChar char=""/>
+              <a:defRPr kumimoji="0" sz="2000" kern="1200">
+                <a:solidFill>
+                  <a:schemeClr val="tx1"/>
+                </a:solidFill>
+                <a:latin typeface="+mn-lt"/>
+                <a:ea typeface="+mn-ea"/>
+                <a:cs typeface="+mn-cs"/>
+              </a:defRPr>
+            </a:lvl4pPr>
+            <a:lvl5pPr marL="1828800" indent="-228600" algn="l" rtl="0" eaLnBrk="1" latinLnBrk="0" hangingPunct="1">
+              <a:spcBef>
+                <a:spcPts val="400"/>
+              </a:spcBef>
+              <a:buClr>
+                <a:schemeClr val="accent4"/>
+              </a:buClr>
+              <a:buSzPct val="65000"/>
+              <a:buFont typeface="Wingdings"/>
+              <a:buChar char=""/>
+              <a:defRPr kumimoji="0" sz="2000" kern="1200">
+                <a:solidFill>
+                  <a:schemeClr val="tx1"/>
+                </a:solidFill>
+                <a:latin typeface="+mn-lt"/>
+                <a:ea typeface="+mn-ea"/>
+                <a:cs typeface="+mn-cs"/>
+              </a:defRPr>
+            </a:lvl5pPr>
+            <a:lvl6pPr marL="2103120" indent="-228600" algn="l" rtl="0" eaLnBrk="1" latinLnBrk="0" hangingPunct="1">
+              <a:spcBef>
+                <a:spcPct val="20000"/>
+              </a:spcBef>
+              <a:buClr>
+                <a:schemeClr val="accent1"/>
+              </a:buClr>
+              <a:buFont typeface="Wingdings"/>
+              <a:buChar char="§"/>
+              <a:defRPr kumimoji="0" sz="1800" kern="1200" baseline="0">
+                <a:solidFill>
+                  <a:schemeClr val="tx1"/>
+                </a:solidFill>
+                <a:latin typeface="+mn-lt"/>
+                <a:ea typeface="+mn-ea"/>
+                <a:cs typeface="+mn-cs"/>
+              </a:defRPr>
+            </a:lvl6pPr>
+            <a:lvl7pPr marL="2377440" indent="-228600" algn="l" rtl="0" eaLnBrk="1" latinLnBrk="0" hangingPunct="1">
+              <a:spcBef>
+                <a:spcPct val="20000"/>
+              </a:spcBef>
+              <a:buClr>
+                <a:schemeClr val="accent2"/>
+              </a:buClr>
+              <a:buFont typeface="Wingdings"/>
+              <a:buChar char="§"/>
+              <a:defRPr kumimoji="0" sz="1800" kern="1200" baseline="0">
+                <a:solidFill>
+                  <a:schemeClr val="tx1"/>
+                </a:solidFill>
+                <a:latin typeface="+mn-lt"/>
+                <a:ea typeface="+mn-ea"/>
+                <a:cs typeface="+mn-cs"/>
+              </a:defRPr>
+            </a:lvl7pPr>
+            <a:lvl8pPr marL="2651760" indent="-228600" algn="l" rtl="0" eaLnBrk="1" latinLnBrk="0" hangingPunct="1">
+              <a:spcBef>
+                <a:spcPct val="20000"/>
+              </a:spcBef>
+              <a:buClr>
+                <a:schemeClr val="accent3"/>
+              </a:buClr>
+              <a:buFont typeface="Wingdings"/>
+              <a:buChar char="§"/>
+              <a:defRPr kumimoji="0" sz="1800" kern="1200" baseline="0">
+                <a:solidFill>
+                  <a:schemeClr val="tx1"/>
+                </a:solidFill>
+                <a:latin typeface="+mn-lt"/>
+                <a:ea typeface="+mn-ea"/>
+                <a:cs typeface="+mn-cs"/>
+              </a:defRPr>
+            </a:lvl8pPr>
+            <a:lvl9pPr marL="2926080" indent="-228600" algn="l" rtl="0" eaLnBrk="1" latinLnBrk="0" hangingPunct="1">
+              <a:spcBef>
+                <a:spcPct val="20000"/>
+              </a:spcBef>
+              <a:buClr>
+                <a:schemeClr val="accent4"/>
+              </a:buClr>
+              <a:buFont typeface="Wingdings"/>
+              <a:buChar char="§"/>
+              <a:defRPr kumimoji="0" sz="1800" kern="1200" baseline="0">
+                <a:solidFill>
+                  <a:schemeClr val="tx1"/>
+                </a:solidFill>
+                <a:latin typeface="+mn-lt"/>
+                <a:ea typeface="+mn-ea"/>
+                <a:cs typeface="+mn-cs"/>
+              </a:defRPr>
+            </a:lvl9pPr>
+          </a:lstStyle>
+          <a:p>
+            <a:pPr marL="0" indent="0">
+              <a:buFont typeface="Wingdings"/>
+              <a:buNone/>
+            </a:pPr>
+            <a:r>
+              <a:rPr lang="en-US" dirty="0" smtClean="0">
+                <a:latin typeface="Andale Mono"/>
+                <a:cs typeface="Andale Mono"/>
+              </a:rPr>
+              <a:t>{-# LANGUAGE </a:t>
+            </a:r>
+            <a:r>
+              <a:rPr lang="en-US" dirty="0" err="1" smtClean="0">
+                <a:latin typeface="Andale Mono"/>
+                <a:cs typeface="Andale Mono"/>
+              </a:rPr>
+              <a:t>TypeFamilies</a:t>
+            </a:r>
+            <a:r>
+              <a:rPr lang="en-US" dirty="0" smtClean="0">
+                <a:latin typeface="Andale Mono"/>
+                <a:cs typeface="Andale Mono"/>
+              </a:rPr>
+              <a:t>, </a:t>
+            </a:r>
+            <a:r>
+              <a:rPr lang="en-US" dirty="0" err="1" smtClean="0">
+                <a:latin typeface="Andale Mono"/>
+                <a:cs typeface="Andale Mono"/>
+              </a:rPr>
+              <a:t>QuasiQuotes</a:t>
+            </a:r>
+            <a:r>
+              <a:rPr lang="en-US" dirty="0" smtClean="0">
+                <a:latin typeface="Andale Mono"/>
+                <a:cs typeface="Andale Mono"/>
+              </a:rPr>
+              <a:t>, </a:t>
+            </a:r>
+            <a:r>
+              <a:rPr lang="en-US" dirty="0" err="1" smtClean="0">
+                <a:latin typeface="Andale Mono"/>
+                <a:cs typeface="Andale Mono"/>
+              </a:rPr>
+              <a:t>MultiParamTypeClasses</a:t>
+            </a:r>
+            <a:r>
+              <a:rPr lang="en-US" dirty="0" smtClean="0">
+                <a:latin typeface="Andale Mono"/>
+                <a:cs typeface="Andale Mono"/>
+              </a:rPr>
+              <a:t>,</a:t>
+            </a:r>
+          </a:p>
+          <a:p>
+            <a:pPr marL="0" indent="0">
+              <a:buFont typeface="Wingdings"/>
+              <a:buNone/>
+            </a:pPr>
+            <a:r>
+              <a:rPr lang="en-US" dirty="0" smtClean="0">
+                <a:latin typeface="Andale Mono"/>
+                <a:cs typeface="Andale Mono"/>
+              </a:rPr>
+              <a:t>             </a:t>
+            </a:r>
+            <a:r>
+              <a:rPr lang="en-US" dirty="0" err="1" smtClean="0">
+                <a:latin typeface="Andale Mono"/>
+                <a:cs typeface="Andale Mono"/>
+              </a:rPr>
+              <a:t>TemplateHaskell</a:t>
+            </a:r>
+            <a:r>
+              <a:rPr lang="en-US" dirty="0" smtClean="0">
+                <a:latin typeface="Andale Mono"/>
+                <a:cs typeface="Andale Mono"/>
+              </a:rPr>
+              <a:t>, </a:t>
+            </a:r>
+            <a:r>
+              <a:rPr lang="en-US" dirty="0" err="1" smtClean="0">
+                <a:latin typeface="Andale Mono"/>
+                <a:cs typeface="Andale Mono"/>
+              </a:rPr>
+              <a:t>OverloadedStrings</a:t>
+            </a:r>
+            <a:r>
+              <a:rPr lang="en-US" dirty="0" smtClean="0">
+                <a:latin typeface="Andale Mono"/>
+                <a:cs typeface="Andale Mono"/>
+              </a:rPr>
+              <a:t> #-}</a:t>
+            </a:r>
+          </a:p>
+        </p:txBody>
+      </p:sp>
+    </p:spTree>
+    <p:extLst>
+      <p:ext uri="{BB962C8B-B14F-4D97-AF65-F5344CB8AC3E}">
+        <p14:creationId xmlns:p14="http://schemas.microsoft.com/office/powerpoint/2010/main" val="732908041"/>
+      </p:ext>
+    </p:extLst>
+  </p:cSld>
+  <p:clrMapOvr>
+    <a:masterClrMapping/>
+  </p:clrMapOvr>
+  <p:timing>
+    <p:tnLst>
+      <p:par>
+        <p:cTn xmlns:p14="http://schemas.microsoft.com/office/powerpoint/2010/main" id="1" dur="indefinite" restart="never" nodeType="tmRoot"/>
+      </p:par>
+    </p:tnLst>
+  </p:timing>
+</p:sld>
+</file>
+
+<file path=ppt/slides/slide12.xml><?xml version="1.0" encoding="utf-8"?>
+<p:sld xmlns:a="http://schemas.openxmlformats.org/drawingml/2006/main" xmlns:r="http://schemas.openxmlformats.org/officeDocument/2006/relationships" xmlns:p="http://schemas.openxmlformats.org/presentationml/2006/main">
+  <p:cSld>
+    <p:spTree>
+      <p:nvGrpSpPr>
+        <p:cNvPr id="1" name=""/>
+        <p:cNvGrpSpPr/>
+        <p:nvPr/>
+      </p:nvGrpSpPr>
+      <p:grpSpPr>
+        <a:xfrm>
+          <a:off x="0" y="0"/>
+          <a:ext cx="0" cy="0"/>
+          <a:chOff x="0" y="0"/>
+          <a:chExt cx="0" cy="0"/>
+        </a:xfrm>
+      </p:grpSpPr>
+      <p:sp>
+        <p:nvSpPr>
+          <p:cNvPr id="2" name="Title 1"/>
+          <p:cNvSpPr>
+            <a:spLocks noGrp="1"/>
+          </p:cNvSpPr>
+          <p:nvPr>
+            <p:ph type="title"/>
+          </p:nvPr>
+        </p:nvSpPr>
+        <p:spPr/>
+        <p:txBody>
+          <a:bodyPr/>
+          <a:lstStyle/>
+          <a:p>
+            <a:r>
+              <a:rPr lang="en-US" dirty="0" smtClean="0"/>
+              <a:t>Imports</a:t>
+            </a:r>
+            <a:endParaRPr lang="en-US" dirty="0"/>
+          </a:p>
+        </p:txBody>
+      </p:sp>
+      <p:sp>
+        <p:nvSpPr>
+          <p:cNvPr id="3" name="Content Placeholder 2"/>
+          <p:cNvSpPr>
+            <a:spLocks noGrp="1"/>
+          </p:cNvSpPr>
+          <p:nvPr>
+            <p:ph sz="quarter" idx="1"/>
+          </p:nvPr>
+        </p:nvSpPr>
+        <p:spPr>
+          <a:xfrm>
             <a:off x="612648" y="1734907"/>
             <a:ext cx="8153400" cy="4788732"/>
           </a:xfrm>
@@ -3988,8 +4974,24 @@
           <a:p>
             <a:pPr lvl="1"/>
             <a:r>
+              <a:rPr lang="en-US" dirty="0" err="1" smtClean="0"/>
+              <a:t>Ghandler</a:t>
+            </a:r>
+            <a:r>
               <a:rPr lang="en-US" dirty="0" smtClean="0"/>
-              <a:t>Handler &amp; </a:t>
+              <a:t>, </a:t>
+            </a:r>
+            <a:r>
+              <a:rPr lang="en-US" dirty="0" err="1" smtClean="0"/>
+              <a:t>Gwidget</a:t>
+            </a:r>
+            <a:r>
+              <a:rPr lang="en-US" dirty="0" smtClean="0"/>
+              <a:t> </a:t>
+            </a:r>
+            <a:r>
+              <a:rPr lang="en-US" dirty="0" smtClean="0"/>
+              <a:t>&amp; </a:t>
             </a:r>
             <a:r>
               <a:rPr lang="en-US" dirty="0" err="1" smtClean="0"/>
@@ -4289,885 +5291,10 @@
           </a:p>
         </p:txBody>
       </p:sp>
-      <p:sp>
-        <p:nvSpPr>
-          <p:cNvPr id="6" name="Content Placeholder 2"/>
-          <p:cNvSpPr txBox="1">
-            <a:spLocks/>
-          </p:cNvSpPr>
-          <p:nvPr/>
-        </p:nvSpPr>
-        <p:spPr>
-          <a:xfrm>
-            <a:off x="354451" y="3651439"/>
-            <a:ext cx="8745912" cy="466729"/>
-          </a:xfrm>
-          <a:prstGeom prst="rect">
-            <a:avLst/>
-          </a:prstGeom>
-        </p:spPr>
-        <p:txBody>
-          <a:bodyPr vert="horz">
-            <a:normAutofit fontScale="92500" lnSpcReduction="10000"/>
-          </a:bodyPr>
-          <a:lstStyle>
-            <a:lvl1pPr marL="320040" indent="-320040" algn="l" rtl="0" eaLnBrk="1" latinLnBrk="0" hangingPunct="1">
-              <a:spcBef>
-                <a:spcPts val="700"/>
-              </a:spcBef>
-              <a:buClr>
-                <a:schemeClr val="accent2"/>
-              </a:buClr>
-              <a:buSzPct val="60000"/>
-              <a:buFont typeface="Wingdings"/>
-              <a:buChar char=""/>
-              <a:defRPr kumimoji="0" sz="2900" kern="1200">
-                <a:solidFill>
-                  <a:schemeClr val="tx1"/>
-                </a:solidFill>
-                <a:latin typeface="+mn-lt"/>
-                <a:ea typeface="+mn-ea"/>
-                <a:cs typeface="+mn-cs"/>
-              </a:defRPr>
-            </a:lvl1pPr>
-            <a:lvl2pPr marL="640080" indent="-274320" algn="l" rtl="0" eaLnBrk="1" latinLnBrk="0" hangingPunct="1">
-              <a:spcBef>
-                <a:spcPts val="550"/>
-              </a:spcBef>
-              <a:buClr>
-                <a:schemeClr val="accent1"/>
-              </a:buClr>
-              <a:buSzPct val="70000"/>
-              <a:buFont typeface="Wingdings 2"/>
-              <a:buChar char=""/>
-              <a:defRPr kumimoji="0" sz="2600" kern="1200">
-                <a:solidFill>
-                  <a:schemeClr val="tx1"/>
-                </a:solidFill>
-                <a:latin typeface="+mn-lt"/>
-                <a:ea typeface="+mn-ea"/>
-                <a:cs typeface="+mn-cs"/>
-              </a:defRPr>
-            </a:lvl2pPr>
-            <a:lvl3pPr marL="914400" indent="-228600" algn="l" rtl="0" eaLnBrk="1" latinLnBrk="0" hangingPunct="1">
-              <a:spcBef>
-                <a:spcPts val="500"/>
-              </a:spcBef>
-              <a:buClr>
-                <a:schemeClr val="accent2"/>
-              </a:buClr>
-              <a:buSzPct val="75000"/>
-              <a:buFont typeface="Wingdings"/>
-              <a:buChar char=""/>
-              <a:defRPr kumimoji="0" sz="2300" kern="1200">
-                <a:solidFill>
-                  <a:schemeClr val="tx1"/>
-                </a:solidFill>
-                <a:latin typeface="+mn-lt"/>
-                <a:ea typeface="+mn-ea"/>
-                <a:cs typeface="+mn-cs"/>
-              </a:defRPr>
-            </a:lvl3pPr>
-            <a:lvl4pPr marL="1371600" indent="-228600" algn="l" rtl="0" eaLnBrk="1" latinLnBrk="0" hangingPunct="1">
-              <a:spcBef>
-                <a:spcPts val="400"/>
-              </a:spcBef>
-              <a:buClr>
-                <a:schemeClr val="accent3"/>
-              </a:buClr>
-              <a:buSzPct val="75000"/>
-              <a:buFont typeface="Wingdings"/>
-              <a:buChar char=""/>
-              <a:defRPr kumimoji="0" sz="2000" kern="1200">
-                <a:solidFill>
-                  <a:schemeClr val="tx1"/>
-                </a:solidFill>
-                <a:latin typeface="+mn-lt"/>
-                <a:ea typeface="+mn-ea"/>
-                <a:cs typeface="+mn-cs"/>
-              </a:defRPr>
-            </a:lvl4pPr>
-            <a:lvl5pPr marL="1828800" indent="-228600" algn="l" rtl="0" eaLnBrk="1" latinLnBrk="0" hangingPunct="1">
-              <a:spcBef>
-                <a:spcPts val="400"/>
-              </a:spcBef>
-              <a:buClr>
-                <a:schemeClr val="accent4"/>
-              </a:buClr>
-              <a:buSzPct val="65000"/>
-              <a:buFont typeface="Wingdings"/>
-              <a:buChar char=""/>
-              <a:defRPr kumimoji="0" sz="2000" kern="1200">
-                <a:solidFill>
-                  <a:schemeClr val="tx1"/>
-                </a:solidFill>
-                <a:latin typeface="+mn-lt"/>
-                <a:ea typeface="+mn-ea"/>
-                <a:cs typeface="+mn-cs"/>
-              </a:defRPr>
-            </a:lvl5pPr>
-            <a:lvl6pPr marL="2103120" indent="-228600" algn="l" rtl="0" eaLnBrk="1" latinLnBrk="0" hangingPunct="1">
-              <a:spcBef>
-                <a:spcPct val="20000"/>
-              </a:spcBef>
-              <a:buClr>
-                <a:schemeClr val="accent1"/>
-              </a:buClr>
-              <a:buFont typeface="Wingdings"/>
-              <a:buChar char="§"/>
-              <a:defRPr kumimoji="0" sz="1800" kern="1200" baseline="0">
-                <a:solidFill>
-                  <a:schemeClr val="tx1"/>
-                </a:solidFill>
-                <a:latin typeface="+mn-lt"/>
-                <a:ea typeface="+mn-ea"/>
-                <a:cs typeface="+mn-cs"/>
-              </a:defRPr>
-            </a:lvl6pPr>
-            <a:lvl7pPr marL="2377440" indent="-228600" algn="l" rtl="0" eaLnBrk="1" latinLnBrk="0" hangingPunct="1">
-              <a:spcBef>
-                <a:spcPct val="20000"/>
-              </a:spcBef>
-              <a:buClr>
-                <a:schemeClr val="accent2"/>
-              </a:buClr>
-              <a:buFont typeface="Wingdings"/>
-              <a:buChar char="§"/>
-              <a:defRPr kumimoji="0" sz="1800" kern="1200" baseline="0">
-                <a:solidFill>
-                  <a:schemeClr val="tx1"/>
-                </a:solidFill>
-                <a:latin typeface="+mn-lt"/>
-                <a:ea typeface="+mn-ea"/>
-                <a:cs typeface="+mn-cs"/>
-              </a:defRPr>
-            </a:lvl7pPr>
-            <a:lvl8pPr marL="2651760" indent="-228600" algn="l" rtl="0" eaLnBrk="1" latinLnBrk="0" hangingPunct="1">
-              <a:spcBef>
-                <a:spcPct val="20000"/>
-              </a:spcBef>
-              <a:buClr>
-                <a:schemeClr val="accent3"/>
-              </a:buClr>
-              <a:buFont typeface="Wingdings"/>
-              <a:buChar char="§"/>
-              <a:defRPr kumimoji="0" sz="1800" kern="1200" baseline="0">
-                <a:solidFill>
-                  <a:schemeClr val="tx1"/>
-                </a:solidFill>
-                <a:latin typeface="+mn-lt"/>
-                <a:ea typeface="+mn-ea"/>
-                <a:cs typeface="+mn-cs"/>
-              </a:defRPr>
-            </a:lvl8pPr>
-            <a:lvl9pPr marL="2926080" indent="-228600" algn="l" rtl="0" eaLnBrk="1" latinLnBrk="0" hangingPunct="1">
-              <a:spcBef>
-                <a:spcPct val="20000"/>
-              </a:spcBef>
-              <a:buClr>
-                <a:schemeClr val="accent4"/>
-              </a:buClr>
-              <a:buFont typeface="Wingdings"/>
-              <a:buChar char="§"/>
-              <a:defRPr kumimoji="0" sz="1800" kern="1200" baseline="0">
-                <a:solidFill>
-                  <a:schemeClr val="tx1"/>
-                </a:solidFill>
-                <a:latin typeface="+mn-lt"/>
-                <a:ea typeface="+mn-ea"/>
-                <a:cs typeface="+mn-cs"/>
-              </a:defRPr>
-            </a:lvl9pPr>
-          </a:lstStyle>
-          <a:p>
-            <a:pPr marL="0" indent="0">
-              <a:buFont typeface="Wingdings"/>
-              <a:buNone/>
-            </a:pPr>
-            <a:endParaRPr lang="en-US" dirty="0" smtClean="0">
-              <a:latin typeface="Andale Mono"/>
-              <a:cs typeface="Andale Mono"/>
-            </a:endParaRPr>
-          </a:p>
-        </p:txBody>
-      </p:sp>
     </p:spTree>
     <p:extLst>
       <p:ext uri="{BB962C8B-B14F-4D97-AF65-F5344CB8AC3E}">
         <p14:creationId xmlns:p14="http://schemas.microsoft.com/office/powerpoint/2010/main" val="1222726204"/>
-      </p:ext>
-    </p:extLst>
-  </p:cSld>
-  <p:clrMapOvr>
-    <a:masterClrMapping/>
-  </p:clrMapOvr>
-  <p:timing>
-    <p:tnLst>
-      <p:par>
-        <p:cTn xmlns:p14="http://schemas.microsoft.com/office/powerpoint/2010/main" id="1" dur="indefinite" restart="never" nodeType="tmRoot"/>
-      </p:par>
-    </p:tnLst>
-  </p:timing>
-</p:sld>
-</file>
-
-<file path=ppt/slides/slide11.xml><?xml version="1.0" encoding="utf-8"?>
-<p:sld xmlns:a="http://schemas.openxmlformats.org/drawingml/2006/main" xmlns:r="http://schemas.openxmlformats.org/officeDocument/2006/relationships" xmlns:p="http://schemas.openxmlformats.org/presentationml/2006/main">
-  <p:cSld>
-    <p:spTree>
-      <p:nvGrpSpPr>
-        <p:cNvPr id="1" name=""/>
-        <p:cNvGrpSpPr/>
-        <p:nvPr/>
-      </p:nvGrpSpPr>
-      <p:grpSpPr>
-        <a:xfrm>
-          <a:off x="0" y="0"/>
-          <a:ext cx="0" cy="0"/>
-          <a:chOff x="0" y="0"/>
-          <a:chExt cx="0" cy="0"/>
-        </a:xfrm>
-      </p:grpSpPr>
-      <p:sp>
-        <p:nvSpPr>
-          <p:cNvPr id="2" name="Title 1"/>
-          <p:cNvSpPr>
-            <a:spLocks noGrp="1"/>
-          </p:cNvSpPr>
-          <p:nvPr>
-            <p:ph type="title"/>
-          </p:nvPr>
-        </p:nvSpPr>
-        <p:spPr/>
-        <p:txBody>
-          <a:bodyPr/>
-          <a:lstStyle/>
-          <a:p>
-            <a:r>
-              <a:rPr lang="en-US" dirty="0" smtClean="0"/>
-              <a:t>Foundation Type</a:t>
-            </a:r>
-            <a:endParaRPr lang="en-US" dirty="0"/>
-          </a:p>
-        </p:txBody>
-      </p:sp>
-      <p:sp>
-        <p:nvSpPr>
-          <p:cNvPr id="3" name="Content Placeholder 2"/>
-          <p:cNvSpPr>
-            <a:spLocks noGrp="1"/>
-          </p:cNvSpPr>
-          <p:nvPr>
-            <p:ph sz="quarter" idx="1"/>
-          </p:nvPr>
-        </p:nvSpPr>
-        <p:spPr>
-          <a:xfrm>
-            <a:off x="612648" y="1600200"/>
-            <a:ext cx="8153400" cy="4865708"/>
-          </a:xfrm>
-        </p:spPr>
-        <p:txBody>
-          <a:bodyPr>
-            <a:normAutofit lnSpcReduction="10000"/>
-          </a:bodyPr>
-          <a:lstStyle/>
-          <a:p>
-            <a:pPr marL="0" indent="0">
-              <a:buNone/>
-            </a:pPr>
-            <a:r>
-              <a:rPr lang="en-US" dirty="0" smtClean="0">
-                <a:latin typeface="Andale Mono"/>
-                <a:cs typeface="Andale Mono"/>
-              </a:rPr>
-              <a:t>data </a:t>
-            </a:r>
-            <a:r>
-              <a:rPr lang="en-US" dirty="0" err="1" smtClean="0">
-                <a:latin typeface="Andale Mono"/>
-                <a:cs typeface="Andale Mono"/>
-              </a:rPr>
-              <a:t>HelloWorld</a:t>
-            </a:r>
-            <a:r>
-              <a:rPr lang="en-US" dirty="0" smtClean="0">
-                <a:latin typeface="Andale Mono"/>
-                <a:cs typeface="Andale Mono"/>
-              </a:rPr>
-              <a:t> = </a:t>
-            </a:r>
-            <a:r>
-              <a:rPr lang="en-US" dirty="0" err="1" smtClean="0">
-                <a:latin typeface="Andale Mono"/>
-                <a:cs typeface="Andale Mono"/>
-              </a:rPr>
-              <a:t>HelloWorld</a:t>
-            </a:r>
-            <a:r>
-              <a:rPr lang="en-US" dirty="0" smtClean="0">
-                <a:latin typeface="Andale Mono"/>
-                <a:cs typeface="Andale Mono"/>
-              </a:rPr>
-              <a:t> </a:t>
-            </a:r>
-          </a:p>
-          <a:p>
-            <a:pPr marL="0" indent="0">
-              <a:buNone/>
-            </a:pPr>
-            <a:endParaRPr lang="en-US" dirty="0" smtClean="0">
-              <a:latin typeface="Andale Mono"/>
-              <a:cs typeface="Andale Mono"/>
-            </a:endParaRPr>
-          </a:p>
-          <a:p>
-            <a:r>
-              <a:rPr lang="en-US" dirty="0" smtClean="0"/>
-              <a:t>Is a normal Haskell data type. Can be accessed from anywhere inside your handlers using </a:t>
-            </a:r>
-            <a:r>
-              <a:rPr lang="en-US" dirty="0" err="1" smtClean="0"/>
-              <a:t>getYesod</a:t>
-            </a:r>
-            <a:r>
-              <a:rPr lang="en-US" dirty="0" smtClean="0"/>
-              <a:t>.</a:t>
-            </a:r>
-          </a:p>
-          <a:p>
-            <a:r>
-              <a:rPr lang="en-US" dirty="0" smtClean="0"/>
-              <a:t>Used for storing data that is central to your app:</a:t>
-            </a:r>
-          </a:p>
-          <a:p>
-            <a:pPr lvl="1"/>
-            <a:r>
-              <a:rPr lang="en-US" dirty="0" smtClean="0"/>
-              <a:t>Configuration</a:t>
-            </a:r>
-          </a:p>
-          <a:p>
-            <a:pPr lvl="1"/>
-            <a:r>
-              <a:rPr lang="en-US" dirty="0" smtClean="0"/>
-              <a:t>Connection pools</a:t>
-            </a:r>
-          </a:p>
-          <a:p>
-            <a:pPr lvl="1"/>
-            <a:r>
-              <a:rPr lang="en-US" dirty="0" err="1" smtClean="0"/>
-              <a:t>IORefs</a:t>
-            </a:r>
-            <a:r>
-              <a:rPr lang="en-US" dirty="0" smtClean="0"/>
-              <a:t> (!)</a:t>
-            </a:r>
-          </a:p>
-          <a:p>
-            <a:pPr lvl="1"/>
-            <a:r>
-              <a:rPr lang="en-US" dirty="0" smtClean="0"/>
-              <a:t>Whatever you want</a:t>
-            </a:r>
-          </a:p>
-          <a:p>
-            <a:r>
-              <a:rPr lang="en-US" dirty="0" smtClean="0"/>
-              <a:t>More on this later.</a:t>
-            </a:r>
-          </a:p>
-          <a:p>
-            <a:endParaRPr lang="en-US" dirty="0"/>
-          </a:p>
-        </p:txBody>
-      </p:sp>
-    </p:spTree>
-    <p:extLst>
-      <p:ext uri="{BB962C8B-B14F-4D97-AF65-F5344CB8AC3E}">
-        <p14:creationId xmlns:p14="http://schemas.microsoft.com/office/powerpoint/2010/main" val="2727764366"/>
-      </p:ext>
-    </p:extLst>
-  </p:cSld>
-  <p:clrMapOvr>
-    <a:masterClrMapping/>
-  </p:clrMapOvr>
-  <p:timing>
-    <p:tnLst>
-      <p:par>
-        <p:cTn xmlns:p14="http://schemas.microsoft.com/office/powerpoint/2010/main" id="1" dur="indefinite" restart="never" nodeType="tmRoot"/>
-      </p:par>
-    </p:tnLst>
-  </p:timing>
-</p:sld>
-</file>
-
-<file path=ppt/slides/slide12.xml><?xml version="1.0" encoding="utf-8"?>
-<p:sld xmlns:a="http://schemas.openxmlformats.org/drawingml/2006/main" xmlns:r="http://schemas.openxmlformats.org/officeDocument/2006/relationships" xmlns:p="http://schemas.openxmlformats.org/presentationml/2006/main">
-  <p:cSld>
-    <p:spTree>
-      <p:nvGrpSpPr>
-        <p:cNvPr id="1" name=""/>
-        <p:cNvGrpSpPr/>
-        <p:nvPr/>
-      </p:nvGrpSpPr>
-      <p:grpSpPr>
-        <a:xfrm>
-          <a:off x="0" y="0"/>
-          <a:ext cx="0" cy="0"/>
-          <a:chOff x="0" y="0"/>
-          <a:chExt cx="0" cy="0"/>
-        </a:xfrm>
-      </p:grpSpPr>
-      <p:sp>
-        <p:nvSpPr>
-          <p:cNvPr id="2" name="Title 1"/>
-          <p:cNvSpPr>
-            <a:spLocks noGrp="1"/>
-          </p:cNvSpPr>
-          <p:nvPr>
-            <p:ph type="title"/>
-          </p:nvPr>
-        </p:nvSpPr>
-        <p:spPr/>
-        <p:txBody>
-          <a:bodyPr/>
-          <a:lstStyle/>
-          <a:p>
-            <a:r>
-              <a:rPr lang="en-US" dirty="0" err="1" smtClean="0"/>
-              <a:t>mkYesod</a:t>
-            </a:r>
-            <a:r>
-              <a:rPr lang="en-US" dirty="0" smtClean="0"/>
-              <a:t> &amp; </a:t>
-            </a:r>
-            <a:r>
-              <a:rPr lang="en-US" dirty="0" err="1" smtClean="0"/>
-              <a:t>parseRoutes</a:t>
-            </a:r>
-            <a:endParaRPr lang="en-US" dirty="0"/>
-          </a:p>
-        </p:txBody>
-      </p:sp>
-      <p:sp>
-        <p:nvSpPr>
-          <p:cNvPr id="3" name="Content Placeholder 2"/>
-          <p:cNvSpPr>
-            <a:spLocks noGrp="1"/>
-          </p:cNvSpPr>
-          <p:nvPr>
-            <p:ph sz="quarter" idx="1"/>
-          </p:nvPr>
-        </p:nvSpPr>
-        <p:spPr>
-          <a:xfrm>
-            <a:off x="322385" y="1600199"/>
-            <a:ext cx="8443663" cy="5150339"/>
-          </a:xfrm>
-        </p:spPr>
-        <p:txBody>
-          <a:bodyPr>
-            <a:normAutofit/>
-          </a:bodyPr>
-          <a:lstStyle/>
-          <a:p>
-            <a:pPr marL="0" indent="0">
-              <a:buNone/>
-            </a:pPr>
-            <a:r>
-              <a:rPr lang="en-US" sz="1800" dirty="0" err="1">
-                <a:latin typeface="Andale Mono"/>
-                <a:cs typeface="Andale Mono"/>
-              </a:rPr>
-              <a:t>mkYesod</a:t>
-            </a:r>
-            <a:r>
-              <a:rPr lang="en-US" sz="1800" dirty="0">
-                <a:latin typeface="Andale Mono"/>
-                <a:cs typeface="Andale Mono"/>
-              </a:rPr>
-              <a:t> "</a:t>
-            </a:r>
-            <a:r>
-              <a:rPr lang="en-US" sz="1800" dirty="0" err="1">
-                <a:latin typeface="Andale Mono"/>
-                <a:cs typeface="Andale Mono"/>
-              </a:rPr>
-              <a:t>HelloWorld</a:t>
-            </a:r>
-            <a:r>
-              <a:rPr lang="en-US" sz="1800" dirty="0">
-                <a:latin typeface="Andale Mono"/>
-                <a:cs typeface="Andale Mono"/>
-              </a:rPr>
-              <a:t>" [</a:t>
-            </a:r>
-            <a:r>
-              <a:rPr lang="en-US" sz="1800" dirty="0" err="1">
-                <a:latin typeface="Andale Mono"/>
-                <a:cs typeface="Andale Mono"/>
-              </a:rPr>
-              <a:t>parseRoutes</a:t>
-            </a:r>
-            <a:r>
-              <a:rPr lang="en-US" sz="1800" dirty="0">
-                <a:latin typeface="Andale Mono"/>
-                <a:cs typeface="Andale Mono"/>
-              </a:rPr>
-              <a:t>|</a:t>
-            </a:r>
-          </a:p>
-          <a:p>
-            <a:pPr marL="0" indent="0">
-              <a:buNone/>
-            </a:pPr>
-            <a:r>
-              <a:rPr lang="en-US" sz="1800" dirty="0">
-                <a:latin typeface="Andale Mono"/>
-                <a:cs typeface="Andale Mono"/>
-              </a:rPr>
-              <a:t>/ </a:t>
-            </a:r>
-            <a:r>
-              <a:rPr lang="en-US" sz="1800" dirty="0" err="1">
-                <a:latin typeface="Andale Mono"/>
-                <a:cs typeface="Andale Mono"/>
-              </a:rPr>
-              <a:t>HomeR</a:t>
-            </a:r>
-            <a:r>
-              <a:rPr lang="en-US" sz="1800" dirty="0">
-                <a:latin typeface="Andale Mono"/>
-                <a:cs typeface="Andale Mono"/>
-              </a:rPr>
-              <a:t> GET</a:t>
-            </a:r>
-          </a:p>
-          <a:p>
-            <a:pPr marL="0" indent="0">
-              <a:buNone/>
-            </a:pPr>
-            <a:r>
-              <a:rPr lang="en-US" sz="1800" dirty="0">
-                <a:latin typeface="Andale Mono"/>
-                <a:cs typeface="Andale Mono"/>
-              </a:rPr>
-              <a:t>|]</a:t>
-            </a:r>
-          </a:p>
-          <a:p>
-            <a:r>
-              <a:rPr lang="en-US" sz="3400" dirty="0" smtClean="0"/>
-              <a:t>Important points about generated code:</a:t>
-            </a:r>
-          </a:p>
-          <a:p>
-            <a:pPr marL="0" indent="0">
-              <a:buNone/>
-            </a:pPr>
-            <a:r>
-              <a:rPr lang="en-US" sz="1900" dirty="0">
-                <a:latin typeface="Andale Mono"/>
-                <a:cs typeface="Andale Mono"/>
-              </a:rPr>
-              <a:t>instance </a:t>
-            </a:r>
-            <a:r>
-              <a:rPr lang="en-US" sz="1900" dirty="0" err="1">
-                <a:latin typeface="Andale Mono"/>
-                <a:cs typeface="Andale Mono"/>
-              </a:rPr>
-              <a:t>RenderRoute</a:t>
-            </a:r>
-            <a:r>
-              <a:rPr lang="en-US" sz="1900" dirty="0">
-                <a:latin typeface="Andale Mono"/>
-                <a:cs typeface="Andale Mono"/>
-              </a:rPr>
-              <a:t> </a:t>
-            </a:r>
-            <a:r>
-              <a:rPr lang="en-US" sz="1900" dirty="0" err="1">
-                <a:latin typeface="Andale Mono"/>
-                <a:cs typeface="Andale Mono"/>
-              </a:rPr>
-              <a:t>HelloWorld</a:t>
-            </a:r>
-            <a:r>
-              <a:rPr lang="en-US" sz="1900" dirty="0">
-                <a:latin typeface="Andale Mono"/>
-                <a:cs typeface="Andale Mono"/>
-              </a:rPr>
-              <a:t> where</a:t>
-            </a:r>
-          </a:p>
-          <a:p>
-            <a:pPr marL="0" indent="0">
-              <a:buNone/>
-            </a:pPr>
-            <a:r>
-              <a:rPr lang="en-US" sz="1900" dirty="0">
-                <a:latin typeface="Andale Mono"/>
-                <a:cs typeface="Andale Mono"/>
-              </a:rPr>
-              <a:t>  data Route </a:t>
-            </a:r>
-            <a:r>
-              <a:rPr lang="en-US" sz="1900" dirty="0" err="1">
-                <a:latin typeface="Andale Mono"/>
-                <a:cs typeface="Andale Mono"/>
-              </a:rPr>
-              <a:t>HelloWorld</a:t>
-            </a:r>
-            <a:r>
-              <a:rPr lang="en-US" sz="1900" dirty="0">
-                <a:latin typeface="Andale Mono"/>
-                <a:cs typeface="Andale Mono"/>
-              </a:rPr>
-              <a:t> = </a:t>
-            </a:r>
-            <a:r>
-              <a:rPr lang="en-US" sz="1900" dirty="0" err="1">
-                <a:latin typeface="Andale Mono"/>
-                <a:cs typeface="Andale Mono"/>
-              </a:rPr>
-              <a:t>HomeR</a:t>
-            </a:r>
-            <a:r>
-              <a:rPr lang="en-US" sz="1900" dirty="0">
-                <a:latin typeface="Andale Mono"/>
-                <a:cs typeface="Andale Mono"/>
-              </a:rPr>
-              <a:t> deriving (Show, </a:t>
-            </a:r>
-            <a:r>
-              <a:rPr lang="en-US" sz="1900" dirty="0" err="1">
-                <a:latin typeface="Andale Mono"/>
-                <a:cs typeface="Andale Mono"/>
-              </a:rPr>
-              <a:t>Eq</a:t>
-            </a:r>
-            <a:r>
-              <a:rPr lang="en-US" sz="1900" dirty="0">
-                <a:latin typeface="Andale Mono"/>
-                <a:cs typeface="Andale Mono"/>
-              </a:rPr>
-              <a:t>, Read)</a:t>
-            </a:r>
-          </a:p>
-          <a:p>
-            <a:pPr marL="0" indent="0">
-              <a:buNone/>
-            </a:pPr>
-            <a:r>
-              <a:rPr lang="en-US" sz="1900" dirty="0">
-                <a:latin typeface="Andale Mono"/>
-                <a:cs typeface="Andale Mono"/>
-              </a:rPr>
-              <a:t>  </a:t>
-            </a:r>
-            <a:r>
-              <a:rPr lang="en-US" sz="1900" dirty="0" err="1">
-                <a:latin typeface="Andale Mono"/>
-                <a:cs typeface="Andale Mono"/>
-              </a:rPr>
-              <a:t>renderRoute</a:t>
-            </a:r>
-            <a:r>
-              <a:rPr lang="en-US" sz="1900" dirty="0">
-                <a:latin typeface="Andale Mono"/>
-                <a:cs typeface="Andale Mono"/>
-              </a:rPr>
-              <a:t> </a:t>
-            </a:r>
-            <a:r>
-              <a:rPr lang="en-US" sz="1900" dirty="0" err="1">
-                <a:latin typeface="Andale Mono"/>
-                <a:cs typeface="Andale Mono"/>
-              </a:rPr>
-              <a:t>HomeR</a:t>
-            </a:r>
-            <a:r>
-              <a:rPr lang="en-US" sz="1900" dirty="0">
-                <a:latin typeface="Andale Mono"/>
-                <a:cs typeface="Andale Mono"/>
-              </a:rPr>
-              <a:t> = ([], [])</a:t>
-            </a:r>
-          </a:p>
-          <a:p>
-            <a:endParaRPr lang="en-US" sz="1900" dirty="0" smtClean="0">
-              <a:latin typeface="Andale Mono"/>
-              <a:cs typeface="Andale Mono"/>
-            </a:endParaRPr>
-          </a:p>
-          <a:p>
-            <a:pPr marL="0" indent="0">
-              <a:buNone/>
-            </a:pPr>
-            <a:r>
-              <a:rPr lang="en-US" sz="1900" dirty="0" smtClean="0">
-                <a:latin typeface="Andale Mono"/>
-                <a:cs typeface="Andale Mono"/>
-              </a:rPr>
-              <a:t>-- Shorthand </a:t>
-            </a:r>
-            <a:r>
-              <a:rPr lang="en-US" sz="1900" dirty="0" err="1" smtClean="0">
-                <a:latin typeface="Andale Mono"/>
-                <a:cs typeface="Andale Mono"/>
-              </a:rPr>
-              <a:t>GHandler</a:t>
-            </a:r>
-            <a:r>
-              <a:rPr lang="en-US" sz="1900" dirty="0" smtClean="0">
-                <a:latin typeface="Andale Mono"/>
-                <a:cs typeface="Andale Mono"/>
-              </a:rPr>
-              <a:t> &amp; </a:t>
-            </a:r>
-            <a:r>
-              <a:rPr lang="en-US" sz="1900" dirty="0" err="1" smtClean="0">
-                <a:latin typeface="Andale Mono"/>
-                <a:cs typeface="Andale Mono"/>
-              </a:rPr>
-              <a:t>GWidget</a:t>
-            </a:r>
-            <a:r>
-              <a:rPr lang="en-US" sz="1900" dirty="0" smtClean="0">
-                <a:latin typeface="Andale Mono"/>
-                <a:cs typeface="Andale Mono"/>
-              </a:rPr>
-              <a:t> types for your app</a:t>
-            </a:r>
-            <a:endParaRPr lang="en-US" sz="1900" dirty="0">
-              <a:latin typeface="Andale Mono"/>
-              <a:cs typeface="Andale Mono"/>
-            </a:endParaRPr>
-          </a:p>
-          <a:p>
-            <a:pPr marL="0" indent="0">
-              <a:buNone/>
-            </a:pPr>
-            <a:r>
-              <a:rPr lang="en-US" sz="1900" dirty="0">
-                <a:latin typeface="Andale Mono"/>
-                <a:cs typeface="Andale Mono"/>
-              </a:rPr>
-              <a:t>type Handler = </a:t>
-            </a:r>
-            <a:r>
-              <a:rPr lang="en-US" sz="1900" dirty="0" err="1">
-                <a:latin typeface="Andale Mono"/>
-                <a:cs typeface="Andale Mono"/>
-              </a:rPr>
-              <a:t>GHandler</a:t>
-            </a:r>
-            <a:r>
-              <a:rPr lang="en-US" sz="1900" dirty="0">
-                <a:latin typeface="Andale Mono"/>
-                <a:cs typeface="Andale Mono"/>
-              </a:rPr>
-              <a:t> </a:t>
-            </a:r>
-            <a:r>
-              <a:rPr lang="en-US" sz="1900" dirty="0" err="1">
-                <a:latin typeface="Andale Mono"/>
-                <a:cs typeface="Andale Mono"/>
-              </a:rPr>
-              <a:t>HelloWorld</a:t>
-            </a:r>
-            <a:r>
-              <a:rPr lang="en-US" sz="1900" dirty="0">
-                <a:latin typeface="Andale Mono"/>
-                <a:cs typeface="Andale Mono"/>
-              </a:rPr>
-              <a:t> </a:t>
-            </a:r>
-            <a:r>
-              <a:rPr lang="en-US" sz="1900" dirty="0" err="1">
-                <a:latin typeface="Andale Mono"/>
-                <a:cs typeface="Andale Mono"/>
-              </a:rPr>
-              <a:t>HelloWorld</a:t>
-            </a:r>
-            <a:endParaRPr lang="en-US" sz="1900" dirty="0">
-              <a:latin typeface="Andale Mono"/>
-              <a:cs typeface="Andale Mono"/>
-            </a:endParaRPr>
-          </a:p>
-          <a:p>
-            <a:pPr marL="0" indent="0">
-              <a:buNone/>
-            </a:pPr>
-            <a:r>
-              <a:rPr lang="en-US" sz="1900" dirty="0">
-                <a:latin typeface="Andale Mono"/>
-                <a:cs typeface="Andale Mono"/>
-              </a:rPr>
-              <a:t>type Widget = </a:t>
-            </a:r>
-            <a:r>
-              <a:rPr lang="en-US" sz="1900" dirty="0" err="1">
-                <a:latin typeface="Andale Mono"/>
-                <a:cs typeface="Andale Mono"/>
-              </a:rPr>
-              <a:t>GWidget</a:t>
-            </a:r>
-            <a:r>
-              <a:rPr lang="en-US" sz="1900" dirty="0">
-                <a:latin typeface="Andale Mono"/>
-                <a:cs typeface="Andale Mono"/>
-              </a:rPr>
-              <a:t> </a:t>
-            </a:r>
-            <a:r>
-              <a:rPr lang="en-US" sz="1900" dirty="0" err="1">
-                <a:latin typeface="Andale Mono"/>
-                <a:cs typeface="Andale Mono"/>
-              </a:rPr>
-              <a:t>HelloWorld</a:t>
-            </a:r>
-            <a:r>
-              <a:rPr lang="en-US" sz="1900" dirty="0">
-                <a:latin typeface="Andale Mono"/>
-                <a:cs typeface="Andale Mono"/>
-              </a:rPr>
-              <a:t> </a:t>
-            </a:r>
-            <a:r>
-              <a:rPr lang="en-US" sz="1900" dirty="0" err="1">
-                <a:latin typeface="Andale Mono"/>
-                <a:cs typeface="Andale Mono"/>
-              </a:rPr>
-              <a:t>HelloWorld</a:t>
-            </a:r>
-            <a:r>
-              <a:rPr lang="en-US" sz="1900" dirty="0">
-                <a:latin typeface="Andale Mono"/>
-                <a:cs typeface="Andale Mono"/>
-              </a:rPr>
-              <a:t> ()</a:t>
-            </a:r>
-          </a:p>
-          <a:p>
-            <a:pPr marL="0" indent="0">
-              <a:buNone/>
-            </a:pPr>
-            <a:r>
-              <a:rPr lang="en-US" sz="1900" dirty="0"/>
-              <a:t>  </a:t>
-            </a:r>
-          </a:p>
-        </p:txBody>
-      </p:sp>
-    </p:spTree>
-    <p:extLst>
-      <p:ext uri="{BB962C8B-B14F-4D97-AF65-F5344CB8AC3E}">
-        <p14:creationId xmlns:p14="http://schemas.microsoft.com/office/powerpoint/2010/main" val="2448803497"/>
       </p:ext>
     </p:extLst>
   </p:cSld>
@@ -5217,20 +5344,8 @@
           <a:lstStyle/>
           <a:p>
             <a:r>
-              <a:rPr lang="en-US" dirty="0" err="1"/>
-              <a:t>mkYesod</a:t>
-            </a:r>
-            <a:r>
-              <a:rPr lang="en-US" dirty="0"/>
-              <a:t> &amp; </a:t>
-            </a:r>
-            <a:r>
-              <a:rPr lang="en-US" dirty="0" err="1" smtClean="0"/>
-              <a:t>parseRoutes</a:t>
-            </a:r>
-            <a:r>
               <a:rPr lang="en-US" dirty="0" smtClean="0"/>
-              <a:t> (cont.)</a:t>
+              <a:t>Foundation Type</a:t>
             </a:r>
             <a:endParaRPr lang="en-US" dirty="0"/>
           </a:p>
@@ -5248,13 +5363,13 @@
         </p:nvSpPr>
         <p:spPr>
           <a:xfrm>
-            <a:off x="224692" y="1748692"/>
-            <a:ext cx="8655539" cy="4757615"/>
+            <a:off x="612648" y="1600200"/>
+            <a:ext cx="8153400" cy="4865708"/>
           </a:xfrm>
         </p:spPr>
         <p:txBody>
           <a:bodyPr>
-            <a:noAutofit/>
+            <a:normAutofit lnSpcReduction="10000"/>
           </a:bodyPr>
           <a:lstStyle/>
           <a:p>
@@ -5262,356 +5377,117 @@
               <a:buNone/>
             </a:pPr>
             <a:r>
-              <a:rPr lang="en-US" sz="1800" dirty="0">
-                <a:latin typeface="Andale Mono"/>
-                <a:cs typeface="Andale Mono"/>
-              </a:rPr>
-              <a:t>instance </a:t>
-            </a:r>
-            <a:r>
-              <a:rPr lang="en-US" sz="1800" dirty="0" err="1">
-                <a:latin typeface="Andale Mono"/>
-                <a:cs typeface="Andale Mono"/>
-              </a:rPr>
-              <a:t>YesodDispatch</a:t>
-            </a:r>
-            <a:r>
-              <a:rPr lang="en-US" sz="1800" dirty="0">
+              <a:rPr lang="en-US" dirty="0" smtClean="0">
+                <a:latin typeface="Andale Mono"/>
+                <a:cs typeface="Andale Mono"/>
+              </a:rPr>
+              <a:t>data </a:t>
+            </a:r>
+            <a:r>
+              <a:rPr lang="en-US" dirty="0" err="1" smtClean="0">
+                <a:latin typeface="Andale Mono"/>
+                <a:cs typeface="Andale Mono"/>
+              </a:rPr>
+              <a:t>HelloWorld</a:t>
+            </a:r>
+            <a:r>
+              <a:rPr lang="en-US" dirty="0" smtClean="0">
+                <a:latin typeface="Andale Mono"/>
+                <a:cs typeface="Andale Mono"/>
+              </a:rPr>
+              <a:t> = </a:t>
+            </a:r>
+            <a:r>
+              <a:rPr lang="en-US" dirty="0" err="1" smtClean="0">
+                <a:latin typeface="Andale Mono"/>
+                <a:cs typeface="Andale Mono"/>
+              </a:rPr>
+              <a:t>HelloWorld</a:t>
+            </a:r>
+            <a:r>
+              <a:rPr lang="en-US" dirty="0" smtClean="0">
                 <a:latin typeface="Andale Mono"/>
                 <a:cs typeface="Andale Mono"/>
               </a:rPr>
               <a:t> </a:t>
             </a:r>
-            <a:r>
-              <a:rPr lang="en-US" sz="1800" dirty="0" err="1">
-                <a:latin typeface="Andale Mono"/>
-                <a:cs typeface="Andale Mono"/>
-              </a:rPr>
-              <a:t>HelloWorld</a:t>
-            </a:r>
-            <a:r>
-              <a:rPr lang="en-US" sz="1800" dirty="0">
-                <a:latin typeface="Andale Mono"/>
-                <a:cs typeface="Andale Mono"/>
-              </a:rPr>
-              <a:t> </a:t>
-            </a:r>
-            <a:r>
-              <a:rPr lang="en-US" sz="1800" dirty="0" err="1">
-                <a:latin typeface="Andale Mono"/>
-                <a:cs typeface="Andale Mono"/>
-              </a:rPr>
-              <a:t>HelloWorld</a:t>
-            </a:r>
-            <a:r>
-              <a:rPr lang="en-US" sz="1800" dirty="0">
-                <a:latin typeface="Andale Mono"/>
-                <a:cs typeface="Andale Mono"/>
-              </a:rPr>
-              <a:t> </a:t>
-            </a:r>
-            <a:r>
-              <a:rPr lang="en-US" sz="1800" dirty="0" smtClean="0">
-                <a:latin typeface="Andale Mono"/>
-                <a:cs typeface="Andale Mono"/>
-              </a:rPr>
-              <a:t>where</a:t>
-            </a:r>
-          </a:p>
-          <a:p>
-            <a:pPr marL="0" indent="0">
-              <a:buNone/>
-            </a:pPr>
-            <a:r>
-              <a:rPr lang="en-US" sz="1800" dirty="0">
-                <a:latin typeface="Andale Mono"/>
-                <a:cs typeface="Andale Mono"/>
-              </a:rPr>
-              <a:t> </a:t>
-            </a:r>
-            <a:r>
-              <a:rPr lang="en-US" sz="1800" dirty="0" smtClean="0">
-                <a:latin typeface="Andale Mono"/>
-                <a:cs typeface="Andale Mono"/>
-              </a:rPr>
-              <a:t> </a:t>
-            </a:r>
-            <a:r>
-              <a:rPr lang="en-US" sz="1800" dirty="0" err="1" smtClean="0">
-                <a:latin typeface="Andale Mono"/>
-                <a:cs typeface="Andale Mono"/>
-              </a:rPr>
-              <a:t>yesodDispatch</a:t>
-            </a:r>
-            <a:r>
-              <a:rPr lang="en-US" sz="1800" dirty="0" smtClean="0">
-                <a:latin typeface="Andale Mono"/>
-                <a:cs typeface="Andale Mono"/>
-              </a:rPr>
-              <a:t> </a:t>
-            </a:r>
-            <a:r>
-              <a:rPr lang="en-US" sz="1800" dirty="0">
-                <a:latin typeface="Andale Mono"/>
-                <a:cs typeface="Andale Mono"/>
-              </a:rPr>
-              <a:t>master sub </a:t>
-            </a:r>
-            <a:r>
-              <a:rPr lang="en-US" sz="1800" dirty="0" err="1">
-                <a:latin typeface="Andale Mono"/>
-                <a:cs typeface="Andale Mono"/>
-              </a:rPr>
-              <a:t>toMaster</a:t>
-            </a:r>
-            <a:r>
-              <a:rPr lang="en-US" sz="1800" dirty="0">
-                <a:latin typeface="Andale Mono"/>
-                <a:cs typeface="Andale Mono"/>
-              </a:rPr>
-              <a:t> handler404 handler405 </a:t>
-            </a:r>
-            <a:r>
-              <a:rPr lang="en-US" sz="1800" dirty="0" smtClean="0">
-                <a:latin typeface="Andale Mono"/>
-                <a:cs typeface="Andale Mono"/>
-              </a:rPr>
-              <a:t>      </a:t>
-            </a:r>
-          </a:p>
-          <a:p>
-            <a:pPr marL="0" indent="0">
-              <a:buNone/>
-            </a:pPr>
-            <a:r>
-              <a:rPr lang="en-US" sz="1800" dirty="0">
-                <a:latin typeface="Andale Mono"/>
-                <a:cs typeface="Andale Mono"/>
-              </a:rPr>
-              <a:t> </a:t>
-            </a:r>
-            <a:r>
-              <a:rPr lang="en-US" sz="1800" dirty="0" smtClean="0">
-                <a:latin typeface="Andale Mono"/>
-                <a:cs typeface="Andale Mono"/>
-              </a:rPr>
-              <a:t>   method </a:t>
-            </a:r>
-            <a:r>
-              <a:rPr lang="en-US" sz="1800" dirty="0">
-                <a:latin typeface="Andale Mono"/>
-                <a:cs typeface="Andale Mono"/>
-              </a:rPr>
-              <a:t>pieces = </a:t>
-            </a:r>
-          </a:p>
-          <a:p>
-            <a:pPr marL="0" indent="0">
-              <a:buNone/>
-            </a:pPr>
-            <a:r>
-              <a:rPr lang="en-US" sz="1800" dirty="0">
-                <a:latin typeface="Andale Mono"/>
-                <a:cs typeface="Andale Mono"/>
-              </a:rPr>
-              <a:t>    </a:t>
-            </a:r>
-            <a:r>
-              <a:rPr lang="en-US" sz="1800" dirty="0" smtClean="0">
-                <a:latin typeface="Andale Mono"/>
-                <a:cs typeface="Andale Mono"/>
-              </a:rPr>
-              <a:t>-- A function that examines the pieces of the URL.</a:t>
-            </a:r>
-          </a:p>
-          <a:p>
-            <a:pPr marL="0" indent="0">
-              <a:buNone/>
-            </a:pPr>
-            <a:r>
-              <a:rPr lang="en-US" sz="1800" dirty="0">
-                <a:latin typeface="Andale Mono"/>
-                <a:cs typeface="Andale Mono"/>
-              </a:rPr>
-              <a:t> </a:t>
-            </a:r>
-            <a:r>
-              <a:rPr lang="en-US" sz="1800" dirty="0" smtClean="0">
-                <a:latin typeface="Andale Mono"/>
-                <a:cs typeface="Andale Mono"/>
-              </a:rPr>
-              <a:t>   -- if there are any URL pieces (i.e. not root URL) =&gt; 404</a:t>
-            </a:r>
-          </a:p>
-          <a:p>
-            <a:pPr marL="0" indent="0">
-              <a:buNone/>
-            </a:pPr>
-            <a:r>
-              <a:rPr lang="en-US" sz="1800" dirty="0">
-                <a:latin typeface="Andale Mono"/>
-                <a:cs typeface="Andale Mono"/>
-              </a:rPr>
-              <a:t> </a:t>
-            </a:r>
-            <a:r>
-              <a:rPr lang="en-US" sz="1800" dirty="0" smtClean="0">
-                <a:latin typeface="Andale Mono"/>
-                <a:cs typeface="Andale Mono"/>
-              </a:rPr>
-              <a:t>   -- if the URL is ‘/’ and method isn’t GET          =&gt; 405</a:t>
-            </a:r>
-          </a:p>
-          <a:p>
-            <a:pPr marL="0" indent="0">
-              <a:buNone/>
-            </a:pPr>
-            <a:r>
-              <a:rPr lang="en-US" sz="1800" dirty="0">
-                <a:latin typeface="Andale Mono"/>
-                <a:cs typeface="Andale Mono"/>
-              </a:rPr>
-              <a:t> </a:t>
-            </a:r>
-            <a:r>
-              <a:rPr lang="en-US" sz="1800" dirty="0" smtClean="0">
-                <a:latin typeface="Andale Mono"/>
-                <a:cs typeface="Andale Mono"/>
-              </a:rPr>
-              <a:t>   -- else use </a:t>
-            </a:r>
-            <a:r>
-              <a:rPr lang="en-US" sz="1800" dirty="0" err="1" smtClean="0">
-                <a:latin typeface="Andale Mono"/>
-                <a:cs typeface="Andale Mono"/>
-              </a:rPr>
-              <a:t>getHomeR</a:t>
-            </a:r>
-            <a:r>
-              <a:rPr lang="en-US" sz="1800" dirty="0" smtClean="0">
-                <a:latin typeface="Andale Mono"/>
-                <a:cs typeface="Andale Mono"/>
-              </a:rPr>
-              <a:t> handler to handle request.</a:t>
-            </a:r>
-          </a:p>
-          <a:p>
-            <a:pPr marL="0" indent="0">
-              <a:buNone/>
-            </a:pPr>
-            <a:r>
-              <a:rPr lang="en-US" sz="1800" dirty="0">
-                <a:latin typeface="Andale Mono"/>
-                <a:cs typeface="Andale Mono"/>
-              </a:rPr>
-              <a:t> </a:t>
-            </a:r>
-          </a:p>
-          <a:p>
-            <a:pPr marL="0" indent="0">
-              <a:buNone/>
-            </a:pPr>
-            <a:r>
-              <a:rPr lang="en-US" sz="1800" dirty="0" smtClean="0">
-                <a:cs typeface="Andale Mono"/>
-              </a:rPr>
-              <a:t>If you want to see more details, look at:</a:t>
-            </a:r>
-          </a:p>
-          <a:p>
-            <a:r>
-              <a:rPr lang="en-US" sz="1800" dirty="0" err="1">
-                <a:cs typeface="Andale Mono"/>
-              </a:rPr>
-              <a:t>g</a:t>
-            </a:r>
-            <a:r>
-              <a:rPr lang="en-US" sz="1800" dirty="0" err="1" smtClean="0">
-                <a:cs typeface="Andale Mono"/>
-              </a:rPr>
-              <a:t>hc</a:t>
-            </a:r>
-            <a:r>
-              <a:rPr lang="en-US" sz="1800" dirty="0" smtClean="0">
-                <a:cs typeface="Andale Mono"/>
-              </a:rPr>
-              <a:t> –</a:t>
-            </a:r>
-            <a:r>
-              <a:rPr lang="en-US" sz="1800" dirty="0" err="1" smtClean="0">
-                <a:cs typeface="Andale Mono"/>
-              </a:rPr>
-              <a:t>ddump</a:t>
-            </a:r>
-            <a:r>
-              <a:rPr lang="en-US" sz="1800" dirty="0" smtClean="0">
-                <a:cs typeface="Andale Mono"/>
-              </a:rPr>
-              <a:t>-splices </a:t>
-            </a:r>
-            <a:r>
-              <a:rPr lang="en-US" sz="1800" dirty="0" err="1" smtClean="0">
-                <a:cs typeface="Andale Mono"/>
-              </a:rPr>
-              <a:t>simple_yesod</a:t>
-            </a:r>
-            <a:r>
-              <a:rPr lang="en-US" sz="1800" dirty="0" smtClean="0">
-                <a:cs typeface="Andale Mono"/>
-              </a:rPr>
-              <a:t>/helloworld.0.hs ( for the actual splices )</a:t>
-            </a:r>
-          </a:p>
-          <a:p>
-            <a:r>
-              <a:rPr lang="en-US" sz="1800" dirty="0" err="1" smtClean="0">
-                <a:cs typeface="Andale Mono"/>
-              </a:rPr>
-              <a:t>simple_yesod</a:t>
-            </a:r>
-            <a:r>
-              <a:rPr lang="en-US" sz="1800" dirty="0" smtClean="0">
-                <a:cs typeface="Andale Mono"/>
-              </a:rPr>
-              <a:t>/helloworld.0.expanded.hs ( for a much neater-but-equivalent version</a:t>
-            </a:r>
-            <a:r>
-              <a:rPr lang="en-US" sz="1800" dirty="0" smtClean="0">
-                <a:latin typeface="Andale Mono"/>
-                <a:cs typeface="Andale Mono"/>
-              </a:rPr>
-              <a:t>)</a:t>
-            </a:r>
-          </a:p>
-          <a:p>
-            <a:r>
-              <a:rPr lang="en-US" sz="1800" dirty="0" smtClean="0">
-                <a:cs typeface="Andale Mono"/>
-              </a:rPr>
-              <a:t>Looking at the splices on small examples helps get a deep understanding of </a:t>
-            </a:r>
-            <a:r>
-              <a:rPr lang="en-US" sz="1800" dirty="0" err="1" smtClean="0">
-                <a:cs typeface="Andale Mono"/>
-              </a:rPr>
-              <a:t>yesod</a:t>
-            </a:r>
-            <a:r>
-              <a:rPr lang="en-US" sz="1800" dirty="0" smtClean="0">
-                <a:cs typeface="Andale Mono"/>
-              </a:rPr>
-              <a:t>, but is unnecessary to look at ( unless you get a really weird type error ! )</a:t>
-            </a:r>
-            <a:endParaRPr lang="en-US" sz="1800" dirty="0">
+          </a:p>
+          <a:p>
+            <a:pPr marL="0" indent="0">
+              <a:buNone/>
+            </a:pPr>
+            <a:endParaRPr lang="en-US" dirty="0" smtClean="0">
+              <a:latin typeface="Andale Mono"/>
               <a:cs typeface="Andale Mono"/>
             </a:endParaRPr>
+          </a:p>
+          <a:p>
+            <a:r>
+              <a:rPr lang="en-US" dirty="0" smtClean="0"/>
+              <a:t>Is a normal Haskell data type. Can be accessed from anywhere inside your handlers using </a:t>
+            </a:r>
+            <a:r>
+              <a:rPr lang="en-US" dirty="0" err="1" smtClean="0"/>
+              <a:t>getYesod</a:t>
+            </a:r>
+            <a:r>
+              <a:rPr lang="en-US" dirty="0" smtClean="0"/>
+              <a:t>.</a:t>
+            </a:r>
+          </a:p>
+          <a:p>
+            <a:r>
+              <a:rPr lang="en-US" dirty="0" smtClean="0"/>
+              <a:t>Used for storing data that is central to your app:</a:t>
+            </a:r>
+          </a:p>
+          <a:p>
+            <a:pPr lvl="1"/>
+            <a:r>
+              <a:rPr lang="en-US" dirty="0" smtClean="0"/>
+              <a:t>Configuration</a:t>
+            </a:r>
+          </a:p>
+          <a:p>
+            <a:pPr lvl="1"/>
+            <a:r>
+              <a:rPr lang="en-US" dirty="0" smtClean="0"/>
+              <a:t>Connection pools</a:t>
+            </a:r>
+          </a:p>
+          <a:p>
+            <a:pPr lvl="1"/>
+            <a:r>
+              <a:rPr lang="en-US" dirty="0" err="1" smtClean="0"/>
+              <a:t>IORefs</a:t>
+            </a:r>
+            <a:r>
+              <a:rPr lang="en-US" dirty="0" smtClean="0"/>
+              <a:t> (!)</a:t>
+            </a:r>
+          </a:p>
+          <a:p>
+            <a:pPr lvl="1"/>
+            <a:r>
+              <a:rPr lang="en-US" dirty="0" smtClean="0"/>
+              <a:t>Whatever you want</a:t>
+            </a:r>
+          </a:p>
+          <a:p>
+            <a:r>
+              <a:rPr lang="en-US" dirty="0" smtClean="0"/>
+              <a:t>More on this later.</a:t>
+            </a:r>
+          </a:p>
+          <a:p>
+            <a:endParaRPr lang="en-US" dirty="0"/>
           </a:p>
         </p:txBody>
       </p:sp>
     </p:spTree>
     <p:extLst>
       <p:ext uri="{BB962C8B-B14F-4D97-AF65-F5344CB8AC3E}">
-        <p14:creationId xmlns:p14="http://schemas.microsoft.com/office/powerpoint/2010/main" val="2590879417"/>
+        <p14:creationId xmlns:p14="http://schemas.microsoft.com/office/powerpoint/2010/main" val="2727764366"/>
       </p:ext>
     </p:extLst>
   </p:cSld>
@@ -5661,8 +5537,16 @@
           <a:lstStyle/>
           <a:p>
             <a:r>
+              <a:rPr lang="en-US" dirty="0" err="1" smtClean="0"/>
+              <a:t>mkYesod</a:t>
+            </a:r>
+            <a:r>
               <a:rPr lang="en-US" dirty="0" smtClean="0"/>
-              <a:t>Parameterized greetings</a:t>
+              <a:t> &amp; </a:t>
+            </a:r>
+            <a:r>
+              <a:rPr lang="en-US" dirty="0" err="1" smtClean="0"/>
+              <a:t>parseRoutes</a:t>
             </a:r>
             <a:endParaRPr lang="en-US" dirty="0"/>
           </a:p>
@@ -5678,6 +5562,922 @@
             <p:ph sz="quarter" idx="1"/>
           </p:nvPr>
         </p:nvSpPr>
+        <p:spPr>
+          <a:xfrm>
+            <a:off x="322385" y="1600199"/>
+            <a:ext cx="8443663" cy="5150339"/>
+          </a:xfrm>
+        </p:spPr>
+        <p:txBody>
+          <a:bodyPr>
+            <a:normAutofit/>
+          </a:bodyPr>
+          <a:lstStyle/>
+          <a:p>
+            <a:pPr marL="0" indent="0">
+              <a:buNone/>
+            </a:pPr>
+            <a:r>
+              <a:rPr lang="en-US" sz="1800" dirty="0" err="1">
+                <a:latin typeface="Andale Mono"/>
+                <a:cs typeface="Andale Mono"/>
+              </a:rPr>
+              <a:t>mkYesod</a:t>
+            </a:r>
+            <a:r>
+              <a:rPr lang="en-US" sz="1800" dirty="0">
+                <a:latin typeface="Andale Mono"/>
+                <a:cs typeface="Andale Mono"/>
+              </a:rPr>
+              <a:t> "</a:t>
+            </a:r>
+            <a:r>
+              <a:rPr lang="en-US" sz="1800" dirty="0" err="1">
+                <a:latin typeface="Andale Mono"/>
+                <a:cs typeface="Andale Mono"/>
+              </a:rPr>
+              <a:t>HelloWorld</a:t>
+            </a:r>
+            <a:r>
+              <a:rPr lang="en-US" sz="1800" dirty="0">
+                <a:latin typeface="Andale Mono"/>
+                <a:cs typeface="Andale Mono"/>
+              </a:rPr>
+              <a:t>" [</a:t>
+            </a:r>
+            <a:r>
+              <a:rPr lang="en-US" sz="1800" dirty="0" err="1">
+                <a:latin typeface="Andale Mono"/>
+                <a:cs typeface="Andale Mono"/>
+              </a:rPr>
+              <a:t>parseRoutes</a:t>
+            </a:r>
+            <a:r>
+              <a:rPr lang="en-US" sz="1800" dirty="0">
+                <a:latin typeface="Andale Mono"/>
+                <a:cs typeface="Andale Mono"/>
+              </a:rPr>
+              <a:t>|</a:t>
+            </a:r>
+          </a:p>
+          <a:p>
+            <a:pPr marL="0" indent="0">
+              <a:buNone/>
+            </a:pPr>
+            <a:r>
+              <a:rPr lang="en-US" sz="1800" dirty="0">
+                <a:latin typeface="Andale Mono"/>
+                <a:cs typeface="Andale Mono"/>
+              </a:rPr>
+              <a:t>/ </a:t>
+            </a:r>
+            <a:r>
+              <a:rPr lang="en-US" sz="1800" dirty="0" err="1">
+                <a:latin typeface="Andale Mono"/>
+                <a:cs typeface="Andale Mono"/>
+              </a:rPr>
+              <a:t>HomeR</a:t>
+            </a:r>
+            <a:r>
+              <a:rPr lang="en-US" sz="1800" dirty="0">
+                <a:latin typeface="Andale Mono"/>
+                <a:cs typeface="Andale Mono"/>
+              </a:rPr>
+              <a:t> GET</a:t>
+            </a:r>
+          </a:p>
+          <a:p>
+            <a:pPr marL="0" indent="0">
+              <a:buNone/>
+            </a:pPr>
+            <a:r>
+              <a:rPr lang="en-US" sz="1800" dirty="0">
+                <a:latin typeface="Andale Mono"/>
+                <a:cs typeface="Andale Mono"/>
+              </a:rPr>
+              <a:t>|]</a:t>
+            </a:r>
+          </a:p>
+          <a:p>
+            <a:r>
+              <a:rPr lang="en-US" sz="3400" dirty="0" smtClean="0"/>
+              <a:t>Important points about generated code:</a:t>
+            </a:r>
+          </a:p>
+          <a:p>
+            <a:pPr marL="0" indent="0">
+              <a:buNone/>
+            </a:pPr>
+            <a:r>
+              <a:rPr lang="en-US" sz="1900" dirty="0">
+                <a:latin typeface="Andale Mono"/>
+                <a:cs typeface="Andale Mono"/>
+              </a:rPr>
+              <a:t>instance </a:t>
+            </a:r>
+            <a:r>
+              <a:rPr lang="en-US" sz="1900" dirty="0" err="1">
+                <a:latin typeface="Andale Mono"/>
+                <a:cs typeface="Andale Mono"/>
+              </a:rPr>
+              <a:t>RenderRoute</a:t>
+            </a:r>
+            <a:r>
+              <a:rPr lang="en-US" sz="1900" dirty="0">
+                <a:latin typeface="Andale Mono"/>
+                <a:cs typeface="Andale Mono"/>
+              </a:rPr>
+              <a:t> </a:t>
+            </a:r>
+            <a:r>
+              <a:rPr lang="en-US" sz="1900" dirty="0" err="1">
+                <a:latin typeface="Andale Mono"/>
+                <a:cs typeface="Andale Mono"/>
+              </a:rPr>
+              <a:t>HelloWorld</a:t>
+            </a:r>
+            <a:r>
+              <a:rPr lang="en-US" sz="1900" dirty="0">
+                <a:latin typeface="Andale Mono"/>
+                <a:cs typeface="Andale Mono"/>
+              </a:rPr>
+              <a:t> where</a:t>
+            </a:r>
+          </a:p>
+          <a:p>
+            <a:pPr marL="0" indent="0">
+              <a:buNone/>
+            </a:pPr>
+            <a:r>
+              <a:rPr lang="en-US" sz="1900" dirty="0">
+                <a:latin typeface="Andale Mono"/>
+                <a:cs typeface="Andale Mono"/>
+              </a:rPr>
+              <a:t>  data Route </a:t>
+            </a:r>
+            <a:r>
+              <a:rPr lang="en-US" sz="1900" dirty="0" err="1">
+                <a:latin typeface="Andale Mono"/>
+                <a:cs typeface="Andale Mono"/>
+              </a:rPr>
+              <a:t>HelloWorld</a:t>
+            </a:r>
+            <a:r>
+              <a:rPr lang="en-US" sz="1900" dirty="0">
+                <a:latin typeface="Andale Mono"/>
+                <a:cs typeface="Andale Mono"/>
+              </a:rPr>
+              <a:t> = </a:t>
+            </a:r>
+            <a:r>
+              <a:rPr lang="en-US" sz="1900" dirty="0" err="1">
+                <a:latin typeface="Andale Mono"/>
+                <a:cs typeface="Andale Mono"/>
+              </a:rPr>
+              <a:t>HomeR</a:t>
+            </a:r>
+            <a:r>
+              <a:rPr lang="en-US" sz="1900" dirty="0">
+                <a:latin typeface="Andale Mono"/>
+                <a:cs typeface="Andale Mono"/>
+              </a:rPr>
+              <a:t> deriving (Show, </a:t>
+            </a:r>
+            <a:r>
+              <a:rPr lang="en-US" sz="1900" dirty="0" err="1">
+                <a:latin typeface="Andale Mono"/>
+                <a:cs typeface="Andale Mono"/>
+              </a:rPr>
+              <a:t>Eq</a:t>
+            </a:r>
+            <a:r>
+              <a:rPr lang="en-US" sz="1900" dirty="0">
+                <a:latin typeface="Andale Mono"/>
+                <a:cs typeface="Andale Mono"/>
+              </a:rPr>
+              <a:t>, Read)</a:t>
+            </a:r>
+          </a:p>
+          <a:p>
+            <a:pPr marL="0" indent="0">
+              <a:buNone/>
+            </a:pPr>
+            <a:r>
+              <a:rPr lang="en-US" sz="1900" dirty="0">
+                <a:latin typeface="Andale Mono"/>
+                <a:cs typeface="Andale Mono"/>
+              </a:rPr>
+              <a:t>  </a:t>
+            </a:r>
+            <a:r>
+              <a:rPr lang="en-US" sz="1900" dirty="0" err="1">
+                <a:latin typeface="Andale Mono"/>
+                <a:cs typeface="Andale Mono"/>
+              </a:rPr>
+              <a:t>renderRoute</a:t>
+            </a:r>
+            <a:r>
+              <a:rPr lang="en-US" sz="1900" dirty="0">
+                <a:latin typeface="Andale Mono"/>
+                <a:cs typeface="Andale Mono"/>
+              </a:rPr>
+              <a:t> </a:t>
+            </a:r>
+            <a:r>
+              <a:rPr lang="en-US" sz="1900" dirty="0" err="1">
+                <a:latin typeface="Andale Mono"/>
+                <a:cs typeface="Andale Mono"/>
+              </a:rPr>
+              <a:t>HomeR</a:t>
+            </a:r>
+            <a:r>
+              <a:rPr lang="en-US" sz="1900" dirty="0">
+                <a:latin typeface="Andale Mono"/>
+                <a:cs typeface="Andale Mono"/>
+              </a:rPr>
+              <a:t> = ([], [])</a:t>
+            </a:r>
+          </a:p>
+          <a:p>
+            <a:endParaRPr lang="en-US" sz="1900" dirty="0" smtClean="0">
+              <a:latin typeface="Andale Mono"/>
+              <a:cs typeface="Andale Mono"/>
+            </a:endParaRPr>
+          </a:p>
+          <a:p>
+            <a:pPr marL="0" indent="0">
+              <a:buNone/>
+            </a:pPr>
+            <a:r>
+              <a:rPr lang="en-US" sz="1900" dirty="0" smtClean="0">
+                <a:latin typeface="Andale Mono"/>
+                <a:cs typeface="Andale Mono"/>
+              </a:rPr>
+              <a:t>-- Shorthand </a:t>
+            </a:r>
+            <a:r>
+              <a:rPr lang="en-US" sz="1900" dirty="0" err="1" smtClean="0">
+                <a:latin typeface="Andale Mono"/>
+                <a:cs typeface="Andale Mono"/>
+              </a:rPr>
+              <a:t>GHandler</a:t>
+            </a:r>
+            <a:r>
+              <a:rPr lang="en-US" sz="1900" dirty="0" smtClean="0">
+                <a:latin typeface="Andale Mono"/>
+                <a:cs typeface="Andale Mono"/>
+              </a:rPr>
+              <a:t> &amp; </a:t>
+            </a:r>
+            <a:r>
+              <a:rPr lang="en-US" sz="1900" dirty="0" err="1" smtClean="0">
+                <a:latin typeface="Andale Mono"/>
+                <a:cs typeface="Andale Mono"/>
+              </a:rPr>
+              <a:t>GWidget</a:t>
+            </a:r>
+            <a:r>
+              <a:rPr lang="en-US" sz="1900" dirty="0" smtClean="0">
+                <a:latin typeface="Andale Mono"/>
+                <a:cs typeface="Andale Mono"/>
+              </a:rPr>
+              <a:t> types for your app</a:t>
+            </a:r>
+            <a:endParaRPr lang="en-US" sz="1900" dirty="0">
+              <a:latin typeface="Andale Mono"/>
+              <a:cs typeface="Andale Mono"/>
+            </a:endParaRPr>
+          </a:p>
+          <a:p>
+            <a:pPr marL="0" indent="0">
+              <a:buNone/>
+            </a:pPr>
+            <a:r>
+              <a:rPr lang="en-US" sz="1900" dirty="0">
+                <a:latin typeface="Andale Mono"/>
+                <a:cs typeface="Andale Mono"/>
+              </a:rPr>
+              <a:t>type Handler = </a:t>
+            </a:r>
+            <a:r>
+              <a:rPr lang="en-US" sz="1900" dirty="0" err="1">
+                <a:latin typeface="Andale Mono"/>
+                <a:cs typeface="Andale Mono"/>
+              </a:rPr>
+              <a:t>GHandler</a:t>
+            </a:r>
+            <a:r>
+              <a:rPr lang="en-US" sz="1900" dirty="0">
+                <a:latin typeface="Andale Mono"/>
+                <a:cs typeface="Andale Mono"/>
+              </a:rPr>
+              <a:t> </a:t>
+            </a:r>
+            <a:r>
+              <a:rPr lang="en-US" sz="1900" dirty="0" err="1">
+                <a:latin typeface="Andale Mono"/>
+                <a:cs typeface="Andale Mono"/>
+              </a:rPr>
+              <a:t>HelloWorld</a:t>
+            </a:r>
+            <a:r>
+              <a:rPr lang="en-US" sz="1900" dirty="0">
+                <a:latin typeface="Andale Mono"/>
+                <a:cs typeface="Andale Mono"/>
+              </a:rPr>
+              <a:t> </a:t>
+            </a:r>
+            <a:r>
+              <a:rPr lang="en-US" sz="1900" dirty="0" err="1">
+                <a:latin typeface="Andale Mono"/>
+                <a:cs typeface="Andale Mono"/>
+              </a:rPr>
+              <a:t>HelloWorld</a:t>
+            </a:r>
+            <a:endParaRPr lang="en-US" sz="1900" dirty="0">
+              <a:latin typeface="Andale Mono"/>
+              <a:cs typeface="Andale Mono"/>
+            </a:endParaRPr>
+          </a:p>
+          <a:p>
+            <a:pPr marL="0" indent="0">
+              <a:buNone/>
+            </a:pPr>
+            <a:r>
+              <a:rPr lang="en-US" sz="1900" dirty="0">
+                <a:latin typeface="Andale Mono"/>
+                <a:cs typeface="Andale Mono"/>
+              </a:rPr>
+              <a:t>type Widget = </a:t>
+            </a:r>
+            <a:r>
+              <a:rPr lang="en-US" sz="1900" dirty="0" err="1">
+                <a:latin typeface="Andale Mono"/>
+                <a:cs typeface="Andale Mono"/>
+              </a:rPr>
+              <a:t>GWidget</a:t>
+            </a:r>
+            <a:r>
+              <a:rPr lang="en-US" sz="1900" dirty="0">
+                <a:latin typeface="Andale Mono"/>
+                <a:cs typeface="Andale Mono"/>
+              </a:rPr>
+              <a:t> </a:t>
+            </a:r>
+            <a:r>
+              <a:rPr lang="en-US" sz="1900" dirty="0" err="1">
+                <a:latin typeface="Andale Mono"/>
+                <a:cs typeface="Andale Mono"/>
+              </a:rPr>
+              <a:t>HelloWorld</a:t>
+            </a:r>
+            <a:r>
+              <a:rPr lang="en-US" sz="1900" dirty="0">
+                <a:latin typeface="Andale Mono"/>
+                <a:cs typeface="Andale Mono"/>
+              </a:rPr>
+              <a:t> </a:t>
+            </a:r>
+            <a:r>
+              <a:rPr lang="en-US" sz="1900" dirty="0" err="1">
+                <a:latin typeface="Andale Mono"/>
+                <a:cs typeface="Andale Mono"/>
+              </a:rPr>
+              <a:t>HelloWorld</a:t>
+            </a:r>
+            <a:r>
+              <a:rPr lang="en-US" sz="1900" dirty="0">
+                <a:latin typeface="Andale Mono"/>
+                <a:cs typeface="Andale Mono"/>
+              </a:rPr>
+              <a:t> ()</a:t>
+            </a:r>
+          </a:p>
+          <a:p>
+            <a:pPr marL="0" indent="0">
+              <a:buNone/>
+            </a:pPr>
+            <a:r>
+              <a:rPr lang="en-US" sz="1900" dirty="0"/>
+              <a:t>  </a:t>
+            </a:r>
+          </a:p>
+        </p:txBody>
+      </p:sp>
+    </p:spTree>
+    <p:extLst>
+      <p:ext uri="{BB962C8B-B14F-4D97-AF65-F5344CB8AC3E}">
+        <p14:creationId xmlns:p14="http://schemas.microsoft.com/office/powerpoint/2010/main" val="2448803497"/>
+      </p:ext>
+    </p:extLst>
+  </p:cSld>
+  <p:clrMapOvr>
+    <a:masterClrMapping/>
+  </p:clrMapOvr>
+  <p:timing>
+    <p:tnLst>
+      <p:par>
+        <p:cTn xmlns:p14="http://schemas.microsoft.com/office/powerpoint/2010/main" id="1" dur="indefinite" restart="never" nodeType="tmRoot"/>
+      </p:par>
+    </p:tnLst>
+  </p:timing>
+</p:sld>
+</file>
+
+<file path=ppt/slides/slide15.xml><?xml version="1.0" encoding="utf-8"?>
+<p:sld xmlns:a="http://schemas.openxmlformats.org/drawingml/2006/main" xmlns:r="http://schemas.openxmlformats.org/officeDocument/2006/relationships" xmlns:p="http://schemas.openxmlformats.org/presentationml/2006/main">
+  <p:cSld>
+    <p:spTree>
+      <p:nvGrpSpPr>
+        <p:cNvPr id="1" name=""/>
+        <p:cNvGrpSpPr/>
+        <p:nvPr/>
+      </p:nvGrpSpPr>
+      <p:grpSpPr>
+        <a:xfrm>
+          <a:off x="0" y="0"/>
+          <a:ext cx="0" cy="0"/>
+          <a:chOff x="0" y="0"/>
+          <a:chExt cx="0" cy="0"/>
+        </a:xfrm>
+      </p:grpSpPr>
+      <p:sp>
+        <p:nvSpPr>
+          <p:cNvPr id="2" name="Title 1"/>
+          <p:cNvSpPr>
+            <a:spLocks noGrp="1"/>
+          </p:cNvSpPr>
+          <p:nvPr>
+            <p:ph type="title"/>
+          </p:nvPr>
+        </p:nvSpPr>
+        <p:spPr/>
+        <p:txBody>
+          <a:bodyPr/>
+          <a:lstStyle/>
+          <a:p>
+            <a:r>
+              <a:rPr lang="en-US" dirty="0" err="1"/>
+              <a:t>mkYesod</a:t>
+            </a:r>
+            <a:r>
+              <a:rPr lang="en-US" dirty="0"/>
+              <a:t> &amp; </a:t>
+            </a:r>
+            <a:r>
+              <a:rPr lang="en-US" dirty="0" err="1" smtClean="0"/>
+              <a:t>parseRoutes</a:t>
+            </a:r>
+            <a:r>
+              <a:rPr lang="en-US" dirty="0" smtClean="0"/>
+              <a:t> (cont.)</a:t>
+            </a:r>
+            <a:endParaRPr lang="en-US" dirty="0"/>
+          </a:p>
+        </p:txBody>
+      </p:sp>
+      <p:sp>
+        <p:nvSpPr>
+          <p:cNvPr id="3" name="Content Placeholder 2"/>
+          <p:cNvSpPr>
+            <a:spLocks noGrp="1"/>
+          </p:cNvSpPr>
+          <p:nvPr>
+            <p:ph sz="quarter" idx="1"/>
+          </p:nvPr>
+        </p:nvSpPr>
+        <p:spPr>
+          <a:xfrm>
+            <a:off x="224692" y="1748692"/>
+            <a:ext cx="8655539" cy="4757615"/>
+          </a:xfrm>
+        </p:spPr>
+        <p:txBody>
+          <a:bodyPr>
+            <a:noAutofit/>
+          </a:bodyPr>
+          <a:lstStyle/>
+          <a:p>
+            <a:pPr marL="0" indent="0">
+              <a:buNone/>
+            </a:pPr>
+            <a:r>
+              <a:rPr lang="en-US" sz="1800" dirty="0">
+                <a:latin typeface="Andale Mono"/>
+                <a:cs typeface="Andale Mono"/>
+              </a:rPr>
+              <a:t>instance </a:t>
+            </a:r>
+            <a:r>
+              <a:rPr lang="en-US" sz="1800" dirty="0" err="1">
+                <a:latin typeface="Andale Mono"/>
+                <a:cs typeface="Andale Mono"/>
+              </a:rPr>
+              <a:t>YesodDispatch</a:t>
+            </a:r>
+            <a:r>
+              <a:rPr lang="en-US" sz="1800" dirty="0">
+                <a:latin typeface="Andale Mono"/>
+                <a:cs typeface="Andale Mono"/>
+              </a:rPr>
+              <a:t> </a:t>
+            </a:r>
+            <a:r>
+              <a:rPr lang="en-US" sz="1800" dirty="0" err="1">
+                <a:latin typeface="Andale Mono"/>
+                <a:cs typeface="Andale Mono"/>
+              </a:rPr>
+              <a:t>HelloWorld</a:t>
+            </a:r>
+            <a:r>
+              <a:rPr lang="en-US" sz="1800" dirty="0">
+                <a:latin typeface="Andale Mono"/>
+                <a:cs typeface="Andale Mono"/>
+              </a:rPr>
+              <a:t> </a:t>
+            </a:r>
+            <a:r>
+              <a:rPr lang="en-US" sz="1800" dirty="0" err="1">
+                <a:latin typeface="Andale Mono"/>
+                <a:cs typeface="Andale Mono"/>
+              </a:rPr>
+              <a:t>HelloWorld</a:t>
+            </a:r>
+            <a:r>
+              <a:rPr lang="en-US" sz="1800" dirty="0">
+                <a:latin typeface="Andale Mono"/>
+                <a:cs typeface="Andale Mono"/>
+              </a:rPr>
+              <a:t> </a:t>
+            </a:r>
+            <a:r>
+              <a:rPr lang="en-US" sz="1800" dirty="0" smtClean="0">
+                <a:latin typeface="Andale Mono"/>
+                <a:cs typeface="Andale Mono"/>
+              </a:rPr>
+              <a:t>where</a:t>
+            </a:r>
+          </a:p>
+          <a:p>
+            <a:pPr marL="0" indent="0">
+              <a:buNone/>
+            </a:pPr>
+            <a:r>
+              <a:rPr lang="en-US" sz="1800" dirty="0">
+                <a:latin typeface="Andale Mono"/>
+                <a:cs typeface="Andale Mono"/>
+              </a:rPr>
+              <a:t> </a:t>
+            </a:r>
+            <a:r>
+              <a:rPr lang="en-US" sz="1800" dirty="0" smtClean="0">
+                <a:latin typeface="Andale Mono"/>
+                <a:cs typeface="Andale Mono"/>
+              </a:rPr>
+              <a:t> </a:t>
+            </a:r>
+            <a:r>
+              <a:rPr lang="en-US" sz="1800" dirty="0" err="1" smtClean="0">
+                <a:latin typeface="Andale Mono"/>
+                <a:cs typeface="Andale Mono"/>
+              </a:rPr>
+              <a:t>yesodDispatch</a:t>
+            </a:r>
+            <a:r>
+              <a:rPr lang="en-US" sz="1800" dirty="0" smtClean="0">
+                <a:latin typeface="Andale Mono"/>
+                <a:cs typeface="Andale Mono"/>
+              </a:rPr>
+              <a:t> </a:t>
+            </a:r>
+            <a:r>
+              <a:rPr lang="en-US" sz="1800" dirty="0">
+                <a:latin typeface="Andale Mono"/>
+                <a:cs typeface="Andale Mono"/>
+              </a:rPr>
+              <a:t>master sub </a:t>
+            </a:r>
+            <a:r>
+              <a:rPr lang="en-US" sz="1800" dirty="0" err="1">
+                <a:latin typeface="Andale Mono"/>
+                <a:cs typeface="Andale Mono"/>
+              </a:rPr>
+              <a:t>toMaster</a:t>
+            </a:r>
+            <a:r>
+              <a:rPr lang="en-US" sz="1800" dirty="0">
+                <a:latin typeface="Andale Mono"/>
+                <a:cs typeface="Andale Mono"/>
+              </a:rPr>
+              <a:t> handler404 handler405 </a:t>
+            </a:r>
+            <a:r>
+              <a:rPr lang="en-US" sz="1800" dirty="0" smtClean="0">
+                <a:latin typeface="Andale Mono"/>
+                <a:cs typeface="Andale Mono"/>
+              </a:rPr>
+              <a:t>      </a:t>
+            </a:r>
+          </a:p>
+          <a:p>
+            <a:pPr marL="0" indent="0">
+              <a:buNone/>
+            </a:pPr>
+            <a:r>
+              <a:rPr lang="en-US" sz="1800" dirty="0">
+                <a:latin typeface="Andale Mono"/>
+                <a:cs typeface="Andale Mono"/>
+              </a:rPr>
+              <a:t> </a:t>
+            </a:r>
+            <a:r>
+              <a:rPr lang="en-US" sz="1800" dirty="0" smtClean="0">
+                <a:latin typeface="Andale Mono"/>
+                <a:cs typeface="Andale Mono"/>
+              </a:rPr>
+              <a:t>   method </a:t>
+            </a:r>
+            <a:r>
+              <a:rPr lang="en-US" sz="1800" dirty="0">
+                <a:latin typeface="Andale Mono"/>
+                <a:cs typeface="Andale Mono"/>
+              </a:rPr>
+              <a:t>pieces = </a:t>
+            </a:r>
+          </a:p>
+          <a:p>
+            <a:pPr marL="0" indent="0">
+              <a:buNone/>
+            </a:pPr>
+            <a:r>
+              <a:rPr lang="en-US" sz="1800" dirty="0">
+                <a:latin typeface="Andale Mono"/>
+                <a:cs typeface="Andale Mono"/>
+              </a:rPr>
+              <a:t>    </a:t>
+            </a:r>
+            <a:r>
+              <a:rPr lang="en-US" sz="1800" dirty="0" smtClean="0">
+                <a:latin typeface="Andale Mono"/>
+                <a:cs typeface="Andale Mono"/>
+              </a:rPr>
+              <a:t>-- A function that examines the pieces of the URL.</a:t>
+            </a:r>
+          </a:p>
+          <a:p>
+            <a:pPr marL="0" indent="0">
+              <a:buNone/>
+            </a:pPr>
+            <a:r>
+              <a:rPr lang="en-US" sz="1800" dirty="0">
+                <a:latin typeface="Andale Mono"/>
+                <a:cs typeface="Andale Mono"/>
+              </a:rPr>
+              <a:t> </a:t>
+            </a:r>
+            <a:r>
+              <a:rPr lang="en-US" sz="1800" dirty="0" smtClean="0">
+                <a:latin typeface="Andale Mono"/>
+                <a:cs typeface="Andale Mono"/>
+              </a:rPr>
+              <a:t>   -- if there are any URL pieces (i.e. not root URL) =&gt; 404</a:t>
+            </a:r>
+          </a:p>
+          <a:p>
+            <a:pPr marL="0" indent="0">
+              <a:buNone/>
+            </a:pPr>
+            <a:r>
+              <a:rPr lang="en-US" sz="1800" dirty="0">
+                <a:latin typeface="Andale Mono"/>
+                <a:cs typeface="Andale Mono"/>
+              </a:rPr>
+              <a:t> </a:t>
+            </a:r>
+            <a:r>
+              <a:rPr lang="en-US" sz="1800" dirty="0" smtClean="0">
+                <a:latin typeface="Andale Mono"/>
+                <a:cs typeface="Andale Mono"/>
+              </a:rPr>
+              <a:t>   -- if the URL is ‘/’ and method isn’t GET          =&gt; 405</a:t>
+            </a:r>
+          </a:p>
+          <a:p>
+            <a:pPr marL="0" indent="0">
+              <a:buNone/>
+            </a:pPr>
+            <a:r>
+              <a:rPr lang="en-US" sz="1800" dirty="0">
+                <a:latin typeface="Andale Mono"/>
+                <a:cs typeface="Andale Mono"/>
+              </a:rPr>
+              <a:t> </a:t>
+            </a:r>
+            <a:r>
+              <a:rPr lang="en-US" sz="1800" dirty="0" smtClean="0">
+                <a:latin typeface="Andale Mono"/>
+                <a:cs typeface="Andale Mono"/>
+              </a:rPr>
+              <a:t>   -- else use </a:t>
+            </a:r>
+            <a:r>
+              <a:rPr lang="en-US" sz="1800" dirty="0" err="1" smtClean="0">
+                <a:latin typeface="Andale Mono"/>
+                <a:cs typeface="Andale Mono"/>
+              </a:rPr>
+              <a:t>getHomeR</a:t>
+            </a:r>
+            <a:r>
+              <a:rPr lang="en-US" sz="1800" dirty="0" smtClean="0">
+                <a:latin typeface="Andale Mono"/>
+                <a:cs typeface="Andale Mono"/>
+              </a:rPr>
+              <a:t> handler to handle request.</a:t>
+            </a:r>
+          </a:p>
+          <a:p>
+            <a:pPr marL="0" indent="0">
+              <a:buNone/>
+            </a:pPr>
+            <a:r>
+              <a:rPr lang="en-US" sz="1800" dirty="0">
+                <a:latin typeface="Andale Mono"/>
+                <a:cs typeface="Andale Mono"/>
+              </a:rPr>
+              <a:t> </a:t>
+            </a:r>
+          </a:p>
+          <a:p>
+            <a:pPr marL="0" indent="0">
+              <a:buNone/>
+            </a:pPr>
+            <a:r>
+              <a:rPr lang="en-US" sz="1800" dirty="0" smtClean="0">
+                <a:cs typeface="Andale Mono"/>
+              </a:rPr>
+              <a:t>If you want to see more details, look at:</a:t>
+            </a:r>
+          </a:p>
+          <a:p>
+            <a:r>
+              <a:rPr lang="en-US" sz="1800" dirty="0" err="1">
+                <a:cs typeface="Andale Mono"/>
+              </a:rPr>
+              <a:t>g</a:t>
+            </a:r>
+            <a:r>
+              <a:rPr lang="en-US" sz="1800" dirty="0" err="1" smtClean="0">
+                <a:cs typeface="Andale Mono"/>
+              </a:rPr>
+              <a:t>hc</a:t>
+            </a:r>
+            <a:r>
+              <a:rPr lang="en-US" sz="1800" dirty="0" smtClean="0">
+                <a:cs typeface="Andale Mono"/>
+              </a:rPr>
+              <a:t> –</a:t>
+            </a:r>
+            <a:r>
+              <a:rPr lang="en-US" sz="1800" dirty="0" err="1" smtClean="0">
+                <a:cs typeface="Andale Mono"/>
+              </a:rPr>
+              <a:t>ddump</a:t>
+            </a:r>
+            <a:r>
+              <a:rPr lang="en-US" sz="1800" dirty="0" smtClean="0">
+                <a:cs typeface="Andale Mono"/>
+              </a:rPr>
+              <a:t>-splices </a:t>
+            </a:r>
+            <a:r>
+              <a:rPr lang="en-US" sz="1800" dirty="0" err="1" smtClean="0">
+                <a:cs typeface="Andale Mono"/>
+              </a:rPr>
+              <a:t>simple_yesod</a:t>
+            </a:r>
+            <a:r>
+              <a:rPr lang="en-US" sz="1800" dirty="0" smtClean="0">
+                <a:cs typeface="Andale Mono"/>
+              </a:rPr>
+              <a:t>/helloworld.0.hs ( for the actual splices )</a:t>
+            </a:r>
+          </a:p>
+          <a:p>
+            <a:r>
+              <a:rPr lang="en-US" sz="1800" dirty="0" err="1" smtClean="0">
+                <a:cs typeface="Andale Mono"/>
+              </a:rPr>
+              <a:t>simple_yesod</a:t>
+            </a:r>
+            <a:r>
+              <a:rPr lang="en-US" sz="1800" dirty="0" smtClean="0">
+                <a:cs typeface="Andale Mono"/>
+              </a:rPr>
+              <a:t>/helloworld.0.expanded.hs ( for a much neater-but-equivalent version</a:t>
+            </a:r>
+            <a:r>
+              <a:rPr lang="en-US" sz="1800" dirty="0" smtClean="0">
+                <a:latin typeface="Andale Mono"/>
+                <a:cs typeface="Andale Mono"/>
+              </a:rPr>
+              <a:t>)</a:t>
+            </a:r>
+          </a:p>
+          <a:p>
+            <a:r>
+              <a:rPr lang="en-US" sz="1800" dirty="0" smtClean="0">
+                <a:cs typeface="Andale Mono"/>
+              </a:rPr>
+              <a:t>Looking at the splices on small examples helps get a deep understanding of </a:t>
+            </a:r>
+            <a:r>
+              <a:rPr lang="en-US" sz="1800" dirty="0" err="1" smtClean="0">
+                <a:cs typeface="Andale Mono"/>
+              </a:rPr>
+              <a:t>yesod</a:t>
+            </a:r>
+            <a:r>
+              <a:rPr lang="en-US" sz="1800" dirty="0" smtClean="0">
+                <a:cs typeface="Andale Mono"/>
+              </a:rPr>
+              <a:t>, but is unnecessary to look at ( unless you get a really weird type error ! )</a:t>
+            </a:r>
+            <a:endParaRPr lang="en-US" sz="1800" dirty="0">
+              <a:cs typeface="Andale Mono"/>
+            </a:endParaRPr>
+          </a:p>
+        </p:txBody>
+      </p:sp>
+    </p:spTree>
+    <p:extLst>
+      <p:ext uri="{BB962C8B-B14F-4D97-AF65-F5344CB8AC3E}">
+        <p14:creationId xmlns:p14="http://schemas.microsoft.com/office/powerpoint/2010/main" val="2590879417"/>
+      </p:ext>
+    </p:extLst>
+  </p:cSld>
+  <p:clrMapOvr>
+    <a:masterClrMapping/>
+  </p:clrMapOvr>
+  <p:timing>
+    <p:tnLst>
+      <p:par>
+        <p:cTn xmlns:p14="http://schemas.microsoft.com/office/powerpoint/2010/main" id="1" dur="indefinite" restart="never" nodeType="tmRoot"/>
+      </p:par>
+    </p:tnLst>
+  </p:timing>
+</p:sld>
+</file>
+
+<file path=ppt/slides/slide16.xml><?xml version="1.0" encoding="utf-8"?>
+<p:sld xmlns:a="http://schemas.openxmlformats.org/drawingml/2006/main" xmlns:r="http://schemas.openxmlformats.org/officeDocument/2006/relationships" xmlns:p="http://schemas.openxmlformats.org/presentationml/2006/main">
+  <p:cSld>
+    <p:spTree>
+      <p:nvGrpSpPr>
+        <p:cNvPr id="1" name=""/>
+        <p:cNvGrpSpPr/>
+        <p:nvPr/>
+      </p:nvGrpSpPr>
+      <p:grpSpPr>
+        <a:xfrm>
+          <a:off x="0" y="0"/>
+          <a:ext cx="0" cy="0"/>
+          <a:chOff x="0" y="0"/>
+          <a:chExt cx="0" cy="0"/>
+        </a:xfrm>
+      </p:grpSpPr>
+      <p:sp>
+        <p:nvSpPr>
+          <p:cNvPr id="2" name="Title 1"/>
+          <p:cNvSpPr>
+            <a:spLocks noGrp="1"/>
+          </p:cNvSpPr>
+          <p:nvPr>
+            <p:ph type="title"/>
+          </p:nvPr>
+        </p:nvSpPr>
+        <p:spPr/>
+        <p:txBody>
+          <a:bodyPr/>
+          <a:lstStyle/>
+          <a:p>
+            <a:r>
+              <a:rPr lang="en-US" dirty="0" smtClean="0"/>
+              <a:t>Parameterized greetings</a:t>
+            </a:r>
+            <a:endParaRPr lang="en-US" dirty="0"/>
+          </a:p>
+        </p:txBody>
+      </p:sp>
+      <p:sp>
+        <p:nvSpPr>
+          <p:cNvPr id="3" name="Content Placeholder 2"/>
+          <p:cNvSpPr>
+            <a:spLocks noGrp="1"/>
+          </p:cNvSpPr>
+          <p:nvPr>
+            <p:ph sz="quarter" idx="1"/>
+          </p:nvPr>
+        </p:nvSpPr>
         <p:spPr/>
         <p:txBody>
           <a:bodyPr>
@@ -5840,6 +6640,1449 @@
     <p:extLst>
       <p:ext uri="{BB962C8B-B14F-4D97-AF65-F5344CB8AC3E}">
         <p14:creationId xmlns:p14="http://schemas.microsoft.com/office/powerpoint/2010/main" val="2043853492"/>
+      </p:ext>
+    </p:extLst>
+  </p:cSld>
+  <p:clrMapOvr>
+    <a:masterClrMapping/>
+  </p:clrMapOvr>
+</p:sld>
+</file>
+
+<file path=ppt/slides/slide17.xml><?xml version="1.0" encoding="utf-8"?>
+<p:sld xmlns:a="http://schemas.openxmlformats.org/drawingml/2006/main" xmlns:r="http://schemas.openxmlformats.org/officeDocument/2006/relationships" xmlns:p="http://schemas.openxmlformats.org/presentationml/2006/main">
+  <p:cSld>
+    <p:spTree>
+      <p:nvGrpSpPr>
+        <p:cNvPr id="1" name=""/>
+        <p:cNvGrpSpPr/>
+        <p:nvPr/>
+      </p:nvGrpSpPr>
+      <p:grpSpPr>
+        <a:xfrm>
+          <a:off x="0" y="0"/>
+          <a:ext cx="0" cy="0"/>
+          <a:chOff x="0" y="0"/>
+          <a:chExt cx="0" cy="0"/>
+        </a:xfrm>
+      </p:grpSpPr>
+      <p:sp>
+        <p:nvSpPr>
+          <p:cNvPr id="2" name="Title 1"/>
+          <p:cNvSpPr>
+            <a:spLocks noGrp="1"/>
+          </p:cNvSpPr>
+          <p:nvPr>
+            <p:ph type="title"/>
+          </p:nvPr>
+        </p:nvSpPr>
+        <p:spPr/>
+        <p:txBody>
+          <a:bodyPr>
+            <a:normAutofit fontScale="90000"/>
+          </a:bodyPr>
+          <a:lstStyle/>
+          <a:p>
+            <a:r>
+              <a:rPr lang="en-AU" dirty="0" err="1" smtClean="0"/>
+              <a:t>Parametized</a:t>
+            </a:r>
+            <a:r>
+              <a:rPr lang="en-AU" dirty="0" smtClean="0"/>
+              <a:t> Greetings </a:t>
+            </a:r>
+            <a:r>
+              <a:rPr lang="en-AU" sz="3600" dirty="0" smtClean="0"/>
+              <a:t>(generated code)</a:t>
+            </a:r>
+            <a:endParaRPr lang="en-AU" sz="3600" dirty="0"/>
+          </a:p>
+        </p:txBody>
+      </p:sp>
+      <p:sp>
+        <p:nvSpPr>
+          <p:cNvPr id="3" name="Content Placeholder 2"/>
+          <p:cNvSpPr>
+            <a:spLocks noGrp="1"/>
+          </p:cNvSpPr>
+          <p:nvPr>
+            <p:ph sz="quarter" idx="1"/>
+          </p:nvPr>
+        </p:nvSpPr>
+        <p:spPr/>
+        <p:txBody>
+          <a:bodyPr/>
+          <a:lstStyle/>
+          <a:p>
+            <a:r>
+              <a:rPr lang="en-AU" dirty="0" smtClean="0"/>
+              <a:t>Our </a:t>
+            </a:r>
+            <a:r>
+              <a:rPr lang="en-AU" dirty="0" err="1" smtClean="0"/>
+              <a:t>HomeR</a:t>
+            </a:r>
+            <a:r>
+              <a:rPr lang="en-AU" dirty="0" smtClean="0"/>
+              <a:t> route has changed!</a:t>
+            </a:r>
+          </a:p>
+          <a:p>
+            <a:pPr marL="0" indent="0">
+              <a:buNone/>
+            </a:pPr>
+            <a:r>
+              <a:rPr lang="en-AU" sz="1800" dirty="0">
+                <a:latin typeface="Andale Mono"/>
+                <a:cs typeface="Andale Mono"/>
+              </a:rPr>
+              <a:t>instance </a:t>
+            </a:r>
+            <a:r>
+              <a:rPr lang="en-AU" sz="1800" dirty="0" err="1">
+                <a:latin typeface="Andale Mono"/>
+                <a:cs typeface="Andale Mono"/>
+              </a:rPr>
+              <a:t>RenderRoute</a:t>
+            </a:r>
+            <a:r>
+              <a:rPr lang="en-AU" sz="1800" dirty="0">
+                <a:latin typeface="Andale Mono"/>
+                <a:cs typeface="Andale Mono"/>
+              </a:rPr>
+              <a:t> </a:t>
+            </a:r>
+            <a:r>
+              <a:rPr lang="en-AU" sz="1800" dirty="0" err="1">
+                <a:latin typeface="Andale Mono"/>
+                <a:cs typeface="Andale Mono"/>
+              </a:rPr>
+              <a:t>HelloWorld</a:t>
+            </a:r>
+            <a:r>
+              <a:rPr lang="en-AU" sz="1800" dirty="0">
+                <a:latin typeface="Andale Mono"/>
+                <a:cs typeface="Andale Mono"/>
+              </a:rPr>
+              <a:t> </a:t>
+            </a:r>
+            <a:r>
+              <a:rPr lang="en-AU" sz="1800" dirty="0" smtClean="0">
+                <a:latin typeface="Andale Mono"/>
+                <a:cs typeface="Andale Mono"/>
+              </a:rPr>
+              <a:t>where</a:t>
+            </a:r>
+            <a:br>
+              <a:rPr lang="en-AU" sz="1800" dirty="0" smtClean="0">
+                <a:latin typeface="Andale Mono"/>
+                <a:cs typeface="Andale Mono"/>
+              </a:rPr>
+            </a:br>
+            <a:r>
+              <a:rPr lang="en-AU" sz="1800" dirty="0" smtClean="0">
+                <a:latin typeface="Andale Mono"/>
+                <a:cs typeface="Andale Mono"/>
+              </a:rPr>
+              <a:t>  </a:t>
+            </a:r>
+            <a:r>
+              <a:rPr lang="en-AU" sz="1800" dirty="0">
+                <a:latin typeface="Andale Mono"/>
+                <a:cs typeface="Andale Mono"/>
+              </a:rPr>
+              <a:t>data Route </a:t>
+            </a:r>
+            <a:r>
+              <a:rPr lang="en-AU" sz="1800" dirty="0" err="1">
+                <a:latin typeface="Andale Mono"/>
+                <a:cs typeface="Andale Mono"/>
+              </a:rPr>
+              <a:t>HelloWorld</a:t>
+            </a:r>
+            <a:r>
+              <a:rPr lang="en-AU" sz="1800" dirty="0">
+                <a:latin typeface="Andale Mono"/>
+                <a:cs typeface="Andale Mono"/>
+              </a:rPr>
+              <a:t> = </a:t>
+            </a:r>
+            <a:endParaRPr lang="en-AU" sz="1800" dirty="0" smtClean="0">
+              <a:latin typeface="Andale Mono"/>
+              <a:cs typeface="Andale Mono"/>
+            </a:endParaRPr>
+          </a:p>
+          <a:p>
+            <a:pPr marL="0" indent="0">
+              <a:buNone/>
+            </a:pPr>
+            <a:r>
+              <a:rPr lang="en-AU" sz="1800" dirty="0">
+                <a:latin typeface="Andale Mono"/>
+                <a:cs typeface="Andale Mono"/>
+              </a:rPr>
+              <a:t> </a:t>
+            </a:r>
+            <a:r>
+              <a:rPr lang="en-AU" sz="1800" dirty="0" smtClean="0">
+                <a:latin typeface="Andale Mono"/>
+                <a:cs typeface="Andale Mono"/>
+              </a:rPr>
+              <a:t>   </a:t>
+            </a:r>
+            <a:r>
+              <a:rPr lang="en-AU" sz="1800" dirty="0" err="1" smtClean="0">
+                <a:latin typeface="Andale Mono"/>
+                <a:cs typeface="Andale Mono"/>
+              </a:rPr>
+              <a:t>HomeR</a:t>
+            </a:r>
+            <a:r>
+              <a:rPr lang="en-AU" sz="1800" dirty="0" smtClean="0">
+                <a:latin typeface="Andale Mono"/>
+                <a:cs typeface="Andale Mono"/>
+              </a:rPr>
+              <a:t> </a:t>
+            </a:r>
+            <a:r>
+              <a:rPr lang="en-AU" sz="1800" dirty="0">
+                <a:latin typeface="Andale Mono"/>
+                <a:cs typeface="Andale Mono"/>
+              </a:rPr>
+              <a:t>Text deriving (Show, </a:t>
+            </a:r>
+            <a:r>
+              <a:rPr lang="en-AU" sz="1800" dirty="0" err="1">
+                <a:latin typeface="Andale Mono"/>
+                <a:cs typeface="Andale Mono"/>
+              </a:rPr>
+              <a:t>Eq</a:t>
+            </a:r>
+            <a:r>
+              <a:rPr lang="en-AU" sz="1800" dirty="0">
+                <a:latin typeface="Andale Mono"/>
+                <a:cs typeface="Andale Mono"/>
+              </a:rPr>
+              <a:t>, Read)</a:t>
+            </a:r>
+          </a:p>
+          <a:p>
+            <a:pPr marL="0" indent="0">
+              <a:buNone/>
+            </a:pPr>
+            <a:r>
+              <a:rPr lang="en-AU" sz="1800" dirty="0">
+                <a:latin typeface="Andale Mono"/>
+                <a:cs typeface="Andale Mono"/>
+              </a:rPr>
+              <a:t>  </a:t>
+            </a:r>
+            <a:r>
+              <a:rPr lang="en-AU" sz="1800" dirty="0" err="1">
+                <a:latin typeface="Andale Mono"/>
+                <a:cs typeface="Andale Mono"/>
+              </a:rPr>
+              <a:t>renderRoute</a:t>
+            </a:r>
+            <a:r>
+              <a:rPr lang="en-AU" sz="1800" dirty="0">
+                <a:latin typeface="Andale Mono"/>
+                <a:cs typeface="Andale Mono"/>
+              </a:rPr>
+              <a:t> (</a:t>
+            </a:r>
+            <a:r>
+              <a:rPr lang="en-AU" sz="1800" dirty="0" err="1">
+                <a:latin typeface="Andale Mono"/>
+                <a:cs typeface="Andale Mono"/>
+              </a:rPr>
+              <a:t>HomeR</a:t>
+            </a:r>
+            <a:r>
+              <a:rPr lang="en-AU" sz="1800" dirty="0">
+                <a:latin typeface="Andale Mono"/>
+                <a:cs typeface="Andale Mono"/>
+              </a:rPr>
+              <a:t> name) = </a:t>
+            </a:r>
+          </a:p>
+          <a:p>
+            <a:pPr marL="0" indent="0">
+              <a:buNone/>
+            </a:pPr>
+            <a:r>
+              <a:rPr lang="en-AU" sz="1800" dirty="0">
+                <a:latin typeface="Andale Mono"/>
+                <a:cs typeface="Andale Mono"/>
+              </a:rPr>
+              <a:t>    (((pack "hello") : ((</a:t>
+            </a:r>
+            <a:r>
+              <a:rPr lang="en-AU" sz="1800" dirty="0" err="1">
+                <a:latin typeface="Andale Mono"/>
+                <a:cs typeface="Andale Mono"/>
+              </a:rPr>
+              <a:t>toPathPiece</a:t>
+            </a:r>
+            <a:r>
+              <a:rPr lang="en-AU" sz="1800" dirty="0">
+                <a:latin typeface="Andale Mono"/>
+                <a:cs typeface="Andale Mono"/>
+              </a:rPr>
+              <a:t> name) : [])), </a:t>
+            </a:r>
+          </a:p>
+          <a:p>
+            <a:pPr marL="0" indent="0">
+              <a:buNone/>
+            </a:pPr>
+            <a:r>
+              <a:rPr lang="en-AU" sz="1800" dirty="0">
+                <a:latin typeface="Andale Mono"/>
+                <a:cs typeface="Andale Mono"/>
+              </a:rPr>
+              <a:t>     []</a:t>
+            </a:r>
+            <a:r>
+              <a:rPr lang="en-AU" sz="1800" dirty="0" smtClean="0">
+                <a:latin typeface="Andale Mono"/>
+                <a:cs typeface="Andale Mono"/>
+              </a:rPr>
+              <a:t>)</a:t>
+            </a:r>
+          </a:p>
+          <a:p>
+            <a:endParaRPr lang="en-AU" sz="1800" dirty="0" smtClean="0">
+              <a:cs typeface="Andale Mono"/>
+            </a:endParaRPr>
+          </a:p>
+          <a:p>
+            <a:r>
+              <a:rPr lang="en-AU" sz="1800" dirty="0" smtClean="0">
+                <a:cs typeface="Andale Mono"/>
+              </a:rPr>
+              <a:t>This additional interesting bit to our handler:</a:t>
+            </a:r>
+          </a:p>
+          <a:p>
+            <a:pPr marL="0" indent="0">
+              <a:buNone/>
+            </a:pPr>
+            <a:r>
+              <a:rPr lang="en-AU" sz="1800" dirty="0" err="1">
+                <a:latin typeface="Andale Mono"/>
+                <a:cs typeface="Andale Mono"/>
+              </a:rPr>
+              <a:t>handleHelloPieces</a:t>
+            </a:r>
+            <a:r>
+              <a:rPr lang="en-AU" sz="1800" dirty="0">
+                <a:latin typeface="Andale Mono"/>
+                <a:cs typeface="Andale Mono"/>
+              </a:rPr>
+              <a:t> </a:t>
+            </a:r>
+            <a:r>
+              <a:rPr lang="en-AU" sz="1800" dirty="0" smtClean="0">
+                <a:latin typeface="Andale Mono"/>
+                <a:cs typeface="Andale Mono"/>
+              </a:rPr>
+              <a:t>[ _</a:t>
+            </a:r>
+            <a:r>
+              <a:rPr lang="en-AU" sz="1800" dirty="0">
+                <a:latin typeface="Andale Mono"/>
+                <a:cs typeface="Andale Mono"/>
+              </a:rPr>
+              <a:t>, x ] = do </a:t>
+            </a:r>
+          </a:p>
+          <a:p>
+            <a:pPr marL="0" indent="0">
+              <a:buNone/>
+            </a:pPr>
+            <a:r>
+              <a:rPr lang="en-AU" sz="1800" dirty="0" smtClean="0">
+                <a:latin typeface="Andale Mono"/>
+                <a:cs typeface="Andale Mono"/>
+              </a:rPr>
+              <a:t>  y </a:t>
+            </a:r>
+            <a:r>
+              <a:rPr lang="en-AU" sz="1800" dirty="0">
+                <a:latin typeface="Andale Mono"/>
+                <a:cs typeface="Andale Mono"/>
+              </a:rPr>
+              <a:t>&lt;- </a:t>
+            </a:r>
+            <a:r>
+              <a:rPr lang="en-AU" sz="1800" dirty="0" err="1">
+                <a:latin typeface="Andale Mono"/>
+                <a:cs typeface="Andale Mono"/>
+              </a:rPr>
+              <a:t>fromPathPiece</a:t>
+            </a:r>
+            <a:r>
+              <a:rPr lang="en-AU" sz="1800" dirty="0">
+                <a:latin typeface="Andale Mono"/>
+                <a:cs typeface="Andale Mono"/>
+              </a:rPr>
+              <a:t> </a:t>
+            </a:r>
+            <a:r>
+              <a:rPr lang="en-AU" sz="1800" dirty="0" smtClean="0">
+                <a:latin typeface="Andale Mono"/>
+                <a:cs typeface="Andale Mono"/>
+              </a:rPr>
+              <a:t>x         </a:t>
+            </a:r>
+            <a:endParaRPr lang="en-AU" sz="1800" dirty="0">
+              <a:latin typeface="Andale Mono"/>
+              <a:cs typeface="Andale Mono"/>
+            </a:endParaRPr>
+          </a:p>
+          <a:p>
+            <a:pPr marL="0" indent="0">
+              <a:buNone/>
+            </a:pPr>
+            <a:r>
+              <a:rPr lang="en-AU" sz="1800" dirty="0" smtClean="0">
+                <a:latin typeface="Andale Mono"/>
+                <a:cs typeface="Andale Mono"/>
+              </a:rPr>
+              <a:t>  Just </a:t>
+            </a:r>
+            <a:r>
+              <a:rPr lang="en-AU" sz="1800" dirty="0">
+                <a:latin typeface="Andale Mono"/>
+                <a:cs typeface="Andale Mono"/>
+              </a:rPr>
+              <a:t>$ </a:t>
+            </a:r>
+            <a:r>
+              <a:rPr lang="en-AU" sz="1800" dirty="0" err="1">
+                <a:latin typeface="Andale Mono"/>
+                <a:cs typeface="Andale Mono"/>
+              </a:rPr>
+              <a:t>handleHelloMethods</a:t>
+            </a:r>
+            <a:r>
+              <a:rPr lang="en-AU" sz="1800" dirty="0">
+                <a:latin typeface="Andale Mono"/>
+                <a:cs typeface="Andale Mono"/>
+              </a:rPr>
+              <a:t> y</a:t>
+            </a:r>
+            <a:endParaRPr lang="en-AU" sz="1800" dirty="0" smtClean="0">
+              <a:latin typeface="Andale Mono"/>
+              <a:cs typeface="Andale Mono"/>
+            </a:endParaRPr>
+          </a:p>
+        </p:txBody>
+      </p:sp>
+    </p:spTree>
+    <p:extLst>
+      <p:ext uri="{BB962C8B-B14F-4D97-AF65-F5344CB8AC3E}">
+        <p14:creationId xmlns:p14="http://schemas.microsoft.com/office/powerpoint/2010/main" val="2585292854"/>
+      </p:ext>
+    </p:extLst>
+  </p:cSld>
+  <p:clrMapOvr>
+    <a:masterClrMapping/>
+  </p:clrMapOvr>
+</p:sld>
+</file>
+
+<file path=ppt/slides/slide18.xml><?xml version="1.0" encoding="utf-8"?>
+<p:sld xmlns:a="http://schemas.openxmlformats.org/drawingml/2006/main" xmlns:r="http://schemas.openxmlformats.org/officeDocument/2006/relationships" xmlns:p="http://schemas.openxmlformats.org/presentationml/2006/main">
+  <p:cSld>
+    <p:spTree>
+      <p:nvGrpSpPr>
+        <p:cNvPr id="1" name=""/>
+        <p:cNvGrpSpPr/>
+        <p:nvPr/>
+      </p:nvGrpSpPr>
+      <p:grpSpPr>
+        <a:xfrm>
+          <a:off x="0" y="0"/>
+          <a:ext cx="0" cy="0"/>
+          <a:chOff x="0" y="0"/>
+          <a:chExt cx="0" cy="0"/>
+        </a:xfrm>
+      </p:grpSpPr>
+      <p:sp>
+        <p:nvSpPr>
+          <p:cNvPr id="2" name="Title 1"/>
+          <p:cNvSpPr>
+            <a:spLocks noGrp="1"/>
+          </p:cNvSpPr>
+          <p:nvPr>
+            <p:ph type="title"/>
+          </p:nvPr>
+        </p:nvSpPr>
+        <p:spPr/>
+        <p:txBody>
+          <a:bodyPr/>
+          <a:lstStyle/>
+          <a:p>
+            <a:r>
+              <a:rPr lang="en-AU" dirty="0" smtClean="0"/>
+              <a:t>Path Pieces</a:t>
+            </a:r>
+            <a:endParaRPr lang="en-AU" dirty="0"/>
+          </a:p>
+        </p:txBody>
+      </p:sp>
+      <p:sp>
+        <p:nvSpPr>
+          <p:cNvPr id="3" name="Content Placeholder 2"/>
+          <p:cNvSpPr>
+            <a:spLocks noGrp="1"/>
+          </p:cNvSpPr>
+          <p:nvPr>
+            <p:ph sz="quarter" idx="1"/>
+          </p:nvPr>
+        </p:nvSpPr>
+        <p:spPr>
+          <a:xfrm>
+            <a:off x="612648" y="1600199"/>
+            <a:ext cx="8153400" cy="4958443"/>
+          </a:xfrm>
+        </p:spPr>
+        <p:txBody>
+          <a:bodyPr>
+            <a:normAutofit fontScale="62500" lnSpcReduction="20000"/>
+          </a:bodyPr>
+          <a:lstStyle/>
+          <a:p>
+            <a:r>
+              <a:rPr lang="en-AU" sz="3800" dirty="0" smtClean="0"/>
+              <a:t>:</a:t>
+            </a:r>
+            <a:r>
+              <a:rPr lang="en-AU" sz="3800" dirty="0"/>
+              <a:t>t </a:t>
+            </a:r>
+            <a:r>
+              <a:rPr lang="en-AU" sz="3800" dirty="0" err="1"/>
+              <a:t>toPathPiece</a:t>
+            </a:r>
+            <a:r>
+              <a:rPr lang="en-AU" sz="3800" dirty="0"/>
+              <a:t> </a:t>
+            </a:r>
+          </a:p>
+          <a:p>
+            <a:pPr marL="0" indent="0">
+              <a:buNone/>
+            </a:pPr>
+            <a:r>
+              <a:rPr lang="en-AU" dirty="0" err="1">
+                <a:latin typeface="Andale Mono"/>
+                <a:cs typeface="Andale Mono"/>
+              </a:rPr>
+              <a:t>toPathPiece</a:t>
+            </a:r>
+            <a:r>
+              <a:rPr lang="en-AU" dirty="0">
+                <a:latin typeface="Andale Mono"/>
+                <a:cs typeface="Andale Mono"/>
+              </a:rPr>
+              <a:t> :: </a:t>
+            </a:r>
+            <a:r>
+              <a:rPr lang="en-AU" dirty="0" err="1">
+                <a:latin typeface="Andale Mono"/>
+                <a:cs typeface="Andale Mono"/>
+              </a:rPr>
+              <a:t>PathPiece</a:t>
+            </a:r>
+            <a:r>
+              <a:rPr lang="en-AU" dirty="0">
+                <a:latin typeface="Andale Mono"/>
+                <a:cs typeface="Andale Mono"/>
+              </a:rPr>
+              <a:t> s =&gt; s -&gt; </a:t>
+            </a:r>
+            <a:r>
+              <a:rPr lang="en-AU" dirty="0" smtClean="0">
+                <a:latin typeface="Andale Mono"/>
+                <a:cs typeface="Andale Mono"/>
+              </a:rPr>
+              <a:t>Text</a:t>
+            </a:r>
+          </a:p>
+          <a:p>
+            <a:pPr marL="0" indent="0">
+              <a:buNone/>
+            </a:pPr>
+            <a:endParaRPr lang="en-AU" dirty="0">
+              <a:latin typeface="Andale Mono"/>
+              <a:cs typeface="Andale Mono"/>
+            </a:endParaRPr>
+          </a:p>
+          <a:p>
+            <a:r>
+              <a:rPr lang="en-AU" sz="3800" dirty="0" smtClean="0"/>
+              <a:t>:</a:t>
+            </a:r>
+            <a:r>
+              <a:rPr lang="en-AU" sz="3800" dirty="0" err="1"/>
+              <a:t>i</a:t>
+            </a:r>
+            <a:r>
+              <a:rPr lang="en-AU" sz="3800" dirty="0"/>
+              <a:t> </a:t>
+            </a:r>
+            <a:r>
+              <a:rPr lang="en-AU" sz="3800" dirty="0" err="1"/>
+              <a:t>PathPiece</a:t>
+            </a:r>
+            <a:endParaRPr lang="en-AU" sz="3800" dirty="0"/>
+          </a:p>
+          <a:p>
+            <a:pPr marL="0" indent="0">
+              <a:buNone/>
+            </a:pPr>
+            <a:r>
+              <a:rPr lang="en-AU" dirty="0">
+                <a:latin typeface="Andale Mono"/>
+                <a:cs typeface="Andale Mono"/>
+              </a:rPr>
+              <a:t>class </a:t>
+            </a:r>
+            <a:r>
+              <a:rPr lang="en-AU" dirty="0" err="1">
+                <a:latin typeface="Andale Mono"/>
+                <a:cs typeface="Andale Mono"/>
+              </a:rPr>
+              <a:t>PathPiece</a:t>
+            </a:r>
+            <a:r>
+              <a:rPr lang="en-AU" dirty="0">
+                <a:latin typeface="Andale Mono"/>
+                <a:cs typeface="Andale Mono"/>
+              </a:rPr>
+              <a:t> s where</a:t>
+            </a:r>
+          </a:p>
+          <a:p>
+            <a:pPr marL="0" indent="0">
+              <a:buNone/>
+            </a:pPr>
+            <a:r>
+              <a:rPr lang="en-AU" dirty="0">
+                <a:latin typeface="Andale Mono"/>
+                <a:cs typeface="Andale Mono"/>
+              </a:rPr>
+              <a:t>  </a:t>
+            </a:r>
+            <a:r>
+              <a:rPr lang="en-AU" dirty="0" err="1">
+                <a:latin typeface="Andale Mono"/>
+                <a:cs typeface="Andale Mono"/>
+              </a:rPr>
+              <a:t>fromPathPiece</a:t>
+            </a:r>
+            <a:r>
+              <a:rPr lang="en-AU" dirty="0">
+                <a:latin typeface="Andale Mono"/>
+                <a:cs typeface="Andale Mono"/>
+              </a:rPr>
+              <a:t> :: Text -&gt; Maybe s</a:t>
+            </a:r>
+          </a:p>
+          <a:p>
+            <a:pPr marL="0" indent="0">
+              <a:buNone/>
+            </a:pPr>
+            <a:r>
+              <a:rPr lang="en-AU" dirty="0">
+                <a:latin typeface="Andale Mono"/>
+                <a:cs typeface="Andale Mono"/>
+              </a:rPr>
+              <a:t>  </a:t>
+            </a:r>
+            <a:r>
+              <a:rPr lang="en-AU" dirty="0" err="1">
+                <a:latin typeface="Andale Mono"/>
+                <a:cs typeface="Andale Mono"/>
+              </a:rPr>
+              <a:t>toPathPiece</a:t>
+            </a:r>
+            <a:r>
+              <a:rPr lang="en-AU" dirty="0">
+                <a:latin typeface="Andale Mono"/>
+                <a:cs typeface="Andale Mono"/>
+              </a:rPr>
+              <a:t> :: s -&gt; Text</a:t>
+            </a:r>
+          </a:p>
+          <a:p>
+            <a:pPr marL="0" indent="0">
+              <a:buNone/>
+            </a:pPr>
+            <a:r>
+              <a:rPr lang="en-AU" dirty="0">
+                <a:latin typeface="Andale Mono"/>
+                <a:cs typeface="Andale Mono"/>
+              </a:rPr>
+              <a:t>  	-- Defined in `</a:t>
+            </a:r>
+            <a:r>
+              <a:rPr lang="en-AU" dirty="0" err="1">
+                <a:latin typeface="Andale Mono"/>
+                <a:cs typeface="Andale Mono"/>
+              </a:rPr>
+              <a:t>Web.PathPieces</a:t>
+            </a:r>
+            <a:r>
+              <a:rPr lang="en-AU" dirty="0">
+                <a:latin typeface="Andale Mono"/>
+                <a:cs typeface="Andale Mono"/>
+              </a:rPr>
+              <a:t>'</a:t>
+            </a:r>
+          </a:p>
+          <a:p>
+            <a:pPr marL="0" indent="0">
+              <a:buNone/>
+            </a:pPr>
+            <a:r>
+              <a:rPr lang="en-AU" dirty="0">
+                <a:latin typeface="Andale Mono"/>
+                <a:cs typeface="Andale Mono"/>
+              </a:rPr>
+              <a:t>instance </a:t>
+            </a:r>
+            <a:r>
+              <a:rPr lang="en-AU" dirty="0" err="1">
+                <a:latin typeface="Andale Mono"/>
+                <a:cs typeface="Andale Mono"/>
+              </a:rPr>
+              <a:t>PathPiece</a:t>
+            </a:r>
+            <a:r>
+              <a:rPr lang="en-AU" dirty="0">
+                <a:latin typeface="Andale Mono"/>
+                <a:cs typeface="Andale Mono"/>
+              </a:rPr>
+              <a:t> String -- Defined in `</a:t>
+            </a:r>
+            <a:r>
+              <a:rPr lang="en-AU" dirty="0" err="1">
+                <a:latin typeface="Andale Mono"/>
+                <a:cs typeface="Andale Mono"/>
+              </a:rPr>
+              <a:t>Web.PathPieces</a:t>
+            </a:r>
+            <a:r>
+              <a:rPr lang="en-AU" dirty="0">
+                <a:latin typeface="Andale Mono"/>
+                <a:cs typeface="Andale Mono"/>
+              </a:rPr>
+              <a:t>'</a:t>
+            </a:r>
+          </a:p>
+          <a:p>
+            <a:pPr marL="0" indent="0">
+              <a:buNone/>
+            </a:pPr>
+            <a:r>
+              <a:rPr lang="en-AU" dirty="0">
+                <a:latin typeface="Andale Mono"/>
+                <a:cs typeface="Andale Mono"/>
+              </a:rPr>
+              <a:t>instance </a:t>
+            </a:r>
+            <a:r>
+              <a:rPr lang="en-AU" dirty="0" err="1">
+                <a:latin typeface="Andale Mono"/>
+                <a:cs typeface="Andale Mono"/>
+              </a:rPr>
+              <a:t>PathPiece</a:t>
+            </a:r>
+            <a:r>
+              <a:rPr lang="en-AU" dirty="0">
+                <a:latin typeface="Andale Mono"/>
+                <a:cs typeface="Andale Mono"/>
+              </a:rPr>
+              <a:t> Text -- Defined in `</a:t>
+            </a:r>
+            <a:r>
+              <a:rPr lang="en-AU" dirty="0" err="1">
+                <a:latin typeface="Andale Mono"/>
+                <a:cs typeface="Andale Mono"/>
+              </a:rPr>
+              <a:t>Web.PathPieces</a:t>
+            </a:r>
+            <a:r>
+              <a:rPr lang="en-AU" dirty="0">
+                <a:latin typeface="Andale Mono"/>
+                <a:cs typeface="Andale Mono"/>
+              </a:rPr>
+              <a:t>'</a:t>
+            </a:r>
+          </a:p>
+          <a:p>
+            <a:pPr marL="0" indent="0">
+              <a:buNone/>
+            </a:pPr>
+            <a:r>
+              <a:rPr lang="en-AU" dirty="0">
+                <a:latin typeface="Andale Mono"/>
+                <a:cs typeface="Andale Mono"/>
+              </a:rPr>
+              <a:t>instance </a:t>
+            </a:r>
+            <a:r>
+              <a:rPr lang="en-AU" dirty="0" err="1">
+                <a:latin typeface="Andale Mono"/>
+                <a:cs typeface="Andale Mono"/>
+              </a:rPr>
+              <a:t>PathPiece</a:t>
+            </a:r>
+            <a:r>
+              <a:rPr lang="en-AU" dirty="0">
+                <a:latin typeface="Andale Mono"/>
+                <a:cs typeface="Andale Mono"/>
+              </a:rPr>
+              <a:t> Integer -- Defined in `</a:t>
+            </a:r>
+            <a:r>
+              <a:rPr lang="en-AU" dirty="0" err="1">
+                <a:latin typeface="Andale Mono"/>
+                <a:cs typeface="Andale Mono"/>
+              </a:rPr>
+              <a:t>Web.PathPieces</a:t>
+            </a:r>
+            <a:r>
+              <a:rPr lang="en-AU" dirty="0">
+                <a:latin typeface="Andale Mono"/>
+                <a:cs typeface="Andale Mono"/>
+              </a:rPr>
+              <a:t>'</a:t>
+            </a:r>
+          </a:p>
+          <a:p>
+            <a:pPr marL="0" indent="0">
+              <a:buNone/>
+            </a:pPr>
+            <a:r>
+              <a:rPr lang="en-AU" dirty="0">
+                <a:latin typeface="Andale Mono"/>
+                <a:cs typeface="Andale Mono"/>
+              </a:rPr>
+              <a:t>instance </a:t>
+            </a:r>
+            <a:r>
+              <a:rPr lang="en-AU" dirty="0" err="1">
+                <a:latin typeface="Andale Mono"/>
+                <a:cs typeface="Andale Mono"/>
+              </a:rPr>
+              <a:t>PathPiece</a:t>
+            </a:r>
+            <a:r>
+              <a:rPr lang="en-AU" dirty="0">
+                <a:latin typeface="Andale Mono"/>
+                <a:cs typeface="Andale Mono"/>
+              </a:rPr>
+              <a:t> </a:t>
+            </a:r>
+            <a:r>
+              <a:rPr lang="en-AU" dirty="0" err="1">
+                <a:latin typeface="Andale Mono"/>
+                <a:cs typeface="Andale Mono"/>
+              </a:rPr>
+              <a:t>Int</a:t>
+            </a:r>
+            <a:r>
+              <a:rPr lang="en-AU" dirty="0">
+                <a:latin typeface="Andale Mono"/>
+                <a:cs typeface="Andale Mono"/>
+              </a:rPr>
+              <a:t> -- Defined in `</a:t>
+            </a:r>
+            <a:r>
+              <a:rPr lang="en-AU" dirty="0" err="1" smtClean="0">
+                <a:latin typeface="Andale Mono"/>
+                <a:cs typeface="Andale Mono"/>
+              </a:rPr>
+              <a:t>Web.PathPieces</a:t>
+            </a:r>
+            <a:r>
+              <a:rPr lang="en-AU" dirty="0" smtClean="0">
+                <a:latin typeface="Andale Mono"/>
+                <a:cs typeface="Andale Mono"/>
+              </a:rPr>
+              <a:t>’</a:t>
+            </a:r>
+          </a:p>
+          <a:p>
+            <a:pPr marL="0" indent="0">
+              <a:buNone/>
+            </a:pPr>
+            <a:endParaRPr lang="en-AU" dirty="0" smtClean="0">
+              <a:latin typeface="Andale Mono"/>
+              <a:cs typeface="Andale Mono"/>
+            </a:endParaRPr>
+          </a:p>
+          <a:p>
+            <a:r>
+              <a:rPr lang="en-AU" sz="3200" dirty="0" smtClean="0">
+                <a:cs typeface="Andale Mono"/>
+              </a:rPr>
+              <a:t>Anything that has a </a:t>
+            </a:r>
+            <a:r>
+              <a:rPr lang="en-AU" sz="3200" dirty="0" err="1" smtClean="0">
+                <a:cs typeface="Andale Mono"/>
+              </a:rPr>
+              <a:t>PathPiece</a:t>
+            </a:r>
+            <a:r>
+              <a:rPr lang="en-AU" sz="3200" dirty="0" smtClean="0">
+                <a:cs typeface="Andale Mono"/>
+              </a:rPr>
+              <a:t> instance can be a validated , type-safe part of a URL.</a:t>
+            </a:r>
+            <a:endParaRPr lang="en-AU" sz="3200" dirty="0">
+              <a:cs typeface="Andale Mono"/>
+            </a:endParaRPr>
+          </a:p>
+        </p:txBody>
+      </p:sp>
+    </p:spTree>
+    <p:extLst>
+      <p:ext uri="{BB962C8B-B14F-4D97-AF65-F5344CB8AC3E}">
+        <p14:creationId xmlns:p14="http://schemas.microsoft.com/office/powerpoint/2010/main" val="167586996"/>
+      </p:ext>
+    </p:extLst>
+  </p:cSld>
+  <p:clrMapOvr>
+    <a:masterClrMapping/>
+  </p:clrMapOvr>
+</p:sld>
+</file>
+
+<file path=ppt/slides/slide19.xml><?xml version="1.0" encoding="utf-8"?>
+<p:sld xmlns:a="http://schemas.openxmlformats.org/drawingml/2006/main" xmlns:r="http://schemas.openxmlformats.org/officeDocument/2006/relationships" xmlns:p="http://schemas.openxmlformats.org/presentationml/2006/main">
+  <p:cSld>
+    <p:spTree>
+      <p:nvGrpSpPr>
+        <p:cNvPr id="1" name=""/>
+        <p:cNvGrpSpPr/>
+        <p:nvPr/>
+      </p:nvGrpSpPr>
+      <p:grpSpPr>
+        <a:xfrm>
+          <a:off x="0" y="0"/>
+          <a:ext cx="0" cy="0"/>
+          <a:chOff x="0" y="0"/>
+          <a:chExt cx="0" cy="0"/>
+        </a:xfrm>
+      </p:grpSpPr>
+      <p:sp>
+        <p:nvSpPr>
+          <p:cNvPr id="2" name="Title 1"/>
+          <p:cNvSpPr>
+            <a:spLocks noGrp="1"/>
+          </p:cNvSpPr>
+          <p:nvPr>
+            <p:ph type="title"/>
+          </p:nvPr>
+        </p:nvSpPr>
+        <p:spPr/>
+        <p:txBody>
+          <a:bodyPr/>
+          <a:lstStyle/>
+          <a:p>
+            <a:r>
+              <a:rPr lang="en-AU" dirty="0" smtClean="0"/>
+              <a:t>A ‘complete’ app ( header ) </a:t>
+            </a:r>
+            <a:endParaRPr lang="en-AU" dirty="0"/>
+          </a:p>
+        </p:txBody>
+      </p:sp>
+      <p:sp>
+        <p:nvSpPr>
+          <p:cNvPr id="3" name="Content Placeholder 2"/>
+          <p:cNvSpPr>
+            <a:spLocks noGrp="1"/>
+          </p:cNvSpPr>
+          <p:nvPr>
+            <p:ph sz="quarter" idx="1"/>
+          </p:nvPr>
+        </p:nvSpPr>
+        <p:spPr>
+          <a:xfrm>
+            <a:off x="90714" y="1600200"/>
+            <a:ext cx="8962572" cy="5167086"/>
+          </a:xfrm>
+        </p:spPr>
+        <p:txBody>
+          <a:bodyPr>
+            <a:normAutofit fontScale="62500" lnSpcReduction="20000"/>
+          </a:bodyPr>
+          <a:lstStyle/>
+          <a:p>
+            <a:pPr marL="0" indent="0">
+              <a:buNone/>
+            </a:pPr>
+            <a:r>
+              <a:rPr lang="en-AU" dirty="0">
+                <a:latin typeface="Andale Mono"/>
+                <a:cs typeface="Andale Mono"/>
+              </a:rPr>
+              <a:t>{-# LANGUAGE </a:t>
+            </a:r>
+            <a:r>
+              <a:rPr lang="en-AU" dirty="0" err="1">
+                <a:latin typeface="Andale Mono"/>
+                <a:cs typeface="Andale Mono"/>
+              </a:rPr>
+              <a:t>TypeFamilies</a:t>
+            </a:r>
+            <a:r>
+              <a:rPr lang="en-AU" dirty="0">
+                <a:latin typeface="Andale Mono"/>
+                <a:cs typeface="Andale Mono"/>
+              </a:rPr>
+              <a:t>, </a:t>
+            </a:r>
+            <a:r>
+              <a:rPr lang="en-AU" dirty="0" err="1">
+                <a:latin typeface="Andale Mono"/>
+                <a:cs typeface="Andale Mono"/>
+              </a:rPr>
+              <a:t>QuasiQuotes</a:t>
+            </a:r>
+            <a:r>
+              <a:rPr lang="en-AU" dirty="0">
+                <a:latin typeface="Andale Mono"/>
+                <a:cs typeface="Andale Mono"/>
+              </a:rPr>
+              <a:t>, </a:t>
+            </a:r>
+            <a:r>
+              <a:rPr lang="en-AU" dirty="0" err="1">
+                <a:latin typeface="Andale Mono"/>
+                <a:cs typeface="Andale Mono"/>
+              </a:rPr>
+              <a:t>MultiParamTypeClasses</a:t>
+            </a:r>
+            <a:r>
+              <a:rPr lang="en-AU" dirty="0" smtClean="0">
+                <a:latin typeface="Andale Mono"/>
+                <a:cs typeface="Andale Mono"/>
+              </a:rPr>
+              <a:t>,          </a:t>
+            </a:r>
+            <a:r>
+              <a:rPr lang="en-AU" dirty="0" err="1">
+                <a:latin typeface="Andale Mono"/>
+                <a:cs typeface="Andale Mono"/>
+              </a:rPr>
+              <a:t>TemplateHaskell</a:t>
+            </a:r>
+            <a:r>
+              <a:rPr lang="en-AU" dirty="0">
+                <a:latin typeface="Andale Mono"/>
+                <a:cs typeface="Andale Mono"/>
+              </a:rPr>
+              <a:t>, </a:t>
+            </a:r>
+            <a:r>
+              <a:rPr lang="en-AU" dirty="0" err="1">
+                <a:latin typeface="Andale Mono"/>
+                <a:cs typeface="Andale Mono"/>
+              </a:rPr>
+              <a:t>OverloadedStrings</a:t>
+            </a:r>
+            <a:r>
+              <a:rPr lang="en-AU" dirty="0">
+                <a:latin typeface="Andale Mono"/>
+                <a:cs typeface="Andale Mono"/>
+              </a:rPr>
+              <a:t> </a:t>
+            </a:r>
+            <a:r>
+              <a:rPr lang="en-AU" dirty="0" smtClean="0">
+                <a:latin typeface="Andale Mono"/>
+                <a:cs typeface="Andale Mono"/>
+              </a:rPr>
+              <a:t>GADTs</a:t>
+            </a:r>
+            <a:r>
+              <a:rPr lang="en-AU" dirty="0">
+                <a:latin typeface="Andale Mono"/>
+                <a:cs typeface="Andale Mono"/>
+              </a:rPr>
+              <a:t>, </a:t>
+            </a:r>
+            <a:r>
+              <a:rPr lang="en-AU" dirty="0" err="1">
+                <a:latin typeface="Andale Mono"/>
+                <a:cs typeface="Andale Mono"/>
+              </a:rPr>
+              <a:t>FlexibleContexts</a:t>
+            </a:r>
+            <a:r>
+              <a:rPr lang="en-AU" dirty="0">
+                <a:latin typeface="Andale Mono"/>
+                <a:cs typeface="Andale Mono"/>
+              </a:rPr>
+              <a:t> #-}</a:t>
+            </a:r>
+          </a:p>
+          <a:p>
+            <a:pPr marL="0" indent="0">
+              <a:buNone/>
+            </a:pPr>
+            <a:endParaRPr lang="en-AU" dirty="0" smtClean="0">
+              <a:latin typeface="Andale Mono"/>
+              <a:cs typeface="Andale Mono"/>
+            </a:endParaRPr>
+          </a:p>
+          <a:p>
+            <a:pPr marL="0" indent="0">
+              <a:buNone/>
+            </a:pPr>
+            <a:r>
+              <a:rPr lang="en-AU" dirty="0" smtClean="0">
+                <a:latin typeface="Andale Mono"/>
+                <a:cs typeface="Andale Mono"/>
+              </a:rPr>
+              <a:t>import </a:t>
+            </a:r>
+            <a:r>
+              <a:rPr lang="en-AU" dirty="0">
+                <a:latin typeface="Andale Mono"/>
+                <a:cs typeface="Andale Mono"/>
+              </a:rPr>
+              <a:t>Yesod</a:t>
+            </a:r>
+          </a:p>
+          <a:p>
+            <a:pPr marL="0" indent="0">
+              <a:buNone/>
+            </a:pPr>
+            <a:r>
+              <a:rPr lang="en-AU" dirty="0">
+                <a:latin typeface="Andale Mono"/>
+                <a:cs typeface="Andale Mono"/>
+              </a:rPr>
+              <a:t>import </a:t>
+            </a:r>
+            <a:r>
+              <a:rPr lang="en-AU" dirty="0" err="1">
+                <a:latin typeface="Andale Mono"/>
+                <a:cs typeface="Andale Mono"/>
+              </a:rPr>
+              <a:t>Yesod.Form.Jquery</a:t>
+            </a:r>
+            <a:endParaRPr lang="en-AU" dirty="0">
+              <a:latin typeface="Andale Mono"/>
+              <a:cs typeface="Andale Mono"/>
+            </a:endParaRPr>
+          </a:p>
+          <a:p>
+            <a:pPr marL="0" indent="0">
+              <a:buNone/>
+            </a:pPr>
+            <a:r>
+              <a:rPr lang="en-AU" dirty="0">
+                <a:latin typeface="Andale Mono"/>
+                <a:cs typeface="Andale Mono"/>
+              </a:rPr>
+              <a:t>import </a:t>
+            </a:r>
+            <a:r>
+              <a:rPr lang="en-AU" dirty="0" err="1">
+                <a:latin typeface="Andale Mono"/>
+                <a:cs typeface="Andale Mono"/>
+              </a:rPr>
+              <a:t>Database.Persist</a:t>
+            </a:r>
+            <a:endParaRPr lang="en-AU" dirty="0">
+              <a:latin typeface="Andale Mono"/>
+              <a:cs typeface="Andale Mono"/>
+            </a:endParaRPr>
+          </a:p>
+          <a:p>
+            <a:pPr marL="0" indent="0">
+              <a:buNone/>
+            </a:pPr>
+            <a:r>
+              <a:rPr lang="en-AU" dirty="0">
+                <a:latin typeface="Andale Mono"/>
+                <a:cs typeface="Andale Mono"/>
+              </a:rPr>
+              <a:t>import </a:t>
+            </a:r>
+            <a:r>
+              <a:rPr lang="en-AU" dirty="0" err="1">
+                <a:latin typeface="Andale Mono"/>
+                <a:cs typeface="Andale Mono"/>
+              </a:rPr>
+              <a:t>Database.Persist.Sqlite</a:t>
+            </a:r>
+            <a:endParaRPr lang="en-AU" dirty="0">
+              <a:latin typeface="Andale Mono"/>
+              <a:cs typeface="Andale Mono"/>
+            </a:endParaRPr>
+          </a:p>
+          <a:p>
+            <a:pPr marL="0" indent="0">
+              <a:buNone/>
+            </a:pPr>
+            <a:r>
+              <a:rPr lang="en-AU" dirty="0">
+                <a:latin typeface="Andale Mono"/>
+                <a:cs typeface="Andale Mono"/>
+              </a:rPr>
+              <a:t>import </a:t>
+            </a:r>
+            <a:r>
+              <a:rPr lang="en-AU" dirty="0" err="1">
+                <a:latin typeface="Andale Mono"/>
+                <a:cs typeface="Andale Mono"/>
+              </a:rPr>
+              <a:t>Database.Persist.TH</a:t>
+            </a:r>
+            <a:endParaRPr lang="en-AU" dirty="0">
+              <a:latin typeface="Andale Mono"/>
+              <a:cs typeface="Andale Mono"/>
+            </a:endParaRPr>
+          </a:p>
+          <a:p>
+            <a:pPr marL="0" indent="0">
+              <a:buNone/>
+            </a:pPr>
+            <a:r>
+              <a:rPr lang="en-AU" dirty="0">
+                <a:latin typeface="Andale Mono"/>
+                <a:cs typeface="Andale Mono"/>
+              </a:rPr>
+              <a:t>import </a:t>
+            </a:r>
+            <a:r>
+              <a:rPr lang="en-AU" dirty="0" err="1">
+                <a:latin typeface="Andale Mono"/>
+                <a:cs typeface="Andale Mono"/>
+              </a:rPr>
+              <a:t>Data.Time</a:t>
+            </a:r>
+            <a:endParaRPr lang="en-AU" dirty="0">
+              <a:latin typeface="Andale Mono"/>
+              <a:cs typeface="Andale Mono"/>
+            </a:endParaRPr>
+          </a:p>
+          <a:p>
+            <a:pPr marL="0" indent="0">
+              <a:buNone/>
+            </a:pPr>
+            <a:r>
+              <a:rPr lang="en-AU" dirty="0">
+                <a:latin typeface="Andale Mono"/>
+                <a:cs typeface="Andale Mono"/>
+              </a:rPr>
+              <a:t>import </a:t>
+            </a:r>
+            <a:r>
+              <a:rPr lang="en-AU" dirty="0" err="1">
+                <a:latin typeface="Andale Mono"/>
+                <a:cs typeface="Andale Mono"/>
+              </a:rPr>
+              <a:t>Data.Text</a:t>
+            </a:r>
+            <a:endParaRPr lang="en-AU" dirty="0">
+              <a:latin typeface="Andale Mono"/>
+              <a:cs typeface="Andale Mono"/>
+            </a:endParaRPr>
+          </a:p>
+          <a:p>
+            <a:pPr marL="0" indent="0">
+              <a:buNone/>
+            </a:pPr>
+            <a:r>
+              <a:rPr lang="en-AU" dirty="0">
+                <a:latin typeface="Andale Mono"/>
+                <a:cs typeface="Andale Mono"/>
+              </a:rPr>
+              <a:t>import </a:t>
+            </a:r>
+            <a:r>
+              <a:rPr lang="en-AU" dirty="0" err="1">
+                <a:latin typeface="Andale Mono"/>
+                <a:cs typeface="Andale Mono"/>
+              </a:rPr>
+              <a:t>Control.Applicative</a:t>
+            </a:r>
+            <a:r>
+              <a:rPr lang="en-AU" dirty="0">
+                <a:latin typeface="Andale Mono"/>
+                <a:cs typeface="Andale Mono"/>
+              </a:rPr>
+              <a:t> ((&lt;$&gt;),(&lt;*&gt;))</a:t>
+            </a:r>
+          </a:p>
+          <a:p>
+            <a:pPr marL="0" indent="0">
+              <a:buNone/>
+            </a:pPr>
+            <a:r>
+              <a:rPr lang="en-AU" dirty="0">
+                <a:latin typeface="Andale Mono"/>
+                <a:cs typeface="Andale Mono"/>
+              </a:rPr>
+              <a:t>import </a:t>
+            </a:r>
+            <a:r>
+              <a:rPr lang="en-AU" dirty="0" err="1">
+                <a:latin typeface="Andale Mono"/>
+                <a:cs typeface="Andale Mono"/>
+              </a:rPr>
+              <a:t>Control.Monad.IO.Class</a:t>
+            </a:r>
+            <a:r>
+              <a:rPr lang="en-AU" dirty="0">
+                <a:latin typeface="Andale Mono"/>
+                <a:cs typeface="Andale Mono"/>
+              </a:rPr>
+              <a:t> (</a:t>
+            </a:r>
+            <a:r>
+              <a:rPr lang="en-AU" dirty="0" err="1">
+                <a:latin typeface="Andale Mono"/>
+                <a:cs typeface="Andale Mono"/>
+              </a:rPr>
+              <a:t>liftIO</a:t>
+            </a:r>
+            <a:r>
+              <a:rPr lang="en-AU" dirty="0">
+                <a:latin typeface="Andale Mono"/>
+                <a:cs typeface="Andale Mono"/>
+              </a:rPr>
+              <a:t>)</a:t>
+            </a:r>
+          </a:p>
+          <a:p>
+            <a:pPr marL="0" indent="0">
+              <a:buNone/>
+            </a:pPr>
+            <a:endParaRPr lang="en-AU" dirty="0">
+              <a:latin typeface="Andale Mono"/>
+              <a:cs typeface="Andale Mono"/>
+            </a:endParaRPr>
+          </a:p>
+          <a:p>
+            <a:pPr marL="0" indent="0">
+              <a:buNone/>
+            </a:pPr>
+            <a:r>
+              <a:rPr lang="en-AU" dirty="0">
+                <a:latin typeface="Andale Mono"/>
+                <a:cs typeface="Andale Mono"/>
+              </a:rPr>
+              <a:t>data Notes = Notes { </a:t>
+            </a:r>
+          </a:p>
+          <a:p>
+            <a:pPr marL="0" indent="0">
+              <a:buNone/>
+            </a:pPr>
+            <a:r>
+              <a:rPr lang="en-AU" dirty="0">
+                <a:latin typeface="Andale Mono"/>
+                <a:cs typeface="Andale Mono"/>
+              </a:rPr>
+              <a:t>  </a:t>
+            </a:r>
+            <a:r>
+              <a:rPr lang="en-AU" dirty="0" err="1">
+                <a:latin typeface="Andale Mono"/>
+                <a:cs typeface="Andale Mono"/>
+              </a:rPr>
+              <a:t>dbConn</a:t>
+            </a:r>
+            <a:r>
+              <a:rPr lang="en-AU" dirty="0">
+                <a:latin typeface="Andale Mono"/>
+                <a:cs typeface="Andale Mono"/>
+              </a:rPr>
+              <a:t> :: </a:t>
+            </a:r>
+            <a:r>
+              <a:rPr lang="en-AU" dirty="0" smtClean="0">
+                <a:latin typeface="Andale Mono"/>
+                <a:cs typeface="Andale Mono"/>
+              </a:rPr>
+              <a:t>Connection -- Use a conn pool in real apps, </a:t>
+            </a:r>
+            <a:r>
+              <a:rPr lang="en-AU" dirty="0" err="1" smtClean="0">
+                <a:latin typeface="Andale Mono"/>
+                <a:cs typeface="Andale Mono"/>
+              </a:rPr>
+              <a:t>plz</a:t>
+            </a:r>
+            <a:r>
+              <a:rPr lang="en-AU" dirty="0" smtClean="0">
+                <a:latin typeface="Andale Mono"/>
+                <a:cs typeface="Andale Mono"/>
+              </a:rPr>
+              <a:t>. </a:t>
+            </a:r>
+            <a:r>
+              <a:rPr lang="en-AU" dirty="0" smtClean="0">
+                <a:latin typeface="Andale Mono"/>
+                <a:cs typeface="Andale Mono"/>
+                <a:sym typeface="Wingdings"/>
+              </a:rPr>
+              <a:t></a:t>
+            </a:r>
+            <a:r>
+              <a:rPr lang="en-AU" dirty="0" smtClean="0">
+                <a:latin typeface="Andale Mono"/>
+                <a:cs typeface="Andale Mono"/>
+              </a:rPr>
+              <a:t> </a:t>
+            </a:r>
+            <a:endParaRPr lang="en-AU" dirty="0">
+              <a:latin typeface="Andale Mono"/>
+              <a:cs typeface="Andale Mono"/>
+            </a:endParaRPr>
+          </a:p>
+          <a:p>
+            <a:pPr marL="0" indent="0">
+              <a:buNone/>
+            </a:pPr>
+            <a:r>
+              <a:rPr lang="en-AU" dirty="0">
+                <a:latin typeface="Andale Mono"/>
+                <a:cs typeface="Andale Mono"/>
+              </a:rPr>
+              <a:t>}</a:t>
+            </a:r>
+            <a:endParaRPr lang="en-AU" dirty="0" smtClean="0">
+              <a:latin typeface="Andale Mono"/>
+              <a:cs typeface="Andale Mono"/>
+            </a:endParaRPr>
+          </a:p>
+          <a:p>
+            <a:pPr marL="0" indent="0">
+              <a:buNone/>
+            </a:pPr>
+            <a:endParaRPr lang="en-AU" dirty="0"/>
+          </a:p>
+        </p:txBody>
+      </p:sp>
+    </p:spTree>
+    <p:extLst>
+      <p:ext uri="{BB962C8B-B14F-4D97-AF65-F5344CB8AC3E}">
+        <p14:creationId xmlns:p14="http://schemas.microsoft.com/office/powerpoint/2010/main" val="2551993426"/>
       </p:ext>
     </p:extLst>
   </p:cSld>
@@ -5933,7 +8176,11 @@
           <a:p>
             <a:r>
               <a:rPr lang="en-US" dirty="0" smtClean="0"/>
-              <a:t>Gentle introduction to </a:t>
+              <a:t>Gentle </a:t>
+            </a:r>
+            <a:r>
+              <a:rPr lang="en-US" dirty="0" smtClean="0"/>
+              <a:t>introduction to </a:t>
             </a:r>
             <a:r>
               <a:rPr lang="en-US" dirty="0" err="1" smtClean="0"/>
@@ -6031,6 +8278,2770 @@
 </p:sld>
 </file>
 
+<file path=ppt/slides/slide20.xml><?xml version="1.0" encoding="utf-8"?>
+<p:sld xmlns:a="http://schemas.openxmlformats.org/drawingml/2006/main" xmlns:r="http://schemas.openxmlformats.org/officeDocument/2006/relationships" xmlns:p="http://schemas.openxmlformats.org/presentationml/2006/main">
+  <p:cSld>
+    <p:spTree>
+      <p:nvGrpSpPr>
+        <p:cNvPr id="1" name=""/>
+        <p:cNvGrpSpPr/>
+        <p:nvPr/>
+      </p:nvGrpSpPr>
+      <p:grpSpPr>
+        <a:xfrm>
+          <a:off x="0" y="0"/>
+          <a:ext cx="0" cy="0"/>
+          <a:chOff x="0" y="0"/>
+          <a:chExt cx="0" cy="0"/>
+        </a:xfrm>
+      </p:grpSpPr>
+      <p:sp>
+        <p:nvSpPr>
+          <p:cNvPr id="2" name="Title 1"/>
+          <p:cNvSpPr>
+            <a:spLocks noGrp="1"/>
+          </p:cNvSpPr>
+          <p:nvPr>
+            <p:ph type="title"/>
+          </p:nvPr>
+        </p:nvSpPr>
+        <p:spPr/>
+        <p:txBody>
+          <a:bodyPr>
+            <a:normAutofit fontScale="90000"/>
+          </a:bodyPr>
+          <a:lstStyle/>
+          <a:p>
+            <a:r>
+              <a:rPr lang="en-AU" dirty="0"/>
+              <a:t>A ‘complete’ </a:t>
+            </a:r>
+            <a:r>
+              <a:rPr lang="en-AU" dirty="0" smtClean="0"/>
+              <a:t>app ( enter, persistent! )</a:t>
+            </a:r>
+            <a:endParaRPr lang="en-AU" dirty="0"/>
+          </a:p>
+        </p:txBody>
+      </p:sp>
+      <p:sp>
+        <p:nvSpPr>
+          <p:cNvPr id="3" name="Content Placeholder 2"/>
+          <p:cNvSpPr>
+            <a:spLocks noGrp="1"/>
+          </p:cNvSpPr>
+          <p:nvPr>
+            <p:ph sz="quarter" idx="1"/>
+          </p:nvPr>
+        </p:nvSpPr>
+        <p:spPr>
+          <a:xfrm>
+            <a:off x="154213" y="1600199"/>
+            <a:ext cx="8880929" cy="5185230"/>
+          </a:xfrm>
+        </p:spPr>
+        <p:txBody>
+          <a:bodyPr>
+            <a:noAutofit/>
+          </a:bodyPr>
+          <a:lstStyle/>
+          <a:p>
+            <a:pPr marL="0" indent="0">
+              <a:buNone/>
+            </a:pPr>
+            <a:r>
+              <a:rPr lang="en-AU" sz="2000" dirty="0">
+                <a:latin typeface="Andale Mono"/>
+                <a:cs typeface="Andale Mono"/>
+              </a:rPr>
+              <a:t>share [</a:t>
+            </a:r>
+            <a:r>
+              <a:rPr lang="en-AU" sz="2000" dirty="0" err="1">
+                <a:latin typeface="Andale Mono"/>
+                <a:cs typeface="Andale Mono"/>
+              </a:rPr>
+              <a:t>mkPersist</a:t>
+            </a:r>
+            <a:r>
+              <a:rPr lang="en-AU" sz="2000" dirty="0">
+                <a:latin typeface="Andale Mono"/>
+                <a:cs typeface="Andale Mono"/>
+              </a:rPr>
+              <a:t> </a:t>
+            </a:r>
+            <a:r>
+              <a:rPr lang="en-AU" sz="2000" dirty="0" err="1">
+                <a:latin typeface="Andale Mono"/>
+                <a:cs typeface="Andale Mono"/>
+              </a:rPr>
+              <a:t>sqlSettings</a:t>
+            </a:r>
+            <a:r>
+              <a:rPr lang="en-AU" sz="2000" dirty="0">
+                <a:latin typeface="Andale Mono"/>
+                <a:cs typeface="Andale Mono"/>
+              </a:rPr>
+              <a:t>, </a:t>
+            </a:r>
+            <a:r>
+              <a:rPr lang="en-AU" sz="2000" dirty="0" err="1">
+                <a:latin typeface="Andale Mono"/>
+                <a:cs typeface="Andale Mono"/>
+              </a:rPr>
+              <a:t>mkMigrate</a:t>
+            </a:r>
+            <a:r>
+              <a:rPr lang="en-AU" sz="2000" dirty="0">
+                <a:latin typeface="Andale Mono"/>
+                <a:cs typeface="Andale Mono"/>
+              </a:rPr>
+              <a:t> "</a:t>
+            </a:r>
+            <a:r>
+              <a:rPr lang="en-AU" sz="2000" dirty="0" err="1">
+                <a:latin typeface="Andale Mono"/>
+                <a:cs typeface="Andale Mono"/>
+              </a:rPr>
+              <a:t>migrateAll</a:t>
+            </a:r>
+            <a:r>
+              <a:rPr lang="en-AU" sz="2000" dirty="0">
+                <a:latin typeface="Andale Mono"/>
+                <a:cs typeface="Andale Mono"/>
+              </a:rPr>
+              <a:t>"] [persist|</a:t>
+            </a:r>
+          </a:p>
+          <a:p>
+            <a:pPr marL="0" indent="0">
+              <a:buNone/>
+            </a:pPr>
+            <a:r>
+              <a:rPr lang="en-AU" sz="2000" dirty="0">
+                <a:latin typeface="Andale Mono"/>
+                <a:cs typeface="Andale Mono"/>
+              </a:rPr>
+              <a:t>Note</a:t>
+            </a:r>
+          </a:p>
+          <a:p>
+            <a:pPr marL="0" indent="0">
+              <a:buNone/>
+            </a:pPr>
+            <a:r>
+              <a:rPr lang="en-AU" sz="2000" dirty="0">
+                <a:latin typeface="Andale Mono"/>
+                <a:cs typeface="Andale Mono"/>
+              </a:rPr>
+              <a:t>  title Text</a:t>
+            </a:r>
+          </a:p>
+          <a:p>
+            <a:pPr marL="0" indent="0">
+              <a:buNone/>
+            </a:pPr>
+            <a:r>
+              <a:rPr lang="en-AU" sz="2000" dirty="0">
+                <a:latin typeface="Andale Mono"/>
+                <a:cs typeface="Andale Mono"/>
+              </a:rPr>
+              <a:t>  date  Day Maybe</a:t>
+            </a:r>
+          </a:p>
+          <a:p>
+            <a:pPr marL="0" indent="0">
+              <a:buNone/>
+            </a:pPr>
+            <a:r>
+              <a:rPr lang="en-AU" sz="2000" dirty="0">
+                <a:latin typeface="Andale Mono"/>
+                <a:cs typeface="Andale Mono"/>
+              </a:rPr>
+              <a:t>  body  </a:t>
+            </a:r>
+            <a:r>
+              <a:rPr lang="en-AU" sz="2000" dirty="0" err="1">
+                <a:latin typeface="Andale Mono"/>
+                <a:cs typeface="Andale Mono"/>
+              </a:rPr>
+              <a:t>Textarea</a:t>
+            </a:r>
+            <a:endParaRPr lang="en-AU" sz="2000" dirty="0">
+              <a:latin typeface="Andale Mono"/>
+              <a:cs typeface="Andale Mono"/>
+            </a:endParaRPr>
+          </a:p>
+          <a:p>
+            <a:pPr marL="0" indent="0">
+              <a:buNone/>
+            </a:pPr>
+            <a:r>
+              <a:rPr lang="en-AU" sz="2000" dirty="0">
+                <a:latin typeface="Andale Mono"/>
+                <a:cs typeface="Andale Mono"/>
+              </a:rPr>
+              <a:t>|]</a:t>
+            </a:r>
+          </a:p>
+          <a:p>
+            <a:pPr marL="0" indent="0">
+              <a:buNone/>
+            </a:pPr>
+            <a:endParaRPr lang="en-AU" sz="2000" dirty="0" smtClean="0">
+              <a:latin typeface="Andale Mono"/>
+              <a:cs typeface="Andale Mono"/>
+            </a:endParaRPr>
+          </a:p>
+          <a:p>
+            <a:pPr marL="0" indent="0">
+              <a:buNone/>
+            </a:pPr>
+            <a:r>
+              <a:rPr lang="en-AU" sz="2000" dirty="0">
+                <a:latin typeface="Andale Mono"/>
+                <a:cs typeface="Andale Mono"/>
+              </a:rPr>
+              <a:t>instance </a:t>
+            </a:r>
+            <a:r>
+              <a:rPr lang="en-AU" sz="2000" dirty="0" err="1">
+                <a:latin typeface="Andale Mono"/>
+                <a:cs typeface="Andale Mono"/>
+              </a:rPr>
+              <a:t>YesodPersist</a:t>
+            </a:r>
+            <a:r>
+              <a:rPr lang="en-AU" sz="2000" dirty="0">
+                <a:latin typeface="Andale Mono"/>
+                <a:cs typeface="Andale Mono"/>
+              </a:rPr>
+              <a:t> Notes where</a:t>
+            </a:r>
+          </a:p>
+          <a:p>
+            <a:pPr marL="0" indent="0">
+              <a:buNone/>
+            </a:pPr>
+            <a:r>
+              <a:rPr lang="en-AU" sz="2000" dirty="0">
+                <a:latin typeface="Andale Mono"/>
+                <a:cs typeface="Andale Mono"/>
+              </a:rPr>
+              <a:t>  type </a:t>
+            </a:r>
+            <a:r>
+              <a:rPr lang="en-AU" sz="2000" dirty="0" err="1">
+                <a:latin typeface="Andale Mono"/>
+                <a:cs typeface="Andale Mono"/>
+              </a:rPr>
+              <a:t>YesodPersistBackend</a:t>
+            </a:r>
+            <a:r>
+              <a:rPr lang="en-AU" sz="2000" dirty="0">
+                <a:latin typeface="Andale Mono"/>
+                <a:cs typeface="Andale Mono"/>
+              </a:rPr>
+              <a:t> Notes = </a:t>
+            </a:r>
+            <a:r>
+              <a:rPr lang="en-AU" sz="2000" dirty="0" err="1">
+                <a:latin typeface="Andale Mono"/>
+                <a:cs typeface="Andale Mono"/>
+              </a:rPr>
+              <a:t>SqlPersist</a:t>
+            </a:r>
+            <a:endParaRPr lang="en-AU" sz="2000" dirty="0">
+              <a:latin typeface="Andale Mono"/>
+              <a:cs typeface="Andale Mono"/>
+            </a:endParaRPr>
+          </a:p>
+          <a:p>
+            <a:pPr marL="0" indent="0">
+              <a:buNone/>
+            </a:pPr>
+            <a:r>
+              <a:rPr lang="en-AU" sz="2000" dirty="0">
+                <a:latin typeface="Andale Mono"/>
+                <a:cs typeface="Andale Mono"/>
+              </a:rPr>
+              <a:t>  </a:t>
+            </a:r>
+            <a:r>
+              <a:rPr lang="en-AU" sz="2000" dirty="0" err="1">
+                <a:latin typeface="Andale Mono"/>
+                <a:cs typeface="Andale Mono"/>
+              </a:rPr>
+              <a:t>runDB</a:t>
+            </a:r>
+            <a:r>
+              <a:rPr lang="en-AU" sz="2000" dirty="0">
+                <a:latin typeface="Andale Mono"/>
+                <a:cs typeface="Andale Mono"/>
+              </a:rPr>
+              <a:t> f = do</a:t>
+            </a:r>
+          </a:p>
+          <a:p>
+            <a:pPr marL="0" indent="0">
+              <a:buNone/>
+            </a:pPr>
+            <a:r>
+              <a:rPr lang="en-AU" sz="2000" dirty="0">
+                <a:latin typeface="Andale Mono"/>
+                <a:cs typeface="Andale Mono"/>
+              </a:rPr>
+              <a:t>    conn &lt;- </a:t>
+            </a:r>
+            <a:r>
+              <a:rPr lang="en-AU" sz="2000" dirty="0" err="1">
+                <a:latin typeface="Andale Mono"/>
+                <a:cs typeface="Andale Mono"/>
+              </a:rPr>
+              <a:t>fmap</a:t>
+            </a:r>
+            <a:r>
+              <a:rPr lang="en-AU" sz="2000" dirty="0">
+                <a:latin typeface="Andale Mono"/>
+                <a:cs typeface="Andale Mono"/>
+              </a:rPr>
+              <a:t> </a:t>
+            </a:r>
+            <a:r>
+              <a:rPr lang="en-AU" sz="2000" dirty="0" err="1">
+                <a:latin typeface="Andale Mono"/>
+                <a:cs typeface="Andale Mono"/>
+              </a:rPr>
+              <a:t>dbConn</a:t>
+            </a:r>
+            <a:r>
+              <a:rPr lang="en-AU" sz="2000" dirty="0">
+                <a:latin typeface="Andale Mono"/>
+                <a:cs typeface="Andale Mono"/>
+              </a:rPr>
+              <a:t> </a:t>
+            </a:r>
+            <a:r>
+              <a:rPr lang="en-AU" sz="2000" dirty="0" err="1">
+                <a:latin typeface="Andale Mono"/>
+                <a:cs typeface="Andale Mono"/>
+              </a:rPr>
+              <a:t>getYesod</a:t>
+            </a:r>
+            <a:endParaRPr lang="en-AU" sz="2000" dirty="0">
+              <a:latin typeface="Andale Mono"/>
+              <a:cs typeface="Andale Mono"/>
+            </a:endParaRPr>
+          </a:p>
+          <a:p>
+            <a:pPr marL="0" indent="0">
+              <a:buNone/>
+            </a:pPr>
+            <a:r>
+              <a:rPr lang="en-AU" sz="2000" dirty="0">
+                <a:latin typeface="Andale Mono"/>
+                <a:cs typeface="Andale Mono"/>
+              </a:rPr>
+              <a:t>    </a:t>
+            </a:r>
+            <a:r>
+              <a:rPr lang="en-AU" sz="2000" dirty="0" err="1">
+                <a:latin typeface="Andale Mono"/>
+                <a:cs typeface="Andale Mono"/>
+              </a:rPr>
+              <a:t>runSqlConn</a:t>
+            </a:r>
+            <a:r>
+              <a:rPr lang="en-AU" sz="2000" dirty="0">
+                <a:latin typeface="Andale Mono"/>
+                <a:cs typeface="Andale Mono"/>
+              </a:rPr>
+              <a:t> f conn </a:t>
+            </a:r>
+            <a:endParaRPr lang="en-AU" sz="2000" dirty="0" smtClean="0">
+              <a:latin typeface="Andale Mono"/>
+              <a:cs typeface="Andale Mono"/>
+            </a:endParaRPr>
+          </a:p>
+        </p:txBody>
+      </p:sp>
+    </p:spTree>
+    <p:extLst>
+      <p:ext uri="{BB962C8B-B14F-4D97-AF65-F5344CB8AC3E}">
+        <p14:creationId xmlns:p14="http://schemas.microsoft.com/office/powerpoint/2010/main" val="2521369313"/>
+      </p:ext>
+    </p:extLst>
+  </p:cSld>
+  <p:clrMapOvr>
+    <a:masterClrMapping/>
+  </p:clrMapOvr>
+</p:sld>
+</file>
+
+<file path=ppt/slides/slide21.xml><?xml version="1.0" encoding="utf-8"?>
+<p:sld xmlns:a="http://schemas.openxmlformats.org/drawingml/2006/main" xmlns:r="http://schemas.openxmlformats.org/officeDocument/2006/relationships" xmlns:p="http://schemas.openxmlformats.org/presentationml/2006/main">
+  <p:cSld>
+    <p:spTree>
+      <p:nvGrpSpPr>
+        <p:cNvPr id="1" name=""/>
+        <p:cNvGrpSpPr/>
+        <p:nvPr/>
+      </p:nvGrpSpPr>
+      <p:grpSpPr>
+        <a:xfrm>
+          <a:off x="0" y="0"/>
+          <a:ext cx="0" cy="0"/>
+          <a:chOff x="0" y="0"/>
+          <a:chExt cx="0" cy="0"/>
+        </a:xfrm>
+      </p:grpSpPr>
+      <p:sp>
+        <p:nvSpPr>
+          <p:cNvPr id="2" name="Title 1"/>
+          <p:cNvSpPr>
+            <a:spLocks noGrp="1"/>
+          </p:cNvSpPr>
+          <p:nvPr>
+            <p:ph type="title"/>
+          </p:nvPr>
+        </p:nvSpPr>
+        <p:spPr/>
+        <p:txBody>
+          <a:bodyPr/>
+          <a:lstStyle/>
+          <a:p>
+            <a:r>
+              <a:rPr lang="en-AU" dirty="0" smtClean="0"/>
+              <a:t>A ‘complete’ app ( routes )</a:t>
+            </a:r>
+            <a:endParaRPr lang="en-AU" dirty="0"/>
+          </a:p>
+        </p:txBody>
+      </p:sp>
+      <p:sp>
+        <p:nvSpPr>
+          <p:cNvPr id="3" name="Content Placeholder 2"/>
+          <p:cNvSpPr>
+            <a:spLocks noGrp="1"/>
+          </p:cNvSpPr>
+          <p:nvPr>
+            <p:ph sz="quarter" idx="1"/>
+          </p:nvPr>
+        </p:nvSpPr>
+        <p:spPr/>
+        <p:txBody>
+          <a:bodyPr/>
+          <a:lstStyle/>
+          <a:p>
+            <a:pPr marL="0" indent="0">
+              <a:buNone/>
+            </a:pPr>
+            <a:r>
+              <a:rPr lang="en-AU" sz="2000" dirty="0" err="1">
+                <a:latin typeface="Andale Mono"/>
+                <a:cs typeface="Andale Mono"/>
+              </a:rPr>
+              <a:t>mkYesod</a:t>
+            </a:r>
+            <a:r>
+              <a:rPr lang="en-AU" sz="2000" dirty="0">
+                <a:latin typeface="Andale Mono"/>
+                <a:cs typeface="Andale Mono"/>
+              </a:rPr>
+              <a:t> "Notes" [</a:t>
+            </a:r>
+            <a:r>
+              <a:rPr lang="en-AU" sz="2000" dirty="0" err="1">
+                <a:latin typeface="Andale Mono"/>
+                <a:cs typeface="Andale Mono"/>
+              </a:rPr>
+              <a:t>parseRoutes</a:t>
+            </a:r>
+            <a:r>
+              <a:rPr lang="en-AU" sz="2000" dirty="0">
+                <a:latin typeface="Andale Mono"/>
+                <a:cs typeface="Andale Mono"/>
+              </a:rPr>
+              <a:t>|</a:t>
+            </a:r>
+          </a:p>
+          <a:p>
+            <a:pPr marL="0" indent="0">
+              <a:buNone/>
+            </a:pPr>
+            <a:r>
+              <a:rPr lang="en-AU" sz="2000" dirty="0">
+                <a:latin typeface="Andale Mono"/>
+                <a:cs typeface="Andale Mono"/>
+              </a:rPr>
+              <a:t>/notes/        </a:t>
+            </a:r>
+            <a:r>
+              <a:rPr lang="en-AU" sz="2000" dirty="0" err="1">
+                <a:latin typeface="Andale Mono"/>
+                <a:cs typeface="Andale Mono"/>
+              </a:rPr>
+              <a:t>NotesR</a:t>
+            </a:r>
+            <a:r>
+              <a:rPr lang="en-AU" sz="2000" dirty="0">
+                <a:latin typeface="Andale Mono"/>
+                <a:cs typeface="Andale Mono"/>
+              </a:rPr>
+              <a:t> GET POST</a:t>
+            </a:r>
+          </a:p>
+          <a:p>
+            <a:pPr marL="0" indent="0">
+              <a:buNone/>
+            </a:pPr>
+            <a:r>
+              <a:rPr lang="en-AU" sz="2000" dirty="0">
+                <a:latin typeface="Andale Mono"/>
+                <a:cs typeface="Andale Mono"/>
+              </a:rPr>
+              <a:t>/notes/#</a:t>
+            </a:r>
+            <a:r>
+              <a:rPr lang="en-AU" sz="2000" dirty="0" err="1">
+                <a:latin typeface="Andale Mono"/>
+                <a:cs typeface="Andale Mono"/>
+              </a:rPr>
+              <a:t>NoteId</a:t>
+            </a:r>
+            <a:r>
+              <a:rPr lang="en-AU" sz="2000" dirty="0">
+                <a:latin typeface="Andale Mono"/>
+                <a:cs typeface="Andale Mono"/>
+              </a:rPr>
+              <a:t> </a:t>
+            </a:r>
+            <a:r>
+              <a:rPr lang="en-AU" sz="2000" dirty="0" err="1">
+                <a:latin typeface="Andale Mono"/>
+                <a:cs typeface="Andale Mono"/>
+              </a:rPr>
+              <a:t>NoteR</a:t>
+            </a:r>
+            <a:r>
+              <a:rPr lang="en-AU" sz="2000" dirty="0">
+                <a:latin typeface="Andale Mono"/>
+                <a:cs typeface="Andale Mono"/>
+              </a:rPr>
+              <a:t>  GET</a:t>
+            </a:r>
+          </a:p>
+          <a:p>
+            <a:pPr marL="0" indent="0">
+              <a:buNone/>
+            </a:pPr>
+            <a:r>
+              <a:rPr lang="en-AU" sz="2000" dirty="0">
+                <a:latin typeface="Andale Mono"/>
+                <a:cs typeface="Andale Mono"/>
+              </a:rPr>
+              <a:t>|</a:t>
+            </a:r>
+            <a:r>
+              <a:rPr lang="en-AU" sz="2000" dirty="0" smtClean="0">
+                <a:latin typeface="Andale Mono"/>
+                <a:cs typeface="Andale Mono"/>
+              </a:rPr>
+              <a:t>]</a:t>
+            </a:r>
+          </a:p>
+          <a:p>
+            <a:pPr marL="0" indent="0">
+              <a:buNone/>
+            </a:pPr>
+            <a:endParaRPr lang="en-AU" sz="2000" dirty="0">
+              <a:latin typeface="Andale Mono"/>
+              <a:cs typeface="Andale Mono"/>
+            </a:endParaRPr>
+          </a:p>
+          <a:p>
+            <a:pPr marL="0" indent="0">
+              <a:buNone/>
+            </a:pPr>
+            <a:r>
+              <a:rPr lang="en-AU" sz="2000" dirty="0">
+                <a:latin typeface="Andale Mono"/>
+                <a:cs typeface="Andale Mono"/>
+              </a:rPr>
+              <a:t>instance Yesod Notes</a:t>
+            </a:r>
+          </a:p>
+          <a:p>
+            <a:pPr marL="0" indent="0">
+              <a:buNone/>
+            </a:pPr>
+            <a:endParaRPr lang="en-AU" dirty="0"/>
+          </a:p>
+        </p:txBody>
+      </p:sp>
+    </p:spTree>
+    <p:extLst>
+      <p:ext uri="{BB962C8B-B14F-4D97-AF65-F5344CB8AC3E}">
+        <p14:creationId xmlns:p14="http://schemas.microsoft.com/office/powerpoint/2010/main" val="4027498407"/>
+      </p:ext>
+    </p:extLst>
+  </p:cSld>
+  <p:clrMapOvr>
+    <a:masterClrMapping/>
+  </p:clrMapOvr>
+</p:sld>
+</file>
+
+<file path=ppt/slides/slide22.xml><?xml version="1.0" encoding="utf-8"?>
+<p:sld xmlns:a="http://schemas.openxmlformats.org/drawingml/2006/main" xmlns:r="http://schemas.openxmlformats.org/officeDocument/2006/relationships" xmlns:p="http://schemas.openxmlformats.org/presentationml/2006/main">
+  <p:cSld>
+    <p:spTree>
+      <p:nvGrpSpPr>
+        <p:cNvPr id="1" name=""/>
+        <p:cNvGrpSpPr/>
+        <p:nvPr/>
+      </p:nvGrpSpPr>
+      <p:grpSpPr>
+        <a:xfrm>
+          <a:off x="0" y="0"/>
+          <a:ext cx="0" cy="0"/>
+          <a:chOff x="0" y="0"/>
+          <a:chExt cx="0" cy="0"/>
+        </a:xfrm>
+      </p:grpSpPr>
+      <p:sp>
+        <p:nvSpPr>
+          <p:cNvPr id="2" name="Title 1"/>
+          <p:cNvSpPr>
+            <a:spLocks noGrp="1"/>
+          </p:cNvSpPr>
+          <p:nvPr>
+            <p:ph type="title"/>
+          </p:nvPr>
+        </p:nvSpPr>
+        <p:spPr/>
+        <p:txBody>
+          <a:bodyPr/>
+          <a:lstStyle/>
+          <a:p>
+            <a:r>
+              <a:rPr lang="en-AU" dirty="0" smtClean="0"/>
+              <a:t>A ‘complete’ app ( form ) </a:t>
+            </a:r>
+            <a:endParaRPr lang="en-AU" dirty="0"/>
+          </a:p>
+        </p:txBody>
+      </p:sp>
+      <p:sp>
+        <p:nvSpPr>
+          <p:cNvPr id="3" name="Content Placeholder 2"/>
+          <p:cNvSpPr>
+            <a:spLocks noGrp="1"/>
+          </p:cNvSpPr>
+          <p:nvPr>
+            <p:ph sz="quarter" idx="1"/>
+          </p:nvPr>
+        </p:nvSpPr>
+        <p:spPr>
+          <a:xfrm>
+            <a:off x="235857" y="1600200"/>
+            <a:ext cx="8763000" cy="5040086"/>
+          </a:xfrm>
+        </p:spPr>
+        <p:txBody>
+          <a:bodyPr>
+            <a:noAutofit/>
+          </a:bodyPr>
+          <a:lstStyle/>
+          <a:p>
+            <a:pPr marL="0" indent="0">
+              <a:buNone/>
+            </a:pPr>
+            <a:r>
+              <a:rPr lang="en-AU" sz="2000" dirty="0">
+                <a:latin typeface="Andale Mono"/>
+                <a:cs typeface="Andale Mono"/>
+              </a:rPr>
+              <a:t>instance </a:t>
+            </a:r>
+            <a:r>
+              <a:rPr lang="en-AU" sz="2000" dirty="0" err="1">
+                <a:latin typeface="Andale Mono"/>
+                <a:cs typeface="Andale Mono"/>
+              </a:rPr>
+              <a:t>YesodJquery</a:t>
+            </a:r>
+            <a:r>
+              <a:rPr lang="en-AU" sz="2000" dirty="0">
+                <a:latin typeface="Andale Mono"/>
+                <a:cs typeface="Andale Mono"/>
+              </a:rPr>
+              <a:t> Notes</a:t>
+            </a:r>
+          </a:p>
+          <a:p>
+            <a:pPr marL="0" indent="0">
+              <a:buNone/>
+            </a:pPr>
+            <a:r>
+              <a:rPr lang="en-AU" sz="2000" dirty="0">
+                <a:latin typeface="Andale Mono"/>
+                <a:cs typeface="Andale Mono"/>
+              </a:rPr>
+              <a:t>instance </a:t>
+            </a:r>
+            <a:r>
+              <a:rPr lang="en-AU" sz="2000" dirty="0" err="1">
+                <a:latin typeface="Andale Mono"/>
+                <a:cs typeface="Andale Mono"/>
+              </a:rPr>
+              <a:t>RenderMessage</a:t>
+            </a:r>
+            <a:r>
+              <a:rPr lang="en-AU" sz="2000" dirty="0">
+                <a:latin typeface="Andale Mono"/>
+                <a:cs typeface="Andale Mono"/>
+              </a:rPr>
+              <a:t> Notes </a:t>
+            </a:r>
+            <a:r>
+              <a:rPr lang="en-AU" sz="2000" dirty="0" err="1">
+                <a:latin typeface="Andale Mono"/>
+                <a:cs typeface="Andale Mono"/>
+              </a:rPr>
+              <a:t>FormMessage</a:t>
+            </a:r>
+            <a:r>
+              <a:rPr lang="en-AU" sz="2000" dirty="0">
+                <a:latin typeface="Andale Mono"/>
+                <a:cs typeface="Andale Mono"/>
+              </a:rPr>
+              <a:t> where</a:t>
+            </a:r>
+          </a:p>
+          <a:p>
+            <a:pPr marL="0" indent="0">
+              <a:buNone/>
+            </a:pPr>
+            <a:r>
+              <a:rPr lang="en-AU" sz="2000" dirty="0">
+                <a:latin typeface="Andale Mono"/>
+                <a:cs typeface="Andale Mono"/>
+              </a:rPr>
+              <a:t>    </a:t>
+            </a:r>
+            <a:r>
+              <a:rPr lang="en-AU" sz="2000" dirty="0" err="1">
+                <a:latin typeface="Andale Mono"/>
+                <a:cs typeface="Andale Mono"/>
+              </a:rPr>
+              <a:t>renderMessage</a:t>
+            </a:r>
+            <a:r>
+              <a:rPr lang="en-AU" sz="2000" dirty="0">
+                <a:latin typeface="Andale Mono"/>
+                <a:cs typeface="Andale Mono"/>
+              </a:rPr>
+              <a:t> _ _ = </a:t>
+            </a:r>
+            <a:r>
+              <a:rPr lang="en-AU" sz="2000" dirty="0" err="1">
+                <a:latin typeface="Andale Mono"/>
+                <a:cs typeface="Andale Mono"/>
+              </a:rPr>
+              <a:t>defaultFormMessage</a:t>
+            </a:r>
+            <a:endParaRPr lang="en-AU" sz="2000" dirty="0">
+              <a:latin typeface="Andale Mono"/>
+              <a:cs typeface="Andale Mono"/>
+            </a:endParaRPr>
+          </a:p>
+          <a:p>
+            <a:pPr marL="0" indent="0">
+              <a:buNone/>
+            </a:pPr>
+            <a:endParaRPr lang="en-AU" sz="2000" dirty="0">
+              <a:latin typeface="Andale Mono"/>
+              <a:cs typeface="Andale Mono"/>
+            </a:endParaRPr>
+          </a:p>
+          <a:p>
+            <a:pPr marL="0" indent="0">
+              <a:buNone/>
+            </a:pPr>
+            <a:r>
+              <a:rPr lang="en-AU" sz="2000" dirty="0" err="1" smtClean="0">
+                <a:latin typeface="Andale Mono"/>
+                <a:cs typeface="Andale Mono"/>
+              </a:rPr>
+              <a:t>createNoteForm</a:t>
+            </a:r>
+            <a:r>
+              <a:rPr lang="en-AU" sz="2000" dirty="0" smtClean="0">
+                <a:latin typeface="Andale Mono"/>
+                <a:cs typeface="Andale Mono"/>
+              </a:rPr>
+              <a:t> </a:t>
+            </a:r>
+            <a:r>
+              <a:rPr lang="en-AU" sz="2000" dirty="0">
+                <a:latin typeface="Andale Mono"/>
+                <a:cs typeface="Andale Mono"/>
+              </a:rPr>
+              <a:t>today = </a:t>
+            </a:r>
+            <a:r>
+              <a:rPr lang="en-AU" sz="2000" dirty="0" err="1">
+                <a:latin typeface="Andale Mono"/>
+                <a:cs typeface="Andale Mono"/>
+              </a:rPr>
+              <a:t>renderDivs</a:t>
+            </a:r>
+            <a:r>
+              <a:rPr lang="en-AU" sz="2000" dirty="0">
+                <a:latin typeface="Andale Mono"/>
+                <a:cs typeface="Andale Mono"/>
+              </a:rPr>
+              <a:t> $ Note </a:t>
+            </a:r>
+          </a:p>
+          <a:p>
+            <a:pPr marL="0" indent="0">
+              <a:buNone/>
+            </a:pPr>
+            <a:r>
+              <a:rPr lang="en-AU" sz="2000" dirty="0">
+                <a:latin typeface="Andale Mono"/>
+                <a:cs typeface="Andale Mono"/>
+              </a:rPr>
+              <a:t>  &lt;$&gt; </a:t>
+            </a:r>
+            <a:r>
+              <a:rPr lang="en-AU" sz="2000" dirty="0" err="1">
+                <a:latin typeface="Andale Mono"/>
+                <a:cs typeface="Andale Mono"/>
+              </a:rPr>
+              <a:t>areq</a:t>
+            </a:r>
+            <a:r>
+              <a:rPr lang="en-AU" sz="2000" dirty="0">
+                <a:latin typeface="Andale Mono"/>
+                <a:cs typeface="Andale Mono"/>
+              </a:rPr>
+              <a:t> </a:t>
+            </a:r>
+            <a:r>
+              <a:rPr lang="en-AU" sz="2000" dirty="0" err="1">
+                <a:latin typeface="Andale Mono"/>
+                <a:cs typeface="Andale Mono"/>
+              </a:rPr>
+              <a:t>textField</a:t>
+            </a:r>
+            <a:r>
+              <a:rPr lang="en-AU" sz="2000" dirty="0">
+                <a:latin typeface="Andale Mono"/>
+                <a:cs typeface="Andale Mono"/>
+              </a:rPr>
+              <a:t> "Title" Nothing</a:t>
+            </a:r>
+          </a:p>
+          <a:p>
+            <a:pPr marL="0" indent="0">
+              <a:buNone/>
+            </a:pPr>
+            <a:r>
+              <a:rPr lang="en-AU" sz="2000" dirty="0">
+                <a:latin typeface="Andale Mono"/>
+                <a:cs typeface="Andale Mono"/>
+              </a:rPr>
+              <a:t>  &lt;*&gt; </a:t>
+            </a:r>
+            <a:r>
+              <a:rPr lang="en-AU" sz="2000" dirty="0" err="1">
+                <a:latin typeface="Andale Mono"/>
+                <a:cs typeface="Andale Mono"/>
+              </a:rPr>
+              <a:t>aopt</a:t>
+            </a:r>
+            <a:r>
+              <a:rPr lang="en-AU" sz="2000" dirty="0">
+                <a:latin typeface="Andale Mono"/>
+                <a:cs typeface="Andale Mono"/>
+              </a:rPr>
+              <a:t> </a:t>
+            </a:r>
+            <a:r>
+              <a:rPr lang="en-AU" sz="2000" dirty="0" err="1">
+                <a:latin typeface="Andale Mono"/>
+                <a:cs typeface="Andale Mono"/>
+              </a:rPr>
+              <a:t>dueDateField</a:t>
+            </a:r>
+            <a:r>
+              <a:rPr lang="en-AU" sz="2000" dirty="0">
+                <a:latin typeface="Andale Mono"/>
+                <a:cs typeface="Andale Mono"/>
+              </a:rPr>
+              <a:t> "Date" ( Just ( Just today ) )</a:t>
+            </a:r>
+          </a:p>
+          <a:p>
+            <a:pPr marL="0" indent="0">
+              <a:buNone/>
+            </a:pPr>
+            <a:r>
+              <a:rPr lang="en-AU" sz="2000" dirty="0">
+                <a:latin typeface="Andale Mono"/>
+                <a:cs typeface="Andale Mono"/>
+              </a:rPr>
+              <a:t>  &lt;*&gt; </a:t>
+            </a:r>
+            <a:r>
+              <a:rPr lang="en-AU" sz="2000" dirty="0" err="1">
+                <a:latin typeface="Andale Mono"/>
+                <a:cs typeface="Andale Mono"/>
+              </a:rPr>
+              <a:t>areq</a:t>
+            </a:r>
+            <a:r>
+              <a:rPr lang="en-AU" sz="2000" dirty="0">
+                <a:latin typeface="Andale Mono"/>
+                <a:cs typeface="Andale Mono"/>
+              </a:rPr>
+              <a:t> </a:t>
+            </a:r>
+            <a:r>
+              <a:rPr lang="en-AU" sz="2000" dirty="0" err="1">
+                <a:latin typeface="Andale Mono"/>
+                <a:cs typeface="Andale Mono"/>
+              </a:rPr>
+              <a:t>textareaField</a:t>
+            </a:r>
+            <a:r>
+              <a:rPr lang="en-AU" sz="2000" dirty="0">
+                <a:latin typeface="Andale Mono"/>
+                <a:cs typeface="Andale Mono"/>
+              </a:rPr>
+              <a:t> "Body" Nothing</a:t>
+            </a:r>
+          </a:p>
+          <a:p>
+            <a:pPr marL="0" indent="0">
+              <a:buNone/>
+            </a:pPr>
+            <a:r>
+              <a:rPr lang="en-AU" sz="2000" dirty="0">
+                <a:latin typeface="Andale Mono"/>
+                <a:cs typeface="Andale Mono"/>
+              </a:rPr>
+              <a:t>  where </a:t>
+            </a:r>
+          </a:p>
+          <a:p>
+            <a:pPr marL="0" indent="0">
+              <a:buNone/>
+            </a:pPr>
+            <a:r>
+              <a:rPr lang="en-AU" sz="2000" dirty="0">
+                <a:latin typeface="Andale Mono"/>
+                <a:cs typeface="Andale Mono"/>
+              </a:rPr>
+              <a:t>    </a:t>
+            </a:r>
+            <a:r>
+              <a:rPr lang="en-AU" sz="2000" dirty="0" err="1">
+                <a:latin typeface="Andale Mono"/>
+                <a:cs typeface="Andale Mono"/>
+              </a:rPr>
+              <a:t>dueDateField</a:t>
+            </a:r>
+            <a:r>
+              <a:rPr lang="en-AU" sz="2000" dirty="0">
+                <a:latin typeface="Andale Mono"/>
+                <a:cs typeface="Andale Mono"/>
+              </a:rPr>
+              <a:t> = </a:t>
+            </a:r>
+            <a:r>
+              <a:rPr lang="en-AU" sz="2000" dirty="0" err="1">
+                <a:latin typeface="Andale Mono"/>
+                <a:cs typeface="Andale Mono"/>
+              </a:rPr>
+              <a:t>jqueryDayField</a:t>
+            </a:r>
+            <a:r>
+              <a:rPr lang="en-AU" sz="2000" dirty="0">
+                <a:latin typeface="Andale Mono"/>
+                <a:cs typeface="Andale Mono"/>
+              </a:rPr>
+              <a:t> </a:t>
+            </a:r>
+            <a:r>
+              <a:rPr lang="en-AU" sz="2000" dirty="0" err="1" smtClean="0">
+                <a:latin typeface="Andale Mono"/>
+                <a:cs typeface="Andale Mono"/>
+              </a:rPr>
+              <a:t>def</a:t>
+            </a:r>
+            <a:endParaRPr lang="en-AU" sz="2000" dirty="0">
+              <a:latin typeface="Andale Mono"/>
+              <a:cs typeface="Andale Mono"/>
+            </a:endParaRPr>
+          </a:p>
+        </p:txBody>
+      </p:sp>
+    </p:spTree>
+    <p:extLst>
+      <p:ext uri="{BB962C8B-B14F-4D97-AF65-F5344CB8AC3E}">
+        <p14:creationId xmlns:p14="http://schemas.microsoft.com/office/powerpoint/2010/main" val="3144008343"/>
+      </p:ext>
+    </p:extLst>
+  </p:cSld>
+  <p:clrMapOvr>
+    <a:masterClrMapping/>
+  </p:clrMapOvr>
+</p:sld>
+</file>
+
+<file path=ppt/slides/slide23.xml><?xml version="1.0" encoding="utf-8"?>
+<p:sld xmlns:a="http://schemas.openxmlformats.org/drawingml/2006/main" xmlns:r="http://schemas.openxmlformats.org/officeDocument/2006/relationships" xmlns:p="http://schemas.openxmlformats.org/presentationml/2006/main">
+  <p:cSld>
+    <p:spTree>
+      <p:nvGrpSpPr>
+        <p:cNvPr id="1" name=""/>
+        <p:cNvGrpSpPr/>
+        <p:nvPr/>
+      </p:nvGrpSpPr>
+      <p:grpSpPr>
+        <a:xfrm>
+          <a:off x="0" y="0"/>
+          <a:ext cx="0" cy="0"/>
+          <a:chOff x="0" y="0"/>
+          <a:chExt cx="0" cy="0"/>
+        </a:xfrm>
+      </p:grpSpPr>
+      <p:sp>
+        <p:nvSpPr>
+          <p:cNvPr id="2" name="Title 1"/>
+          <p:cNvSpPr>
+            <a:spLocks noGrp="1"/>
+          </p:cNvSpPr>
+          <p:nvPr>
+            <p:ph type="title"/>
+          </p:nvPr>
+        </p:nvSpPr>
+        <p:spPr/>
+        <p:txBody>
+          <a:bodyPr/>
+          <a:lstStyle/>
+          <a:p>
+            <a:r>
+              <a:rPr lang="en-AU" dirty="0" smtClean="0"/>
+              <a:t>A ‘complete’ app ( display form )</a:t>
+            </a:r>
+            <a:endParaRPr lang="en-AU" dirty="0"/>
+          </a:p>
+        </p:txBody>
+      </p:sp>
+      <p:sp>
+        <p:nvSpPr>
+          <p:cNvPr id="3" name="Content Placeholder 2"/>
+          <p:cNvSpPr>
+            <a:spLocks noGrp="1"/>
+          </p:cNvSpPr>
+          <p:nvPr>
+            <p:ph sz="quarter" idx="1"/>
+          </p:nvPr>
+        </p:nvSpPr>
+        <p:spPr>
+          <a:xfrm>
+            <a:off x="127000" y="1600199"/>
+            <a:ext cx="8890000" cy="5185229"/>
+          </a:xfrm>
+        </p:spPr>
+        <p:txBody>
+          <a:bodyPr>
+            <a:normAutofit fontScale="85000" lnSpcReduction="20000"/>
+          </a:bodyPr>
+          <a:lstStyle/>
+          <a:p>
+            <a:pPr marL="0" indent="0">
+              <a:buNone/>
+            </a:pPr>
+            <a:r>
+              <a:rPr lang="en-AU" sz="1800" dirty="0" err="1">
+                <a:latin typeface="Andale Mono"/>
+                <a:cs typeface="Andale Mono"/>
+              </a:rPr>
+              <a:t>getNotesR</a:t>
+            </a:r>
+            <a:r>
+              <a:rPr lang="en-AU" sz="1800" dirty="0">
+                <a:latin typeface="Andale Mono"/>
+                <a:cs typeface="Andale Mono"/>
+              </a:rPr>
+              <a:t> :: Handler </a:t>
+            </a:r>
+            <a:r>
+              <a:rPr lang="en-AU" sz="1800" dirty="0" err="1">
+                <a:latin typeface="Andale Mono"/>
+                <a:cs typeface="Andale Mono"/>
+              </a:rPr>
+              <a:t>RepHtml</a:t>
+            </a:r>
+            <a:endParaRPr lang="en-AU" sz="1800" dirty="0">
+              <a:latin typeface="Andale Mono"/>
+              <a:cs typeface="Andale Mono"/>
+            </a:endParaRPr>
+          </a:p>
+          <a:p>
+            <a:pPr marL="0" indent="0">
+              <a:buNone/>
+            </a:pPr>
+            <a:r>
+              <a:rPr lang="en-AU" sz="1800" dirty="0" err="1">
+                <a:latin typeface="Andale Mono"/>
+                <a:cs typeface="Andale Mono"/>
+              </a:rPr>
+              <a:t>getNotesR</a:t>
+            </a:r>
+            <a:r>
+              <a:rPr lang="en-AU" sz="1800" dirty="0">
+                <a:latin typeface="Andale Mono"/>
+                <a:cs typeface="Andale Mono"/>
+              </a:rPr>
+              <a:t> = do</a:t>
+            </a:r>
+          </a:p>
+          <a:p>
+            <a:pPr marL="0" indent="0">
+              <a:buNone/>
+            </a:pPr>
+            <a:r>
+              <a:rPr lang="en-AU" sz="1800" dirty="0">
+                <a:latin typeface="Andale Mono"/>
+                <a:cs typeface="Andale Mono"/>
+              </a:rPr>
+              <a:t>  today &lt;- </a:t>
+            </a:r>
+            <a:r>
+              <a:rPr lang="en-AU" sz="1800" dirty="0" err="1">
+                <a:latin typeface="Andale Mono"/>
+                <a:cs typeface="Andale Mono"/>
+              </a:rPr>
+              <a:t>fmap</a:t>
+            </a:r>
+            <a:r>
+              <a:rPr lang="en-AU" sz="1800" dirty="0">
+                <a:latin typeface="Andale Mono"/>
+                <a:cs typeface="Andale Mono"/>
+              </a:rPr>
+              <a:t> </a:t>
+            </a:r>
+            <a:r>
+              <a:rPr lang="en-AU" sz="1800" dirty="0" err="1">
+                <a:latin typeface="Andale Mono"/>
+                <a:cs typeface="Andale Mono"/>
+              </a:rPr>
+              <a:t>utctDay</a:t>
+            </a:r>
+            <a:r>
+              <a:rPr lang="en-AU" sz="1800" dirty="0">
+                <a:latin typeface="Andale Mono"/>
+                <a:cs typeface="Andale Mono"/>
+              </a:rPr>
+              <a:t> $ </a:t>
+            </a:r>
+            <a:r>
+              <a:rPr lang="en-AU" sz="1800" dirty="0" err="1">
+                <a:latin typeface="Andale Mono"/>
+                <a:cs typeface="Andale Mono"/>
+              </a:rPr>
+              <a:t>liftIO</a:t>
+            </a:r>
+            <a:r>
+              <a:rPr lang="en-AU" sz="1800" dirty="0">
+                <a:latin typeface="Andale Mono"/>
+                <a:cs typeface="Andale Mono"/>
+              </a:rPr>
+              <a:t> </a:t>
+            </a:r>
+            <a:r>
+              <a:rPr lang="en-AU" sz="1800" dirty="0" err="1">
+                <a:latin typeface="Andale Mono"/>
+                <a:cs typeface="Andale Mono"/>
+              </a:rPr>
+              <a:t>getCurrentTime</a:t>
+            </a:r>
+            <a:endParaRPr lang="en-AU" sz="1800" dirty="0">
+              <a:latin typeface="Andale Mono"/>
+              <a:cs typeface="Andale Mono"/>
+            </a:endParaRPr>
+          </a:p>
+          <a:p>
+            <a:pPr marL="0" indent="0">
+              <a:buNone/>
+            </a:pPr>
+            <a:r>
+              <a:rPr lang="en-AU" sz="1800" dirty="0">
+                <a:latin typeface="Andale Mono"/>
+                <a:cs typeface="Andale Mono"/>
+              </a:rPr>
+              <a:t>  (widget, </a:t>
+            </a:r>
+            <a:r>
+              <a:rPr lang="en-AU" sz="1800" dirty="0" err="1">
+                <a:latin typeface="Andale Mono"/>
+                <a:cs typeface="Andale Mono"/>
+              </a:rPr>
+              <a:t>encType</a:t>
+            </a:r>
+            <a:r>
+              <a:rPr lang="en-AU" sz="1800" dirty="0">
+                <a:latin typeface="Andale Mono"/>
+                <a:cs typeface="Andale Mono"/>
+              </a:rPr>
+              <a:t>) &lt;- </a:t>
+            </a:r>
+            <a:r>
+              <a:rPr lang="en-AU" sz="1800" dirty="0" err="1">
+                <a:latin typeface="Andale Mono"/>
+                <a:cs typeface="Andale Mono"/>
+              </a:rPr>
+              <a:t>generateFormPost</a:t>
+            </a:r>
+            <a:r>
+              <a:rPr lang="en-AU" sz="1800" dirty="0">
+                <a:latin typeface="Andale Mono"/>
+                <a:cs typeface="Andale Mono"/>
+              </a:rPr>
+              <a:t> $ </a:t>
+            </a:r>
+            <a:r>
+              <a:rPr lang="en-AU" sz="1800" dirty="0" err="1">
+                <a:latin typeface="Andale Mono"/>
+                <a:cs typeface="Andale Mono"/>
+              </a:rPr>
+              <a:t>createNoteForm</a:t>
+            </a:r>
+            <a:r>
+              <a:rPr lang="en-AU" sz="1800" dirty="0">
+                <a:latin typeface="Andale Mono"/>
+                <a:cs typeface="Andale Mono"/>
+              </a:rPr>
+              <a:t> today</a:t>
+            </a:r>
+          </a:p>
+          <a:p>
+            <a:pPr marL="0" indent="0">
+              <a:buNone/>
+            </a:pPr>
+            <a:r>
+              <a:rPr lang="en-AU" sz="1800" dirty="0">
+                <a:latin typeface="Andale Mono"/>
+                <a:cs typeface="Andale Mono"/>
+              </a:rPr>
+              <a:t>  </a:t>
+            </a:r>
+            <a:r>
+              <a:rPr lang="en-AU" sz="1800" dirty="0" err="1">
+                <a:latin typeface="Andale Mono"/>
+                <a:cs typeface="Andale Mono"/>
+              </a:rPr>
+              <a:t>showCreateNoteForm</a:t>
+            </a:r>
+            <a:r>
+              <a:rPr lang="en-AU" sz="1800" dirty="0">
+                <a:latin typeface="Andale Mono"/>
+                <a:cs typeface="Andale Mono"/>
+              </a:rPr>
+              <a:t> widget </a:t>
+            </a:r>
+            <a:r>
+              <a:rPr lang="en-AU" sz="1800" dirty="0" err="1">
+                <a:latin typeface="Andale Mono"/>
+                <a:cs typeface="Andale Mono"/>
+              </a:rPr>
+              <a:t>encType</a:t>
+            </a:r>
+            <a:endParaRPr lang="en-AU" sz="1800" dirty="0">
+              <a:latin typeface="Andale Mono"/>
+              <a:cs typeface="Andale Mono"/>
+            </a:endParaRPr>
+          </a:p>
+          <a:p>
+            <a:pPr marL="0" indent="0">
+              <a:buNone/>
+            </a:pPr>
+            <a:endParaRPr lang="en-AU" sz="1800" dirty="0">
+              <a:latin typeface="Andale Mono"/>
+              <a:cs typeface="Andale Mono"/>
+            </a:endParaRPr>
+          </a:p>
+          <a:p>
+            <a:pPr marL="0" indent="0">
+              <a:buNone/>
+            </a:pPr>
+            <a:r>
+              <a:rPr lang="en-AU" sz="1800" dirty="0" err="1">
+                <a:latin typeface="Andale Mono"/>
+                <a:cs typeface="Andale Mono"/>
+              </a:rPr>
+              <a:t>showCreateNoteForm</a:t>
+            </a:r>
+            <a:r>
+              <a:rPr lang="en-AU" sz="1800" dirty="0">
+                <a:latin typeface="Andale Mono"/>
+                <a:cs typeface="Andale Mono"/>
+              </a:rPr>
+              <a:t> widget </a:t>
+            </a:r>
+            <a:r>
+              <a:rPr lang="en-AU" sz="1800" dirty="0" err="1">
+                <a:latin typeface="Andale Mono"/>
+                <a:cs typeface="Andale Mono"/>
+              </a:rPr>
+              <a:t>encType</a:t>
+            </a:r>
+            <a:r>
+              <a:rPr lang="en-AU" sz="1800" dirty="0">
+                <a:latin typeface="Andale Mono"/>
+                <a:cs typeface="Andale Mono"/>
+              </a:rPr>
+              <a:t> = do</a:t>
+            </a:r>
+          </a:p>
+          <a:p>
+            <a:pPr marL="0" indent="0">
+              <a:buNone/>
+            </a:pPr>
+            <a:r>
+              <a:rPr lang="en-AU" sz="1800" dirty="0">
+                <a:latin typeface="Andale Mono"/>
+                <a:cs typeface="Andale Mono"/>
+              </a:rPr>
+              <a:t>  </a:t>
+            </a:r>
+            <a:r>
+              <a:rPr lang="en-AU" sz="1800" dirty="0" smtClean="0">
+                <a:latin typeface="Andale Mono"/>
+                <a:cs typeface="Andale Mono"/>
+              </a:rPr>
+              <a:t>notes  &lt;</a:t>
+            </a:r>
+            <a:r>
+              <a:rPr lang="en-AU" sz="1800" dirty="0">
+                <a:latin typeface="Andale Mono"/>
+                <a:cs typeface="Andale Mono"/>
+              </a:rPr>
+              <a:t>- </a:t>
+            </a:r>
+            <a:r>
+              <a:rPr lang="en-AU" sz="1800" dirty="0" err="1" smtClean="0">
+                <a:latin typeface="Andale Mono"/>
+                <a:cs typeface="Andale Mono"/>
+              </a:rPr>
+              <a:t>runDB</a:t>
+            </a:r>
+            <a:r>
+              <a:rPr lang="en-AU" sz="1800" dirty="0" smtClean="0">
+                <a:latin typeface="Andale Mono"/>
+                <a:cs typeface="Andale Mono"/>
+              </a:rPr>
+              <a:t> $ </a:t>
+            </a:r>
+            <a:r>
+              <a:rPr lang="en-AU" sz="1800" dirty="0" err="1" smtClean="0">
+                <a:latin typeface="Andale Mono"/>
+                <a:cs typeface="Andale Mono"/>
+              </a:rPr>
+              <a:t>selectList</a:t>
+            </a:r>
+            <a:r>
+              <a:rPr lang="en-AU" sz="1800" dirty="0" smtClean="0">
+                <a:latin typeface="Andale Mono"/>
+                <a:cs typeface="Andale Mono"/>
+              </a:rPr>
+              <a:t> </a:t>
+            </a:r>
+            <a:r>
+              <a:rPr lang="en-AU" sz="1800" dirty="0">
+                <a:latin typeface="Andale Mono"/>
+                <a:cs typeface="Andale Mono"/>
+              </a:rPr>
+              <a:t>[] [</a:t>
+            </a:r>
+            <a:r>
+              <a:rPr lang="en-AU" sz="1800" dirty="0" err="1">
+                <a:latin typeface="Andale Mono"/>
+                <a:cs typeface="Andale Mono"/>
+              </a:rPr>
+              <a:t>Asc</a:t>
+            </a:r>
+            <a:r>
+              <a:rPr lang="en-AU" sz="1800" dirty="0">
+                <a:latin typeface="Andale Mono"/>
+                <a:cs typeface="Andale Mono"/>
+              </a:rPr>
+              <a:t> </a:t>
+            </a:r>
+            <a:r>
+              <a:rPr lang="en-AU" sz="1800" dirty="0" err="1">
+                <a:latin typeface="Andale Mono"/>
+                <a:cs typeface="Andale Mono"/>
+              </a:rPr>
+              <a:t>NoteTitle</a:t>
+            </a:r>
+            <a:r>
+              <a:rPr lang="en-AU" sz="1800" dirty="0" smtClean="0">
+                <a:latin typeface="Andale Mono"/>
+                <a:cs typeface="Andale Mono"/>
+              </a:rPr>
+              <a:t>]</a:t>
+            </a:r>
+            <a:endParaRPr lang="en-AU" sz="1800" dirty="0">
+              <a:latin typeface="Andale Mono"/>
+              <a:cs typeface="Andale Mono"/>
+            </a:endParaRPr>
+          </a:p>
+          <a:p>
+            <a:pPr marL="0" indent="0">
+              <a:buNone/>
+            </a:pPr>
+            <a:r>
+              <a:rPr lang="en-AU" sz="1800" dirty="0">
+                <a:latin typeface="Andale Mono"/>
+                <a:cs typeface="Andale Mono"/>
+              </a:rPr>
+              <a:t>  </a:t>
+            </a:r>
+            <a:r>
+              <a:rPr lang="en-AU" sz="1800" dirty="0" err="1">
+                <a:latin typeface="Andale Mono"/>
+                <a:cs typeface="Andale Mono"/>
+              </a:rPr>
+              <a:t>defaultLayout</a:t>
+            </a:r>
+            <a:r>
+              <a:rPr lang="en-AU" sz="1800" dirty="0">
+                <a:latin typeface="Andale Mono"/>
+                <a:cs typeface="Andale Mono"/>
+              </a:rPr>
+              <a:t> [</a:t>
+            </a:r>
+            <a:r>
+              <a:rPr lang="en-AU" sz="1800" dirty="0" err="1">
+                <a:latin typeface="Andale Mono"/>
+                <a:cs typeface="Andale Mono"/>
+              </a:rPr>
+              <a:t>whamlet</a:t>
+            </a:r>
+            <a:r>
+              <a:rPr lang="en-AU" sz="1800" dirty="0">
+                <a:latin typeface="Andale Mono"/>
+                <a:cs typeface="Andale Mono"/>
+              </a:rPr>
+              <a:t>|</a:t>
+            </a:r>
+          </a:p>
+          <a:p>
+            <a:pPr marL="0" indent="0">
+              <a:buNone/>
+            </a:pPr>
+            <a:r>
+              <a:rPr lang="en-AU" sz="1800" dirty="0">
+                <a:latin typeface="Andale Mono"/>
+                <a:cs typeface="Andale Mono"/>
+              </a:rPr>
+              <a:t>&lt;h1&gt;Notes</a:t>
+            </a:r>
+          </a:p>
+          <a:p>
+            <a:pPr marL="0" indent="0">
+              <a:buNone/>
+            </a:pPr>
+            <a:r>
+              <a:rPr lang="en-AU" sz="1800" dirty="0">
+                <a:latin typeface="Andale Mono"/>
+                <a:cs typeface="Andale Mono"/>
+              </a:rPr>
+              <a:t>&lt;</a:t>
+            </a:r>
+            <a:r>
+              <a:rPr lang="en-AU" sz="1800" dirty="0" err="1">
+                <a:latin typeface="Andale Mono"/>
+                <a:cs typeface="Andale Mono"/>
+              </a:rPr>
+              <a:t>ul</a:t>
+            </a:r>
+            <a:r>
+              <a:rPr lang="en-AU" sz="1800" dirty="0">
+                <a:latin typeface="Andale Mono"/>
+                <a:cs typeface="Andale Mono"/>
+              </a:rPr>
+              <a:t>&gt;                 </a:t>
+            </a:r>
+          </a:p>
+          <a:p>
+            <a:pPr marL="0" indent="0">
+              <a:buNone/>
+            </a:pPr>
+            <a:r>
+              <a:rPr lang="en-AU" sz="1800" dirty="0">
+                <a:latin typeface="Andale Mono"/>
+                <a:cs typeface="Andale Mono"/>
+              </a:rPr>
+              <a:t>  $</a:t>
+            </a:r>
+            <a:r>
+              <a:rPr lang="en-AU" sz="1800" dirty="0" err="1">
+                <a:latin typeface="Andale Mono"/>
+                <a:cs typeface="Andale Mono"/>
+              </a:rPr>
+              <a:t>forall</a:t>
+            </a:r>
+            <a:r>
+              <a:rPr lang="en-AU" sz="1800" dirty="0">
+                <a:latin typeface="Andale Mono"/>
+                <a:cs typeface="Andale Mono"/>
+              </a:rPr>
+              <a:t> Entity id note &lt;- notes</a:t>
+            </a:r>
+          </a:p>
+          <a:p>
+            <a:pPr marL="0" indent="0">
+              <a:buNone/>
+            </a:pPr>
+            <a:r>
+              <a:rPr lang="en-AU" sz="1800" dirty="0">
+                <a:latin typeface="Andale Mono"/>
+                <a:cs typeface="Andale Mono"/>
+              </a:rPr>
+              <a:t>    &lt;li&gt;&lt;a </a:t>
+            </a:r>
+            <a:r>
+              <a:rPr lang="en-AU" sz="1800" dirty="0" err="1">
+                <a:latin typeface="Andale Mono"/>
+                <a:cs typeface="Andale Mono"/>
+              </a:rPr>
+              <a:t>href</a:t>
+            </a:r>
+            <a:r>
+              <a:rPr lang="en-AU" sz="1800" dirty="0">
+                <a:latin typeface="Andale Mono"/>
+                <a:cs typeface="Andale Mono"/>
+              </a:rPr>
+              <a:t>="@{</a:t>
+            </a:r>
+            <a:r>
+              <a:rPr lang="en-AU" sz="1800" dirty="0" err="1">
+                <a:latin typeface="Andale Mono"/>
+                <a:cs typeface="Andale Mono"/>
+              </a:rPr>
+              <a:t>NoteR</a:t>
+            </a:r>
+            <a:r>
+              <a:rPr lang="en-AU" sz="1800" dirty="0">
+                <a:latin typeface="Andale Mono"/>
+                <a:cs typeface="Andale Mono"/>
+              </a:rPr>
+              <a:t> id}"&gt;#{</a:t>
+            </a:r>
+            <a:r>
+              <a:rPr lang="en-AU" sz="1800" dirty="0" err="1">
+                <a:latin typeface="Andale Mono"/>
+                <a:cs typeface="Andale Mono"/>
+              </a:rPr>
+              <a:t>noteTitle</a:t>
+            </a:r>
+            <a:r>
+              <a:rPr lang="en-AU" sz="1800" dirty="0">
+                <a:latin typeface="Andale Mono"/>
+                <a:cs typeface="Andale Mono"/>
+              </a:rPr>
+              <a:t> note}&lt;/a&gt;                            </a:t>
+            </a:r>
+          </a:p>
+          <a:p>
+            <a:pPr marL="0" indent="0">
+              <a:buNone/>
+            </a:pPr>
+            <a:r>
+              <a:rPr lang="en-AU" sz="1800" dirty="0">
+                <a:latin typeface="Andale Mono"/>
+                <a:cs typeface="Andale Mono"/>
+              </a:rPr>
+              <a:t>&lt;h1&gt;Create Note</a:t>
+            </a:r>
+          </a:p>
+          <a:p>
+            <a:pPr marL="0" indent="0">
+              <a:buNone/>
+            </a:pPr>
+            <a:r>
+              <a:rPr lang="en-AU" sz="1800" dirty="0">
+                <a:latin typeface="Andale Mono"/>
+                <a:cs typeface="Andale Mono"/>
+              </a:rPr>
+              <a:t>&lt;form method=post action=@{</a:t>
+            </a:r>
+            <a:r>
+              <a:rPr lang="en-AU" sz="1800" dirty="0" err="1">
+                <a:latin typeface="Andale Mono"/>
+                <a:cs typeface="Andale Mono"/>
+              </a:rPr>
+              <a:t>NotesR</a:t>
+            </a:r>
+            <a:r>
+              <a:rPr lang="en-AU" sz="1800" dirty="0">
+                <a:latin typeface="Andale Mono"/>
+                <a:cs typeface="Andale Mono"/>
+              </a:rPr>
+              <a:t>} </a:t>
+            </a:r>
+            <a:r>
+              <a:rPr lang="en-AU" sz="1800" dirty="0" err="1">
+                <a:latin typeface="Andale Mono"/>
+                <a:cs typeface="Andale Mono"/>
+              </a:rPr>
+              <a:t>enctype</a:t>
+            </a:r>
+            <a:r>
+              <a:rPr lang="en-AU" sz="1800" dirty="0">
+                <a:latin typeface="Andale Mono"/>
+                <a:cs typeface="Andale Mono"/>
+              </a:rPr>
+              <a:t>=#{</a:t>
+            </a:r>
+            <a:r>
+              <a:rPr lang="en-AU" sz="1800" dirty="0" err="1">
+                <a:latin typeface="Andale Mono"/>
+                <a:cs typeface="Andale Mono"/>
+              </a:rPr>
+              <a:t>encType</a:t>
+            </a:r>
+            <a:r>
+              <a:rPr lang="en-AU" sz="1800" dirty="0">
+                <a:latin typeface="Andale Mono"/>
+                <a:cs typeface="Andale Mono"/>
+              </a:rPr>
+              <a:t>}&gt;</a:t>
+            </a:r>
+          </a:p>
+          <a:p>
+            <a:pPr marL="0" indent="0">
+              <a:buNone/>
+            </a:pPr>
+            <a:r>
+              <a:rPr lang="en-AU" sz="1800" dirty="0">
+                <a:latin typeface="Andale Mono"/>
+                <a:cs typeface="Andale Mono"/>
+              </a:rPr>
+              <a:t>    ^{widget}</a:t>
+            </a:r>
+          </a:p>
+          <a:p>
+            <a:pPr marL="0" indent="0">
+              <a:buNone/>
+            </a:pPr>
+            <a:r>
+              <a:rPr lang="en-AU" sz="1800" dirty="0">
+                <a:latin typeface="Andale Mono"/>
+                <a:cs typeface="Andale Mono"/>
+              </a:rPr>
+              <a:t>    &lt;input type=submit&gt;</a:t>
+            </a:r>
+          </a:p>
+          <a:p>
+            <a:pPr marL="0" indent="0">
+              <a:buNone/>
+            </a:pPr>
+            <a:r>
+              <a:rPr lang="en-AU" sz="1800" dirty="0">
+                <a:latin typeface="Andale Mono"/>
+                <a:cs typeface="Andale Mono"/>
+              </a:rPr>
+              <a:t>|]</a:t>
+            </a:r>
+          </a:p>
+        </p:txBody>
+      </p:sp>
+    </p:spTree>
+    <p:extLst>
+      <p:ext uri="{BB962C8B-B14F-4D97-AF65-F5344CB8AC3E}">
+        <p14:creationId xmlns:p14="http://schemas.microsoft.com/office/powerpoint/2010/main" val="1460789838"/>
+      </p:ext>
+    </p:extLst>
+  </p:cSld>
+  <p:clrMapOvr>
+    <a:masterClrMapping/>
+  </p:clrMapOvr>
+</p:sld>
+</file>
+
+<file path=ppt/slides/slide24.xml><?xml version="1.0" encoding="utf-8"?>
+<p:sld xmlns:a="http://schemas.openxmlformats.org/drawingml/2006/main" xmlns:r="http://schemas.openxmlformats.org/officeDocument/2006/relationships" xmlns:p="http://schemas.openxmlformats.org/presentationml/2006/main">
+  <p:cSld>
+    <p:spTree>
+      <p:nvGrpSpPr>
+        <p:cNvPr id="1" name=""/>
+        <p:cNvGrpSpPr/>
+        <p:nvPr/>
+      </p:nvGrpSpPr>
+      <p:grpSpPr>
+        <a:xfrm>
+          <a:off x="0" y="0"/>
+          <a:ext cx="0" cy="0"/>
+          <a:chOff x="0" y="0"/>
+          <a:chExt cx="0" cy="0"/>
+        </a:xfrm>
+      </p:grpSpPr>
+      <p:sp>
+        <p:nvSpPr>
+          <p:cNvPr id="2" name="Title 1"/>
+          <p:cNvSpPr>
+            <a:spLocks noGrp="1"/>
+          </p:cNvSpPr>
+          <p:nvPr>
+            <p:ph type="title"/>
+          </p:nvPr>
+        </p:nvSpPr>
+        <p:spPr/>
+        <p:txBody>
+          <a:bodyPr/>
+          <a:lstStyle/>
+          <a:p>
+            <a:r>
+              <a:rPr lang="en-AU" dirty="0"/>
+              <a:t>A ‘complete’ app ( </a:t>
+            </a:r>
+            <a:r>
+              <a:rPr lang="en-AU" dirty="0" smtClean="0"/>
+              <a:t>process form </a:t>
+            </a:r>
+            <a:r>
+              <a:rPr lang="en-AU" dirty="0"/>
+              <a:t>)</a:t>
+            </a:r>
+          </a:p>
+        </p:txBody>
+      </p:sp>
+      <p:sp>
+        <p:nvSpPr>
+          <p:cNvPr id="3" name="Content Placeholder 2"/>
+          <p:cNvSpPr>
+            <a:spLocks noGrp="1"/>
+          </p:cNvSpPr>
+          <p:nvPr>
+            <p:ph sz="quarter" idx="1"/>
+          </p:nvPr>
+        </p:nvSpPr>
+        <p:spPr>
+          <a:xfrm>
+            <a:off x="108857" y="1600200"/>
+            <a:ext cx="8899072" cy="5167086"/>
+          </a:xfrm>
+        </p:spPr>
+        <p:txBody>
+          <a:bodyPr>
+            <a:normAutofit/>
+          </a:bodyPr>
+          <a:lstStyle/>
+          <a:p>
+            <a:pPr marL="0" indent="0">
+              <a:buNone/>
+            </a:pPr>
+            <a:r>
+              <a:rPr lang="en-AU" sz="1800" dirty="0" err="1" smtClean="0">
+                <a:latin typeface="Andale Mono"/>
+                <a:cs typeface="Andale Mono"/>
+              </a:rPr>
+              <a:t>postNotesR</a:t>
+            </a:r>
+            <a:r>
+              <a:rPr lang="en-AU" sz="1800" dirty="0" smtClean="0">
+                <a:latin typeface="Andale Mono"/>
+                <a:cs typeface="Andale Mono"/>
+              </a:rPr>
+              <a:t> </a:t>
+            </a:r>
+            <a:r>
+              <a:rPr lang="en-AU" sz="1800" dirty="0">
+                <a:latin typeface="Andale Mono"/>
+                <a:cs typeface="Andale Mono"/>
+              </a:rPr>
+              <a:t>:: Handler </a:t>
+            </a:r>
+            <a:r>
+              <a:rPr lang="en-AU" sz="1800" dirty="0" err="1">
+                <a:latin typeface="Andale Mono"/>
+                <a:cs typeface="Andale Mono"/>
+              </a:rPr>
+              <a:t>RepHtml</a:t>
+            </a:r>
+            <a:endParaRPr lang="en-AU" sz="1800" dirty="0">
+              <a:latin typeface="Andale Mono"/>
+              <a:cs typeface="Andale Mono"/>
+            </a:endParaRPr>
+          </a:p>
+          <a:p>
+            <a:pPr marL="0" indent="0">
+              <a:buNone/>
+            </a:pPr>
+            <a:r>
+              <a:rPr lang="en-AU" sz="1800" dirty="0" err="1" smtClean="0">
+                <a:latin typeface="Andale Mono"/>
+                <a:cs typeface="Andale Mono"/>
+              </a:rPr>
+              <a:t>postNotesR</a:t>
+            </a:r>
+            <a:r>
+              <a:rPr lang="en-AU" sz="1800" dirty="0" smtClean="0">
+                <a:latin typeface="Andale Mono"/>
+                <a:cs typeface="Andale Mono"/>
+              </a:rPr>
+              <a:t> </a:t>
+            </a:r>
+            <a:r>
+              <a:rPr lang="en-AU" sz="1800" dirty="0">
+                <a:latin typeface="Andale Mono"/>
+                <a:cs typeface="Andale Mono"/>
+              </a:rPr>
+              <a:t>= do </a:t>
+            </a:r>
+          </a:p>
+          <a:p>
+            <a:pPr marL="0" indent="0">
+              <a:buNone/>
+            </a:pPr>
+            <a:r>
+              <a:rPr lang="en-AU" sz="1800" dirty="0">
+                <a:latin typeface="Andale Mono"/>
+                <a:cs typeface="Andale Mono"/>
+              </a:rPr>
+              <a:t>  today &lt;- </a:t>
+            </a:r>
+            <a:r>
+              <a:rPr lang="en-AU" sz="1800" dirty="0" err="1">
+                <a:latin typeface="Andale Mono"/>
+                <a:cs typeface="Andale Mono"/>
+              </a:rPr>
+              <a:t>fmap</a:t>
+            </a:r>
+            <a:r>
+              <a:rPr lang="en-AU" sz="1800" dirty="0">
+                <a:latin typeface="Andale Mono"/>
+                <a:cs typeface="Andale Mono"/>
+              </a:rPr>
+              <a:t> </a:t>
+            </a:r>
+            <a:r>
+              <a:rPr lang="en-AU" sz="1800" dirty="0" err="1">
+                <a:latin typeface="Andale Mono"/>
+                <a:cs typeface="Andale Mono"/>
+              </a:rPr>
+              <a:t>utctDay</a:t>
+            </a:r>
+            <a:r>
+              <a:rPr lang="en-AU" sz="1800" dirty="0">
+                <a:latin typeface="Andale Mono"/>
+                <a:cs typeface="Andale Mono"/>
+              </a:rPr>
+              <a:t> $ </a:t>
+            </a:r>
+            <a:r>
+              <a:rPr lang="en-AU" sz="1800" dirty="0" err="1">
+                <a:latin typeface="Andale Mono"/>
+                <a:cs typeface="Andale Mono"/>
+              </a:rPr>
+              <a:t>liftIO</a:t>
+            </a:r>
+            <a:r>
+              <a:rPr lang="en-AU" sz="1800" dirty="0">
+                <a:latin typeface="Andale Mono"/>
+                <a:cs typeface="Andale Mono"/>
+              </a:rPr>
+              <a:t> </a:t>
+            </a:r>
+            <a:r>
+              <a:rPr lang="en-AU" sz="1800" dirty="0" err="1">
+                <a:latin typeface="Andale Mono"/>
+                <a:cs typeface="Andale Mono"/>
+              </a:rPr>
+              <a:t>getCurrentTime</a:t>
+            </a:r>
+            <a:endParaRPr lang="en-AU" sz="1800" dirty="0">
+              <a:latin typeface="Andale Mono"/>
+              <a:cs typeface="Andale Mono"/>
+            </a:endParaRPr>
+          </a:p>
+          <a:p>
+            <a:pPr marL="0" indent="0">
+              <a:buNone/>
+            </a:pPr>
+            <a:r>
+              <a:rPr lang="en-AU" sz="1800" dirty="0">
+                <a:latin typeface="Andale Mono"/>
+                <a:cs typeface="Andale Mono"/>
+              </a:rPr>
+              <a:t>  ((result, widget), </a:t>
+            </a:r>
+            <a:r>
+              <a:rPr lang="en-AU" sz="1800" dirty="0" err="1">
+                <a:latin typeface="Andale Mono"/>
+                <a:cs typeface="Andale Mono"/>
+              </a:rPr>
+              <a:t>encType</a:t>
+            </a:r>
+            <a:r>
+              <a:rPr lang="en-AU" sz="1800" dirty="0">
+                <a:latin typeface="Andale Mono"/>
+                <a:cs typeface="Andale Mono"/>
+              </a:rPr>
+              <a:t>) &lt;- </a:t>
+            </a:r>
+            <a:endParaRPr lang="en-AU" sz="1800" dirty="0" smtClean="0">
+              <a:latin typeface="Andale Mono"/>
+              <a:cs typeface="Andale Mono"/>
+            </a:endParaRPr>
+          </a:p>
+          <a:p>
+            <a:pPr marL="0" indent="0">
+              <a:buNone/>
+            </a:pPr>
+            <a:r>
+              <a:rPr lang="en-AU" sz="1800" dirty="0">
+                <a:latin typeface="Andale Mono"/>
+                <a:cs typeface="Andale Mono"/>
+              </a:rPr>
+              <a:t> </a:t>
+            </a:r>
+            <a:r>
+              <a:rPr lang="en-AU" sz="1800" dirty="0" smtClean="0">
+                <a:latin typeface="Andale Mono"/>
+                <a:cs typeface="Andale Mono"/>
+              </a:rPr>
+              <a:t>   </a:t>
+            </a:r>
+            <a:r>
+              <a:rPr lang="en-AU" sz="1800" dirty="0" err="1" smtClean="0">
+                <a:latin typeface="Andale Mono"/>
+                <a:cs typeface="Andale Mono"/>
+              </a:rPr>
+              <a:t>runFormPost</a:t>
+            </a:r>
+            <a:r>
+              <a:rPr lang="en-AU" sz="1800" dirty="0" smtClean="0">
+                <a:latin typeface="Andale Mono"/>
+                <a:cs typeface="Andale Mono"/>
+              </a:rPr>
+              <a:t> </a:t>
+            </a:r>
+            <a:r>
+              <a:rPr lang="en-AU" sz="1800" dirty="0">
+                <a:latin typeface="Andale Mono"/>
+                <a:cs typeface="Andale Mono"/>
+              </a:rPr>
+              <a:t>$ </a:t>
+            </a:r>
+            <a:r>
+              <a:rPr lang="en-AU" sz="1800" dirty="0" err="1">
+                <a:latin typeface="Andale Mono"/>
+                <a:cs typeface="Andale Mono"/>
+              </a:rPr>
+              <a:t>createNoteForm</a:t>
+            </a:r>
+            <a:r>
+              <a:rPr lang="en-AU" sz="1800" dirty="0">
+                <a:latin typeface="Andale Mono"/>
+                <a:cs typeface="Andale Mono"/>
+              </a:rPr>
+              <a:t> today</a:t>
+            </a:r>
+          </a:p>
+          <a:p>
+            <a:pPr marL="0" indent="0">
+              <a:buNone/>
+            </a:pPr>
+            <a:r>
+              <a:rPr lang="en-AU" sz="1800" dirty="0">
+                <a:latin typeface="Andale Mono"/>
+                <a:cs typeface="Andale Mono"/>
+              </a:rPr>
+              <a:t>  case result of</a:t>
+            </a:r>
+          </a:p>
+          <a:p>
+            <a:pPr marL="0" indent="0">
+              <a:buNone/>
+            </a:pPr>
+            <a:r>
+              <a:rPr lang="en-AU" sz="1800" dirty="0">
+                <a:latin typeface="Andale Mono"/>
+                <a:cs typeface="Andale Mono"/>
+              </a:rPr>
+              <a:t>    </a:t>
+            </a:r>
+            <a:r>
+              <a:rPr lang="en-AU" sz="1800" dirty="0" err="1">
+                <a:latin typeface="Andale Mono"/>
+                <a:cs typeface="Andale Mono"/>
+              </a:rPr>
+              <a:t>FormSuccess</a:t>
+            </a:r>
+            <a:r>
+              <a:rPr lang="en-AU" sz="1800" dirty="0">
+                <a:latin typeface="Andale Mono"/>
+                <a:cs typeface="Andale Mono"/>
+              </a:rPr>
+              <a:t> note -&gt; </a:t>
+            </a:r>
+            <a:r>
+              <a:rPr lang="en-AU" sz="1800" dirty="0" err="1">
+                <a:latin typeface="Andale Mono"/>
+                <a:cs typeface="Andale Mono"/>
+              </a:rPr>
+              <a:t>postNotesRWin</a:t>
+            </a:r>
+            <a:r>
+              <a:rPr lang="en-AU" sz="1800" dirty="0">
+                <a:latin typeface="Andale Mono"/>
+                <a:cs typeface="Andale Mono"/>
+              </a:rPr>
+              <a:t> note</a:t>
+            </a:r>
+          </a:p>
+          <a:p>
+            <a:pPr marL="0" indent="0">
+              <a:buNone/>
+            </a:pPr>
+            <a:r>
+              <a:rPr lang="en-AU" sz="1800" dirty="0">
+                <a:latin typeface="Andale Mono"/>
+                <a:cs typeface="Andale Mono"/>
+              </a:rPr>
+              <a:t>    _ -&gt; </a:t>
+            </a:r>
+            <a:r>
+              <a:rPr lang="en-AU" sz="1800" dirty="0" err="1">
+                <a:latin typeface="Andale Mono"/>
+                <a:cs typeface="Andale Mono"/>
+              </a:rPr>
+              <a:t>showCreateNoteForm</a:t>
+            </a:r>
+            <a:r>
+              <a:rPr lang="en-AU" sz="1800" dirty="0">
+                <a:latin typeface="Andale Mono"/>
+                <a:cs typeface="Andale Mono"/>
+              </a:rPr>
+              <a:t> widget </a:t>
+            </a:r>
+            <a:r>
+              <a:rPr lang="en-AU" sz="1800" dirty="0" err="1">
+                <a:latin typeface="Andale Mono"/>
+                <a:cs typeface="Andale Mono"/>
+              </a:rPr>
+              <a:t>encType</a:t>
+            </a:r>
+            <a:endParaRPr lang="en-AU" sz="1800" dirty="0">
+              <a:latin typeface="Andale Mono"/>
+              <a:cs typeface="Andale Mono"/>
+            </a:endParaRPr>
+          </a:p>
+          <a:p>
+            <a:pPr marL="0" indent="0">
+              <a:buNone/>
+            </a:pPr>
+            <a:endParaRPr lang="en-AU" sz="1800" dirty="0">
+              <a:latin typeface="Andale Mono"/>
+              <a:cs typeface="Andale Mono"/>
+            </a:endParaRPr>
+          </a:p>
+          <a:p>
+            <a:pPr marL="0" indent="0">
+              <a:buNone/>
+            </a:pPr>
+            <a:r>
+              <a:rPr lang="en-AU" sz="1800" dirty="0" err="1">
+                <a:latin typeface="Andale Mono"/>
+                <a:cs typeface="Andale Mono"/>
+              </a:rPr>
+              <a:t>postNotesRWin</a:t>
+            </a:r>
+            <a:r>
+              <a:rPr lang="en-AU" sz="1800" dirty="0">
+                <a:latin typeface="Andale Mono"/>
+                <a:cs typeface="Andale Mono"/>
+              </a:rPr>
+              <a:t> note = do</a:t>
+            </a:r>
+          </a:p>
+          <a:p>
+            <a:pPr marL="0" indent="0">
+              <a:buNone/>
+            </a:pPr>
+            <a:r>
+              <a:rPr lang="en-AU" sz="1800" dirty="0">
+                <a:latin typeface="Andale Mono"/>
+                <a:cs typeface="Andale Mono"/>
+              </a:rPr>
+              <a:t>  </a:t>
+            </a:r>
+            <a:r>
+              <a:rPr lang="en-AU" sz="1800" dirty="0" err="1" smtClean="0">
+                <a:latin typeface="Andale Mono"/>
+                <a:cs typeface="Andale Mono"/>
+              </a:rPr>
+              <a:t>noteId</a:t>
+            </a:r>
+            <a:r>
+              <a:rPr lang="en-AU" sz="1800" dirty="0" smtClean="0">
+                <a:latin typeface="Andale Mono"/>
+                <a:cs typeface="Andale Mono"/>
+              </a:rPr>
+              <a:t> </a:t>
+            </a:r>
+            <a:r>
+              <a:rPr lang="en-AU" sz="1800" dirty="0">
+                <a:latin typeface="Andale Mono"/>
+                <a:cs typeface="Andale Mono"/>
+              </a:rPr>
+              <a:t>&lt;- </a:t>
+            </a:r>
+            <a:r>
+              <a:rPr lang="en-AU" sz="1800" dirty="0" err="1" smtClean="0">
+                <a:latin typeface="Andale Mono"/>
+                <a:cs typeface="Andale Mono"/>
+              </a:rPr>
+              <a:t>runDB</a:t>
+            </a:r>
+            <a:r>
+              <a:rPr lang="en-AU" sz="1800" dirty="0" smtClean="0">
+                <a:latin typeface="Andale Mono"/>
+                <a:cs typeface="Andale Mono"/>
+              </a:rPr>
+              <a:t> $ insert note</a:t>
+            </a:r>
+            <a:endParaRPr lang="en-AU" sz="1800" dirty="0">
+              <a:latin typeface="Andale Mono"/>
+              <a:cs typeface="Andale Mono"/>
+            </a:endParaRPr>
+          </a:p>
+          <a:p>
+            <a:pPr marL="0" indent="0">
+              <a:buNone/>
+            </a:pPr>
+            <a:r>
+              <a:rPr lang="en-AU" sz="1800" dirty="0">
+                <a:latin typeface="Andale Mono"/>
+                <a:cs typeface="Andale Mono"/>
+              </a:rPr>
+              <a:t>  redirect $ </a:t>
+            </a:r>
+            <a:r>
+              <a:rPr lang="en-AU" sz="1800" dirty="0" err="1">
+                <a:latin typeface="Andale Mono"/>
+                <a:cs typeface="Andale Mono"/>
+              </a:rPr>
+              <a:t>NoteR</a:t>
+            </a:r>
+            <a:r>
+              <a:rPr lang="en-AU" sz="1800" dirty="0">
+                <a:latin typeface="Andale Mono"/>
+                <a:cs typeface="Andale Mono"/>
+              </a:rPr>
+              <a:t> </a:t>
+            </a:r>
+            <a:r>
+              <a:rPr lang="en-AU" sz="1800" dirty="0" err="1" smtClean="0">
+                <a:latin typeface="Andale Mono"/>
+                <a:cs typeface="Andale Mono"/>
+              </a:rPr>
+              <a:t>noteId</a:t>
+            </a:r>
+            <a:endParaRPr lang="en-AU" sz="1800" dirty="0" smtClean="0">
+              <a:latin typeface="Andale Mono"/>
+              <a:cs typeface="Andale Mono"/>
+            </a:endParaRPr>
+          </a:p>
+        </p:txBody>
+      </p:sp>
+    </p:spTree>
+    <p:extLst>
+      <p:ext uri="{BB962C8B-B14F-4D97-AF65-F5344CB8AC3E}">
+        <p14:creationId xmlns:p14="http://schemas.microsoft.com/office/powerpoint/2010/main" val="3636725206"/>
+      </p:ext>
+    </p:extLst>
+  </p:cSld>
+  <p:clrMapOvr>
+    <a:masterClrMapping/>
+  </p:clrMapOvr>
+</p:sld>
+</file>
+
+<file path=ppt/slides/slide25.xml><?xml version="1.0" encoding="utf-8"?>
+<p:sld xmlns:a="http://schemas.openxmlformats.org/drawingml/2006/main" xmlns:r="http://schemas.openxmlformats.org/officeDocument/2006/relationships" xmlns:p="http://schemas.openxmlformats.org/presentationml/2006/main">
+  <p:cSld>
+    <p:spTree>
+      <p:nvGrpSpPr>
+        <p:cNvPr id="1" name=""/>
+        <p:cNvGrpSpPr/>
+        <p:nvPr/>
+      </p:nvGrpSpPr>
+      <p:grpSpPr>
+        <a:xfrm>
+          <a:off x="0" y="0"/>
+          <a:ext cx="0" cy="0"/>
+          <a:chOff x="0" y="0"/>
+          <a:chExt cx="0" cy="0"/>
+        </a:xfrm>
+      </p:grpSpPr>
+      <p:sp>
+        <p:nvSpPr>
+          <p:cNvPr id="2" name="Title 1"/>
+          <p:cNvSpPr>
+            <a:spLocks noGrp="1"/>
+          </p:cNvSpPr>
+          <p:nvPr>
+            <p:ph type="title"/>
+          </p:nvPr>
+        </p:nvSpPr>
+        <p:spPr/>
+        <p:txBody>
+          <a:bodyPr/>
+          <a:lstStyle/>
+          <a:p>
+            <a:r>
+              <a:rPr lang="en-AU" dirty="0" smtClean="0"/>
+              <a:t>A ‘complete’ app ( showing a note )</a:t>
+            </a:r>
+            <a:endParaRPr lang="en-AU" dirty="0"/>
+          </a:p>
+        </p:txBody>
+      </p:sp>
+      <p:sp>
+        <p:nvSpPr>
+          <p:cNvPr id="3" name="Content Placeholder 2"/>
+          <p:cNvSpPr>
+            <a:spLocks noGrp="1"/>
+          </p:cNvSpPr>
+          <p:nvPr>
+            <p:ph sz="quarter" idx="1"/>
+          </p:nvPr>
+        </p:nvSpPr>
+        <p:spPr>
+          <a:xfrm>
+            <a:off x="612648" y="1759857"/>
+            <a:ext cx="8153400" cy="4608285"/>
+          </a:xfrm>
+        </p:spPr>
+        <p:txBody>
+          <a:bodyPr>
+            <a:normAutofit fontScale="77500" lnSpcReduction="20000"/>
+          </a:bodyPr>
+          <a:lstStyle/>
+          <a:p>
+            <a:pPr marL="0" indent="0">
+              <a:buNone/>
+            </a:pPr>
+            <a:r>
+              <a:rPr lang="en-AU" dirty="0" err="1">
+                <a:latin typeface="Andale Mono"/>
+                <a:cs typeface="Andale Mono"/>
+              </a:rPr>
+              <a:t>getNoteR</a:t>
+            </a:r>
+            <a:r>
+              <a:rPr lang="en-AU" dirty="0">
+                <a:latin typeface="Andale Mono"/>
+                <a:cs typeface="Andale Mono"/>
+              </a:rPr>
+              <a:t> :: </a:t>
+            </a:r>
+            <a:r>
+              <a:rPr lang="en-AU" dirty="0" err="1">
+                <a:latin typeface="Andale Mono"/>
+                <a:cs typeface="Andale Mono"/>
+              </a:rPr>
+              <a:t>NoteId</a:t>
+            </a:r>
+            <a:r>
+              <a:rPr lang="en-AU" dirty="0">
+                <a:latin typeface="Andale Mono"/>
+                <a:cs typeface="Andale Mono"/>
+              </a:rPr>
+              <a:t> -&gt; Handler </a:t>
+            </a:r>
+            <a:r>
+              <a:rPr lang="en-AU" dirty="0" err="1">
+                <a:latin typeface="Andale Mono"/>
+                <a:cs typeface="Andale Mono"/>
+              </a:rPr>
+              <a:t>RepHtml</a:t>
+            </a:r>
+            <a:endParaRPr lang="en-AU" dirty="0">
+              <a:latin typeface="Andale Mono"/>
+              <a:cs typeface="Andale Mono"/>
+            </a:endParaRPr>
+          </a:p>
+          <a:p>
+            <a:pPr marL="0" indent="0">
+              <a:buNone/>
+            </a:pPr>
+            <a:r>
+              <a:rPr lang="en-AU" dirty="0" err="1">
+                <a:latin typeface="Andale Mono"/>
+                <a:cs typeface="Andale Mono"/>
+              </a:rPr>
+              <a:t>getNoteR</a:t>
+            </a:r>
+            <a:r>
+              <a:rPr lang="en-AU" dirty="0">
+                <a:latin typeface="Andale Mono"/>
+                <a:cs typeface="Andale Mono"/>
+              </a:rPr>
+              <a:t> id = do</a:t>
+            </a:r>
+          </a:p>
+          <a:p>
+            <a:pPr marL="0" indent="0">
+              <a:buNone/>
+            </a:pPr>
+            <a:r>
+              <a:rPr lang="en-AU" dirty="0" smtClean="0">
+                <a:latin typeface="Andale Mono"/>
+                <a:cs typeface="Andale Mono"/>
+              </a:rPr>
+              <a:t>  note &lt;</a:t>
+            </a:r>
+            <a:r>
+              <a:rPr lang="en-AU" dirty="0">
+                <a:latin typeface="Andale Mono"/>
+                <a:cs typeface="Andale Mono"/>
+              </a:rPr>
+              <a:t>- </a:t>
+            </a:r>
+            <a:r>
+              <a:rPr lang="en-AU" dirty="0" err="1" smtClean="0">
+                <a:latin typeface="Andale Mono"/>
+                <a:cs typeface="Andale Mono"/>
+              </a:rPr>
+              <a:t>runDB</a:t>
+            </a:r>
+            <a:r>
+              <a:rPr lang="en-AU" dirty="0" smtClean="0">
+                <a:latin typeface="Andale Mono"/>
+                <a:cs typeface="Andale Mono"/>
+              </a:rPr>
+              <a:t> $ </a:t>
+            </a:r>
+            <a:r>
+              <a:rPr lang="en-AU" dirty="0">
+                <a:latin typeface="Andale Mono"/>
+                <a:cs typeface="Andale Mono"/>
+              </a:rPr>
+              <a:t>get </a:t>
+            </a:r>
+            <a:r>
+              <a:rPr lang="en-AU" dirty="0" smtClean="0">
+                <a:latin typeface="Andale Mono"/>
+                <a:cs typeface="Andale Mono"/>
+              </a:rPr>
+              <a:t>id</a:t>
+            </a:r>
+            <a:endParaRPr lang="en-AU" dirty="0">
+              <a:latin typeface="Andale Mono"/>
+              <a:cs typeface="Andale Mono"/>
+            </a:endParaRPr>
+          </a:p>
+          <a:p>
+            <a:pPr marL="0" indent="0">
+              <a:buNone/>
+            </a:pPr>
+            <a:r>
+              <a:rPr lang="en-AU" dirty="0">
+                <a:latin typeface="Andale Mono"/>
+                <a:cs typeface="Andale Mono"/>
+              </a:rPr>
+              <a:t>  case note of </a:t>
+            </a:r>
+          </a:p>
+          <a:p>
+            <a:pPr marL="0" indent="0">
+              <a:buNone/>
+            </a:pPr>
+            <a:r>
+              <a:rPr lang="en-AU" dirty="0">
+                <a:latin typeface="Andale Mono"/>
+                <a:cs typeface="Andale Mono"/>
+              </a:rPr>
+              <a:t>    Nothing </a:t>
+            </a:r>
+            <a:r>
+              <a:rPr lang="en-AU" dirty="0" smtClean="0">
+                <a:latin typeface="Andale Mono"/>
+                <a:cs typeface="Andale Mono"/>
+              </a:rPr>
+              <a:t>-</a:t>
+            </a:r>
+            <a:r>
+              <a:rPr lang="en-AU" dirty="0">
+                <a:latin typeface="Andale Mono"/>
+                <a:cs typeface="Andale Mono"/>
+              </a:rPr>
+              <a:t>&gt; </a:t>
+            </a:r>
+            <a:r>
+              <a:rPr lang="en-AU" dirty="0" err="1">
+                <a:latin typeface="Andale Mono"/>
+                <a:cs typeface="Andale Mono"/>
+              </a:rPr>
+              <a:t>notFound</a:t>
+            </a:r>
+            <a:endParaRPr lang="en-AU" dirty="0">
+              <a:latin typeface="Andale Mono"/>
+              <a:cs typeface="Andale Mono"/>
+            </a:endParaRPr>
+          </a:p>
+          <a:p>
+            <a:pPr marL="0" indent="0">
+              <a:buNone/>
+            </a:pPr>
+            <a:r>
+              <a:rPr lang="en-AU" dirty="0">
+                <a:latin typeface="Andale Mono"/>
+                <a:cs typeface="Andale Mono"/>
+              </a:rPr>
+              <a:t>    ( Just ( Note title date body ) ) -&gt; do </a:t>
+            </a:r>
+          </a:p>
+          <a:p>
+            <a:pPr marL="0" indent="0">
+              <a:buNone/>
+            </a:pPr>
+            <a:r>
+              <a:rPr lang="en-AU" dirty="0">
+                <a:latin typeface="Andale Mono"/>
+                <a:cs typeface="Andale Mono"/>
+              </a:rPr>
+              <a:t>      </a:t>
+            </a:r>
+            <a:r>
+              <a:rPr lang="en-AU" dirty="0" err="1">
+                <a:latin typeface="Andale Mono"/>
+                <a:cs typeface="Andale Mono"/>
+              </a:rPr>
+              <a:t>defaultLayout</a:t>
+            </a:r>
+            <a:r>
+              <a:rPr lang="en-AU" dirty="0">
+                <a:latin typeface="Andale Mono"/>
+                <a:cs typeface="Andale Mono"/>
+              </a:rPr>
+              <a:t> [</a:t>
+            </a:r>
+            <a:r>
+              <a:rPr lang="en-AU" dirty="0" err="1">
+                <a:latin typeface="Andale Mono"/>
+                <a:cs typeface="Andale Mono"/>
+              </a:rPr>
+              <a:t>whamlet</a:t>
+            </a:r>
+            <a:r>
+              <a:rPr lang="en-AU" dirty="0">
+                <a:latin typeface="Andale Mono"/>
+                <a:cs typeface="Andale Mono"/>
+              </a:rPr>
+              <a:t>|</a:t>
+            </a:r>
+          </a:p>
+          <a:p>
+            <a:pPr marL="0" indent="0">
+              <a:buNone/>
+            </a:pPr>
+            <a:r>
+              <a:rPr lang="en-AU" dirty="0">
+                <a:latin typeface="Andale Mono"/>
+                <a:cs typeface="Andale Mono"/>
+              </a:rPr>
+              <a:t>&lt;h1&gt;#{ title }</a:t>
+            </a:r>
+          </a:p>
+          <a:p>
+            <a:pPr marL="0" indent="0">
+              <a:buNone/>
+            </a:pPr>
+            <a:r>
+              <a:rPr lang="en-AU" dirty="0">
+                <a:latin typeface="Andale Mono"/>
+                <a:cs typeface="Andale Mono"/>
+              </a:rPr>
+              <a:t>  $maybe d &lt;- date</a:t>
+            </a:r>
+          </a:p>
+          <a:p>
+            <a:pPr marL="0" indent="0">
+              <a:buNone/>
+            </a:pPr>
+            <a:r>
+              <a:rPr lang="en-AU" dirty="0">
+                <a:latin typeface="Andale Mono"/>
+                <a:cs typeface="Andale Mono"/>
+              </a:rPr>
+              <a:t>    \ ( dated: #{ show d } )</a:t>
+            </a:r>
+          </a:p>
+          <a:p>
+            <a:pPr marL="0" indent="0">
+              <a:buNone/>
+            </a:pPr>
+            <a:r>
+              <a:rPr lang="en-AU" dirty="0">
+                <a:latin typeface="Andale Mono"/>
+                <a:cs typeface="Andale Mono"/>
+              </a:rPr>
+              <a:t>&lt;p&gt;#{ body }</a:t>
+            </a:r>
+          </a:p>
+          <a:p>
+            <a:pPr marL="0" indent="0">
+              <a:buNone/>
+            </a:pPr>
+            <a:r>
+              <a:rPr lang="en-AU" dirty="0">
+                <a:latin typeface="Andale Mono"/>
+                <a:cs typeface="Andale Mono"/>
+              </a:rPr>
+              <a:t>|]</a:t>
+            </a:r>
+          </a:p>
+        </p:txBody>
+      </p:sp>
+    </p:spTree>
+    <p:extLst>
+      <p:ext uri="{BB962C8B-B14F-4D97-AF65-F5344CB8AC3E}">
+        <p14:creationId xmlns:p14="http://schemas.microsoft.com/office/powerpoint/2010/main" val="40379428"/>
+      </p:ext>
+    </p:extLst>
+  </p:cSld>
+  <p:clrMapOvr>
+    <a:masterClrMapping/>
+  </p:clrMapOvr>
+</p:sld>
+</file>
+
+<file path=ppt/slides/slide26.xml><?xml version="1.0" encoding="utf-8"?>
+<p:sld xmlns:a="http://schemas.openxmlformats.org/drawingml/2006/main" xmlns:r="http://schemas.openxmlformats.org/officeDocument/2006/relationships" xmlns:p="http://schemas.openxmlformats.org/presentationml/2006/main">
+  <p:cSld>
+    <p:spTree>
+      <p:nvGrpSpPr>
+        <p:cNvPr id="1" name=""/>
+        <p:cNvGrpSpPr/>
+        <p:nvPr/>
+      </p:nvGrpSpPr>
+      <p:grpSpPr>
+        <a:xfrm>
+          <a:off x="0" y="0"/>
+          <a:ext cx="0" cy="0"/>
+          <a:chOff x="0" y="0"/>
+          <a:chExt cx="0" cy="0"/>
+        </a:xfrm>
+      </p:grpSpPr>
+      <p:sp>
+        <p:nvSpPr>
+          <p:cNvPr id="2" name="Title 1"/>
+          <p:cNvSpPr>
+            <a:spLocks noGrp="1"/>
+          </p:cNvSpPr>
+          <p:nvPr>
+            <p:ph type="title"/>
+          </p:nvPr>
+        </p:nvSpPr>
+        <p:spPr/>
+        <p:txBody>
+          <a:bodyPr/>
+          <a:lstStyle/>
+          <a:p>
+            <a:r>
+              <a:rPr lang="en-AU" dirty="0"/>
+              <a:t>A ‘complete’ app ( </a:t>
+            </a:r>
+            <a:r>
+              <a:rPr lang="en-AU" dirty="0" smtClean="0"/>
+              <a:t>final bits </a:t>
+            </a:r>
+            <a:r>
+              <a:rPr lang="en-AU" dirty="0"/>
+              <a:t>)</a:t>
+            </a:r>
+          </a:p>
+        </p:txBody>
+      </p:sp>
+      <p:sp>
+        <p:nvSpPr>
+          <p:cNvPr id="3" name="Content Placeholder 2"/>
+          <p:cNvSpPr>
+            <a:spLocks noGrp="1"/>
+          </p:cNvSpPr>
+          <p:nvPr>
+            <p:ph sz="quarter" idx="1"/>
+          </p:nvPr>
+        </p:nvSpPr>
+        <p:spPr/>
+        <p:txBody>
+          <a:bodyPr/>
+          <a:lstStyle/>
+          <a:p>
+            <a:pPr marL="0" indent="0">
+              <a:buNone/>
+            </a:pPr>
+            <a:r>
+              <a:rPr lang="en-AU" sz="2000" dirty="0">
+                <a:latin typeface="Andale Mono"/>
+                <a:cs typeface="Andale Mono"/>
+              </a:rPr>
+              <a:t>main = </a:t>
+            </a:r>
+            <a:r>
+              <a:rPr lang="en-AU" sz="2000" dirty="0" err="1">
+                <a:latin typeface="Andale Mono"/>
+                <a:cs typeface="Andale Mono"/>
+              </a:rPr>
+              <a:t>withSqliteConn</a:t>
+            </a:r>
+            <a:r>
+              <a:rPr lang="en-AU" sz="2000" dirty="0">
+                <a:latin typeface="Andale Mono"/>
+                <a:cs typeface="Andale Mono"/>
+              </a:rPr>
+              <a:t> ":memory:" run</a:t>
+            </a:r>
+          </a:p>
+          <a:p>
+            <a:pPr marL="0" indent="0">
+              <a:buNone/>
+            </a:pPr>
+            <a:r>
+              <a:rPr lang="en-AU" sz="2000" dirty="0">
+                <a:latin typeface="Andale Mono"/>
+                <a:cs typeface="Andale Mono"/>
+              </a:rPr>
+              <a:t>  where </a:t>
+            </a:r>
+          </a:p>
+          <a:p>
+            <a:pPr marL="0" indent="0">
+              <a:buNone/>
+            </a:pPr>
+            <a:r>
+              <a:rPr lang="en-AU" sz="2000" dirty="0">
+                <a:latin typeface="Andale Mono"/>
+                <a:cs typeface="Andale Mono"/>
+              </a:rPr>
+              <a:t>    run conn = do </a:t>
+            </a:r>
+          </a:p>
+          <a:p>
+            <a:pPr marL="0" indent="0">
+              <a:buNone/>
+            </a:pPr>
+            <a:r>
+              <a:rPr lang="en-AU" sz="2000" dirty="0">
+                <a:latin typeface="Andale Mono"/>
+                <a:cs typeface="Andale Mono"/>
+              </a:rPr>
+              <a:t>      </a:t>
+            </a:r>
+            <a:r>
+              <a:rPr lang="en-AU" sz="2000" dirty="0" err="1">
+                <a:latin typeface="Andale Mono"/>
+                <a:cs typeface="Andale Mono"/>
+              </a:rPr>
+              <a:t>runSqlConn</a:t>
+            </a:r>
+            <a:r>
+              <a:rPr lang="en-AU" sz="2000" dirty="0">
+                <a:latin typeface="Andale Mono"/>
+                <a:cs typeface="Andale Mono"/>
+              </a:rPr>
+              <a:t> (</a:t>
+            </a:r>
+            <a:r>
+              <a:rPr lang="en-AU" sz="2000" dirty="0" err="1">
+                <a:latin typeface="Andale Mono"/>
+                <a:cs typeface="Andale Mono"/>
+              </a:rPr>
+              <a:t>runMigration</a:t>
+            </a:r>
+            <a:r>
+              <a:rPr lang="en-AU" sz="2000" dirty="0">
+                <a:latin typeface="Andale Mono"/>
+                <a:cs typeface="Andale Mono"/>
+              </a:rPr>
+              <a:t> </a:t>
+            </a:r>
+            <a:r>
+              <a:rPr lang="en-AU" sz="2000" dirty="0" err="1">
+                <a:latin typeface="Andale Mono"/>
+                <a:cs typeface="Andale Mono"/>
+              </a:rPr>
+              <a:t>migrateAll</a:t>
+            </a:r>
+            <a:r>
+              <a:rPr lang="en-AU" sz="2000" dirty="0">
+                <a:latin typeface="Andale Mono"/>
+                <a:cs typeface="Andale Mono"/>
+              </a:rPr>
+              <a:t>) conn</a:t>
+            </a:r>
+          </a:p>
+          <a:p>
+            <a:pPr marL="0" indent="0">
+              <a:buNone/>
+            </a:pPr>
+            <a:r>
+              <a:rPr lang="en-AU" sz="2000" dirty="0">
+                <a:latin typeface="Andale Mono"/>
+                <a:cs typeface="Andale Mono"/>
+              </a:rPr>
+              <a:t>      </a:t>
+            </a:r>
+            <a:r>
+              <a:rPr lang="en-AU" sz="2000" dirty="0" err="1">
+                <a:latin typeface="Andale Mono"/>
+                <a:cs typeface="Andale Mono"/>
+              </a:rPr>
+              <a:t>warpDebug</a:t>
+            </a:r>
+            <a:r>
+              <a:rPr lang="en-AU" sz="2000" dirty="0">
+                <a:latin typeface="Andale Mono"/>
+                <a:cs typeface="Andale Mono"/>
+              </a:rPr>
+              <a:t> 3000 (Notes conn )</a:t>
+            </a:r>
+          </a:p>
+          <a:p>
+            <a:pPr marL="0" indent="0">
+              <a:buNone/>
+            </a:pPr>
+            <a:endParaRPr lang="en-AU" dirty="0"/>
+          </a:p>
+        </p:txBody>
+      </p:sp>
+    </p:spTree>
+    <p:extLst>
+      <p:ext uri="{BB962C8B-B14F-4D97-AF65-F5344CB8AC3E}">
+        <p14:creationId xmlns:p14="http://schemas.microsoft.com/office/powerpoint/2010/main" val="2978430667"/>
+      </p:ext>
+    </p:extLst>
+  </p:cSld>
+  <p:clrMapOvr>
+    <a:masterClrMapping/>
+  </p:clrMapOvr>
+</p:sld>
+</file>
+
 <file path=ppt/slides/slide3.xml><?xml version="1.0" encoding="utf-8"?>
 <p:sld xmlns:a="http://schemas.openxmlformats.org/drawingml/2006/main" xmlns:r="http://schemas.openxmlformats.org/officeDocument/2006/relationships" xmlns:p="http://schemas.openxmlformats.org/presentationml/2006/main">
   <p:cSld>
@@ -6050,7 +11061,26 @@
       </p:grpSpPr>
       <p:sp>
         <p:nvSpPr>
-          <p:cNvPr id="2" name="Title 1"/>
+          <p:cNvPr id="2" name="Text Placeholder 1"/>
+          <p:cNvSpPr>
+            <a:spLocks noGrp="1"/>
+          </p:cNvSpPr>
+          <p:nvPr>
+            <p:ph type="body" idx="1"/>
+          </p:nvPr>
+        </p:nvSpPr>
+        <p:spPr/>
+        <p:txBody>
+          <a:bodyPr/>
+          <a:lstStyle/>
+          <a:p>
+            <a:endParaRPr lang="en-AU"/>
+          </a:p>
+        </p:txBody>
+      </p:sp>
+      <p:sp>
+        <p:nvSpPr>
+          <p:cNvPr id="3" name="Title 2"/>
           <p:cNvSpPr>
             <a:spLocks noGrp="1"/>
           </p:cNvSpPr>
@@ -6064,103 +11094,23 @@
           <a:lstStyle/>
           <a:p>
             <a:r>
-              <a:rPr lang="en-US" dirty="0" smtClean="0"/>
-              <a:t>Yesod: An Introduction</a:t>
-            </a:r>
-            <a:endParaRPr lang="en-US" dirty="0"/>
-          </a:p>
-        </p:txBody>
-      </p:sp>
-      <p:sp>
-        <p:nvSpPr>
-          <p:cNvPr id="3" name="Content Placeholder 2"/>
-          <p:cNvSpPr>
-            <a:spLocks noGrp="1"/>
-          </p:cNvSpPr>
-          <p:nvPr>
-            <p:ph sz="quarter" idx="1"/>
-          </p:nvPr>
-        </p:nvSpPr>
-        <p:spPr/>
-        <p:txBody>
-          <a:bodyPr/>
-          <a:lstStyle/>
-          <a:p>
-            <a:r>
-              <a:rPr lang="en-US" dirty="0" smtClean="0"/>
-              <a:t>Pronounced </a:t>
-            </a:r>
-            <a:r>
-              <a:rPr lang="en-US" dirty="0" err="1" smtClean="0"/>
-              <a:t>yeh-soad</a:t>
-            </a:r>
-            <a:endParaRPr lang="en-US" dirty="0"/>
-          </a:p>
-          <a:p>
-            <a:r>
-              <a:rPr lang="en-US" dirty="0" smtClean="0"/>
-              <a:t>Means ‘foundation’ in Hebrew</a:t>
-            </a:r>
-          </a:p>
-          <a:p>
-            <a:r>
-              <a:rPr lang="en-US" dirty="0" smtClean="0"/>
-              <a:t>Written in Haskell </a:t>
-            </a:r>
-            <a:r>
-              <a:rPr lang="en-US" dirty="0" smtClean="0">
-                <a:sym typeface="Wingdings"/>
-              </a:rPr>
-              <a:t></a:t>
-            </a:r>
-            <a:endParaRPr lang="en-US" dirty="0" smtClean="0"/>
-          </a:p>
-          <a:p>
-            <a:r>
-              <a:rPr lang="en-US" dirty="0" smtClean="0"/>
-              <a:t>Created initially by Michael </a:t>
-            </a:r>
-            <a:r>
-              <a:rPr lang="en-US" dirty="0" err="1" smtClean="0"/>
-              <a:t>Snoyman</a:t>
-            </a:r>
-            <a:r>
-              <a:rPr lang="en-US" dirty="0" smtClean="0"/>
-              <a:t>, ~3 years ago</a:t>
-            </a:r>
-          </a:p>
-          <a:p>
-            <a:r>
-              <a:rPr lang="en-US" dirty="0" smtClean="0"/>
-              <a:t>Has since grown into 80 packages, has dozens of contributors and 1000s of commits. </a:t>
-            </a:r>
-          </a:p>
-          <a:p>
-            <a:r>
-              <a:rPr lang="en-US" dirty="0" smtClean="0"/>
-              <a:t>Recently hit 1.0 major version.  </a:t>
-            </a:r>
-            <a:endParaRPr lang="en-US" dirty="0"/>
+              <a:rPr lang="en-AU" dirty="0" smtClean="0"/>
+              <a:t>Introduction</a:t>
+            </a:r>
+            <a:endParaRPr lang="en-AU" dirty="0"/>
           </a:p>
         </p:txBody>
       </p:sp>
     </p:spTree>
     <p:extLst>
       <p:ext uri="{BB962C8B-B14F-4D97-AF65-F5344CB8AC3E}">
-        <p14:creationId xmlns:p14="http://schemas.microsoft.com/office/powerpoint/2010/main" val="3967242399"/>
+        <p14:creationId xmlns:p14="http://schemas.microsoft.com/office/powerpoint/2010/main" val="3965045975"/>
       </p:ext>
     </p:extLst>
   </p:cSld>
   <p:clrMapOvr>
     <a:masterClrMapping/>
   </p:clrMapOvr>
-  <p:timing>
-    <p:tnLst>
-      <p:par>
-        <p:cTn xmlns:p14="http://schemas.microsoft.com/office/powerpoint/2010/main" id="1" dur="indefinite" restart="never" nodeType="tmRoot"/>
-      </p:par>
-    </p:tnLst>
-  </p:timing>
 </p:sld>
 </file>
 
@@ -6198,7 +11148,7 @@
           <a:p>
             <a:r>
               <a:rPr lang="en-US" dirty="0" smtClean="0"/>
-              <a:t>Yesod: core tenets</a:t>
+              <a:t>Yesod: An Introduction</a:t>
             </a:r>
             <a:endParaRPr lang="en-US" dirty="0"/>
           </a:p>
@@ -6216,66 +11166,63 @@
         </p:nvSpPr>
         <p:spPr/>
         <p:txBody>
-          <a:bodyPr>
-            <a:normAutofit lnSpcReduction="10000"/>
-          </a:bodyPr>
+          <a:bodyPr/>
           <a:lstStyle/>
           <a:p>
             <a:r>
-              <a:rPr lang="en-US" b="1" dirty="0" smtClean="0"/>
-              <a:t>Type-safe</a:t>
-            </a:r>
-            <a:r>
               <a:rPr lang="en-US" dirty="0" smtClean="0"/>
-              <a:t>: Encodes as much as is possible in the type system to catch common web development errors in the Haskell compiler. </a:t>
-            </a:r>
-          </a:p>
-          <a:p>
-            <a:r>
-              <a:rPr lang="en-US" b="1" dirty="0" smtClean="0"/>
-              <a:t>Concise</a:t>
-            </a:r>
+              <a:t>Pronounced </a:t>
+            </a:r>
+            <a:r>
+              <a:rPr lang="en-US" dirty="0" err="1" smtClean="0"/>
+              <a:t>yeh-soad</a:t>
+            </a:r>
+            <a:endParaRPr lang="en-US" dirty="0"/>
+          </a:p>
+          <a:p>
             <a:r>
               <a:rPr lang="en-US" dirty="0" smtClean="0"/>
-              <a:t>: Utilizes template Haskell to reduce type boilerplate clutter from </a:t>
-            </a:r>
-            <a:r>
-              <a:rPr lang="en-US" dirty="0"/>
-              <a:t>Y</a:t>
-            </a:r>
+              <a:t>Means ‘foundation’ in Hebrew</a:t>
+            </a:r>
+          </a:p>
+          <a:p>
             <a:r>
               <a:rPr lang="en-US" dirty="0" smtClean="0"/>
-              <a:t>esod applications.</a:t>
-            </a:r>
-          </a:p>
-          <a:p>
-            <a:r>
-              <a:rPr lang="en-US" b="1" dirty="0" smtClean="0"/>
-              <a:t>Composability</a:t>
-            </a:r>
+              <a:t>Written in Haskell </a:t>
+            </a:r>
+            <a:r>
+              <a:rPr lang="en-US" dirty="0" smtClean="0">
+                <a:sym typeface="Wingdings"/>
+              </a:rPr>
+              <a:t></a:t>
+            </a:r>
+            <a:endParaRPr lang="en-US" dirty="0" smtClean="0"/>
+          </a:p>
+          <a:p>
             <a:r>
               <a:rPr lang="en-US" dirty="0" smtClean="0"/>
-              <a:t>: Has composable forms, DB queries and even composable web pages (widgets ). </a:t>
-            </a:r>
-          </a:p>
-          <a:p>
-            <a:r>
-              <a:rPr lang="en-US" b="1" dirty="0" smtClean="0"/>
-              <a:t>Unrestrictive</a:t>
+              <a:t>Created initially by Michael </a:t>
+            </a:r>
+            <a:r>
+              <a:rPr lang="en-US" dirty="0" err="1" smtClean="0"/>
+              <a:t>Snoyman</a:t>
             </a:r>
             <a:r>
               <a:rPr lang="en-US" dirty="0" smtClean="0"/>
-              <a:t>: Is </a:t>
-            </a:r>
-            <a:r>
-              <a:rPr lang="en-US" dirty="0"/>
-              <a:t>collection of libraries that stays out of the way rather than a framework that confines development.</a:t>
-            </a:r>
-          </a:p>
-          <a:p>
-            <a:endParaRPr lang="en-US" dirty="0" smtClean="0"/>
-          </a:p>
-          <a:p>
+              <a:t>, ~3 years ago</a:t>
+            </a:r>
+          </a:p>
+          <a:p>
+            <a:r>
+              <a:rPr lang="en-US" dirty="0" smtClean="0"/>
+              <a:t>Has since grown into 80 packages, has dozens of contributors and 1000s of commits. </a:t>
+            </a:r>
+          </a:p>
+          <a:p>
+            <a:r>
+              <a:rPr lang="en-US" dirty="0" smtClean="0"/>
+              <a:t>Recently hit 1.0 major version.  </a:t>
+            </a:r>
             <a:endParaRPr lang="en-US" dirty="0"/>
           </a:p>
         </p:txBody>
@@ -6283,7 +11230,7 @@
     </p:spTree>
     <p:extLst>
       <p:ext uri="{BB962C8B-B14F-4D97-AF65-F5344CB8AC3E}">
-        <p14:creationId xmlns:p14="http://schemas.microsoft.com/office/powerpoint/2010/main" val="4238299554"/>
+        <p14:creationId xmlns:p14="http://schemas.microsoft.com/office/powerpoint/2010/main" val="3967242399"/>
       </p:ext>
     </p:extLst>
   </p:cSld>
@@ -6333,12 +11280,8 @@
           <a:lstStyle/>
           <a:p>
             <a:r>
-              <a:rPr lang="en-US" dirty="0" err="1" smtClean="0"/>
-              <a:t>Webdev</a:t>
-            </a:r>
-            <a:r>
               <a:rPr lang="en-US" dirty="0" smtClean="0"/>
-              <a:t> in a nutshell: input</a:t>
+              <a:t>Yesod: core tenets</a:t>
             </a:r>
             <a:endParaRPr lang="en-US" dirty="0"/>
           </a:p>
@@ -6357,82 +11300,73 @@
         <p:spPr/>
         <p:txBody>
           <a:bodyPr>
-            <a:normAutofit/>
+            <a:normAutofit lnSpcReduction="10000"/>
           </a:bodyPr>
           <a:lstStyle/>
           <a:p>
             <a:r>
+              <a:rPr lang="en-US" b="1" dirty="0" smtClean="0"/>
+              <a:t>Type-safe</a:t>
+            </a:r>
+            <a:r>
               <a:rPr lang="en-US" dirty="0" smtClean="0"/>
-              <a:t>Resource identified / located by URI.</a:t>
-            </a:r>
-          </a:p>
-          <a:p>
-            <a:pPr lvl="1"/>
+              <a:t>: Encodes as much as is possible in the type system to catch common web development errors in the Haskell compiler. </a:t>
+            </a:r>
+          </a:p>
+          <a:p>
+            <a:r>
+              <a:rPr lang="en-US" b="1" dirty="0" smtClean="0"/>
+              <a:t>Concise</a:t>
+            </a:r>
             <a:r>
               <a:rPr lang="en-US" dirty="0" smtClean="0"/>
-              <a:t>Pieces of URI are dynamic and used by computations.</a:t>
-            </a:r>
-            <a:endParaRPr lang="en-US" dirty="0">
-              <a:hlinkClick r:id="rId2"/>
-            </a:endParaRPr>
-          </a:p>
-          <a:p>
-            <a:pPr lvl="1"/>
-            <a:r>
-              <a:rPr lang="en-US" dirty="0" smtClean="0">
-                <a:hlinkClick r:id="rId2"/>
-              </a:rPr>
-              <a:t>http://example.com/examples/1</a:t>
+              <a:t>: Utilizes template Haskell to reduce type boilerplate clutter from </a:t>
+            </a:r>
+            <a:r>
+              <a:rPr lang="en-US" dirty="0"/>
+              <a:t>Y</a:t>
             </a:r>
             <a:r>
               <a:rPr lang="en-US" dirty="0" smtClean="0"/>
-              <a:t> </a:t>
-            </a:r>
-          </a:p>
-          <a:p>
+              <a:t>esod applications.</a:t>
+            </a:r>
+          </a:p>
+          <a:p>
+            <a:r>
+              <a:rPr lang="en-US" b="1" dirty="0" smtClean="0"/>
+              <a:t>Composability</a:t>
+            </a:r>
             <a:r>
               <a:rPr lang="en-US" dirty="0" smtClean="0"/>
-              <a:t>Method ( GET, POST, PUT, DELETE, etc. )</a:t>
-            </a:r>
-          </a:p>
-          <a:p>
+              <a:t>: Has composable forms, DB queries and even composable web pages (widgets ). </a:t>
+            </a:r>
+          </a:p>
+          <a:p>
+            <a:r>
+              <a:rPr lang="en-US" b="1" dirty="0" smtClean="0"/>
+              <a:t>Unrestrictive</a:t>
+            </a:r>
             <a:r>
               <a:rPr lang="en-US" dirty="0" smtClean="0"/>
-              <a:t>Query Parameters </a:t>
-            </a:r>
-          </a:p>
-          <a:p>
-            <a:r>
-              <a:rPr lang="en-US" dirty="0" err="1"/>
-              <a:t>RequestBody</a:t>
+              <a:t>: Is </a:t>
             </a:r>
             <a:r>
               <a:rPr lang="en-US" dirty="0"/>
-              <a:t> + Content-</a:t>
-            </a:r>
-            <a:r>
-              <a:rPr lang="en-US" dirty="0" smtClean="0"/>
-              <a:t>Type</a:t>
-            </a:r>
-          </a:p>
-          <a:p>
-            <a:r>
-              <a:rPr lang="en-US" dirty="0" smtClean="0"/>
-              <a:t>Client accepted output types</a:t>
-            </a:r>
-          </a:p>
-          <a:p>
-            <a:r>
-              <a:rPr lang="en-US" dirty="0" smtClean="0"/>
-              <a:t>Cookies</a:t>
-            </a:r>
+              <a:t>collection of libraries that stays out of the way rather than a framework that confines development.</a:t>
+            </a:r>
+          </a:p>
+          <a:p>
+            <a:endParaRPr lang="en-US" dirty="0" smtClean="0"/>
+          </a:p>
+          <a:p>
+            <a:endParaRPr lang="en-US" dirty="0"/>
           </a:p>
         </p:txBody>
       </p:sp>
     </p:spTree>
     <p:extLst>
       <p:ext uri="{BB962C8B-B14F-4D97-AF65-F5344CB8AC3E}">
-        <p14:creationId xmlns:p14="http://schemas.microsoft.com/office/powerpoint/2010/main" val="1302392811"/>
+        <p14:creationId xmlns:p14="http://schemas.microsoft.com/office/powerpoint/2010/main" val="4238299554"/>
       </p:ext>
     </p:extLst>
   </p:cSld>
@@ -6487,7 +11421,7 @@
             </a:r>
             <a:r>
               <a:rPr lang="en-US" dirty="0" smtClean="0"/>
-              <a:t> in a nutshell: do stuff!</a:t>
+              <a:t> in a nutshell: input</a:t>
             </a:r>
             <a:endParaRPr lang="en-US" dirty="0"/>
           </a:p>
@@ -6505,40 +11439,75 @@
         </p:nvSpPr>
         <p:spPr/>
         <p:txBody>
-          <a:bodyPr/>
+          <a:bodyPr>
+            <a:normAutofit/>
+          </a:bodyPr>
           <a:lstStyle/>
           <a:p>
             <a:r>
               <a:rPr lang="en-US" dirty="0" smtClean="0"/>
-              <a:t>Make a decision to do something based on input</a:t>
+              <a:t>Resource identified / located by URI.</a:t>
             </a:r>
           </a:p>
           <a:p>
             <a:pPr lvl="1"/>
             <a:r>
               <a:rPr lang="en-US" dirty="0" smtClean="0"/>
-              <a:t>Load a static file from disk</a:t>
-            </a:r>
+              <a:t>Pieces of URI are dynamic and used by computations.</a:t>
+            </a:r>
+            <a:endParaRPr lang="en-US" dirty="0">
+              <a:hlinkClick r:id="rId2"/>
+            </a:endParaRPr>
           </a:p>
           <a:p>
             <a:pPr lvl="1"/>
             <a:r>
+              <a:rPr lang="en-US" dirty="0" smtClean="0">
+                <a:hlinkClick r:id="rId2"/>
+              </a:rPr>
+              <a:t>http://example.com/examples/1</a:t>
+            </a:r>
+            <a:r>
               <a:rPr lang="en-US" dirty="0" smtClean="0"/>
-              <a:t>Load / Update / Delete something from a database. </a:t>
-            </a:r>
-          </a:p>
-          <a:p>
-            <a:pPr lvl="1"/>
+              <a:t> </a:t>
+            </a:r>
+          </a:p>
+          <a:p>
             <a:r>
               <a:rPr lang="en-US" dirty="0" smtClean="0"/>
-              <a:t>Fire the missiles</a:t>
-            </a:r>
-          </a:p>
-          <a:p>
-            <a:pPr lvl="1"/>
+              <a:t>Method ( GET, POST, PUT, DELETE, etc. )</a:t>
+            </a:r>
+          </a:p>
+          <a:p>
             <a:r>
               <a:rPr lang="en-US" dirty="0" smtClean="0"/>
-              <a:t> ( most of the things that we want to do will be in IO )</a:t>
+              <a:t>Query Parameters </a:t>
+            </a:r>
+          </a:p>
+          <a:p>
+            <a:r>
+              <a:rPr lang="en-US" dirty="0" err="1"/>
+              <a:t>RequestBody</a:t>
+            </a:r>
+            <a:r>
+              <a:rPr lang="en-US" dirty="0"/>
+              <a:t> + Content-</a:t>
+            </a:r>
+            <a:r>
+              <a:rPr lang="en-US" dirty="0" smtClean="0"/>
+              <a:t>Type</a:t>
+            </a:r>
+          </a:p>
+          <a:p>
+            <a:r>
+              <a:rPr lang="en-US" dirty="0" smtClean="0"/>
+              <a:t>Client accepted output types</a:t>
+            </a:r>
+          </a:p>
+          <a:p>
+            <a:r>
+              <a:rPr lang="en-US" dirty="0" smtClean="0"/>
+              <a:t>Cookies</a:t>
             </a:r>
           </a:p>
         </p:txBody>
@@ -6546,7 +11515,7 @@
     </p:spTree>
     <p:extLst>
       <p:ext uri="{BB962C8B-B14F-4D97-AF65-F5344CB8AC3E}">
-        <p14:creationId xmlns:p14="http://schemas.microsoft.com/office/powerpoint/2010/main" val="2509979079"/>
+        <p14:creationId xmlns:p14="http://schemas.microsoft.com/office/powerpoint/2010/main" val="1302392811"/>
       </p:ext>
     </p:extLst>
   </p:cSld>
@@ -6601,7 +11570,7 @@
             </a:r>
             <a:r>
               <a:rPr lang="en-US" dirty="0" smtClean="0"/>
-              <a:t> in a nutshell: output</a:t>
+              <a:t> in a nutshell: do stuff!</a:t>
             </a:r>
             <a:endParaRPr lang="en-US" dirty="0"/>
           </a:p>
@@ -6617,115 +11586,50 @@
             <p:ph sz="quarter" idx="1"/>
           </p:nvPr>
         </p:nvSpPr>
-        <p:spPr>
-          <a:xfrm>
-            <a:off x="612648" y="1600200"/>
-            <a:ext cx="8153400" cy="4913818"/>
-          </a:xfrm>
-        </p:spPr>
-        <p:txBody>
-          <a:bodyPr>
-            <a:normAutofit lnSpcReduction="10000"/>
-          </a:bodyPr>
+        <p:spPr/>
+        <p:txBody>
+          <a:bodyPr/>
           <a:lstStyle/>
           <a:p>
             <a:r>
               <a:rPr lang="en-US" dirty="0" smtClean="0"/>
-              <a:t>Code </a:t>
+              <a:t>Make a decision to do something based on input</a:t>
             </a:r>
           </a:p>
           <a:p>
             <a:pPr lvl="1"/>
             <a:r>
               <a:rPr lang="en-US" dirty="0" smtClean="0"/>
-              <a:t>2xx yay, it worked!</a:t>
+              <a:t>Load a static file from disk</a:t>
             </a:r>
           </a:p>
           <a:p>
             <a:pPr lvl="1"/>
             <a:r>
-              <a:rPr lang="en-US" dirty="0"/>
-              <a:t>3xx the princess is in another </a:t>
-            </a:r>
-            <a:r>
               <a:rPr lang="en-US" dirty="0" smtClean="0"/>
-              <a:t>castle</a:t>
+              <a:t>Load / Update / Delete something from a database. </a:t>
             </a:r>
           </a:p>
           <a:p>
             <a:pPr lvl="1"/>
             <a:r>
               <a:rPr lang="en-US" dirty="0" smtClean="0"/>
-              <a:t>4xx </a:t>
-            </a:r>
-            <a:r>
-              <a:rPr lang="en-US" dirty="0"/>
-              <a:t>client </a:t>
-            </a:r>
+              <a:t>Fire the missiles</a:t>
+            </a:r>
+          </a:p>
+          <a:p>
+            <a:pPr lvl="1"/>
             <a:r>
               <a:rPr lang="en-US" dirty="0" smtClean="0"/>
-              <a:t>error</a:t>
-            </a:r>
-            <a:endParaRPr lang="en-US" dirty="0"/>
-          </a:p>
-          <a:p>
-            <a:pPr lvl="1"/>
-            <a:r>
-              <a:rPr lang="en-US" dirty="0" smtClean="0"/>
-              <a:t>5xx </a:t>
-            </a:r>
-            <a:r>
-              <a:rPr lang="en-US" dirty="0"/>
-              <a:t>server </a:t>
-            </a:r>
-            <a:r>
-              <a:rPr lang="en-US" dirty="0" smtClean="0"/>
-              <a:t>error</a:t>
-            </a:r>
-          </a:p>
-          <a:p>
-            <a:r>
-              <a:rPr lang="en-US" dirty="0" smtClean="0"/>
-              <a:t>Response Body + Content Type</a:t>
-            </a:r>
-          </a:p>
-          <a:p>
-            <a:pPr lvl="1"/>
-            <a:r>
-              <a:rPr lang="en-US" dirty="0" smtClean="0"/>
-              <a:t>Static file resource</a:t>
-            </a:r>
-          </a:p>
-          <a:p>
-            <a:pPr lvl="1"/>
-            <a:r>
-              <a:rPr lang="en-US" dirty="0" smtClean="0"/>
-              <a:t>Use data to dynamically generate HTML / JSON / XML.</a:t>
-            </a:r>
-          </a:p>
-          <a:p>
-            <a:pPr lvl="2"/>
-            <a:r>
-              <a:rPr lang="en-US" dirty="0" smtClean="0"/>
-              <a:t>More often than not, this will require generation of links to other resources. </a:t>
-            </a:r>
-            <a:endParaRPr lang="en-US" dirty="0"/>
-          </a:p>
-          <a:p>
-            <a:endParaRPr lang="en-US" dirty="0"/>
-          </a:p>
-          <a:p>
-            <a:endParaRPr lang="en-US" dirty="0"/>
-          </a:p>
-          <a:p>
-            <a:endParaRPr lang="en-US" dirty="0"/>
+              <a:t> ( most of the things that we want to do will be in IO )</a:t>
+            </a:r>
           </a:p>
         </p:txBody>
       </p:sp>
     </p:spTree>
     <p:extLst>
       <p:ext uri="{BB962C8B-B14F-4D97-AF65-F5344CB8AC3E}">
-        <p14:creationId xmlns:p14="http://schemas.microsoft.com/office/powerpoint/2010/main" val="3138260220"/>
+        <p14:creationId xmlns:p14="http://schemas.microsoft.com/office/powerpoint/2010/main" val="2509979079"/>
       </p:ext>
     </p:extLst>
   </p:cSld>
@@ -6775,8 +11679,12 @@
           <a:lstStyle/>
           <a:p>
             <a:r>
+              <a:rPr lang="en-US" dirty="0" err="1" smtClean="0"/>
+              <a:t>Webdev</a:t>
+            </a:r>
+            <a:r>
               <a:rPr lang="en-US" dirty="0" smtClean="0"/>
-              <a:t>Hello Yesod!</a:t>
+              <a:t> in a nutshell: output</a:t>
             </a:r>
             <a:endParaRPr lang="en-US" dirty="0"/>
           </a:p>
@@ -6794,480 +11702,113 @@
         </p:nvSpPr>
         <p:spPr>
           <a:xfrm>
-            <a:off x="202051" y="1600199"/>
-            <a:ext cx="8745912" cy="5125500"/>
+            <a:off x="612648" y="1600200"/>
+            <a:ext cx="8153400" cy="4913818"/>
           </a:xfrm>
         </p:spPr>
         <p:txBody>
           <a:bodyPr>
-            <a:normAutofit fontScale="55000" lnSpcReduction="20000"/>
+            <a:normAutofit lnSpcReduction="10000"/>
           </a:bodyPr>
           <a:lstStyle/>
           <a:p>
-            <a:pPr marL="0" indent="0">
-              <a:buNone/>
-            </a:pPr>
-            <a:r>
-              <a:rPr lang="en-US" dirty="0" smtClean="0">
-                <a:latin typeface="Andale Mono"/>
-                <a:cs typeface="Andale Mono"/>
-              </a:rPr>
-              <a:t>{-# LANGUAGE </a:t>
-            </a:r>
-            <a:r>
-              <a:rPr lang="en-US" dirty="0" err="1" smtClean="0">
-                <a:latin typeface="Andale Mono"/>
-                <a:cs typeface="Andale Mono"/>
-              </a:rPr>
-              <a:t>TypeFamilies</a:t>
-            </a:r>
-            <a:r>
-              <a:rPr lang="en-US" dirty="0" smtClean="0">
-                <a:latin typeface="Andale Mono"/>
-                <a:cs typeface="Andale Mono"/>
-              </a:rPr>
-              <a:t>, </a:t>
-            </a:r>
-            <a:r>
-              <a:rPr lang="en-US" dirty="0" err="1" smtClean="0">
-                <a:latin typeface="Andale Mono"/>
-                <a:cs typeface="Andale Mono"/>
-              </a:rPr>
-              <a:t>QuasiQuotes</a:t>
-            </a:r>
-            <a:r>
-              <a:rPr lang="en-US" dirty="0" smtClean="0">
-                <a:latin typeface="Andale Mono"/>
-                <a:cs typeface="Andale Mono"/>
-              </a:rPr>
-              <a:t>, </a:t>
-            </a:r>
-            <a:r>
-              <a:rPr lang="en-US" dirty="0" err="1" smtClean="0">
-                <a:latin typeface="Andale Mono"/>
-                <a:cs typeface="Andale Mono"/>
-              </a:rPr>
-              <a:t>MultiParamTypeClasses</a:t>
-            </a:r>
-            <a:r>
-              <a:rPr lang="en-US" dirty="0" smtClean="0">
-                <a:latin typeface="Andale Mono"/>
-                <a:cs typeface="Andale Mono"/>
-              </a:rPr>
-              <a:t>,</a:t>
-            </a:r>
-          </a:p>
-          <a:p>
-            <a:pPr marL="0" indent="0">
-              <a:buNone/>
-            </a:pPr>
-            <a:r>
-              <a:rPr lang="en-US" dirty="0" smtClean="0">
-                <a:latin typeface="Andale Mono"/>
-                <a:cs typeface="Andale Mono"/>
-              </a:rPr>
-              <a:t>             </a:t>
-            </a:r>
-            <a:r>
-              <a:rPr lang="en-US" dirty="0" err="1" smtClean="0">
-                <a:latin typeface="Andale Mono"/>
-                <a:cs typeface="Andale Mono"/>
-              </a:rPr>
-              <a:t>TemplateHaskell</a:t>
-            </a:r>
-            <a:r>
-              <a:rPr lang="en-US" dirty="0" smtClean="0">
-                <a:latin typeface="Andale Mono"/>
-                <a:cs typeface="Andale Mono"/>
-              </a:rPr>
-              <a:t>, </a:t>
-            </a:r>
-            <a:r>
-              <a:rPr lang="en-US" dirty="0" err="1" smtClean="0">
-                <a:latin typeface="Andale Mono"/>
-                <a:cs typeface="Andale Mono"/>
-              </a:rPr>
-              <a:t>OverloadedStrings</a:t>
-            </a:r>
-            <a:r>
-              <a:rPr lang="en-US" dirty="0" smtClean="0">
-                <a:latin typeface="Andale Mono"/>
-                <a:cs typeface="Andale Mono"/>
-              </a:rPr>
-              <a:t> #-}</a:t>
-            </a:r>
-          </a:p>
-          <a:p>
-            <a:pPr marL="0" indent="0">
-              <a:buNone/>
-            </a:pPr>
-            <a:r>
-              <a:rPr lang="en-US" dirty="0" smtClean="0">
-                <a:latin typeface="Andale Mono"/>
-                <a:cs typeface="Andale Mono"/>
-              </a:rPr>
-              <a:t>import Yesod</a:t>
-            </a:r>
-          </a:p>
-          <a:p>
-            <a:pPr marL="0" indent="0">
-              <a:buNone/>
-            </a:pPr>
-            <a:r>
-              <a:rPr lang="en-US" dirty="0" smtClean="0">
-                <a:latin typeface="Andale Mono"/>
-                <a:cs typeface="Andale Mono"/>
-              </a:rPr>
-              <a:t>import </a:t>
-            </a:r>
-            <a:r>
-              <a:rPr lang="en-US" dirty="0" err="1" smtClean="0">
-                <a:latin typeface="Andale Mono"/>
-                <a:cs typeface="Andale Mono"/>
-              </a:rPr>
-              <a:t>Data.Text</a:t>
-            </a:r>
-            <a:endParaRPr lang="en-US" dirty="0" smtClean="0">
-              <a:latin typeface="Andale Mono"/>
-              <a:cs typeface="Andale Mono"/>
-            </a:endParaRPr>
-          </a:p>
-          <a:p>
-            <a:pPr marL="0" indent="0">
-              <a:buNone/>
-            </a:pPr>
-            <a:endParaRPr lang="en-US" dirty="0" smtClean="0">
-              <a:latin typeface="Andale Mono"/>
-              <a:cs typeface="Andale Mono"/>
-            </a:endParaRPr>
-          </a:p>
-          <a:p>
-            <a:pPr marL="0" indent="0">
-              <a:buNone/>
-            </a:pPr>
-            <a:r>
-              <a:rPr lang="en-US" dirty="0" smtClean="0">
-                <a:latin typeface="Andale Mono"/>
-                <a:cs typeface="Andale Mono"/>
-              </a:rPr>
-              <a:t>data </a:t>
-            </a:r>
-            <a:r>
-              <a:rPr lang="en-US" dirty="0" err="1" smtClean="0">
-                <a:latin typeface="Andale Mono"/>
-                <a:cs typeface="Andale Mono"/>
-              </a:rPr>
-              <a:t>HelloWorld</a:t>
-            </a:r>
-            <a:r>
-              <a:rPr lang="en-US" dirty="0" smtClean="0">
-                <a:latin typeface="Andale Mono"/>
-                <a:cs typeface="Andale Mono"/>
-              </a:rPr>
-              <a:t> = </a:t>
-            </a:r>
-            <a:r>
-              <a:rPr lang="en-US" dirty="0" err="1" smtClean="0">
-                <a:latin typeface="Andale Mono"/>
-                <a:cs typeface="Andale Mono"/>
-              </a:rPr>
-              <a:t>HelloWorld</a:t>
-            </a:r>
-            <a:endParaRPr lang="en-US" dirty="0" smtClean="0">
-              <a:latin typeface="Andale Mono"/>
-              <a:cs typeface="Andale Mono"/>
-            </a:endParaRPr>
-          </a:p>
-          <a:p>
-            <a:pPr marL="0" indent="0">
-              <a:buNone/>
-            </a:pPr>
-            <a:endParaRPr lang="en-US" dirty="0">
-              <a:latin typeface="Andale Mono"/>
-              <a:cs typeface="Andale Mono"/>
-            </a:endParaRPr>
-          </a:p>
-          <a:p>
-            <a:pPr marL="0" indent="0">
-              <a:buNone/>
-            </a:pPr>
-            <a:r>
-              <a:rPr lang="en-US" dirty="0" err="1">
-                <a:latin typeface="Andale Mono"/>
-                <a:cs typeface="Andale Mono"/>
-              </a:rPr>
-              <a:t>mkYesod</a:t>
-            </a:r>
-            <a:r>
-              <a:rPr lang="en-US" dirty="0">
-                <a:latin typeface="Andale Mono"/>
-                <a:cs typeface="Andale Mono"/>
-              </a:rPr>
-              <a:t> "</a:t>
-            </a:r>
-            <a:r>
-              <a:rPr lang="en-US" dirty="0" err="1">
-                <a:latin typeface="Andale Mono"/>
-                <a:cs typeface="Andale Mono"/>
-              </a:rPr>
-              <a:t>HelloWorld</a:t>
-            </a:r>
-            <a:r>
-              <a:rPr lang="en-US" dirty="0">
-                <a:latin typeface="Andale Mono"/>
-                <a:cs typeface="Andale Mono"/>
-              </a:rPr>
-              <a:t>" [</a:t>
-            </a:r>
-            <a:r>
-              <a:rPr lang="en-US" dirty="0" err="1">
-                <a:latin typeface="Andale Mono"/>
-                <a:cs typeface="Andale Mono"/>
-              </a:rPr>
-              <a:t>parseRoutes</a:t>
-            </a:r>
-            <a:r>
-              <a:rPr lang="en-US" dirty="0">
-                <a:latin typeface="Andale Mono"/>
-                <a:cs typeface="Andale Mono"/>
-              </a:rPr>
-              <a:t>|</a:t>
-            </a:r>
-          </a:p>
-          <a:p>
-            <a:pPr marL="0" indent="0">
-              <a:buNone/>
-            </a:pPr>
-            <a:r>
-              <a:rPr lang="en-US" dirty="0">
-                <a:latin typeface="Andale Mono"/>
-                <a:cs typeface="Andale Mono"/>
-              </a:rPr>
-              <a:t>/ </a:t>
-            </a:r>
-            <a:r>
-              <a:rPr lang="en-US" dirty="0" err="1">
-                <a:latin typeface="Andale Mono"/>
-                <a:cs typeface="Andale Mono"/>
-              </a:rPr>
-              <a:t>HomeR</a:t>
-            </a:r>
-            <a:r>
-              <a:rPr lang="en-US" dirty="0">
-                <a:latin typeface="Andale Mono"/>
-                <a:cs typeface="Andale Mono"/>
-              </a:rPr>
-              <a:t> GET</a:t>
-            </a:r>
-          </a:p>
-          <a:p>
-            <a:pPr marL="0" indent="0">
-              <a:buNone/>
-            </a:pPr>
-            <a:r>
-              <a:rPr lang="en-US" dirty="0">
-                <a:latin typeface="Andale Mono"/>
-                <a:cs typeface="Andale Mono"/>
-              </a:rPr>
-              <a:t>|]</a:t>
-            </a:r>
-          </a:p>
-          <a:p>
-            <a:pPr marL="0" indent="0">
-              <a:buNone/>
-            </a:pPr>
-            <a:endParaRPr lang="en-US" dirty="0">
-              <a:latin typeface="Andale Mono"/>
-              <a:cs typeface="Andale Mono"/>
-            </a:endParaRPr>
-          </a:p>
-          <a:p>
-            <a:pPr marL="0" indent="0">
-              <a:buNone/>
-            </a:pPr>
-            <a:r>
-              <a:rPr lang="en-US" dirty="0">
-                <a:latin typeface="Andale Mono"/>
-                <a:cs typeface="Andale Mono"/>
-              </a:rPr>
-              <a:t>instance Yesod </a:t>
-            </a:r>
-            <a:r>
-              <a:rPr lang="en-US" dirty="0" err="1">
-                <a:latin typeface="Andale Mono"/>
-                <a:cs typeface="Andale Mono"/>
-              </a:rPr>
-              <a:t>HelloWorld</a:t>
-            </a:r>
-            <a:endParaRPr lang="en-US" dirty="0">
-              <a:latin typeface="Andale Mono"/>
-              <a:cs typeface="Andale Mono"/>
-            </a:endParaRPr>
-          </a:p>
-          <a:p>
-            <a:pPr marL="0" indent="0">
-              <a:buNone/>
-            </a:pPr>
-            <a:endParaRPr lang="en-US" dirty="0">
-              <a:latin typeface="Andale Mono"/>
-              <a:cs typeface="Andale Mono"/>
-            </a:endParaRPr>
-          </a:p>
-          <a:p>
-            <a:pPr marL="0" indent="0">
-              <a:buNone/>
-            </a:pPr>
-            <a:r>
-              <a:rPr lang="en-US" dirty="0" err="1">
-                <a:latin typeface="Andale Mono"/>
-                <a:cs typeface="Andale Mono"/>
-              </a:rPr>
-              <a:t>getHomeR</a:t>
-            </a:r>
-            <a:r>
-              <a:rPr lang="en-US" dirty="0">
-                <a:latin typeface="Andale Mono"/>
-                <a:cs typeface="Andale Mono"/>
-              </a:rPr>
-              <a:t> :: Handler </a:t>
-            </a:r>
-            <a:r>
-              <a:rPr lang="en-US" dirty="0" err="1">
-                <a:latin typeface="Andale Mono"/>
-                <a:cs typeface="Andale Mono"/>
-              </a:rPr>
-              <a:t>RepHtml</a:t>
-            </a:r>
-            <a:endParaRPr lang="en-US" dirty="0">
-              <a:latin typeface="Andale Mono"/>
-              <a:cs typeface="Andale Mono"/>
-            </a:endParaRPr>
-          </a:p>
-          <a:p>
-            <a:pPr marL="0" indent="0">
-              <a:buNone/>
-            </a:pPr>
-            <a:r>
-              <a:rPr lang="en-US" dirty="0" err="1">
-                <a:latin typeface="Andale Mono"/>
-                <a:cs typeface="Andale Mono"/>
-              </a:rPr>
-              <a:t>getHomeR</a:t>
-            </a:r>
-            <a:r>
-              <a:rPr lang="en-US" dirty="0">
-                <a:latin typeface="Andale Mono"/>
-                <a:cs typeface="Andale Mono"/>
-              </a:rPr>
-              <a:t> = </a:t>
-            </a:r>
-            <a:r>
-              <a:rPr lang="en-US" dirty="0" err="1">
-                <a:latin typeface="Andale Mono"/>
-                <a:cs typeface="Andale Mono"/>
-              </a:rPr>
-              <a:t>defaultLayout</a:t>
-            </a:r>
-            <a:r>
-              <a:rPr lang="en-US" dirty="0">
-                <a:latin typeface="Andale Mono"/>
-                <a:cs typeface="Andale Mono"/>
-              </a:rPr>
-              <a:t> [</a:t>
-            </a:r>
-            <a:r>
-              <a:rPr lang="en-US" dirty="0" err="1">
-                <a:latin typeface="Andale Mono"/>
-                <a:cs typeface="Andale Mono"/>
-              </a:rPr>
-              <a:t>whamlet|Hello</a:t>
-            </a:r>
-            <a:r>
-              <a:rPr lang="en-US" dirty="0">
-                <a:latin typeface="Andale Mono"/>
-                <a:cs typeface="Andale Mono"/>
-              </a:rPr>
-              <a:t> </a:t>
-            </a:r>
-            <a:r>
-              <a:rPr lang="en-US" dirty="0" smtClean="0">
-                <a:latin typeface="Andale Mono"/>
-                <a:cs typeface="Andale Mono"/>
-              </a:rPr>
-              <a:t>Yesod!</a:t>
-            </a:r>
-            <a:r>
-              <a:rPr lang="en-US" dirty="0">
-                <a:latin typeface="Andale Mono"/>
-                <a:cs typeface="Andale Mono"/>
-              </a:rPr>
-              <a:t>|]</a:t>
-            </a:r>
-          </a:p>
-          <a:p>
-            <a:pPr marL="0" indent="0">
-              <a:buNone/>
-            </a:pPr>
-            <a:endParaRPr lang="en-US" dirty="0">
-              <a:latin typeface="Andale Mono"/>
-              <a:cs typeface="Andale Mono"/>
-            </a:endParaRPr>
-          </a:p>
-          <a:p>
-            <a:pPr marL="0" indent="0">
-              <a:buNone/>
-            </a:pPr>
-            <a:r>
-              <a:rPr lang="en-US" dirty="0">
-                <a:latin typeface="Andale Mono"/>
-                <a:cs typeface="Andale Mono"/>
-              </a:rPr>
-              <a:t>main :: IO ()</a:t>
-            </a:r>
-          </a:p>
-          <a:p>
-            <a:pPr marL="0" indent="0">
-              <a:buNone/>
-            </a:pPr>
-            <a:r>
-              <a:rPr lang="en-US" dirty="0">
-                <a:latin typeface="Andale Mono"/>
-                <a:cs typeface="Andale Mono"/>
-              </a:rPr>
-              <a:t>main = </a:t>
-            </a:r>
-            <a:r>
-              <a:rPr lang="en-US" dirty="0" err="1">
-                <a:latin typeface="Andale Mono"/>
-                <a:cs typeface="Andale Mono"/>
-              </a:rPr>
-              <a:t>warpDebug</a:t>
-            </a:r>
-            <a:r>
-              <a:rPr lang="en-US" dirty="0">
-                <a:latin typeface="Andale Mono"/>
-                <a:cs typeface="Andale Mono"/>
-              </a:rPr>
-              <a:t> 3000 </a:t>
-            </a:r>
-            <a:r>
-              <a:rPr lang="en-US" dirty="0" err="1">
-                <a:latin typeface="Andale Mono"/>
-                <a:cs typeface="Andale Mono"/>
-              </a:rPr>
-              <a:t>HelloWorld</a:t>
-            </a:r>
-            <a:endParaRPr lang="en-US" dirty="0">
-              <a:latin typeface="Andale Mono"/>
-              <a:cs typeface="Andale Mono"/>
-            </a:endParaRPr>
+            <a:r>
+              <a:rPr lang="en-US" dirty="0" smtClean="0"/>
+              <a:t>Code </a:t>
+            </a:r>
+          </a:p>
+          <a:p>
+            <a:pPr lvl="1"/>
+            <a:r>
+              <a:rPr lang="en-US" dirty="0" smtClean="0"/>
+              <a:t>2xx yay, it worked!</a:t>
+            </a:r>
+          </a:p>
+          <a:p>
+            <a:pPr lvl="1"/>
+            <a:r>
+              <a:rPr lang="en-US" dirty="0"/>
+              <a:t>3xx the princess is in another </a:t>
+            </a:r>
+            <a:r>
+              <a:rPr lang="en-US" dirty="0" smtClean="0"/>
+              <a:t>castle</a:t>
+            </a:r>
+          </a:p>
+          <a:p>
+            <a:pPr lvl="1"/>
+            <a:r>
+              <a:rPr lang="en-US" dirty="0" smtClean="0"/>
+              <a:t>4xx </a:t>
+            </a:r>
+            <a:r>
+              <a:rPr lang="en-US" dirty="0"/>
+              <a:t>client </a:t>
+            </a:r>
+            <a:r>
+              <a:rPr lang="en-US" dirty="0" smtClean="0"/>
+              <a:t>error</a:t>
+            </a:r>
+            <a:endParaRPr lang="en-US" dirty="0"/>
+          </a:p>
+          <a:p>
+            <a:pPr lvl="1"/>
+            <a:r>
+              <a:rPr lang="en-US" dirty="0" smtClean="0"/>
+              <a:t>5xx </a:t>
+            </a:r>
+            <a:r>
+              <a:rPr lang="en-US" dirty="0"/>
+              <a:t>server </a:t>
+            </a:r>
+            <a:r>
+              <a:rPr lang="en-US" dirty="0" smtClean="0"/>
+              <a:t>error</a:t>
+            </a:r>
+          </a:p>
+          <a:p>
+            <a:r>
+              <a:rPr lang="en-US" dirty="0" smtClean="0"/>
+              <a:t>Response Body + Content Type</a:t>
+            </a:r>
+          </a:p>
+          <a:p>
+            <a:pPr lvl="1"/>
+            <a:r>
+              <a:rPr lang="en-US" dirty="0" smtClean="0"/>
+              <a:t>Static file resource</a:t>
+            </a:r>
+          </a:p>
+          <a:p>
+            <a:pPr lvl="1"/>
+            <a:r>
+              <a:rPr lang="en-US" dirty="0" smtClean="0"/>
+              <a:t>Use data to dynamically generate HTML / JSON / XML.</a:t>
+            </a:r>
+          </a:p>
+          <a:p>
+            <a:pPr lvl="2"/>
+            <a:r>
+              <a:rPr lang="en-US" dirty="0" smtClean="0"/>
+              <a:t>More often than not, this will require generation of links to other resources. </a:t>
+            </a:r>
+            <a:endParaRPr lang="en-US" dirty="0"/>
+          </a:p>
+          <a:p>
+            <a:endParaRPr lang="en-US" dirty="0"/>
+          </a:p>
+          <a:p>
+            <a:endParaRPr lang="en-US" dirty="0"/>
+          </a:p>
+          <a:p>
+            <a:endParaRPr lang="en-US" dirty="0"/>
           </a:p>
         </p:txBody>
       </p:sp>
     </p:spTree>
     <p:extLst>
       <p:ext uri="{BB962C8B-B14F-4D97-AF65-F5344CB8AC3E}">
-        <p14:creationId xmlns:p14="http://schemas.microsoft.com/office/powerpoint/2010/main" val="3794061408"/>
+        <p14:creationId xmlns:p14="http://schemas.microsoft.com/office/powerpoint/2010/main" val="3138260220"/>
       </p:ext>
     </p:extLst>
   </p:cSld>
@@ -7303,7 +11844,38 @@
       </p:grpSpPr>
       <p:sp>
         <p:nvSpPr>
-          <p:cNvPr id="2" name="Title 1"/>
+          <p:cNvPr id="2" name="Text Placeholder 1"/>
+          <p:cNvSpPr>
+            <a:spLocks noGrp="1"/>
+          </p:cNvSpPr>
+          <p:nvPr>
+            <p:ph type="body" idx="1"/>
+          </p:nvPr>
+        </p:nvSpPr>
+        <p:spPr/>
+        <p:txBody>
+          <a:bodyPr/>
+          <a:lstStyle/>
+          <a:p>
+            <a:r>
+              <a:rPr lang="en-AU" dirty="0" smtClean="0"/>
+              <a:t>An explanation of the details and foundation of the </a:t>
+            </a:r>
+            <a:r>
+              <a:rPr lang="en-AU" dirty="0" err="1" smtClean="0"/>
+              <a:t>yesod</a:t>
+            </a:r>
+            <a:r>
+              <a:rPr lang="en-AU" dirty="0" smtClean="0"/>
+              <a:t> magic in simple, one file applications.</a:t>
+            </a:r>
+            <a:endParaRPr lang="en-AU" dirty="0"/>
+          </a:p>
+        </p:txBody>
+      </p:sp>
+      <p:sp>
+        <p:nvSpPr>
+          <p:cNvPr id="3" name="Title 2"/>
           <p:cNvSpPr>
             <a:spLocks noGrp="1"/>
           </p:cNvSpPr>
@@ -7317,398 +11889,23 @@
           <a:lstStyle/>
           <a:p>
             <a:r>
-              <a:rPr lang="en-US" dirty="0" smtClean="0"/>
-              <a:t>Language Pragmas</a:t>
-            </a:r>
-            <a:endParaRPr lang="en-US" dirty="0"/>
-          </a:p>
-        </p:txBody>
-      </p:sp>
-      <p:sp>
-        <p:nvSpPr>
-          <p:cNvPr id="3" name="Content Placeholder 2"/>
-          <p:cNvSpPr>
-            <a:spLocks noGrp="1"/>
-          </p:cNvSpPr>
-          <p:nvPr>
-            <p:ph sz="quarter" idx="1"/>
-          </p:nvPr>
-        </p:nvSpPr>
-        <p:spPr>
-          <a:xfrm>
-            <a:off x="612648" y="2443960"/>
-            <a:ext cx="8153400" cy="4031570"/>
-          </a:xfrm>
-        </p:spPr>
-        <p:txBody>
-          <a:bodyPr>
-            <a:normAutofit fontScale="92500" lnSpcReduction="20000"/>
-          </a:bodyPr>
-          <a:lstStyle/>
-          <a:p>
-            <a:r>
               <a:rPr lang="en-AU" dirty="0" smtClean="0"/>
-              <a:t>These extend Haskell98 to provide syntactic features that </a:t>
-            </a:r>
-            <a:r>
-              <a:rPr lang="en-AU" dirty="0" err="1" smtClean="0"/>
-              <a:t>yesod</a:t>
-            </a:r>
-            <a:r>
-              <a:rPr lang="en-AU" dirty="0" smtClean="0"/>
-              <a:t> requires.</a:t>
-            </a:r>
-          </a:p>
-          <a:p>
-            <a:r>
-              <a:rPr lang="en-AU" dirty="0" smtClean="0"/>
-              <a:t>TH &amp; QQ: used to generate boilerplate code ( more on this later )</a:t>
-            </a:r>
-          </a:p>
-          <a:p>
-            <a:r>
-              <a:rPr lang="en-AU" dirty="0" smtClean="0"/>
-              <a:t>OS: Strings declared in code are coerced into Text, </a:t>
-            </a:r>
-            <a:r>
-              <a:rPr lang="en-AU" dirty="0" err="1" smtClean="0"/>
-              <a:t>ByteString</a:t>
-            </a:r>
-            <a:r>
-              <a:rPr lang="en-AU" dirty="0" smtClean="0"/>
-              <a:t>, Html ( or anything else that has an instance of </a:t>
-            </a:r>
-            <a:r>
-              <a:rPr lang="en-AU" dirty="0" err="1" smtClean="0"/>
-              <a:t>IsString</a:t>
-            </a:r>
-            <a:r>
-              <a:rPr lang="en-AU" dirty="0" smtClean="0"/>
-              <a:t> ) depending on type required. Need this because String / [Char] is pretty inefficient.</a:t>
-            </a:r>
-          </a:p>
-          <a:p>
-            <a:r>
-              <a:rPr lang="en-AU" dirty="0" smtClean="0"/>
-              <a:t>TF &amp; MPTC: Extensions to type class syntax that are utilised by the instances generated by </a:t>
-            </a:r>
-            <a:r>
-              <a:rPr lang="en-AU" dirty="0" err="1" smtClean="0"/>
-              <a:t>mkYesod</a:t>
-            </a:r>
-            <a:r>
-              <a:rPr lang="en-AU" dirty="0" smtClean="0"/>
-              <a:t>.</a:t>
+              <a:t>“Simple” Yesod</a:t>
             </a:r>
             <a:endParaRPr lang="en-AU" dirty="0"/>
-          </a:p>
-        </p:txBody>
-      </p:sp>
-      <p:sp>
-        <p:nvSpPr>
-          <p:cNvPr id="4" name="Content Placeholder 2"/>
-          <p:cNvSpPr txBox="1">
-            <a:spLocks/>
-          </p:cNvSpPr>
-          <p:nvPr/>
-        </p:nvSpPr>
-        <p:spPr>
-          <a:xfrm>
-            <a:off x="202051" y="1600199"/>
-            <a:ext cx="8745912" cy="680188"/>
-          </a:xfrm>
-          <a:prstGeom prst="rect">
-            <a:avLst/>
-          </a:prstGeom>
-        </p:spPr>
-        <p:txBody>
-          <a:bodyPr vert="horz">
-            <a:normAutofit fontScale="62500" lnSpcReduction="20000"/>
-          </a:bodyPr>
-          <a:lstStyle>
-            <a:lvl1pPr marL="320040" indent="-320040" algn="l" rtl="0" eaLnBrk="1" latinLnBrk="0" hangingPunct="1">
-              <a:spcBef>
-                <a:spcPts val="700"/>
-              </a:spcBef>
-              <a:buClr>
-                <a:schemeClr val="accent2"/>
-              </a:buClr>
-              <a:buSzPct val="60000"/>
-              <a:buFont typeface="Wingdings"/>
-              <a:buChar char=""/>
-              <a:defRPr kumimoji="0" sz="2900" kern="1200">
-                <a:solidFill>
-                  <a:schemeClr val="tx1"/>
-                </a:solidFill>
-                <a:latin typeface="+mn-lt"/>
-                <a:ea typeface="+mn-ea"/>
-                <a:cs typeface="+mn-cs"/>
-              </a:defRPr>
-            </a:lvl1pPr>
-            <a:lvl2pPr marL="640080" indent="-274320" algn="l" rtl="0" eaLnBrk="1" latinLnBrk="0" hangingPunct="1">
-              <a:spcBef>
-                <a:spcPts val="550"/>
-              </a:spcBef>
-              <a:buClr>
-                <a:schemeClr val="accent1"/>
-              </a:buClr>
-              <a:buSzPct val="70000"/>
-              <a:buFont typeface="Wingdings 2"/>
-              <a:buChar char=""/>
-              <a:defRPr kumimoji="0" sz="2600" kern="1200">
-                <a:solidFill>
-                  <a:schemeClr val="tx1"/>
-                </a:solidFill>
-                <a:latin typeface="+mn-lt"/>
-                <a:ea typeface="+mn-ea"/>
-                <a:cs typeface="+mn-cs"/>
-              </a:defRPr>
-            </a:lvl2pPr>
-            <a:lvl3pPr marL="914400" indent="-228600" algn="l" rtl="0" eaLnBrk="1" latinLnBrk="0" hangingPunct="1">
-              <a:spcBef>
-                <a:spcPts val="500"/>
-              </a:spcBef>
-              <a:buClr>
-                <a:schemeClr val="accent2"/>
-              </a:buClr>
-              <a:buSzPct val="75000"/>
-              <a:buFont typeface="Wingdings"/>
-              <a:buChar char=""/>
-              <a:defRPr kumimoji="0" sz="2300" kern="1200">
-                <a:solidFill>
-                  <a:schemeClr val="tx1"/>
-                </a:solidFill>
-                <a:latin typeface="+mn-lt"/>
-                <a:ea typeface="+mn-ea"/>
-                <a:cs typeface="+mn-cs"/>
-              </a:defRPr>
-            </a:lvl3pPr>
-            <a:lvl4pPr marL="1371600" indent="-228600" algn="l" rtl="0" eaLnBrk="1" latinLnBrk="0" hangingPunct="1">
-              <a:spcBef>
-                <a:spcPts val="400"/>
-              </a:spcBef>
-              <a:buClr>
-                <a:schemeClr val="accent3"/>
-              </a:buClr>
-              <a:buSzPct val="75000"/>
-              <a:buFont typeface="Wingdings"/>
-              <a:buChar char=""/>
-              <a:defRPr kumimoji="0" sz="2000" kern="1200">
-                <a:solidFill>
-                  <a:schemeClr val="tx1"/>
-                </a:solidFill>
-                <a:latin typeface="+mn-lt"/>
-                <a:ea typeface="+mn-ea"/>
-                <a:cs typeface="+mn-cs"/>
-              </a:defRPr>
-            </a:lvl4pPr>
-            <a:lvl5pPr marL="1828800" indent="-228600" algn="l" rtl="0" eaLnBrk="1" latinLnBrk="0" hangingPunct="1">
-              <a:spcBef>
-                <a:spcPts val="400"/>
-              </a:spcBef>
-              <a:buClr>
-                <a:schemeClr val="accent4"/>
-              </a:buClr>
-              <a:buSzPct val="65000"/>
-              <a:buFont typeface="Wingdings"/>
-              <a:buChar char=""/>
-              <a:defRPr kumimoji="0" sz="2000" kern="1200">
-                <a:solidFill>
-                  <a:schemeClr val="tx1"/>
-                </a:solidFill>
-                <a:latin typeface="+mn-lt"/>
-                <a:ea typeface="+mn-ea"/>
-                <a:cs typeface="+mn-cs"/>
-              </a:defRPr>
-            </a:lvl5pPr>
-            <a:lvl6pPr marL="2103120" indent="-228600" algn="l" rtl="0" eaLnBrk="1" latinLnBrk="0" hangingPunct="1">
-              <a:spcBef>
-                <a:spcPct val="20000"/>
-              </a:spcBef>
-              <a:buClr>
-                <a:schemeClr val="accent1"/>
-              </a:buClr>
-              <a:buFont typeface="Wingdings"/>
-              <a:buChar char="§"/>
-              <a:defRPr kumimoji="0" sz="1800" kern="1200" baseline="0">
-                <a:solidFill>
-                  <a:schemeClr val="tx1"/>
-                </a:solidFill>
-                <a:latin typeface="+mn-lt"/>
-                <a:ea typeface="+mn-ea"/>
-                <a:cs typeface="+mn-cs"/>
-              </a:defRPr>
-            </a:lvl6pPr>
-            <a:lvl7pPr marL="2377440" indent="-228600" algn="l" rtl="0" eaLnBrk="1" latinLnBrk="0" hangingPunct="1">
-              <a:spcBef>
-                <a:spcPct val="20000"/>
-              </a:spcBef>
-              <a:buClr>
-                <a:schemeClr val="accent2"/>
-              </a:buClr>
-              <a:buFont typeface="Wingdings"/>
-              <a:buChar char="§"/>
-              <a:defRPr kumimoji="0" sz="1800" kern="1200" baseline="0">
-                <a:solidFill>
-                  <a:schemeClr val="tx1"/>
-                </a:solidFill>
-                <a:latin typeface="+mn-lt"/>
-                <a:ea typeface="+mn-ea"/>
-                <a:cs typeface="+mn-cs"/>
-              </a:defRPr>
-            </a:lvl7pPr>
-            <a:lvl8pPr marL="2651760" indent="-228600" algn="l" rtl="0" eaLnBrk="1" latinLnBrk="0" hangingPunct="1">
-              <a:spcBef>
-                <a:spcPct val="20000"/>
-              </a:spcBef>
-              <a:buClr>
-                <a:schemeClr val="accent3"/>
-              </a:buClr>
-              <a:buFont typeface="Wingdings"/>
-              <a:buChar char="§"/>
-              <a:defRPr kumimoji="0" sz="1800" kern="1200" baseline="0">
-                <a:solidFill>
-                  <a:schemeClr val="tx1"/>
-                </a:solidFill>
-                <a:latin typeface="+mn-lt"/>
-                <a:ea typeface="+mn-ea"/>
-                <a:cs typeface="+mn-cs"/>
-              </a:defRPr>
-            </a:lvl8pPr>
-            <a:lvl9pPr marL="2926080" indent="-228600" algn="l" rtl="0" eaLnBrk="1" latinLnBrk="0" hangingPunct="1">
-              <a:spcBef>
-                <a:spcPct val="20000"/>
-              </a:spcBef>
-              <a:buClr>
-                <a:schemeClr val="accent4"/>
-              </a:buClr>
-              <a:buFont typeface="Wingdings"/>
-              <a:buChar char="§"/>
-              <a:defRPr kumimoji="0" sz="1800" kern="1200" baseline="0">
-                <a:solidFill>
-                  <a:schemeClr val="tx1"/>
-                </a:solidFill>
-                <a:latin typeface="+mn-lt"/>
-                <a:ea typeface="+mn-ea"/>
-                <a:cs typeface="+mn-cs"/>
-              </a:defRPr>
-            </a:lvl9pPr>
-          </a:lstStyle>
-          <a:p>
-            <a:pPr marL="0" indent="0">
-              <a:buFont typeface="Wingdings"/>
-              <a:buNone/>
-            </a:pPr>
-            <a:r>
-              <a:rPr lang="en-US" dirty="0" smtClean="0">
-                <a:latin typeface="Andale Mono"/>
-                <a:cs typeface="Andale Mono"/>
-              </a:rPr>
-              <a:t>{-# LANGUAGE </a:t>
-            </a:r>
-            <a:r>
-              <a:rPr lang="en-US" dirty="0" err="1" smtClean="0">
-                <a:latin typeface="Andale Mono"/>
-                <a:cs typeface="Andale Mono"/>
-              </a:rPr>
-              <a:t>TypeFamilies</a:t>
-            </a:r>
-            <a:r>
-              <a:rPr lang="en-US" dirty="0" smtClean="0">
-                <a:latin typeface="Andale Mono"/>
-                <a:cs typeface="Andale Mono"/>
-              </a:rPr>
-              <a:t>, </a:t>
-            </a:r>
-            <a:r>
-              <a:rPr lang="en-US" dirty="0" err="1" smtClean="0">
-                <a:latin typeface="Andale Mono"/>
-                <a:cs typeface="Andale Mono"/>
-              </a:rPr>
-              <a:t>QuasiQuotes</a:t>
-            </a:r>
-            <a:r>
-              <a:rPr lang="en-US" dirty="0" smtClean="0">
-                <a:latin typeface="Andale Mono"/>
-                <a:cs typeface="Andale Mono"/>
-              </a:rPr>
-              <a:t>, </a:t>
-            </a:r>
-            <a:r>
-              <a:rPr lang="en-US" dirty="0" err="1" smtClean="0">
-                <a:latin typeface="Andale Mono"/>
-                <a:cs typeface="Andale Mono"/>
-              </a:rPr>
-              <a:t>MultiParamTypeClasses</a:t>
-            </a:r>
-            <a:r>
-              <a:rPr lang="en-US" dirty="0" smtClean="0">
-                <a:latin typeface="Andale Mono"/>
-                <a:cs typeface="Andale Mono"/>
-              </a:rPr>
-              <a:t>,</a:t>
-            </a:r>
-          </a:p>
-          <a:p>
-            <a:pPr marL="0" indent="0">
-              <a:buFont typeface="Wingdings"/>
-              <a:buNone/>
-            </a:pPr>
-            <a:r>
-              <a:rPr lang="en-US" dirty="0" smtClean="0">
-                <a:latin typeface="Andale Mono"/>
-                <a:cs typeface="Andale Mono"/>
-              </a:rPr>
-              <a:t>             </a:t>
-            </a:r>
-            <a:r>
-              <a:rPr lang="en-US" dirty="0" err="1" smtClean="0">
-                <a:latin typeface="Andale Mono"/>
-                <a:cs typeface="Andale Mono"/>
-              </a:rPr>
-              <a:t>TemplateHaskell</a:t>
-            </a:r>
-            <a:r>
-              <a:rPr lang="en-US" dirty="0" smtClean="0">
-                <a:latin typeface="Andale Mono"/>
-                <a:cs typeface="Andale Mono"/>
-              </a:rPr>
-              <a:t>, </a:t>
-            </a:r>
-            <a:r>
-              <a:rPr lang="en-US" dirty="0" err="1" smtClean="0">
-                <a:latin typeface="Andale Mono"/>
-                <a:cs typeface="Andale Mono"/>
-              </a:rPr>
-              <a:t>OverloadedStrings</a:t>
-            </a:r>
-            <a:r>
-              <a:rPr lang="en-US" dirty="0" smtClean="0">
-                <a:latin typeface="Andale Mono"/>
-                <a:cs typeface="Andale Mono"/>
-              </a:rPr>
-              <a:t> #-}</a:t>
-            </a:r>
           </a:p>
         </p:txBody>
       </p:sp>
     </p:spTree>
     <p:extLst>
       <p:ext uri="{BB962C8B-B14F-4D97-AF65-F5344CB8AC3E}">
-        <p14:creationId xmlns:p14="http://schemas.microsoft.com/office/powerpoint/2010/main" val="732908041"/>
+        <p14:creationId xmlns:p14="http://schemas.microsoft.com/office/powerpoint/2010/main" val="3393813635"/>
       </p:ext>
     </p:extLst>
   </p:cSld>
   <p:clrMapOvr>
     <a:masterClrMapping/>
   </p:clrMapOvr>
-  <p:timing>
-    <p:tnLst>
-      <p:par>
-        <p:cTn xmlns:p14="http://schemas.microsoft.com/office/powerpoint/2010/main" id="1" dur="indefinite" restart="never" nodeType="tmRoot"/>
-      </p:par>
-    </p:tnLst>
-  </p:timing>
 </p:sld>
 </file>
 

--- a/TypeSafeWebDevWithYesodAndHaskell.pptx
+++ b/TypeSafeWebDevWithYesodAndHaskell.pptx
@@ -5,7 +5,7 @@
     <p:sldMasterId id="2147483660" r:id="rId1"/>
   </p:sldMasterIdLst>
   <p:notesMasterIdLst>
-    <p:notesMasterId r:id="rId52"/>
+    <p:notesMasterId r:id="rId56"/>
   </p:notesMasterIdLst>
   <p:sldIdLst>
     <p:sldId id="256" r:id="rId2"/>
@@ -49,15 +49,19 @@
     <p:sldId id="280" r:id="rId40"/>
     <p:sldId id="281" r:id="rId41"/>
     <p:sldId id="282" r:id="rId42"/>
-    <p:sldId id="285" r:id="rId43"/>
-    <p:sldId id="287" r:id="rId44"/>
-    <p:sldId id="288" r:id="rId45"/>
-    <p:sldId id="291" r:id="rId46"/>
-    <p:sldId id="307" r:id="rId47"/>
-    <p:sldId id="292" r:id="rId48"/>
-    <p:sldId id="295" r:id="rId49"/>
-    <p:sldId id="296" r:id="rId50"/>
-    <p:sldId id="297" r:id="rId51"/>
+    <p:sldId id="314" r:id="rId43"/>
+    <p:sldId id="316" r:id="rId44"/>
+    <p:sldId id="285" r:id="rId45"/>
+    <p:sldId id="315" r:id="rId46"/>
+    <p:sldId id="317" r:id="rId47"/>
+    <p:sldId id="318" r:id="rId48"/>
+    <p:sldId id="319" r:id="rId49"/>
+    <p:sldId id="291" r:id="rId50"/>
+    <p:sldId id="307" r:id="rId51"/>
+    <p:sldId id="292" r:id="rId52"/>
+    <p:sldId id="295" r:id="rId53"/>
+    <p:sldId id="296" r:id="rId54"/>
+    <p:sldId id="297" r:id="rId55"/>
   </p:sldIdLst>
   <p:sldSz cx="9144000" cy="6858000" type="screen4x3"/>
   <p:notesSz cx="6858000" cy="9144000"/>
@@ -7267,6 +7271,13 @@
   <p:clrMapOvr>
     <a:masterClrMapping/>
   </p:clrMapOvr>
+  <p:timing>
+    <p:tnLst>
+      <p:par>
+        <p:cTn xmlns:p14="http://schemas.microsoft.com/office/powerpoint/2010/main" id="1" dur="indefinite" restart="never" nodeType="tmRoot"/>
+      </p:par>
+    </p:tnLst>
+  </p:timing>
 </p:sld>
 </file>
 
@@ -7616,6 +7627,13 @@
   <p:clrMapOvr>
     <a:masterClrMapping/>
   </p:clrMapOvr>
+  <p:timing>
+    <p:tnLst>
+      <p:par>
+        <p:cTn xmlns:p14="http://schemas.microsoft.com/office/powerpoint/2010/main" id="1" dur="indefinite" restart="never" nodeType="tmRoot"/>
+      </p:par>
+    </p:tnLst>
+  </p:timing>
 </p:sld>
 </file>
 
@@ -7928,6 +7946,13 @@
   <p:clrMapOvr>
     <a:masterClrMapping/>
   </p:clrMapOvr>
+  <p:timing>
+    <p:tnLst>
+      <p:par>
+        <p:cTn xmlns:p14="http://schemas.microsoft.com/office/powerpoint/2010/main" id="1" dur="indefinite" restart="never" nodeType="tmRoot"/>
+      </p:par>
+    </p:tnLst>
+  </p:timing>
 </p:sld>
 </file>
 
@@ -8203,6 +8228,13 @@
   <p:clrMapOvr>
     <a:masterClrMapping/>
   </p:clrMapOvr>
+  <p:timing>
+    <p:tnLst>
+      <p:par>
+        <p:cTn xmlns:p14="http://schemas.microsoft.com/office/powerpoint/2010/main" id="1" dur="indefinite" restart="never" nodeType="tmRoot"/>
+      </p:par>
+    </p:tnLst>
+  </p:timing>
 </p:sld>
 </file>
 
@@ -8287,6 +8319,13 @@
   <p:clrMapOvr>
     <a:masterClrMapping/>
   </p:clrMapOvr>
+  <p:timing>
+    <p:tnLst>
+      <p:par>
+        <p:cTn xmlns:p14="http://schemas.microsoft.com/office/powerpoint/2010/main" id="1" dur="indefinite" restart="never" nodeType="tmRoot"/>
+      </p:par>
+    </p:tnLst>
+  </p:timing>
 </p:sld>
 </file>
 
@@ -9172,6 +9211,13 @@
   <p:clrMapOvr>
     <a:masterClrMapping/>
   </p:clrMapOvr>
+  <p:timing>
+    <p:tnLst>
+      <p:par>
+        <p:cTn xmlns:p14="http://schemas.microsoft.com/office/powerpoint/2010/main" id="1" dur="indefinite" restart="never" nodeType="tmRoot"/>
+      </p:par>
+    </p:tnLst>
+  </p:timing>
 </p:sld>
 </file>
 
@@ -9673,6 +9719,13 @@
   <p:clrMapOvr>
     <a:masterClrMapping/>
   </p:clrMapOvr>
+  <p:timing>
+    <p:tnLst>
+      <p:par>
+        <p:cTn xmlns:p14="http://schemas.microsoft.com/office/powerpoint/2010/main" id="1" dur="indefinite" restart="never" nodeType="tmRoot"/>
+      </p:par>
+    </p:tnLst>
+  </p:timing>
 </p:sld>
 </file>
 
@@ -11719,6 +11772,13 @@
   <p:clrMapOvr>
     <a:masterClrMapping/>
   </p:clrMapOvr>
+  <p:timing>
+    <p:tnLst>
+      <p:par>
+        <p:cTn xmlns:p14="http://schemas.microsoft.com/office/powerpoint/2010/main" id="1" dur="indefinite" restart="never" nodeType="tmRoot"/>
+      </p:par>
+    </p:tnLst>
+  </p:timing>
 </p:sld>
 </file>
 
@@ -11795,6 +11855,13 @@
   <p:clrMapOvr>
     <a:masterClrMapping/>
   </p:clrMapOvr>
+  <p:timing>
+    <p:tnLst>
+      <p:par>
+        <p:cTn xmlns:p14="http://schemas.microsoft.com/office/powerpoint/2010/main" id="1" dur="indefinite" restart="never" nodeType="tmRoot"/>
+      </p:par>
+    </p:tnLst>
+  </p:timing>
 </p:sld>
 </file>
 
@@ -13470,6 +13537,13 @@
   <p:clrMapOvr>
     <a:masterClrMapping/>
   </p:clrMapOvr>
+  <p:timing>
+    <p:tnLst>
+      <p:par>
+        <p:cTn xmlns:p14="http://schemas.microsoft.com/office/powerpoint/2010/main" id="1" dur="indefinite" restart="never" nodeType="tmRoot"/>
+      </p:par>
+    </p:tnLst>
+  </p:timing>
 </p:sld>
 </file>
 
@@ -14528,6 +14602,13 @@
   <p:clrMapOvr>
     <a:masterClrMapping/>
   </p:clrMapOvr>
+  <p:timing>
+    <p:tnLst>
+      <p:par>
+        <p:cTn xmlns:p14="http://schemas.microsoft.com/office/powerpoint/2010/main" id="1" dur="indefinite" restart="never" nodeType="tmRoot"/>
+      </p:par>
+    </p:tnLst>
+  </p:timing>
 </p:sld>
 </file>
 
@@ -14604,6 +14685,13 @@
   <p:clrMapOvr>
     <a:masterClrMapping/>
   </p:clrMapOvr>
+  <p:timing>
+    <p:tnLst>
+      <p:par>
+        <p:cTn xmlns:p14="http://schemas.microsoft.com/office/powerpoint/2010/main" id="1" dur="indefinite" restart="never" nodeType="tmRoot"/>
+      </p:par>
+    </p:tnLst>
+  </p:timing>
 </p:sld>
 </file>
 
@@ -14702,6 +14790,13 @@
   <p:clrMapOvr>
     <a:masterClrMapping/>
   </p:clrMapOvr>
+  <p:timing>
+    <p:tnLst>
+      <p:par>
+        <p:cTn xmlns:p14="http://schemas.microsoft.com/office/powerpoint/2010/main" id="1" dur="indefinite" restart="never" nodeType="tmRoot"/>
+      </p:par>
+    </p:tnLst>
+  </p:timing>
 </p:sld>
 </file>
 
@@ -20888,16 +20983,16 @@
               <a:t>warpDebug</a:t>
             </a:r>
             <a:r>
-              <a:rPr lang="fr-FR">
-                <a:solidFill>
-                  <a:srgbClr val="213E3E"/>
-                </a:solidFill>
-                <a:latin typeface="Courier"/>
-              </a:rPr>
-              <a:t> </a:t>
-            </a:r>
-            <a:r>
-              <a:rPr lang="fr-FR" smtClean="0">
+              <a:rPr lang="fr-FR" dirty="0">
+                <a:solidFill>
+                  <a:srgbClr val="213E3E"/>
+                </a:solidFill>
+                <a:latin typeface="Courier"/>
+              </a:rPr>
+              <a:t> </a:t>
+            </a:r>
+            <a:r>
+              <a:rPr lang="fr-FR" dirty="0" smtClean="0">
                 <a:solidFill>
                   <a:srgbClr val="213E3E"/>
                 </a:solidFill>
@@ -20995,7 +21090,38 @@
       </p:grpSpPr>
       <p:sp>
         <p:nvSpPr>
-          <p:cNvPr id="2" name="Title 1"/>
+          <p:cNvPr id="5" name="Text Placeholder 4"/>
+          <p:cNvSpPr>
+            <a:spLocks noGrp="1"/>
+          </p:cNvSpPr>
+          <p:nvPr>
+            <p:ph type="body" idx="1"/>
+          </p:nvPr>
+        </p:nvSpPr>
+        <p:spPr/>
+        <p:txBody>
+          <a:bodyPr/>
+          <a:lstStyle/>
+          <a:p>
+            <a:r>
+              <a:rPr lang="en-AU" dirty="0" smtClean="0"/>
+              <a:t>An exploration of the expanded </a:t>
+            </a:r>
+            <a:r>
+              <a:rPr lang="en-AU" dirty="0" err="1" smtClean="0"/>
+              <a:t>whamlet</a:t>
+            </a:r>
+            <a:r>
+              <a:rPr lang="en-AU" dirty="0" smtClean="0"/>
+              <a:t> QQ so that we can get an idea of the type safety with regard to safely escaped text. </a:t>
+            </a:r>
+            <a:endParaRPr lang="en-AU" dirty="0"/>
+          </a:p>
+        </p:txBody>
+      </p:sp>
+      <p:sp>
+        <p:nvSpPr>
+          <p:cNvPr id="4" name="Title 3"/>
           <p:cNvSpPr>
             <a:spLocks noGrp="1"/>
           </p:cNvSpPr>
@@ -21005,244 +21131,27 @@
         </p:nvSpPr>
         <p:spPr/>
         <p:txBody>
-          <a:bodyPr/>
-          <a:lstStyle/>
-          <a:p>
-            <a:r>
-              <a:rPr lang="en-AU" dirty="0" smtClean="0"/>
-              <a:t>Expanded </a:t>
-            </a:r>
-            <a:r>
-              <a:rPr lang="en-AU" dirty="0" err="1" smtClean="0"/>
-              <a:t>Whamlet</a:t>
-            </a:r>
-            <a:r>
-              <a:rPr lang="en-AU" dirty="0" smtClean="0"/>
-              <a:t> QQ</a:t>
-            </a:r>
-            <a:endParaRPr lang="en-AU" dirty="0"/>
-          </a:p>
-        </p:txBody>
-      </p:sp>
-      <p:sp>
-        <p:nvSpPr>
-          <p:cNvPr id="3" name="Content Placeholder 2"/>
-          <p:cNvSpPr>
-            <a:spLocks noGrp="1"/>
-          </p:cNvSpPr>
-          <p:nvPr>
-            <p:ph sz="quarter" idx="1"/>
-          </p:nvPr>
-        </p:nvSpPr>
-        <p:spPr>
-          <a:xfrm>
-            <a:off x="176136" y="1600199"/>
-            <a:ext cx="8853144" cy="5139599"/>
-          </a:xfrm>
-        </p:spPr>
-        <p:txBody>
           <a:bodyPr>
-            <a:noAutofit/>
+            <a:normAutofit/>
           </a:bodyPr>
           <a:lstStyle/>
           <a:p>
-            <a:pPr marL="0" indent="0">
-              <a:buNone/>
-            </a:pPr>
-            <a:r>
-              <a:rPr lang="en-AU" sz="1800" dirty="0" err="1">
-                <a:latin typeface="Andale Mono"/>
-                <a:cs typeface="Andale Mono"/>
-              </a:rPr>
-              <a:t>showCreateNoteForm</a:t>
-            </a:r>
-            <a:r>
-              <a:rPr lang="en-AU" sz="1800" dirty="0">
-                <a:latin typeface="Andale Mono"/>
-                <a:cs typeface="Andale Mono"/>
-              </a:rPr>
-              <a:t> widget </a:t>
-            </a:r>
-            <a:r>
-              <a:rPr lang="en-AU" sz="1800" dirty="0" err="1">
-                <a:latin typeface="Andale Mono"/>
-                <a:cs typeface="Andale Mono"/>
-              </a:rPr>
-              <a:t>encType</a:t>
-            </a:r>
-            <a:r>
-              <a:rPr lang="en-AU" sz="1800" dirty="0">
-                <a:latin typeface="Andale Mono"/>
-                <a:cs typeface="Andale Mono"/>
-              </a:rPr>
-              <a:t> = do</a:t>
-            </a:r>
-          </a:p>
-          <a:p>
-            <a:pPr marL="0" indent="0">
-              <a:buNone/>
-            </a:pPr>
-            <a:r>
-              <a:rPr lang="en-AU" sz="1800" dirty="0">
-                <a:latin typeface="Andale Mono"/>
-                <a:cs typeface="Andale Mono"/>
-              </a:rPr>
-              <a:t>  notes  &lt;- </a:t>
-            </a:r>
-            <a:r>
-              <a:rPr lang="en-AU" sz="1800" dirty="0" err="1">
-                <a:latin typeface="Andale Mono"/>
-                <a:cs typeface="Andale Mono"/>
-              </a:rPr>
-              <a:t>runDB</a:t>
-            </a:r>
-            <a:r>
-              <a:rPr lang="en-AU" sz="1800" dirty="0">
-                <a:latin typeface="Andale Mono"/>
-                <a:cs typeface="Andale Mono"/>
-              </a:rPr>
-              <a:t> $ </a:t>
-            </a:r>
-            <a:r>
-              <a:rPr lang="en-AU" sz="1800" dirty="0" err="1">
-                <a:latin typeface="Andale Mono"/>
-                <a:cs typeface="Andale Mono"/>
-              </a:rPr>
-              <a:t>selectList</a:t>
-            </a:r>
-            <a:r>
-              <a:rPr lang="en-AU" sz="1800" dirty="0">
-                <a:latin typeface="Andale Mono"/>
-                <a:cs typeface="Andale Mono"/>
-              </a:rPr>
-              <a:t> [] [</a:t>
-            </a:r>
-            <a:r>
-              <a:rPr lang="en-AU" sz="1800" dirty="0" err="1">
-                <a:latin typeface="Andale Mono"/>
-                <a:cs typeface="Andale Mono"/>
-              </a:rPr>
-              <a:t>Asc</a:t>
-            </a:r>
-            <a:r>
-              <a:rPr lang="en-AU" sz="1800" dirty="0">
-                <a:latin typeface="Andale Mono"/>
-                <a:cs typeface="Andale Mono"/>
-              </a:rPr>
-              <a:t> </a:t>
-            </a:r>
-            <a:r>
-              <a:rPr lang="en-AU" sz="1800" dirty="0" err="1">
-                <a:latin typeface="Andale Mono"/>
-                <a:cs typeface="Andale Mono"/>
-              </a:rPr>
-              <a:t>NoteTitle</a:t>
-            </a:r>
-            <a:r>
-              <a:rPr lang="en-AU" sz="1800" dirty="0">
-                <a:latin typeface="Andale Mono"/>
-                <a:cs typeface="Andale Mono"/>
-              </a:rPr>
-              <a:t>]</a:t>
-            </a:r>
-          </a:p>
-          <a:p>
-            <a:pPr marL="0" indent="0">
-              <a:buNone/>
-            </a:pPr>
-            <a:r>
-              <a:rPr lang="en-AU" sz="1800" dirty="0">
-                <a:latin typeface="Andale Mono"/>
-                <a:cs typeface="Andale Mono"/>
-              </a:rPr>
-              <a:t>  </a:t>
-            </a:r>
-            <a:r>
-              <a:rPr lang="en-AU" sz="1800" dirty="0" err="1">
-                <a:latin typeface="Andale Mono"/>
-                <a:cs typeface="Andale Mono"/>
-              </a:rPr>
-              <a:t>defaultLayout</a:t>
-            </a:r>
-            <a:r>
-              <a:rPr lang="en-AU" sz="1800" dirty="0">
-                <a:latin typeface="Andale Mono"/>
-                <a:cs typeface="Andale Mono"/>
-              </a:rPr>
-              <a:t> $ do </a:t>
-            </a:r>
-          </a:p>
-          <a:p>
-            <a:pPr marL="0" indent="0">
-              <a:buNone/>
-            </a:pPr>
-            <a:r>
-              <a:rPr lang="en-AU" sz="1800" dirty="0">
-                <a:latin typeface="Andale Mono"/>
-                <a:cs typeface="Andale Mono"/>
-              </a:rPr>
-              <a:t>    </a:t>
-            </a:r>
-            <a:r>
-              <a:rPr lang="en-AU" sz="1800" dirty="0" err="1">
-                <a:latin typeface="Andale Mono"/>
-                <a:cs typeface="Andale Mono"/>
-              </a:rPr>
-              <a:t>toWidget</a:t>
-            </a:r>
-            <a:r>
-              <a:rPr lang="en-AU" sz="1800" dirty="0">
-                <a:latin typeface="Andale Mono"/>
-                <a:cs typeface="Andale Mono"/>
-              </a:rPr>
-              <a:t> $ ( </a:t>
-            </a:r>
-            <a:r>
-              <a:rPr lang="en-AU" sz="1800" dirty="0" err="1">
-                <a:latin typeface="Andale Mono"/>
-                <a:cs typeface="Andale Mono"/>
-              </a:rPr>
-              <a:t>preEscapedText</a:t>
-            </a:r>
-            <a:r>
-              <a:rPr lang="en-AU" sz="1800" dirty="0">
-                <a:latin typeface="Andale Mono"/>
-                <a:cs typeface="Andale Mono"/>
-              </a:rPr>
-              <a:t> . pack) "&lt;h1&gt;Notes&lt;/h1&gt;&lt;</a:t>
-            </a:r>
-            <a:r>
-              <a:rPr lang="en-AU" sz="1800" dirty="0" err="1">
-                <a:latin typeface="Andale Mono"/>
-                <a:cs typeface="Andale Mono"/>
-              </a:rPr>
-              <a:t>ul</a:t>
-            </a:r>
-            <a:r>
-              <a:rPr lang="en-AU" sz="1800" dirty="0">
-                <a:latin typeface="Andale Mono"/>
-                <a:cs typeface="Andale Mono"/>
-              </a:rPr>
-              <a:t>&gt;</a:t>
-            </a:r>
-            <a:r>
-              <a:rPr lang="en-AU" sz="1800" dirty="0" smtClean="0">
-                <a:latin typeface="Andale Mono"/>
-                <a:cs typeface="Andale Mono"/>
-              </a:rPr>
-              <a:t>"</a:t>
-            </a:r>
-            <a:endParaRPr lang="en-AU" sz="1800" dirty="0">
-              <a:latin typeface="Andale Mono"/>
-              <a:cs typeface="Andale Mono"/>
-            </a:endParaRPr>
+            <a:r>
+              <a:rPr lang="en-AU" dirty="0" smtClean="0"/>
+              <a:t>Generated Code for </a:t>
+            </a:r>
+            <a:r>
+              <a:rPr lang="en-AU" dirty="0" err="1" smtClean="0"/>
+              <a:t>notes.hs</a:t>
+            </a:r>
+            <a:endParaRPr lang="en-AU" dirty="0"/>
           </a:p>
         </p:txBody>
       </p:sp>
     </p:spTree>
     <p:extLst>
       <p:ext uri="{BB962C8B-B14F-4D97-AF65-F5344CB8AC3E}">
-        <p14:creationId xmlns:p14="http://schemas.microsoft.com/office/powerpoint/2010/main" val="1536779091"/>
+        <p14:creationId xmlns:p14="http://schemas.microsoft.com/office/powerpoint/2010/main" val="1381610865"/>
       </p:ext>
     </p:extLst>
   </p:cSld>
@@ -21292,16 +21201,12 @@
           <a:lstStyle/>
           <a:p>
             <a:r>
-              <a:rPr lang="en-AU" dirty="0" smtClean="0"/>
-              <a:t>Expanded </a:t>
-            </a:r>
-            <a:r>
               <a:rPr lang="en-AU" dirty="0" err="1" smtClean="0"/>
               <a:t>Whamlet</a:t>
             </a:r>
             <a:r>
               <a:rPr lang="en-AU" dirty="0" smtClean="0"/>
-              <a:t> ( Note List )</a:t>
+              <a:t> QQ Expansion</a:t>
             </a:r>
             <a:endParaRPr lang="en-AU" dirty="0"/>
           </a:p>
@@ -21319,13 +21224,27 @@
         </p:nvSpPr>
         <p:spPr>
           <a:xfrm>
-            <a:off x="278109" y="1600200"/>
-            <a:ext cx="8732630" cy="5028350"/>
+            <a:off x="68917" y="1511599"/>
+            <a:ext cx="8998779" cy="4641281"/>
           </a:xfrm>
         </p:spPr>
+        <p:style>
+          <a:lnRef idx="2">
+            <a:schemeClr val="accent2"/>
+          </a:lnRef>
+          <a:fillRef idx="1">
+            <a:schemeClr val="lt1"/>
+          </a:fillRef>
+          <a:effectRef idx="0">
+            <a:schemeClr val="accent2"/>
+          </a:effectRef>
+          <a:fontRef idx="minor">
+            <a:schemeClr val="dk1"/>
+          </a:fontRef>
+        </p:style>
         <p:txBody>
           <a:bodyPr>
-            <a:normAutofit fontScale="62500" lnSpcReduction="20000"/>
+            <a:noAutofit/>
           </a:bodyPr>
           <a:lstStyle/>
           <a:p>
@@ -21333,27 +21252,79 @@
               <a:buNone/>
             </a:pPr>
             <a:r>
-              <a:rPr lang="en-AU" sz="3200" dirty="0" smtClean="0">
+              <a:rPr lang="en-AU" sz="1600" i="1" dirty="0" err="1">
+                <a:solidFill>
+                  <a:srgbClr val="000079"/>
+                </a:solidFill>
                 <a:latin typeface="Andale Mono"/>
                 <a:cs typeface="Andale Mono"/>
               </a:rPr>
-              <a:t>    </a:t>
-            </a:r>
-            <a:r>
-              <a:rPr lang="en-AU" sz="3200" dirty="0" err="1" smtClean="0">
+              <a:t>showCreateNoteForm</a:t>
+            </a:r>
+            <a:r>
+              <a:rPr lang="en-AU" sz="1600" i="1" dirty="0">
+                <a:solidFill>
+                  <a:srgbClr val="213E3E"/>
+                </a:solidFill>
                 <a:latin typeface="Andale Mono"/>
                 <a:cs typeface="Andale Mono"/>
               </a:rPr>
-              <a:t>Data.Foldable.mapM</a:t>
-            </a:r>
-            <a:r>
-              <a:rPr lang="en-AU" sz="3200" dirty="0" smtClean="0">
+              <a:t> widget </a:t>
+            </a:r>
+            <a:r>
+              <a:rPr lang="en-AU" sz="1600" i="1" dirty="0" err="1">
+                <a:solidFill>
+                  <a:srgbClr val="213E3E"/>
+                </a:solidFill>
                 <a:latin typeface="Andale Mono"/>
                 <a:cs typeface="Andale Mono"/>
               </a:rPr>
-              <a:t>_</a:t>
-            </a:r>
-            <a:endParaRPr lang="en-AU" sz="3200" dirty="0">
+              <a:t>encType</a:t>
+            </a:r>
+            <a:r>
+              <a:rPr lang="en-AU" sz="1600" i="1" dirty="0">
+                <a:solidFill>
+                  <a:srgbClr val="213E3E"/>
+                </a:solidFill>
+                <a:latin typeface="Andale Mono"/>
+                <a:cs typeface="Andale Mono"/>
+              </a:rPr>
+              <a:t> </a:t>
+            </a:r>
+            <a:r>
+              <a:rPr lang="en-AU" sz="1600" i="1" dirty="0">
+                <a:solidFill>
+                  <a:srgbClr val="FF4B31"/>
+                </a:solidFill>
+                <a:latin typeface="Andale Mono"/>
+                <a:cs typeface="Andale Mono"/>
+              </a:rPr>
+              <a:t>=</a:t>
+            </a:r>
+            <a:r>
+              <a:rPr lang="en-AU" sz="1600" i="1" dirty="0">
+                <a:solidFill>
+                  <a:srgbClr val="213E3E"/>
+                </a:solidFill>
+                <a:latin typeface="Andale Mono"/>
+                <a:cs typeface="Andale Mono"/>
+              </a:rPr>
+              <a:t> </a:t>
+            </a:r>
+            <a:r>
+              <a:rPr lang="en-AU" sz="1600" i="1" dirty="0">
+                <a:solidFill>
+                  <a:srgbClr val="007EFF"/>
+                </a:solidFill>
+                <a:latin typeface="Andale Mono"/>
+                <a:cs typeface="Andale Mono"/>
+              </a:rPr>
+              <a:t>do</a:t>
+            </a:r>
+            <a:endParaRPr lang="en-AU" sz="1600" i="1" dirty="0">
+              <a:solidFill>
+                <a:srgbClr val="213E3E"/>
+              </a:solidFill>
               <a:latin typeface="Andale Mono"/>
               <a:cs typeface="Andale Mono"/>
             </a:endParaRPr>
@@ -21363,11 +21334,154 @@
               <a:buNone/>
             </a:pPr>
             <a:r>
-              <a:rPr lang="en-AU" sz="3200" dirty="0">
+              <a:rPr lang="en-AU" sz="1600" i="1" dirty="0">
+                <a:solidFill>
+                  <a:srgbClr val="213E3E"/>
+                </a:solidFill>
                 <a:latin typeface="Andale Mono"/>
                 <a:cs typeface="Andale Mono"/>
               </a:rPr>
-              <a:t>      (\ (Entity id note ) -&gt; do </a:t>
+              <a:t>  notes  </a:t>
+            </a:r>
+            <a:r>
+              <a:rPr lang="en-AU" sz="1600" i="1" dirty="0">
+                <a:solidFill>
+                  <a:srgbClr val="FF4B31"/>
+                </a:solidFill>
+                <a:latin typeface="Andale Mono"/>
+                <a:cs typeface="Andale Mono"/>
+              </a:rPr>
+              <a:t>&lt;-</a:t>
+            </a:r>
+            <a:r>
+              <a:rPr lang="en-AU" sz="1600" i="1" dirty="0">
+                <a:solidFill>
+                  <a:srgbClr val="213E3E"/>
+                </a:solidFill>
+                <a:latin typeface="Andale Mono"/>
+                <a:cs typeface="Andale Mono"/>
+              </a:rPr>
+              <a:t> </a:t>
+            </a:r>
+            <a:r>
+              <a:rPr lang="en-AU" sz="1600" i="1" dirty="0" err="1">
+                <a:solidFill>
+                  <a:srgbClr val="213E3E"/>
+                </a:solidFill>
+                <a:latin typeface="Andale Mono"/>
+                <a:cs typeface="Andale Mono"/>
+              </a:rPr>
+              <a:t>runDB</a:t>
+            </a:r>
+            <a:r>
+              <a:rPr lang="en-AU" sz="1600" i="1" dirty="0">
+                <a:solidFill>
+                  <a:srgbClr val="213E3E"/>
+                </a:solidFill>
+                <a:latin typeface="Andale Mono"/>
+                <a:cs typeface="Andale Mono"/>
+              </a:rPr>
+              <a:t> </a:t>
+            </a:r>
+            <a:r>
+              <a:rPr lang="en-AU" sz="1600" i="1" dirty="0">
+                <a:solidFill>
+                  <a:srgbClr val="FF4B31"/>
+                </a:solidFill>
+                <a:latin typeface="Andale Mono"/>
+                <a:cs typeface="Andale Mono"/>
+              </a:rPr>
+              <a:t>$</a:t>
+            </a:r>
+            <a:r>
+              <a:rPr lang="en-AU" sz="1600" i="1" dirty="0">
+                <a:solidFill>
+                  <a:srgbClr val="213E3E"/>
+                </a:solidFill>
+                <a:latin typeface="Andale Mono"/>
+                <a:cs typeface="Andale Mono"/>
+              </a:rPr>
+              <a:t> </a:t>
+            </a:r>
+            <a:r>
+              <a:rPr lang="en-AU" sz="1600" i="1" dirty="0" err="1">
+                <a:solidFill>
+                  <a:srgbClr val="213E3E"/>
+                </a:solidFill>
+                <a:latin typeface="Andale Mono"/>
+                <a:cs typeface="Andale Mono"/>
+              </a:rPr>
+              <a:t>selectList</a:t>
+            </a:r>
+            <a:r>
+              <a:rPr lang="en-AU" sz="1600" i="1" dirty="0">
+                <a:solidFill>
+                  <a:srgbClr val="213E3E"/>
+                </a:solidFill>
+                <a:latin typeface="Andale Mono"/>
+                <a:cs typeface="Andale Mono"/>
+              </a:rPr>
+              <a:t> </a:t>
+            </a:r>
+            <a:r>
+              <a:rPr lang="en-AU" sz="1600" i="1" dirty="0">
+                <a:solidFill>
+                  <a:srgbClr val="D79310"/>
+                </a:solidFill>
+                <a:latin typeface="Andale Mono"/>
+                <a:cs typeface="Andale Mono"/>
+              </a:rPr>
+              <a:t>[]</a:t>
+            </a:r>
+            <a:r>
+              <a:rPr lang="en-AU" sz="1600" i="1" dirty="0">
+                <a:solidFill>
+                  <a:srgbClr val="213E3E"/>
+                </a:solidFill>
+                <a:latin typeface="Andale Mono"/>
+                <a:cs typeface="Andale Mono"/>
+              </a:rPr>
+              <a:t> [</a:t>
+            </a:r>
+            <a:r>
+              <a:rPr lang="en-AU" sz="1600" i="1" dirty="0" err="1">
+                <a:solidFill>
+                  <a:srgbClr val="D79310"/>
+                </a:solidFill>
+                <a:latin typeface="Andale Mono"/>
+                <a:cs typeface="Andale Mono"/>
+              </a:rPr>
+              <a:t>Asc</a:t>
+            </a:r>
+            <a:r>
+              <a:rPr lang="en-AU" sz="1600" i="1" dirty="0">
+                <a:solidFill>
+                  <a:srgbClr val="213E3E"/>
+                </a:solidFill>
+                <a:latin typeface="Andale Mono"/>
+                <a:cs typeface="Andale Mono"/>
+              </a:rPr>
+              <a:t> </a:t>
+            </a:r>
+            <a:r>
+              <a:rPr lang="en-AU" sz="1600" i="1" dirty="0" err="1">
+                <a:solidFill>
+                  <a:srgbClr val="D79310"/>
+                </a:solidFill>
+                <a:latin typeface="Andale Mono"/>
+                <a:cs typeface="Andale Mono"/>
+              </a:rPr>
+              <a:t>NoteTitle</a:t>
+            </a:r>
+            <a:r>
+              <a:rPr lang="en-AU" sz="1600" i="1" dirty="0">
+                <a:solidFill>
+                  <a:srgbClr val="213E3E"/>
+                </a:solidFill>
+                <a:latin typeface="Andale Mono"/>
+                <a:cs typeface="Andale Mono"/>
+              </a:rPr>
+              <a:t>]</a:t>
             </a:r>
           </a:p>
           <a:p>
@@ -21375,27 +21489,204 @@
               <a:buNone/>
             </a:pPr>
             <a:r>
-              <a:rPr lang="en-AU" sz="3200" dirty="0">
+              <a:rPr lang="en-AU" sz="1600" i="1" dirty="0">
+                <a:solidFill>
+                  <a:srgbClr val="213E3E"/>
+                </a:solidFill>
                 <a:latin typeface="Andale Mono"/>
                 <a:cs typeface="Andale Mono"/>
               </a:rPr>
-              <a:t>          </a:t>
-            </a:r>
-            <a:r>
-              <a:rPr lang="en-AU" sz="3200" dirty="0" err="1">
+              <a:t>  </a:t>
+            </a:r>
+            <a:r>
+              <a:rPr lang="en-AU" sz="1600" i="1" dirty="0" err="1">
+                <a:solidFill>
+                  <a:srgbClr val="213E3E"/>
+                </a:solidFill>
                 <a:latin typeface="Andale Mono"/>
                 <a:cs typeface="Andale Mono"/>
               </a:rPr>
-              <a:t>toWidget</a:t>
-            </a:r>
-            <a:r>
-              <a:rPr lang="en-AU" sz="3200" dirty="0">
+              <a:t>defaultLayout</a:t>
+            </a:r>
+            <a:r>
+              <a:rPr lang="en-AU" sz="1600" i="1" dirty="0">
+                <a:solidFill>
+                  <a:srgbClr val="213E3E"/>
+                </a:solidFill>
                 <a:latin typeface="Andale Mono"/>
                 <a:cs typeface="Andale Mono"/>
               </a:rPr>
-              <a:t> $ </a:t>
-            </a:r>
-            <a:endParaRPr lang="en-AU" sz="3200" dirty="0" smtClean="0">
+              <a:t> </a:t>
+            </a:r>
+            <a:r>
+              <a:rPr lang="en-AU" sz="1600" i="1" dirty="0">
+                <a:solidFill>
+                  <a:srgbClr val="FF4B31"/>
+                </a:solidFill>
+                <a:latin typeface="Andale Mono"/>
+                <a:cs typeface="Andale Mono"/>
+              </a:rPr>
+              <a:t>$</a:t>
+            </a:r>
+            <a:r>
+              <a:rPr lang="en-AU" sz="1600" i="1" dirty="0">
+                <a:solidFill>
+                  <a:srgbClr val="213E3E"/>
+                </a:solidFill>
+                <a:latin typeface="Andale Mono"/>
+                <a:cs typeface="Andale Mono"/>
+              </a:rPr>
+              <a:t> </a:t>
+            </a:r>
+            <a:r>
+              <a:rPr lang="en-AU" sz="1600" i="1" dirty="0">
+                <a:solidFill>
+                  <a:srgbClr val="007EFF"/>
+                </a:solidFill>
+                <a:latin typeface="Andale Mono"/>
+                <a:cs typeface="Andale Mono"/>
+              </a:rPr>
+              <a:t>do</a:t>
+            </a:r>
+            <a:r>
+              <a:rPr lang="en-AU" sz="1600" i="1" dirty="0">
+                <a:solidFill>
+                  <a:srgbClr val="213E3E"/>
+                </a:solidFill>
+                <a:latin typeface="Andale Mono"/>
+                <a:cs typeface="Andale Mono"/>
+              </a:rPr>
+              <a:t> </a:t>
+            </a:r>
+          </a:p>
+          <a:p>
+            <a:pPr marL="0" indent="0">
+              <a:buNone/>
+            </a:pPr>
+            <a:r>
+              <a:rPr lang="en-AU" sz="1800" dirty="0">
+                <a:solidFill>
+                  <a:srgbClr val="213E3E"/>
+                </a:solidFill>
+                <a:latin typeface="Andale Mono"/>
+                <a:cs typeface="Andale Mono"/>
+              </a:rPr>
+              <a:t>    </a:t>
+            </a:r>
+            <a:r>
+              <a:rPr lang="en-AU" sz="1800" dirty="0" err="1">
+                <a:solidFill>
+                  <a:srgbClr val="213E3E"/>
+                </a:solidFill>
+                <a:latin typeface="Andale Mono"/>
+                <a:cs typeface="Andale Mono"/>
+              </a:rPr>
+              <a:t>toWidget</a:t>
+            </a:r>
+            <a:r>
+              <a:rPr lang="en-AU" sz="1800" dirty="0">
+                <a:solidFill>
+                  <a:srgbClr val="213E3E"/>
+                </a:solidFill>
+                <a:latin typeface="Andale Mono"/>
+                <a:cs typeface="Andale Mono"/>
+              </a:rPr>
+              <a:t> </a:t>
+            </a:r>
+            <a:r>
+              <a:rPr lang="en-AU" sz="1800" dirty="0">
+                <a:solidFill>
+                  <a:srgbClr val="FF4B31"/>
+                </a:solidFill>
+                <a:latin typeface="Andale Mono"/>
+                <a:cs typeface="Andale Mono"/>
+              </a:rPr>
+              <a:t>$</a:t>
+            </a:r>
+            <a:r>
+              <a:rPr lang="en-AU" sz="1800" dirty="0">
+                <a:solidFill>
+                  <a:srgbClr val="213E3E"/>
+                </a:solidFill>
+                <a:latin typeface="Andale Mono"/>
+                <a:cs typeface="Andale Mono"/>
+              </a:rPr>
+              <a:t> ( </a:t>
+            </a:r>
+            <a:r>
+              <a:rPr lang="en-AU" sz="1800" dirty="0" err="1">
+                <a:solidFill>
+                  <a:srgbClr val="213E3E"/>
+                </a:solidFill>
+                <a:latin typeface="Andale Mono"/>
+                <a:cs typeface="Andale Mono"/>
+              </a:rPr>
+              <a:t>preEscapedText</a:t>
+            </a:r>
+            <a:r>
+              <a:rPr lang="en-AU" sz="1800" dirty="0">
+                <a:solidFill>
+                  <a:srgbClr val="213E3E"/>
+                </a:solidFill>
+                <a:latin typeface="Andale Mono"/>
+                <a:cs typeface="Andale Mono"/>
+              </a:rPr>
+              <a:t> </a:t>
+            </a:r>
+            <a:r>
+              <a:rPr lang="en-AU" sz="1800" dirty="0">
+                <a:solidFill>
+                  <a:srgbClr val="FF4B31"/>
+                </a:solidFill>
+                <a:latin typeface="Andale Mono"/>
+                <a:cs typeface="Andale Mono"/>
+              </a:rPr>
+              <a:t>.</a:t>
+            </a:r>
+            <a:r>
+              <a:rPr lang="en-AU" sz="1800" dirty="0">
+                <a:solidFill>
+                  <a:srgbClr val="213E3E"/>
+                </a:solidFill>
+                <a:latin typeface="Andale Mono"/>
+                <a:cs typeface="Andale Mono"/>
+              </a:rPr>
+              <a:t> pack) </a:t>
+            </a:r>
+            <a:r>
+              <a:rPr lang="en-AU" sz="1800" dirty="0">
+                <a:solidFill>
+                  <a:srgbClr val="8100CA"/>
+                </a:solidFill>
+                <a:latin typeface="Andale Mono"/>
+                <a:cs typeface="Andale Mono"/>
+              </a:rPr>
+              <a:t>"&lt;h1&gt;Notes&lt;/h1&gt;&lt;</a:t>
+            </a:r>
+            <a:r>
+              <a:rPr lang="en-AU" sz="1800" dirty="0" err="1">
+                <a:solidFill>
+                  <a:srgbClr val="8100CA"/>
+                </a:solidFill>
+                <a:latin typeface="Andale Mono"/>
+                <a:cs typeface="Andale Mono"/>
+              </a:rPr>
+              <a:t>ul</a:t>
+            </a:r>
+            <a:r>
+              <a:rPr lang="en-AU" sz="1800" dirty="0">
+                <a:solidFill>
+                  <a:srgbClr val="8100CA"/>
+                </a:solidFill>
+                <a:latin typeface="Andale Mono"/>
+                <a:cs typeface="Andale Mono"/>
+              </a:rPr>
+              <a:t>&gt;"</a:t>
+            </a:r>
+            <a:endParaRPr lang="en-AU" sz="1800" dirty="0">
+              <a:solidFill>
+                <a:srgbClr val="213E3E"/>
+              </a:solidFill>
               <a:latin typeface="Andale Mono"/>
               <a:cs typeface="Andale Mono"/>
             </a:endParaRPr>
@@ -21405,46 +21696,54 @@
               <a:buNone/>
             </a:pPr>
             <a:r>
-              <a:rPr lang="en-AU" sz="3200" dirty="0">
+              <a:rPr lang="en-AU" sz="1800" dirty="0">
+                <a:solidFill>
+                  <a:srgbClr val="213E3E"/>
+                </a:solidFill>
                 <a:latin typeface="Andale Mono"/>
                 <a:cs typeface="Andale Mono"/>
               </a:rPr>
-              <a:t> </a:t>
-            </a:r>
-            <a:r>
-              <a:rPr lang="en-AU" sz="3200" dirty="0" smtClean="0">
+              <a:t>    </a:t>
+            </a:r>
+            <a:r>
+              <a:rPr lang="en-AU" sz="1800" dirty="0" err="1">
+                <a:solidFill>
+                  <a:srgbClr val="D79310"/>
+                </a:solidFill>
                 <a:latin typeface="Andale Mono"/>
                 <a:cs typeface="Andale Mono"/>
               </a:rPr>
-              <a:t>           (</a:t>
-            </a:r>
-            <a:r>
-              <a:rPr lang="en-AU" sz="3200" dirty="0" err="1">
+              <a:t>Data.Foldable</a:t>
+            </a:r>
+            <a:r>
+              <a:rPr lang="en-AU" sz="1800" dirty="0" err="1">
+                <a:solidFill>
+                  <a:srgbClr val="FF4B31"/>
+                </a:solidFill>
                 <a:latin typeface="Andale Mono"/>
                 <a:cs typeface="Andale Mono"/>
               </a:rPr>
-              <a:t>preEscapedText</a:t>
-            </a:r>
-            <a:r>
-              <a:rPr lang="en-AU" sz="3200" dirty="0">
+              <a:t>.</a:t>
+            </a:r>
+            <a:r>
+              <a:rPr lang="en-AU" sz="1800" dirty="0" err="1">
+                <a:solidFill>
+                  <a:srgbClr val="213E3E"/>
+                </a:solidFill>
                 <a:latin typeface="Andale Mono"/>
                 <a:cs typeface="Andale Mono"/>
               </a:rPr>
-              <a:t> . pack) "&lt;li&gt;&lt;a </a:t>
-            </a:r>
-            <a:r>
-              <a:rPr lang="en-AU" sz="3200" dirty="0" err="1">
+              <a:t>mapM</a:t>
+            </a:r>
+            <a:r>
+              <a:rPr lang="en-AU" sz="1800" dirty="0">
+                <a:solidFill>
+                  <a:srgbClr val="213E3E"/>
+                </a:solidFill>
                 <a:latin typeface="Andale Mono"/>
                 <a:cs typeface="Andale Mono"/>
               </a:rPr>
-              <a:t>href</a:t>
-            </a:r>
-            <a:r>
-              <a:rPr lang="en-AU" sz="3200" dirty="0">
-                <a:latin typeface="Andale Mono"/>
-                <a:cs typeface="Andale Mono"/>
-              </a:rPr>
-              <a:t>=\""</a:t>
+              <a:t>_</a:t>
             </a:r>
           </a:p>
           <a:p>
@@ -21452,25 +21751,94 @@
               <a:buNone/>
             </a:pPr>
             <a:r>
-              <a:rPr lang="en-AU" sz="3200" dirty="0">
+              <a:rPr lang="en-US" sz="1800" dirty="0">
+                <a:solidFill>
+                  <a:srgbClr val="213E3E"/>
+                </a:solidFill>
                 <a:latin typeface="Andale Mono"/>
                 <a:cs typeface="Andale Mono"/>
               </a:rPr>
-              <a:t>          ((lift </a:t>
-            </a:r>
-            <a:r>
-              <a:rPr lang="en-AU" sz="3200" dirty="0" err="1">
+              <a:t>      (</a:t>
+            </a:r>
+            <a:r>
+              <a:rPr lang="en-US" sz="1800" dirty="0">
+                <a:solidFill>
+                  <a:srgbClr val="FF4B31"/>
+                </a:solidFill>
                 <a:latin typeface="Andale Mono"/>
                 <a:cs typeface="Andale Mono"/>
               </a:rPr>
-              <a:t>getUrlRenderParams</a:t>
-            </a:r>
-            <a:r>
-              <a:rPr lang="en-AU" sz="3200" dirty="0">
+              <a:t>\</a:t>
+            </a:r>
+            <a:r>
+              <a:rPr lang="en-US" sz="1800" dirty="0">
+                <a:solidFill>
+                  <a:srgbClr val="213E3E"/>
+                </a:solidFill>
                 <a:latin typeface="Andale Mono"/>
                 <a:cs typeface="Andale Mono"/>
               </a:rPr>
-              <a:t>)</a:t>
+              <a:t> (</a:t>
+            </a:r>
+            <a:r>
+              <a:rPr lang="en-US" sz="1800" dirty="0">
+                <a:solidFill>
+                  <a:srgbClr val="D79310"/>
+                </a:solidFill>
+                <a:latin typeface="Andale Mono"/>
+                <a:cs typeface="Andale Mono"/>
+              </a:rPr>
+              <a:t>Entity</a:t>
+            </a:r>
+            <a:r>
+              <a:rPr lang="en-US" sz="1800" dirty="0">
+                <a:solidFill>
+                  <a:srgbClr val="213E3E"/>
+                </a:solidFill>
+                <a:latin typeface="Andale Mono"/>
+                <a:cs typeface="Andale Mono"/>
+              </a:rPr>
+              <a:t> id note ) </a:t>
+            </a:r>
+            <a:r>
+              <a:rPr lang="en-US" sz="1800" dirty="0">
+                <a:solidFill>
+                  <a:srgbClr val="FF4B31"/>
+                </a:solidFill>
+                <a:latin typeface="Andale Mono"/>
+                <a:cs typeface="Andale Mono"/>
+              </a:rPr>
+              <a:t>-&gt;</a:t>
+            </a:r>
+            <a:r>
+              <a:rPr lang="en-US" sz="1800" dirty="0">
+                <a:solidFill>
+                  <a:srgbClr val="213E3E"/>
+                </a:solidFill>
+                <a:latin typeface="Andale Mono"/>
+                <a:cs typeface="Andale Mono"/>
+              </a:rPr>
+              <a:t> </a:t>
+            </a:r>
+            <a:r>
+              <a:rPr lang="en-US" sz="1800" dirty="0">
+                <a:solidFill>
+                  <a:srgbClr val="007EFF"/>
+                </a:solidFill>
+                <a:latin typeface="Andale Mono"/>
+                <a:cs typeface="Andale Mono"/>
+              </a:rPr>
+              <a:t>do</a:t>
+            </a:r>
+            <a:r>
+              <a:rPr lang="en-US" sz="1800" dirty="0">
+                <a:solidFill>
+                  <a:srgbClr val="213E3E"/>
+                </a:solidFill>
+                <a:latin typeface="Andale Mono"/>
+                <a:cs typeface="Andale Mono"/>
+              </a:rPr>
+              <a:t> </a:t>
             </a:r>
           </a:p>
           <a:p>
@@ -21478,65 +21846,538 @@
               <a:buNone/>
             </a:pPr>
             <a:r>
-              <a:rPr lang="en-AU" sz="3200" dirty="0">
+              <a:rPr lang="en-US" sz="1800" dirty="0">
+                <a:solidFill>
+                  <a:srgbClr val="213E3E"/>
+                </a:solidFill>
                 <a:latin typeface="Andale Mono"/>
                 <a:cs typeface="Andale Mono"/>
               </a:rPr>
-              <a:t>           &gt;&gt;=</a:t>
-            </a:r>
+              <a:t>          </a:t>
+            </a:r>
+            <a:r>
+              <a:rPr lang="en-US" sz="1800" dirty="0" err="1">
+                <a:solidFill>
+                  <a:srgbClr val="213E3E"/>
+                </a:solidFill>
+                <a:latin typeface="Andale Mono"/>
+                <a:cs typeface="Andale Mono"/>
+              </a:rPr>
+              <a:t>toWidget</a:t>
+            </a:r>
+            <a:r>
+              <a:rPr lang="en-US" sz="1800" dirty="0">
+                <a:solidFill>
+                  <a:srgbClr val="213E3E"/>
+                </a:solidFill>
+                <a:latin typeface="Andale Mono"/>
+                <a:cs typeface="Andale Mono"/>
+              </a:rPr>
+              <a:t> </a:t>
+            </a:r>
+            <a:r>
+              <a:rPr lang="en-US" sz="1800" dirty="0">
+                <a:solidFill>
+                  <a:srgbClr val="FF4B31"/>
+                </a:solidFill>
+                <a:latin typeface="Andale Mono"/>
+                <a:cs typeface="Andale Mono"/>
+              </a:rPr>
+              <a:t>$</a:t>
+            </a:r>
+            <a:r>
+              <a:rPr lang="en-US" sz="1800" dirty="0">
+                <a:solidFill>
+                  <a:srgbClr val="213E3E"/>
+                </a:solidFill>
+                <a:latin typeface="Andale Mono"/>
+                <a:cs typeface="Andale Mono"/>
+              </a:rPr>
+              <a:t> (</a:t>
+            </a:r>
+            <a:r>
+              <a:rPr lang="en-US" sz="1800" dirty="0" err="1">
+                <a:solidFill>
+                  <a:srgbClr val="213E3E"/>
+                </a:solidFill>
+                <a:latin typeface="Andale Mono"/>
+                <a:cs typeface="Andale Mono"/>
+              </a:rPr>
+              <a:t>preEscapedText</a:t>
+            </a:r>
+            <a:r>
+              <a:rPr lang="en-US" sz="1800" dirty="0">
+                <a:solidFill>
+                  <a:srgbClr val="213E3E"/>
+                </a:solidFill>
+                <a:latin typeface="Andale Mono"/>
+                <a:cs typeface="Andale Mono"/>
+              </a:rPr>
+              <a:t> </a:t>
+            </a:r>
+            <a:r>
+              <a:rPr lang="en-US" sz="1800" dirty="0">
+                <a:solidFill>
+                  <a:srgbClr val="FF4B31"/>
+                </a:solidFill>
+                <a:latin typeface="Andale Mono"/>
+                <a:cs typeface="Andale Mono"/>
+              </a:rPr>
+              <a:t>.</a:t>
+            </a:r>
+            <a:r>
+              <a:rPr lang="en-US" sz="1800" dirty="0">
+                <a:solidFill>
+                  <a:srgbClr val="213E3E"/>
+                </a:solidFill>
+                <a:latin typeface="Andale Mono"/>
+                <a:cs typeface="Andale Mono"/>
+              </a:rPr>
+              <a:t> pack) </a:t>
+            </a:r>
+            <a:r>
+              <a:rPr lang="en-US" sz="1800" dirty="0">
+                <a:solidFill>
+                  <a:srgbClr val="8100CA"/>
+                </a:solidFill>
+                <a:latin typeface="Andale Mono"/>
+                <a:cs typeface="Andale Mono"/>
+              </a:rPr>
+              <a:t>"&lt;li&gt;&lt;a </a:t>
+            </a:r>
+            <a:r>
+              <a:rPr lang="en-US" sz="1800" dirty="0" err="1">
+                <a:solidFill>
+                  <a:srgbClr val="8100CA"/>
+                </a:solidFill>
+                <a:latin typeface="Andale Mono"/>
+                <a:cs typeface="Andale Mono"/>
+              </a:rPr>
+              <a:t>href</a:t>
+            </a:r>
+            <a:r>
+              <a:rPr lang="en-US" sz="1800" dirty="0">
+                <a:solidFill>
+                  <a:srgbClr val="8100CA"/>
+                </a:solidFill>
+                <a:latin typeface="Andale Mono"/>
+                <a:cs typeface="Andale Mono"/>
+              </a:rPr>
+              <a:t>=\""</a:t>
+            </a:r>
+            <a:endParaRPr lang="en-US" sz="1800" dirty="0">
+              <a:solidFill>
+                <a:srgbClr val="213E3E"/>
+              </a:solidFill>
+              <a:latin typeface="Andale Mono"/>
+              <a:cs typeface="Andale Mono"/>
+            </a:endParaRPr>
           </a:p>
           <a:p>
             <a:pPr marL="0" indent="0">
               <a:buNone/>
             </a:pPr>
             <a:r>
-              <a:rPr lang="en-AU" sz="3200" dirty="0">
+              <a:rPr lang="en-US" sz="1800" dirty="0">
+                <a:solidFill>
+                  <a:srgbClr val="213E3E"/>
+                </a:solidFill>
                 <a:latin typeface="Andale Mono"/>
                 <a:cs typeface="Andale Mono"/>
               </a:rPr>
-              <a:t>           (\ </a:t>
-            </a:r>
-            <a:r>
-              <a:rPr lang="en-AU" sz="3200" dirty="0" err="1">
+              <a:t>          ((lift </a:t>
+            </a:r>
+            <a:r>
+              <a:rPr lang="en-US" sz="1800" dirty="0" err="1">
+                <a:solidFill>
+                  <a:srgbClr val="213E3E"/>
+                </a:solidFill>
                 <a:latin typeface="Andale Mono"/>
                 <a:cs typeface="Andale Mono"/>
               </a:rPr>
-              <a:t>urender</a:t>
-            </a:r>
-            <a:r>
-              <a:rPr lang="en-AU" sz="3200" dirty="0">
+              <a:t>getUrlRenderParams</a:t>
+            </a:r>
+            <a:r>
+              <a:rPr lang="en-US" sz="1800" dirty="0" smtClean="0">
+                <a:solidFill>
+                  <a:srgbClr val="213E3E"/>
+                </a:solidFill>
                 <a:latin typeface="Andale Mono"/>
                 <a:cs typeface="Andale Mono"/>
               </a:rPr>
-              <a:t> -&gt; </a:t>
-            </a:r>
+              <a:t>) </a:t>
+            </a:r>
+            <a:r>
+              <a:rPr lang="en-US" sz="1800" dirty="0" smtClean="0">
+                <a:solidFill>
+                  <a:srgbClr val="FF4B31"/>
+                </a:solidFill>
+                <a:latin typeface="Andale Mono"/>
+                <a:cs typeface="Andale Mono"/>
+              </a:rPr>
+              <a:t>&gt;</a:t>
+            </a:r>
+            <a:r>
+              <a:rPr lang="en-US" sz="1800" dirty="0">
+                <a:solidFill>
+                  <a:srgbClr val="FF4B31"/>
+                </a:solidFill>
+                <a:latin typeface="Andale Mono"/>
+                <a:cs typeface="Andale Mono"/>
+              </a:rPr>
+              <a:t>&gt;</a:t>
+            </a:r>
+            <a:r>
+              <a:rPr lang="en-US" sz="1800" dirty="0" smtClean="0">
+                <a:solidFill>
+                  <a:srgbClr val="FF4B31"/>
+                </a:solidFill>
+                <a:latin typeface="Andale Mono"/>
+                <a:cs typeface="Andale Mono"/>
+              </a:rPr>
+              <a:t>= </a:t>
+            </a:r>
+            <a:r>
+              <a:rPr lang="de-DE" sz="1800" dirty="0" smtClean="0">
+                <a:solidFill>
+                  <a:srgbClr val="213E3E"/>
+                </a:solidFill>
+                <a:latin typeface="Andale Mono"/>
+                <a:cs typeface="Andale Mono"/>
+              </a:rPr>
+              <a:t>(</a:t>
+            </a:r>
+            <a:r>
+              <a:rPr lang="de-DE" sz="1800" dirty="0">
+                <a:solidFill>
+                  <a:srgbClr val="FF4B31"/>
+                </a:solidFill>
+                <a:latin typeface="Andale Mono"/>
+                <a:cs typeface="Andale Mono"/>
+              </a:rPr>
+              <a:t>\</a:t>
+            </a:r>
+            <a:r>
+              <a:rPr lang="de-DE" sz="1800" dirty="0">
+                <a:solidFill>
+                  <a:srgbClr val="213E3E"/>
+                </a:solidFill>
+                <a:latin typeface="Andale Mono"/>
+                <a:cs typeface="Andale Mono"/>
+              </a:rPr>
+              <a:t> </a:t>
+            </a:r>
+            <a:r>
+              <a:rPr lang="de-DE" sz="1800" dirty="0" err="1">
+                <a:solidFill>
+                  <a:srgbClr val="213E3E"/>
+                </a:solidFill>
+                <a:latin typeface="Andale Mono"/>
+                <a:cs typeface="Andale Mono"/>
+              </a:rPr>
+              <a:t>urender</a:t>
+            </a:r>
+            <a:r>
+              <a:rPr lang="de-DE" sz="1800" dirty="0">
+                <a:solidFill>
+                  <a:srgbClr val="213E3E"/>
+                </a:solidFill>
+                <a:latin typeface="Andale Mono"/>
+                <a:cs typeface="Andale Mono"/>
+              </a:rPr>
+              <a:t> </a:t>
+            </a:r>
+            <a:r>
+              <a:rPr lang="de-DE" sz="1800" dirty="0">
+                <a:solidFill>
+                  <a:srgbClr val="FF4B31"/>
+                </a:solidFill>
+                <a:latin typeface="Andale Mono"/>
+                <a:cs typeface="Andale Mono"/>
+              </a:rPr>
+              <a:t>-&gt;</a:t>
+            </a:r>
+            <a:r>
+              <a:rPr lang="de-DE" sz="1800" dirty="0">
+                <a:solidFill>
+                  <a:srgbClr val="213E3E"/>
+                </a:solidFill>
+                <a:latin typeface="Andale Mono"/>
+                <a:cs typeface="Andale Mono"/>
+              </a:rPr>
+              <a:t> </a:t>
+            </a:r>
+            <a:endParaRPr lang="de-DE" sz="1800" dirty="0" smtClean="0">
+              <a:solidFill>
+                <a:srgbClr val="213E3E"/>
+              </a:solidFill>
+              <a:latin typeface="Andale Mono"/>
+              <a:cs typeface="Andale Mono"/>
+            </a:endParaRPr>
           </a:p>
           <a:p>
             <a:pPr marL="0" indent="0">
               <a:buNone/>
             </a:pPr>
             <a:r>
-              <a:rPr lang="en-AU" sz="3200" dirty="0">
+              <a:rPr lang="de-DE" sz="1800" dirty="0">
+                <a:solidFill>
+                  <a:srgbClr val="213E3E"/>
+                </a:solidFill>
                 <a:latin typeface="Andale Mono"/>
                 <a:cs typeface="Andale Mono"/>
               </a:rPr>
-              <a:t>             </a:t>
-            </a:r>
-            <a:r>
-              <a:rPr lang="en-AU" sz="3200" dirty="0" err="1">
+              <a:t> </a:t>
+            </a:r>
+            <a:r>
+              <a:rPr lang="de-DE" sz="1800" dirty="0" smtClean="0">
+                <a:solidFill>
+                  <a:srgbClr val="213E3E"/>
+                </a:solidFill>
                 <a:latin typeface="Andale Mono"/>
                 <a:cs typeface="Andale Mono"/>
               </a:rPr>
-              <a:t>toWidget</a:t>
-            </a:r>
-            <a:r>
-              <a:rPr lang="en-AU" sz="3200" dirty="0">
+              <a:t>           </a:t>
+            </a:r>
+            <a:r>
+              <a:rPr lang="de-DE" sz="1800" dirty="0" err="1" smtClean="0">
+                <a:solidFill>
+                  <a:srgbClr val="213E3E"/>
+                </a:solidFill>
                 <a:latin typeface="Andale Mono"/>
                 <a:cs typeface="Andale Mono"/>
               </a:rPr>
-              <a:t> </a:t>
-            </a:r>
-            <a:endParaRPr lang="en-AU" sz="3200" dirty="0" smtClean="0">
+              <a:t>toWidget</a:t>
+            </a:r>
+            <a:r>
+              <a:rPr lang="de-DE" sz="1800" dirty="0" smtClean="0">
+                <a:solidFill>
+                  <a:srgbClr val="213E3E"/>
+                </a:solidFill>
+                <a:latin typeface="Andale Mono"/>
+                <a:cs typeface="Andale Mono"/>
+              </a:rPr>
+              <a:t> (</a:t>
+            </a:r>
+            <a:r>
+              <a:rPr lang="de-DE" sz="1800" dirty="0" err="1" smtClean="0">
+                <a:solidFill>
+                  <a:srgbClr val="213E3E"/>
+                </a:solidFill>
+                <a:latin typeface="Andale Mono"/>
+                <a:cs typeface="Andale Mono"/>
+              </a:rPr>
+              <a:t>toHtml</a:t>
+            </a:r>
+            <a:r>
+              <a:rPr lang="de-DE" sz="1800" dirty="0" smtClean="0">
+                <a:solidFill>
+                  <a:srgbClr val="213E3E"/>
+                </a:solidFill>
+                <a:latin typeface="Andale Mono"/>
+                <a:cs typeface="Andale Mono"/>
+              </a:rPr>
+              <a:t> </a:t>
+            </a:r>
+            <a:r>
+              <a:rPr lang="de-DE" sz="1800" dirty="0">
+                <a:solidFill>
+                  <a:srgbClr val="213E3E"/>
+                </a:solidFill>
+                <a:latin typeface="Andale Mono"/>
+                <a:cs typeface="Andale Mono"/>
+              </a:rPr>
+              <a:t>(</a:t>
+            </a:r>
+            <a:r>
+              <a:rPr lang="de-DE" sz="1800" dirty="0" err="1">
+                <a:solidFill>
+                  <a:srgbClr val="213E3E"/>
+                </a:solidFill>
+                <a:latin typeface="Andale Mono"/>
+                <a:cs typeface="Andale Mono"/>
+              </a:rPr>
+              <a:t>urender</a:t>
+            </a:r>
+            <a:r>
+              <a:rPr lang="de-DE" sz="1800" dirty="0">
+                <a:solidFill>
+                  <a:srgbClr val="213E3E"/>
+                </a:solidFill>
+                <a:latin typeface="Andale Mono"/>
+                <a:cs typeface="Andale Mono"/>
+              </a:rPr>
+              <a:t> (</a:t>
+            </a:r>
+            <a:r>
+              <a:rPr lang="de-DE" sz="1800" dirty="0" err="1">
+                <a:solidFill>
+                  <a:srgbClr val="D79310"/>
+                </a:solidFill>
+                <a:latin typeface="Andale Mono"/>
+                <a:cs typeface="Andale Mono"/>
+              </a:rPr>
+              <a:t>NoteR</a:t>
+            </a:r>
+            <a:r>
+              <a:rPr lang="de-DE" sz="1800" dirty="0">
+                <a:solidFill>
+                  <a:srgbClr val="213E3E"/>
+                </a:solidFill>
+                <a:latin typeface="Andale Mono"/>
+                <a:cs typeface="Andale Mono"/>
+              </a:rPr>
+              <a:t> </a:t>
+            </a:r>
+            <a:r>
+              <a:rPr lang="de-DE" sz="1800" dirty="0" err="1">
+                <a:solidFill>
+                  <a:srgbClr val="213E3E"/>
+                </a:solidFill>
+                <a:latin typeface="Andale Mono"/>
+                <a:cs typeface="Andale Mono"/>
+              </a:rPr>
+              <a:t>id</a:t>
+            </a:r>
+            <a:r>
+              <a:rPr lang="de-DE" sz="1800" dirty="0">
+                <a:solidFill>
+                  <a:srgbClr val="213E3E"/>
+                </a:solidFill>
+                <a:latin typeface="Andale Mono"/>
+                <a:cs typeface="Andale Mono"/>
+              </a:rPr>
+              <a:t>) </a:t>
+            </a:r>
+            <a:r>
+              <a:rPr lang="de-DE" sz="1800" dirty="0">
+                <a:solidFill>
+                  <a:srgbClr val="D79310"/>
+                </a:solidFill>
+                <a:latin typeface="Andale Mono"/>
+                <a:cs typeface="Andale Mono"/>
+              </a:rPr>
+              <a:t>[]</a:t>
+            </a:r>
+            <a:r>
+              <a:rPr lang="de-DE" sz="1800" dirty="0">
+                <a:solidFill>
+                  <a:srgbClr val="213E3E"/>
+                </a:solidFill>
+                <a:latin typeface="Andale Mono"/>
+                <a:cs typeface="Andale Mono"/>
+              </a:rPr>
+              <a:t> ))))</a:t>
+            </a:r>
+          </a:p>
+          <a:p>
+            <a:pPr marL="0" indent="0">
+              <a:buNone/>
+            </a:pPr>
+            <a:r>
+              <a:rPr lang="de-DE" sz="1800" dirty="0">
+                <a:solidFill>
+                  <a:srgbClr val="213E3E"/>
+                </a:solidFill>
+                <a:latin typeface="Andale Mono"/>
+                <a:cs typeface="Andale Mono"/>
+              </a:rPr>
+              <a:t>          </a:t>
+            </a:r>
+            <a:r>
+              <a:rPr lang="de-DE" sz="1800" dirty="0" err="1">
+                <a:solidFill>
+                  <a:srgbClr val="213E3E"/>
+                </a:solidFill>
+                <a:latin typeface="Andale Mono"/>
+                <a:cs typeface="Andale Mono"/>
+              </a:rPr>
+              <a:t>toWidget</a:t>
+            </a:r>
+            <a:r>
+              <a:rPr lang="de-DE" sz="1800" dirty="0">
+                <a:solidFill>
+                  <a:srgbClr val="213E3E"/>
+                </a:solidFill>
+                <a:latin typeface="Andale Mono"/>
+                <a:cs typeface="Andale Mono"/>
+              </a:rPr>
+              <a:t> </a:t>
+            </a:r>
+            <a:r>
+              <a:rPr lang="de-DE" sz="1800" dirty="0">
+                <a:solidFill>
+                  <a:srgbClr val="FF4B31"/>
+                </a:solidFill>
+                <a:latin typeface="Andale Mono"/>
+                <a:cs typeface="Andale Mono"/>
+              </a:rPr>
+              <a:t>$</a:t>
+            </a:r>
+            <a:r>
+              <a:rPr lang="de-DE" sz="1800" dirty="0">
+                <a:solidFill>
+                  <a:srgbClr val="213E3E"/>
+                </a:solidFill>
+                <a:latin typeface="Andale Mono"/>
+                <a:cs typeface="Andale Mono"/>
+              </a:rPr>
+              <a:t> (</a:t>
+            </a:r>
+            <a:r>
+              <a:rPr lang="de-DE" sz="1800" dirty="0" err="1">
+                <a:solidFill>
+                  <a:srgbClr val="213E3E"/>
+                </a:solidFill>
+                <a:latin typeface="Andale Mono"/>
+                <a:cs typeface="Andale Mono"/>
+              </a:rPr>
+              <a:t>preEscapedText</a:t>
+            </a:r>
+            <a:r>
+              <a:rPr lang="de-DE" sz="1800" dirty="0">
+                <a:solidFill>
+                  <a:srgbClr val="213E3E"/>
+                </a:solidFill>
+                <a:latin typeface="Andale Mono"/>
+                <a:cs typeface="Andale Mono"/>
+              </a:rPr>
+              <a:t> </a:t>
+            </a:r>
+            <a:r>
+              <a:rPr lang="de-DE" sz="1800" dirty="0">
+                <a:solidFill>
+                  <a:srgbClr val="FF4B31"/>
+                </a:solidFill>
+                <a:latin typeface="Andale Mono"/>
+                <a:cs typeface="Andale Mono"/>
+              </a:rPr>
+              <a:t>.</a:t>
+            </a:r>
+            <a:r>
+              <a:rPr lang="de-DE" sz="1800" dirty="0">
+                <a:solidFill>
+                  <a:srgbClr val="213E3E"/>
+                </a:solidFill>
+                <a:latin typeface="Andale Mono"/>
+                <a:cs typeface="Andale Mono"/>
+              </a:rPr>
+              <a:t> pack) </a:t>
+            </a:r>
+            <a:r>
+              <a:rPr lang="de-DE" sz="1800" dirty="0">
+                <a:solidFill>
+                  <a:srgbClr val="8100CA"/>
+                </a:solidFill>
+                <a:latin typeface="Andale Mono"/>
+                <a:cs typeface="Andale Mono"/>
+              </a:rPr>
+              <a:t>"\"&gt;"</a:t>
+            </a:r>
+            <a:endParaRPr lang="de-DE" sz="1800" dirty="0">
+              <a:solidFill>
+                <a:srgbClr val="213E3E"/>
+              </a:solidFill>
               <a:latin typeface="Andale Mono"/>
               <a:cs typeface="Andale Mono"/>
             </a:endParaRPr>
@@ -21546,60 +22387,94 @@
               <a:buNone/>
             </a:pPr>
             <a:r>
-              <a:rPr lang="en-AU" sz="3200" dirty="0">
+              <a:rPr lang="de-DE" sz="1800" dirty="0">
+                <a:solidFill>
+                  <a:srgbClr val="213E3E"/>
+                </a:solidFill>
                 <a:latin typeface="Andale Mono"/>
                 <a:cs typeface="Andale Mono"/>
               </a:rPr>
-              <a:t> </a:t>
-            </a:r>
-            <a:r>
-              <a:rPr lang="en-AU" sz="3200" dirty="0" smtClean="0">
+              <a:t>          </a:t>
+            </a:r>
+            <a:r>
+              <a:rPr lang="de-DE" sz="1800" dirty="0" err="1">
+                <a:solidFill>
+                  <a:srgbClr val="213E3E"/>
+                </a:solidFill>
                 <a:latin typeface="Andale Mono"/>
                 <a:cs typeface="Andale Mono"/>
               </a:rPr>
-              <a:t>              (</a:t>
-            </a:r>
-            <a:r>
-              <a:rPr lang="en-AU" sz="3200" dirty="0" err="1">
+              <a:t>toWidget</a:t>
+            </a:r>
+            <a:r>
+              <a:rPr lang="de-DE" sz="1800" dirty="0">
+                <a:solidFill>
+                  <a:srgbClr val="213E3E"/>
+                </a:solidFill>
                 <a:latin typeface="Andale Mono"/>
                 <a:cs typeface="Andale Mono"/>
               </a:rPr>
-              <a:t>toHtml</a:t>
-            </a:r>
-            <a:r>
-              <a:rPr lang="en-AU" sz="3200" dirty="0">
+              <a:t> (</a:t>
+            </a:r>
+            <a:r>
+              <a:rPr lang="de-DE" sz="1800" dirty="0" err="1">
+                <a:solidFill>
+                  <a:srgbClr val="213E3E"/>
+                </a:solidFill>
                 <a:latin typeface="Andale Mono"/>
                 <a:cs typeface="Andale Mono"/>
               </a:rPr>
-              <a:t> (</a:t>
-            </a:r>
-            <a:r>
-              <a:rPr lang="en-AU" sz="3200" dirty="0" err="1">
+              <a:t>toHtml</a:t>
+            </a:r>
+            <a:r>
+              <a:rPr lang="de-DE" sz="1800" dirty="0">
+                <a:solidFill>
+                  <a:srgbClr val="213E3E"/>
+                </a:solidFill>
                 <a:latin typeface="Andale Mono"/>
                 <a:cs typeface="Andale Mono"/>
               </a:rPr>
-              <a:t>urender</a:t>
-            </a:r>
-            <a:r>
-              <a:rPr lang="en-AU" sz="3200" dirty="0">
+              <a:t> (</a:t>
+            </a:r>
+            <a:r>
+              <a:rPr lang="de-DE" sz="1800" dirty="0" err="1">
+                <a:solidFill>
+                  <a:srgbClr val="213E3E"/>
+                </a:solidFill>
                 <a:latin typeface="Andale Mono"/>
                 <a:cs typeface="Andale Mono"/>
               </a:rPr>
-              <a:t> (</a:t>
-            </a:r>
-            <a:r>
-              <a:rPr lang="en-AU" sz="3200" dirty="0" err="1">
+              <a:t>noteTitle</a:t>
+            </a:r>
+            <a:r>
+              <a:rPr lang="de-DE" sz="1800" dirty="0">
+                <a:solidFill>
+                  <a:srgbClr val="213E3E"/>
+                </a:solidFill>
                 <a:latin typeface="Andale Mono"/>
                 <a:cs typeface="Andale Mono"/>
               </a:rPr>
-              <a:t>NoteR</a:t>
-            </a:r>
-            <a:r>
-              <a:rPr lang="en-AU" sz="3200" dirty="0">
+              <a:t> </a:t>
+            </a:r>
+            <a:r>
+              <a:rPr lang="de-DE" sz="1800" dirty="0" err="1">
+                <a:solidFill>
+                  <a:srgbClr val="213E3E"/>
+                </a:solidFill>
                 <a:latin typeface="Andale Mono"/>
                 <a:cs typeface="Andale Mono"/>
               </a:rPr>
-              <a:t> id) [] ))))</a:t>
+              <a:t>note</a:t>
+            </a:r>
+            <a:r>
+              <a:rPr lang="de-DE" sz="1800" dirty="0">
+                <a:solidFill>
+                  <a:srgbClr val="213E3E"/>
+                </a:solidFill>
+                <a:latin typeface="Andale Mono"/>
+                <a:cs typeface="Andale Mono"/>
+              </a:rPr>
+              <a:t>))</a:t>
             </a:r>
           </a:p>
           <a:p>
@@ -21607,39 +22482,114 @@
               <a:buNone/>
             </a:pPr>
             <a:r>
-              <a:rPr lang="en-AU" sz="3200" dirty="0">
+              <a:rPr lang="en-US" sz="1800" dirty="0">
+                <a:solidFill>
+                  <a:srgbClr val="213E3E"/>
+                </a:solidFill>
                 <a:latin typeface="Andale Mono"/>
                 <a:cs typeface="Andale Mono"/>
               </a:rPr>
               <a:t>          </a:t>
             </a:r>
             <a:r>
-              <a:rPr lang="en-AU" sz="3200" dirty="0" err="1">
+              <a:rPr lang="en-US" sz="1800" dirty="0" err="1">
+                <a:solidFill>
+                  <a:srgbClr val="213E3E"/>
+                </a:solidFill>
                 <a:latin typeface="Andale Mono"/>
                 <a:cs typeface="Andale Mono"/>
               </a:rPr>
               <a:t>toWidget</a:t>
             </a:r>
             <a:r>
-              <a:rPr lang="en-AU" sz="3200" dirty="0">
+              <a:rPr lang="en-US" sz="1800" dirty="0">
+                <a:solidFill>
+                  <a:srgbClr val="213E3E"/>
+                </a:solidFill>
                 <a:latin typeface="Andale Mono"/>
                 <a:cs typeface="Andale Mono"/>
               </a:rPr>
-              <a:t> $ (</a:t>
-            </a:r>
-            <a:r>
-              <a:rPr lang="en-AU" sz="3200" dirty="0" err="1">
+              <a:t> </a:t>
+            </a:r>
+            <a:r>
+              <a:rPr lang="en-US" sz="1800" dirty="0">
+                <a:solidFill>
+                  <a:srgbClr val="FF4B31"/>
+                </a:solidFill>
                 <a:latin typeface="Andale Mono"/>
                 <a:cs typeface="Andale Mono"/>
               </a:rPr>
-              <a:t>preEscapedText</a:t>
-            </a:r>
-            <a:r>
-              <a:rPr lang="en-AU" sz="3200" dirty="0">
+              <a:t>$</a:t>
+            </a:r>
+            <a:r>
+              <a:rPr lang="en-US" sz="1800" dirty="0">
+                <a:solidFill>
+                  <a:srgbClr val="213E3E"/>
+                </a:solidFill>
                 <a:latin typeface="Andale Mono"/>
                 <a:cs typeface="Andale Mono"/>
               </a:rPr>
-              <a:t> . pack) "\"&gt;"</a:t>
+              <a:t> (</a:t>
+            </a:r>
+            <a:r>
+              <a:rPr lang="en-US" sz="1800" dirty="0" err="1">
+                <a:solidFill>
+                  <a:srgbClr val="213E3E"/>
+                </a:solidFill>
+                <a:latin typeface="Andale Mono"/>
+                <a:cs typeface="Andale Mono"/>
+              </a:rPr>
+              <a:t>preEscapedText</a:t>
+            </a:r>
+            <a:r>
+              <a:rPr lang="en-US" sz="1800" dirty="0">
+                <a:solidFill>
+                  <a:srgbClr val="213E3E"/>
+                </a:solidFill>
+                <a:latin typeface="Andale Mono"/>
+                <a:cs typeface="Andale Mono"/>
+              </a:rPr>
+              <a:t> </a:t>
+            </a:r>
+            <a:r>
+              <a:rPr lang="en-US" sz="1800" dirty="0">
+                <a:solidFill>
+                  <a:srgbClr val="FF4B31"/>
+                </a:solidFill>
+                <a:latin typeface="Andale Mono"/>
+                <a:cs typeface="Andale Mono"/>
+              </a:rPr>
+              <a:t>.</a:t>
+            </a:r>
+            <a:r>
+              <a:rPr lang="en-US" sz="1800" dirty="0">
+                <a:solidFill>
+                  <a:srgbClr val="213E3E"/>
+                </a:solidFill>
+                <a:latin typeface="Andale Mono"/>
+                <a:cs typeface="Andale Mono"/>
+              </a:rPr>
+              <a:t> pack) </a:t>
+            </a:r>
+            <a:r>
+              <a:rPr lang="en-US" sz="1800" dirty="0">
+                <a:solidFill>
+                  <a:srgbClr val="8100CA"/>
+                </a:solidFill>
+                <a:latin typeface="Andale Mono"/>
+                <a:cs typeface="Andale Mono"/>
+              </a:rPr>
+              <a:t>"&lt;/a&gt;&lt;/li&gt;"</a:t>
+            </a:r>
+            <a:r>
+              <a:rPr lang="en-US" sz="1800" dirty="0">
+                <a:solidFill>
+                  <a:srgbClr val="213E3E"/>
+                </a:solidFill>
+                <a:latin typeface="Andale Mono"/>
+                <a:cs typeface="Andale Mono"/>
+              </a:rPr>
+              <a:t> )</a:t>
             </a:r>
           </a:p>
           <a:p>
@@ -21647,155 +22597,248 @@
               <a:buNone/>
             </a:pPr>
             <a:r>
-              <a:rPr lang="en-AU" sz="3200" dirty="0">
+              <a:rPr lang="en-US" sz="1800" dirty="0">
+                <a:solidFill>
+                  <a:srgbClr val="213E3E"/>
+                </a:solidFill>
                 <a:latin typeface="Andale Mono"/>
                 <a:cs typeface="Andale Mono"/>
               </a:rPr>
-              <a:t>          </a:t>
-            </a:r>
-            <a:r>
-              <a:rPr lang="en-AU" sz="3200" dirty="0" err="1">
+              <a:t>      </a:t>
+            </a:r>
+            <a:r>
+              <a:rPr lang="en-US" sz="1800" dirty="0" smtClean="0">
+                <a:solidFill>
+                  <a:srgbClr val="213E3E"/>
+                </a:solidFill>
                 <a:latin typeface="Andale Mono"/>
                 <a:cs typeface="Andale Mono"/>
               </a:rPr>
-              <a:t>toWidget</a:t>
-            </a:r>
-            <a:r>
-              <a:rPr lang="en-AU" sz="3200" dirty="0">
-                <a:latin typeface="Andale Mono"/>
-                <a:cs typeface="Andale Mono"/>
-              </a:rPr>
-              <a:t> (</a:t>
-            </a:r>
-            <a:r>
-              <a:rPr lang="en-AU" sz="3200" dirty="0" err="1">
-                <a:latin typeface="Andale Mono"/>
-                <a:cs typeface="Andale Mono"/>
-              </a:rPr>
-              <a:t>toHtml</a:t>
-            </a:r>
-            <a:r>
-              <a:rPr lang="en-AU" sz="3200" dirty="0">
-                <a:latin typeface="Andale Mono"/>
-                <a:cs typeface="Andale Mono"/>
-              </a:rPr>
-              <a:t> (</a:t>
-            </a:r>
-            <a:r>
-              <a:rPr lang="en-AU" sz="3200" dirty="0" err="1">
-                <a:latin typeface="Andale Mono"/>
-                <a:cs typeface="Andale Mono"/>
-              </a:rPr>
-              <a:t>noteTitle</a:t>
-            </a:r>
-            <a:r>
-              <a:rPr lang="en-AU" sz="3200" dirty="0">
-                <a:latin typeface="Andale Mono"/>
-                <a:cs typeface="Andale Mono"/>
-              </a:rPr>
-              <a:t> note))</a:t>
-            </a:r>
-          </a:p>
-          <a:p>
-            <a:pPr marL="0" indent="0">
-              <a:buNone/>
-            </a:pPr>
-            <a:r>
-              <a:rPr lang="en-AU" sz="3200" dirty="0">
-                <a:latin typeface="Andale Mono"/>
-                <a:cs typeface="Andale Mono"/>
-              </a:rPr>
-              <a:t>          </a:t>
-            </a:r>
-            <a:r>
-              <a:rPr lang="en-AU" sz="3200" dirty="0" err="1">
-                <a:latin typeface="Andale Mono"/>
-                <a:cs typeface="Andale Mono"/>
-              </a:rPr>
-              <a:t>toWidget</a:t>
-            </a:r>
-            <a:r>
-              <a:rPr lang="en-AU" sz="3200" dirty="0">
-                <a:latin typeface="Andale Mono"/>
-                <a:cs typeface="Andale Mono"/>
-              </a:rPr>
-              <a:t> $ </a:t>
-            </a:r>
-            <a:endParaRPr lang="en-AU" sz="3200" dirty="0" smtClean="0">
+              <a:t>notes</a:t>
+            </a:r>
+            <a:endParaRPr lang="en-US" sz="1800" dirty="0">
+              <a:solidFill>
+                <a:srgbClr val="213E3E"/>
+              </a:solidFill>
               <a:latin typeface="Andale Mono"/>
               <a:cs typeface="Andale Mono"/>
             </a:endParaRPr>
           </a:p>
-          <a:p>
-            <a:pPr marL="0" indent="0">
-              <a:buNone/>
-            </a:pPr>
-            <a:r>
-              <a:rPr lang="en-AU" sz="3200" dirty="0">
-                <a:latin typeface="Andale Mono"/>
+        </p:txBody>
+      </p:sp>
+      <p:sp>
+        <p:nvSpPr>
+          <p:cNvPr id="4" name="Content Placeholder 2"/>
+          <p:cNvSpPr txBox="1">
+            <a:spLocks/>
+          </p:cNvSpPr>
+          <p:nvPr/>
+        </p:nvSpPr>
+        <p:spPr>
+          <a:xfrm>
+            <a:off x="68917" y="6271015"/>
+            <a:ext cx="8853144" cy="462697"/>
+          </a:xfrm>
+          <a:prstGeom prst="rect">
+            <a:avLst/>
+          </a:prstGeom>
+        </p:spPr>
+        <p:txBody>
+          <a:bodyPr vert="horz">
+            <a:noAutofit/>
+          </a:bodyPr>
+          <a:lstStyle>
+            <a:lvl1pPr marL="320040" indent="-320040" algn="l" rtl="0" eaLnBrk="1" latinLnBrk="0" hangingPunct="1">
+              <a:spcBef>
+                <a:spcPts val="700"/>
+              </a:spcBef>
+              <a:buClr>
+                <a:schemeClr val="accent2"/>
+              </a:buClr>
+              <a:buSzPct val="60000"/>
+              <a:buFont typeface="Wingdings"/>
+              <a:buChar char=""/>
+              <a:defRPr kumimoji="0" sz="2900" kern="1200">
+                <a:solidFill>
+                  <a:schemeClr val="tx1"/>
+                </a:solidFill>
+                <a:latin typeface="+mn-lt"/>
+                <a:ea typeface="+mn-ea"/>
+                <a:cs typeface="+mn-cs"/>
+              </a:defRPr>
+            </a:lvl1pPr>
+            <a:lvl2pPr marL="640080" indent="-274320" algn="l" rtl="0" eaLnBrk="1" latinLnBrk="0" hangingPunct="1">
+              <a:spcBef>
+                <a:spcPts val="550"/>
+              </a:spcBef>
+              <a:buClr>
+                <a:schemeClr val="accent1"/>
+              </a:buClr>
+              <a:buSzPct val="70000"/>
+              <a:buFont typeface="Wingdings 2"/>
+              <a:buChar char=""/>
+              <a:defRPr kumimoji="0" sz="2600" kern="1200">
+                <a:solidFill>
+                  <a:schemeClr val="tx1"/>
+                </a:solidFill>
+                <a:latin typeface="+mn-lt"/>
+                <a:ea typeface="+mn-ea"/>
+                <a:cs typeface="+mn-cs"/>
+              </a:defRPr>
+            </a:lvl2pPr>
+            <a:lvl3pPr marL="914400" indent="-228600" algn="l" rtl="0" eaLnBrk="1" latinLnBrk="0" hangingPunct="1">
+              <a:spcBef>
+                <a:spcPts val="500"/>
+              </a:spcBef>
+              <a:buClr>
+                <a:schemeClr val="accent2"/>
+              </a:buClr>
+              <a:buSzPct val="75000"/>
+              <a:buFont typeface="Wingdings"/>
+              <a:buChar char=""/>
+              <a:defRPr kumimoji="0" sz="2300" kern="1200">
+                <a:solidFill>
+                  <a:schemeClr val="tx1"/>
+                </a:solidFill>
+                <a:latin typeface="+mn-lt"/>
+                <a:ea typeface="+mn-ea"/>
+                <a:cs typeface="+mn-cs"/>
+              </a:defRPr>
+            </a:lvl3pPr>
+            <a:lvl4pPr marL="1371600" indent="-228600" algn="l" rtl="0" eaLnBrk="1" latinLnBrk="0" hangingPunct="1">
+              <a:spcBef>
+                <a:spcPts val="400"/>
+              </a:spcBef>
+              <a:buClr>
+                <a:schemeClr val="accent3"/>
+              </a:buClr>
+              <a:buSzPct val="75000"/>
+              <a:buFont typeface="Wingdings"/>
+              <a:buChar char=""/>
+              <a:defRPr kumimoji="0" sz="2000" kern="1200">
+                <a:solidFill>
+                  <a:schemeClr val="tx1"/>
+                </a:solidFill>
+                <a:latin typeface="+mn-lt"/>
+                <a:ea typeface="+mn-ea"/>
+                <a:cs typeface="+mn-cs"/>
+              </a:defRPr>
+            </a:lvl4pPr>
+            <a:lvl5pPr marL="1828800" indent="-228600" algn="l" rtl="0" eaLnBrk="1" latinLnBrk="0" hangingPunct="1">
+              <a:spcBef>
+                <a:spcPts val="400"/>
+              </a:spcBef>
+              <a:buClr>
+                <a:schemeClr val="accent4"/>
+              </a:buClr>
+              <a:buSzPct val="65000"/>
+              <a:buFont typeface="Wingdings"/>
+              <a:buChar char=""/>
+              <a:defRPr kumimoji="0" sz="2000" kern="1200">
+                <a:solidFill>
+                  <a:schemeClr val="tx1"/>
+                </a:solidFill>
+                <a:latin typeface="+mn-lt"/>
+                <a:ea typeface="+mn-ea"/>
+                <a:cs typeface="+mn-cs"/>
+              </a:defRPr>
+            </a:lvl5pPr>
+            <a:lvl6pPr marL="2103120" indent="-228600" algn="l" rtl="0" eaLnBrk="1" latinLnBrk="0" hangingPunct="1">
+              <a:spcBef>
+                <a:spcPct val="20000"/>
+              </a:spcBef>
+              <a:buClr>
+                <a:schemeClr val="accent1"/>
+              </a:buClr>
+              <a:buFont typeface="Wingdings"/>
+              <a:buChar char="§"/>
+              <a:defRPr kumimoji="0" sz="1800" kern="1200" baseline="0">
+                <a:solidFill>
+                  <a:schemeClr val="tx1"/>
+                </a:solidFill>
+                <a:latin typeface="+mn-lt"/>
+                <a:ea typeface="+mn-ea"/>
+                <a:cs typeface="+mn-cs"/>
+              </a:defRPr>
+            </a:lvl6pPr>
+            <a:lvl7pPr marL="2377440" indent="-228600" algn="l" rtl="0" eaLnBrk="1" latinLnBrk="0" hangingPunct="1">
+              <a:spcBef>
+                <a:spcPct val="20000"/>
+              </a:spcBef>
+              <a:buClr>
+                <a:schemeClr val="accent2"/>
+              </a:buClr>
+              <a:buFont typeface="Wingdings"/>
+              <a:buChar char="§"/>
+              <a:defRPr kumimoji="0" sz="1800" kern="1200" baseline="0">
+                <a:solidFill>
+                  <a:schemeClr val="tx1"/>
+                </a:solidFill>
+                <a:latin typeface="+mn-lt"/>
+                <a:ea typeface="+mn-ea"/>
+                <a:cs typeface="+mn-cs"/>
+              </a:defRPr>
+            </a:lvl7pPr>
+            <a:lvl8pPr marL="2651760" indent="-228600" algn="l" rtl="0" eaLnBrk="1" latinLnBrk="0" hangingPunct="1">
+              <a:spcBef>
+                <a:spcPct val="20000"/>
+              </a:spcBef>
+              <a:buClr>
+                <a:schemeClr val="accent3"/>
+              </a:buClr>
+              <a:buFont typeface="Wingdings"/>
+              <a:buChar char="§"/>
+              <a:defRPr kumimoji="0" sz="1800" kern="1200" baseline="0">
+                <a:solidFill>
+                  <a:schemeClr val="tx1"/>
+                </a:solidFill>
+                <a:latin typeface="+mn-lt"/>
+                <a:ea typeface="+mn-ea"/>
+                <a:cs typeface="+mn-cs"/>
+              </a:defRPr>
+            </a:lvl8pPr>
+            <a:lvl9pPr marL="2926080" indent="-228600" algn="l" rtl="0" eaLnBrk="1" latinLnBrk="0" hangingPunct="1">
+              <a:spcBef>
+                <a:spcPct val="20000"/>
+              </a:spcBef>
+              <a:buClr>
+                <a:schemeClr val="accent4"/>
+              </a:buClr>
+              <a:buFont typeface="Wingdings"/>
+              <a:buChar char="§"/>
+              <a:defRPr kumimoji="0" sz="1800" kern="1200" baseline="0">
+                <a:solidFill>
+                  <a:schemeClr val="tx1"/>
+                </a:solidFill>
+                <a:latin typeface="+mn-lt"/>
+                <a:ea typeface="+mn-ea"/>
+                <a:cs typeface="+mn-cs"/>
+              </a:defRPr>
+            </a:lvl9pPr>
+          </a:lstStyle>
+          <a:p>
+            <a:r>
+              <a:rPr lang="en-AU" sz="2100" dirty="0" smtClean="0">
                 <a:cs typeface="Andale Mono"/>
               </a:rPr>
-              <a:t> </a:t>
-            </a:r>
-            <a:r>
-              <a:rPr lang="en-AU" sz="3200" dirty="0" smtClean="0">
-                <a:latin typeface="Andale Mono"/>
-                <a:cs typeface="Andale Mono"/>
-              </a:rPr>
-              <a:t>           (</a:t>
-            </a:r>
-            <a:r>
-              <a:rPr lang="en-AU" sz="3200" dirty="0" err="1">
-                <a:latin typeface="Andale Mono"/>
-                <a:cs typeface="Andale Mono"/>
-              </a:rPr>
-              <a:t>preEscapedText</a:t>
-            </a:r>
-            <a:r>
-              <a:rPr lang="en-AU" sz="3200" dirty="0">
-                <a:latin typeface="Andale Mono"/>
-                <a:cs typeface="Andale Mono"/>
-              </a:rPr>
-              <a:t> . pack) "&lt;/a&gt;&lt;/li&gt;" )</a:t>
-            </a:r>
-          </a:p>
-          <a:p>
-            <a:pPr marL="0" indent="0">
-              <a:buNone/>
-            </a:pPr>
-            <a:r>
-              <a:rPr lang="en-AU" sz="3200" dirty="0">
-                <a:latin typeface="Andale Mono"/>
-                <a:cs typeface="Andale Mono"/>
-              </a:rPr>
-              <a:t>      notes</a:t>
-            </a:r>
-          </a:p>
-          <a:p>
-            <a:pPr marL="0" indent="0">
-              <a:buNone/>
-            </a:pPr>
-            <a:endParaRPr lang="en-AU" dirty="0"/>
+              <a:t>This is just the part that printed our list of note links! </a:t>
+            </a:r>
+            <a:endParaRPr lang="en-AU" sz="2100" dirty="0">
+              <a:cs typeface="Andale Mono"/>
+            </a:endParaRPr>
           </a:p>
         </p:txBody>
       </p:sp>
     </p:spTree>
     <p:extLst>
       <p:ext uri="{BB962C8B-B14F-4D97-AF65-F5344CB8AC3E}">
-        <p14:creationId xmlns:p14="http://schemas.microsoft.com/office/powerpoint/2010/main" val="2494275958"/>
+        <p14:creationId xmlns:p14="http://schemas.microsoft.com/office/powerpoint/2010/main" val="1877865461"/>
       </p:ext>
     </p:extLst>
   </p:cSld>
   <p:clrMapOvr>
     <a:masterClrMapping/>
   </p:clrMapOvr>
-  <p:timing>
-    <p:tnLst>
-      <p:par>
-        <p:cTn xmlns:p14="http://schemas.microsoft.com/office/powerpoint/2010/main" id="1" dur="indefinite" restart="never" nodeType="tmRoot"/>
-      </p:par>
-    </p:tnLst>
-  </p:timing>
 </p:sld>
 </file>
 
@@ -21841,7 +22884,7 @@
             </a:r>
             <a:r>
               <a:rPr lang="en-AU" dirty="0" smtClean="0"/>
-              <a:t> ( form )</a:t>
+              <a:t> QQ</a:t>
             </a:r>
             <a:endParaRPr lang="en-AU" dirty="0"/>
           </a:p>
@@ -21859,528 +22902,90 @@
         </p:nvSpPr>
         <p:spPr>
           <a:xfrm>
-            <a:off x="157595" y="1600200"/>
-            <a:ext cx="8853144" cy="5083974"/>
+            <a:off x="176136" y="1600199"/>
+            <a:ext cx="8853144" cy="5139599"/>
           </a:xfrm>
         </p:spPr>
         <p:txBody>
           <a:bodyPr>
-            <a:normAutofit/>
+            <a:noAutofit/>
           </a:bodyPr>
           <a:lstStyle/>
           <a:p>
-            <a:pPr marL="0" indent="0">
-              <a:buNone/>
-            </a:pPr>
-            <a:r>
-              <a:rPr lang="en-AU" sz="1800" dirty="0" smtClean="0">
-                <a:latin typeface="Andale Mono"/>
+            <a:r>
+              <a:rPr lang="en-AU" sz="2400" dirty="0" smtClean="0">
                 <a:cs typeface="Andale Mono"/>
               </a:rPr>
-              <a:t>    </a:t>
-            </a:r>
-            <a:r>
-              <a:rPr lang="en-AU" sz="1800" dirty="0" err="1" smtClean="0">
-                <a:latin typeface="Andale Mono"/>
+              <a:t>Code is pretty messy. </a:t>
+            </a:r>
+            <a:r>
+              <a:rPr lang="en-AU" sz="2400" dirty="0" smtClean="0">
                 <a:cs typeface="Andale Mono"/>
               </a:rPr>
-              <a:t>toWidget</a:t>
-            </a:r>
-            <a:r>
-              <a:rPr lang="en-AU" sz="1800" dirty="0" smtClean="0">
-                <a:latin typeface="Andale Mono"/>
+              <a:t>Glad that we don’t have to write it. </a:t>
+            </a:r>
+          </a:p>
+          <a:p>
+            <a:r>
+              <a:rPr lang="en-AU" sz="2400" dirty="0" smtClean="0">
                 <a:cs typeface="Andale Mono"/>
               </a:rPr>
-              <a:t> </a:t>
-            </a:r>
-            <a:r>
-              <a:rPr lang="en-AU" sz="1800" dirty="0">
-                <a:latin typeface="Andale Mono"/>
+              <a:t>What is it giving us? Lets look into the different patterns of generated code to see.</a:t>
+            </a:r>
+          </a:p>
+          <a:p>
+            <a:r>
+              <a:rPr lang="en-AU" sz="2400" dirty="0" smtClean="0">
                 <a:cs typeface="Andale Mono"/>
               </a:rPr>
-              <a:t>$ </a:t>
-            </a:r>
-            <a:endParaRPr lang="en-AU" sz="1800" dirty="0" smtClean="0">
-              <a:latin typeface="Andale Mono"/>
+              <a:t>Four main patterns in the code generation:</a:t>
+            </a:r>
+          </a:p>
+          <a:p>
+            <a:pPr lvl="1"/>
+            <a:r>
+              <a:rPr lang="en-AU" sz="2100" dirty="0" smtClean="0">
+                <a:cs typeface="Andale Mono"/>
+              </a:rPr>
+              <a:t>Literal HTML in hamlet</a:t>
+            </a:r>
+          </a:p>
+          <a:p>
+            <a:pPr lvl="1"/>
+            <a:r>
+              <a:rPr lang="en-AU" sz="2100" dirty="0" smtClean="0">
+                <a:cs typeface="Andale Mono"/>
+              </a:rPr>
+              <a:t>#{ … } string interpolation</a:t>
+            </a:r>
+          </a:p>
+          <a:p>
+            <a:pPr lvl="1"/>
+            <a:r>
+              <a:rPr lang="en-AU" sz="2100" dirty="0" smtClean="0">
+                <a:cs typeface="Andale Mono"/>
+              </a:rPr>
+              <a:t>@{ … } route interpolation</a:t>
+            </a:r>
+          </a:p>
+          <a:p>
+            <a:pPr lvl="1"/>
+            <a:r>
+              <a:rPr lang="en-AU" sz="2100" dirty="0" smtClean="0">
+                <a:cs typeface="Andale Mono"/>
+              </a:rPr>
+              <a:t>^{ … } widget interpolation</a:t>
+            </a:r>
+            <a:endParaRPr lang="en-AU" sz="2100" dirty="0">
               <a:cs typeface="Andale Mono"/>
             </a:endParaRPr>
-          </a:p>
-          <a:p>
-            <a:pPr marL="0" indent="0">
-              <a:buNone/>
-            </a:pPr>
-            <a:r>
-              <a:rPr lang="en-AU" sz="1800" dirty="0">
-                <a:latin typeface="Andale Mono"/>
-                <a:cs typeface="Andale Mono"/>
-              </a:rPr>
-              <a:t> </a:t>
-            </a:r>
-            <a:r>
-              <a:rPr lang="en-AU" sz="1800" dirty="0" smtClean="0">
-                <a:latin typeface="Andale Mono"/>
-                <a:cs typeface="Andale Mono"/>
-              </a:rPr>
-              <a:t>    (</a:t>
-            </a:r>
-            <a:r>
-              <a:rPr lang="en-AU" sz="1800" dirty="0" err="1" smtClean="0">
-                <a:latin typeface="Andale Mono"/>
-                <a:cs typeface="Andale Mono"/>
-              </a:rPr>
-              <a:t>preEscapedText</a:t>
-            </a:r>
-            <a:r>
-              <a:rPr lang="en-AU" sz="1800" dirty="0" smtClean="0">
-                <a:latin typeface="Andale Mono"/>
-                <a:cs typeface="Andale Mono"/>
-              </a:rPr>
-              <a:t> </a:t>
-            </a:r>
-            <a:r>
-              <a:rPr lang="en-AU" sz="1800" dirty="0">
-                <a:latin typeface="Andale Mono"/>
-                <a:cs typeface="Andale Mono"/>
-              </a:rPr>
-              <a:t>. pack) </a:t>
-            </a:r>
-          </a:p>
-          <a:p>
-            <a:pPr marL="0" indent="0">
-              <a:buNone/>
-            </a:pPr>
-            <a:r>
-              <a:rPr lang="en-AU" sz="1800" dirty="0">
-                <a:latin typeface="Andale Mono"/>
-                <a:cs typeface="Andale Mono"/>
-              </a:rPr>
-              <a:t> </a:t>
-            </a:r>
-            <a:r>
-              <a:rPr lang="en-AU" sz="1800" dirty="0" smtClean="0">
-                <a:latin typeface="Andale Mono"/>
-                <a:cs typeface="Andale Mono"/>
-              </a:rPr>
-              <a:t>    "</a:t>
-            </a:r>
-            <a:r>
-              <a:rPr lang="en-AU" sz="1800" dirty="0">
-                <a:latin typeface="Andale Mono"/>
-                <a:cs typeface="Andale Mono"/>
-              </a:rPr>
-              <a:t>&lt;/</a:t>
-            </a:r>
-            <a:r>
-              <a:rPr lang="en-AU" sz="1800" dirty="0" err="1">
-                <a:latin typeface="Andale Mono"/>
-                <a:cs typeface="Andale Mono"/>
-              </a:rPr>
-              <a:t>ul</a:t>
-            </a:r>
-            <a:r>
-              <a:rPr lang="en-AU" sz="1800" dirty="0">
-                <a:latin typeface="Andale Mono"/>
-                <a:cs typeface="Andale Mono"/>
-              </a:rPr>
-              <a:t>&gt;&lt;h1&gt;Create Note&lt;/h1&gt;&lt;form method=\"post\" action=\""</a:t>
-            </a:r>
-          </a:p>
-          <a:p>
-            <a:pPr marL="0" indent="0">
-              <a:buNone/>
-            </a:pPr>
-            <a:r>
-              <a:rPr lang="en-AU" sz="1800" dirty="0">
-                <a:latin typeface="Andale Mono"/>
-                <a:cs typeface="Andale Mono"/>
-              </a:rPr>
-              <a:t>    ((lift </a:t>
-            </a:r>
-            <a:r>
-              <a:rPr lang="en-AU" sz="1800" dirty="0" err="1">
-                <a:latin typeface="Andale Mono"/>
-                <a:cs typeface="Andale Mono"/>
-              </a:rPr>
-              <a:t>getUrlRenderParams</a:t>
-            </a:r>
-            <a:r>
-              <a:rPr lang="en-AU" sz="1800" dirty="0">
-                <a:latin typeface="Andale Mono"/>
-                <a:cs typeface="Andale Mono"/>
-              </a:rPr>
-              <a:t>)</a:t>
-            </a:r>
-          </a:p>
-          <a:p>
-            <a:pPr marL="0" indent="0">
-              <a:buNone/>
-            </a:pPr>
-            <a:r>
-              <a:rPr lang="en-AU" sz="1800" dirty="0">
-                <a:latin typeface="Andale Mono"/>
-                <a:cs typeface="Andale Mono"/>
-              </a:rPr>
-              <a:t>     &gt;&gt;=</a:t>
-            </a:r>
-          </a:p>
-          <a:p>
-            <a:pPr marL="0" indent="0">
-              <a:buNone/>
-            </a:pPr>
-            <a:r>
-              <a:rPr lang="en-AU" sz="1800" dirty="0">
-                <a:latin typeface="Andale Mono"/>
-                <a:cs typeface="Andale Mono"/>
-              </a:rPr>
-              <a:t>     (\ </a:t>
-            </a:r>
-            <a:r>
-              <a:rPr lang="en-AU" sz="1800" dirty="0" err="1">
-                <a:latin typeface="Andale Mono"/>
-                <a:cs typeface="Andale Mono"/>
-              </a:rPr>
-              <a:t>urender</a:t>
-            </a:r>
-            <a:r>
-              <a:rPr lang="en-AU" sz="1800" dirty="0">
-                <a:latin typeface="Andale Mono"/>
-                <a:cs typeface="Andale Mono"/>
-              </a:rPr>
-              <a:t> -&gt; </a:t>
-            </a:r>
-            <a:r>
-              <a:rPr lang="en-AU" sz="1800" dirty="0" err="1">
-                <a:latin typeface="Andale Mono"/>
-                <a:cs typeface="Andale Mono"/>
-              </a:rPr>
-              <a:t>toWidget</a:t>
-            </a:r>
-            <a:r>
-              <a:rPr lang="en-AU" sz="1800" dirty="0">
-                <a:latin typeface="Andale Mono"/>
-                <a:cs typeface="Andale Mono"/>
-              </a:rPr>
-              <a:t> </a:t>
-            </a:r>
-            <a:endParaRPr lang="en-AU" sz="1800" dirty="0" smtClean="0">
-              <a:latin typeface="Andale Mono"/>
-              <a:cs typeface="Andale Mono"/>
-            </a:endParaRPr>
-          </a:p>
-          <a:p>
-            <a:pPr marL="0" indent="0">
-              <a:buNone/>
-            </a:pPr>
-            <a:r>
-              <a:rPr lang="en-AU" sz="1800" dirty="0">
-                <a:latin typeface="Andale Mono"/>
-                <a:cs typeface="Andale Mono"/>
-              </a:rPr>
-              <a:t> </a:t>
-            </a:r>
-            <a:r>
-              <a:rPr lang="en-AU" sz="1800" dirty="0" smtClean="0">
-                <a:latin typeface="Andale Mono"/>
-                <a:cs typeface="Andale Mono"/>
-              </a:rPr>
-              <a:t>      (</a:t>
-            </a:r>
-            <a:r>
-              <a:rPr lang="en-AU" sz="1800" dirty="0" err="1">
-                <a:latin typeface="Andale Mono"/>
-                <a:cs typeface="Andale Mono"/>
-              </a:rPr>
-              <a:t>toHtml</a:t>
-            </a:r>
-            <a:r>
-              <a:rPr lang="en-AU" sz="1800" dirty="0">
-                <a:latin typeface="Andale Mono"/>
-                <a:cs typeface="Andale Mono"/>
-              </a:rPr>
-              <a:t> (</a:t>
-            </a:r>
-            <a:r>
-              <a:rPr lang="en-AU" sz="1800" dirty="0" err="1">
-                <a:latin typeface="Andale Mono"/>
-                <a:cs typeface="Andale Mono"/>
-              </a:rPr>
-              <a:t>urender</a:t>
-            </a:r>
-            <a:r>
-              <a:rPr lang="en-AU" sz="1800" dirty="0">
-                <a:latin typeface="Andale Mono"/>
-                <a:cs typeface="Andale Mono"/>
-              </a:rPr>
-              <a:t> </a:t>
-            </a:r>
-            <a:r>
-              <a:rPr lang="en-AU" sz="1800" dirty="0" err="1">
-                <a:latin typeface="Andale Mono"/>
-                <a:cs typeface="Andale Mono"/>
-              </a:rPr>
-              <a:t>NotesR</a:t>
-            </a:r>
-            <a:r>
-              <a:rPr lang="en-AU" sz="1800" dirty="0">
-                <a:latin typeface="Andale Mono"/>
-                <a:cs typeface="Andale Mono"/>
-              </a:rPr>
-              <a:t> [] ))))</a:t>
-            </a:r>
-          </a:p>
-          <a:p>
-            <a:pPr marL="0" indent="0">
-              <a:buNone/>
-            </a:pPr>
-            <a:r>
-              <a:rPr lang="en-AU" sz="1800" dirty="0">
-                <a:latin typeface="Andale Mono"/>
-                <a:cs typeface="Andale Mono"/>
-              </a:rPr>
-              <a:t>    </a:t>
-            </a:r>
-            <a:r>
-              <a:rPr lang="en-AU" sz="1800" dirty="0" err="1">
-                <a:latin typeface="Andale Mono"/>
-                <a:cs typeface="Andale Mono"/>
-              </a:rPr>
-              <a:t>toWidget</a:t>
-            </a:r>
-            <a:r>
-              <a:rPr lang="en-AU" sz="1800" dirty="0">
-                <a:latin typeface="Andale Mono"/>
-                <a:cs typeface="Andale Mono"/>
-              </a:rPr>
-              <a:t> $ (</a:t>
-            </a:r>
-            <a:r>
-              <a:rPr lang="en-AU" sz="1800" dirty="0" err="1">
-                <a:latin typeface="Andale Mono"/>
-                <a:cs typeface="Andale Mono"/>
-              </a:rPr>
-              <a:t>preEscapedText</a:t>
-            </a:r>
-            <a:r>
-              <a:rPr lang="en-AU" sz="1800" dirty="0">
-                <a:latin typeface="Andale Mono"/>
-                <a:cs typeface="Andale Mono"/>
-              </a:rPr>
-              <a:t> . pack) "\" </a:t>
-            </a:r>
-            <a:r>
-              <a:rPr lang="en-AU" sz="1800" dirty="0" err="1">
-                <a:latin typeface="Andale Mono"/>
-                <a:cs typeface="Andale Mono"/>
-              </a:rPr>
-              <a:t>enctype</a:t>
-            </a:r>
-            <a:r>
-              <a:rPr lang="en-AU" sz="1800" dirty="0">
-                <a:latin typeface="Andale Mono"/>
-                <a:cs typeface="Andale Mono"/>
-              </a:rPr>
-              <a:t>=\""</a:t>
-            </a:r>
-          </a:p>
-          <a:p>
-            <a:pPr marL="0" indent="0">
-              <a:buNone/>
-            </a:pPr>
-            <a:r>
-              <a:rPr lang="en-AU" sz="1800" dirty="0">
-                <a:latin typeface="Andale Mono"/>
-                <a:cs typeface="Andale Mono"/>
-              </a:rPr>
-              <a:t>    </a:t>
-            </a:r>
-            <a:r>
-              <a:rPr lang="en-AU" sz="1800" dirty="0" err="1">
-                <a:latin typeface="Andale Mono"/>
-                <a:cs typeface="Andale Mono"/>
-              </a:rPr>
-              <a:t>toWidget</a:t>
-            </a:r>
-            <a:r>
-              <a:rPr lang="en-AU" sz="1800" dirty="0">
-                <a:latin typeface="Andale Mono"/>
-                <a:cs typeface="Andale Mono"/>
-              </a:rPr>
-              <a:t> $ </a:t>
-            </a:r>
-            <a:r>
-              <a:rPr lang="en-AU" sz="1800" dirty="0" err="1">
-                <a:latin typeface="Andale Mono"/>
-                <a:cs typeface="Andale Mono"/>
-              </a:rPr>
-              <a:t>toHtml</a:t>
-            </a:r>
-            <a:r>
-              <a:rPr lang="en-AU" sz="1800" dirty="0">
-                <a:latin typeface="Andale Mono"/>
-                <a:cs typeface="Andale Mono"/>
-              </a:rPr>
-              <a:t> </a:t>
-            </a:r>
-            <a:r>
-              <a:rPr lang="en-AU" sz="1800" dirty="0" err="1">
-                <a:latin typeface="Andale Mono"/>
-                <a:cs typeface="Andale Mono"/>
-              </a:rPr>
-              <a:t>encType</a:t>
-            </a:r>
-            <a:endParaRPr lang="en-AU" sz="1800" dirty="0">
-              <a:latin typeface="Andale Mono"/>
-              <a:cs typeface="Andale Mono"/>
-            </a:endParaRPr>
-          </a:p>
-          <a:p>
-            <a:pPr marL="0" indent="0">
-              <a:buNone/>
-            </a:pPr>
-            <a:r>
-              <a:rPr lang="en-AU" sz="1800" dirty="0">
-                <a:latin typeface="Andale Mono"/>
-                <a:cs typeface="Andale Mono"/>
-              </a:rPr>
-              <a:t>    </a:t>
-            </a:r>
-            <a:r>
-              <a:rPr lang="en-AU" sz="1800" dirty="0" err="1">
-                <a:latin typeface="Andale Mono"/>
-                <a:cs typeface="Andale Mono"/>
-              </a:rPr>
-              <a:t>toWidget</a:t>
-            </a:r>
-            <a:r>
-              <a:rPr lang="en-AU" sz="1800" dirty="0">
-                <a:latin typeface="Andale Mono"/>
-                <a:cs typeface="Andale Mono"/>
-              </a:rPr>
-              <a:t> $ (</a:t>
-            </a:r>
-            <a:r>
-              <a:rPr lang="en-AU" sz="1800" dirty="0" err="1">
-                <a:latin typeface="Andale Mono"/>
-                <a:cs typeface="Andale Mono"/>
-              </a:rPr>
-              <a:t>preEscapedText</a:t>
-            </a:r>
-            <a:r>
-              <a:rPr lang="en-AU" sz="1800" dirty="0">
-                <a:latin typeface="Andale Mono"/>
-                <a:cs typeface="Andale Mono"/>
-              </a:rPr>
-              <a:t> . pack) "\"&gt;"</a:t>
-            </a:r>
-          </a:p>
-          <a:p>
-            <a:pPr marL="0" indent="0">
-              <a:buNone/>
-            </a:pPr>
-            <a:r>
-              <a:rPr lang="en-AU" sz="1800" dirty="0">
-                <a:latin typeface="Andale Mono"/>
-                <a:cs typeface="Andale Mono"/>
-              </a:rPr>
-              <a:t>    </a:t>
-            </a:r>
-            <a:r>
-              <a:rPr lang="en-AU" sz="1800" dirty="0" err="1">
-                <a:latin typeface="Andale Mono"/>
-                <a:cs typeface="Andale Mono"/>
-              </a:rPr>
-              <a:t>toWidget</a:t>
-            </a:r>
-            <a:r>
-              <a:rPr lang="en-AU" sz="1800" dirty="0">
-                <a:latin typeface="Andale Mono"/>
-                <a:cs typeface="Andale Mono"/>
-              </a:rPr>
-              <a:t> widget</a:t>
-            </a:r>
-          </a:p>
-          <a:p>
-            <a:pPr marL="0" indent="0">
-              <a:buNone/>
-            </a:pPr>
-            <a:r>
-              <a:rPr lang="en-AU" sz="1800" dirty="0">
-                <a:latin typeface="Andale Mono"/>
-                <a:cs typeface="Andale Mono"/>
-              </a:rPr>
-              <a:t>    </a:t>
-            </a:r>
-            <a:r>
-              <a:rPr lang="en-AU" sz="1800" dirty="0" err="1">
-                <a:latin typeface="Andale Mono"/>
-                <a:cs typeface="Andale Mono"/>
-              </a:rPr>
-              <a:t>toWidget</a:t>
-            </a:r>
-            <a:r>
-              <a:rPr lang="en-AU" sz="1800" dirty="0">
-                <a:latin typeface="Andale Mono"/>
-                <a:cs typeface="Andale Mono"/>
-              </a:rPr>
-              <a:t> $ (</a:t>
-            </a:r>
-            <a:r>
-              <a:rPr lang="en-AU" sz="1800" dirty="0" err="1">
-                <a:latin typeface="Andale Mono"/>
-                <a:cs typeface="Andale Mono"/>
-              </a:rPr>
-              <a:t>preEscapedText</a:t>
-            </a:r>
-            <a:r>
-              <a:rPr lang="en-AU" sz="1800" dirty="0">
-                <a:latin typeface="Andale Mono"/>
-                <a:cs typeface="Andale Mono"/>
-              </a:rPr>
-              <a:t> . pack) </a:t>
-            </a:r>
-            <a:endParaRPr lang="en-AU" sz="1800" dirty="0" smtClean="0">
-              <a:latin typeface="Andale Mono"/>
-              <a:cs typeface="Andale Mono"/>
-            </a:endParaRPr>
-          </a:p>
-          <a:p>
-            <a:pPr marL="0" indent="0">
-              <a:buNone/>
-            </a:pPr>
-            <a:r>
-              <a:rPr lang="en-AU" sz="1800" dirty="0">
-                <a:latin typeface="Andale Mono"/>
-                <a:cs typeface="Andale Mono"/>
-              </a:rPr>
-              <a:t> </a:t>
-            </a:r>
-            <a:r>
-              <a:rPr lang="en-AU" sz="1800" dirty="0" smtClean="0">
-                <a:latin typeface="Andale Mono"/>
-                <a:cs typeface="Andale Mono"/>
-              </a:rPr>
-              <a:t>              "</a:t>
-            </a:r>
-            <a:r>
-              <a:rPr lang="en-AU" sz="1800" dirty="0">
-                <a:latin typeface="Andale Mono"/>
-                <a:cs typeface="Andale Mono"/>
-              </a:rPr>
-              <a:t>&lt;input type=\"submit\"&gt;&lt;/form&gt;"</a:t>
-            </a:r>
-          </a:p>
-          <a:p>
-            <a:pPr marL="0" indent="0">
-              <a:buNone/>
-            </a:pPr>
-            <a:endParaRPr lang="en-AU" sz="1800" dirty="0"/>
           </a:p>
         </p:txBody>
       </p:sp>
     </p:spTree>
     <p:extLst>
       <p:ext uri="{BB962C8B-B14F-4D97-AF65-F5344CB8AC3E}">
-        <p14:creationId xmlns:p14="http://schemas.microsoft.com/office/powerpoint/2010/main" val="2535133192"/>
+        <p14:creationId xmlns:p14="http://schemas.microsoft.com/office/powerpoint/2010/main" val="1536779091"/>
       </p:ext>
     </p:extLst>
   </p:cSld>
@@ -22416,34 +23021,7 @@
       </p:grpSpPr>
       <p:sp>
         <p:nvSpPr>
-          <p:cNvPr id="2" name="Text Placeholder 1"/>
-          <p:cNvSpPr>
-            <a:spLocks noGrp="1"/>
-          </p:cNvSpPr>
-          <p:nvPr>
-            <p:ph type="body" idx="1"/>
-          </p:nvPr>
-        </p:nvSpPr>
-        <p:spPr/>
-        <p:txBody>
-          <a:bodyPr/>
-          <a:lstStyle/>
-          <a:p>
-            <a:r>
-              <a:rPr lang="en-AU" dirty="0" smtClean="0"/>
-              <a:t>Lets jump into the </a:t>
-            </a:r>
-            <a:r>
-              <a:rPr lang="en-AU" dirty="0" smtClean="0"/>
-              <a:t>note app and break stuff!</a:t>
-            </a:r>
-            <a:endParaRPr lang="en-AU" dirty="0"/>
-          </a:p>
-        </p:txBody>
-      </p:sp>
-      <p:sp>
-        <p:nvSpPr>
-          <p:cNvPr id="3" name="Title 2"/>
+          <p:cNvPr id="2" name="Title 1"/>
           <p:cNvSpPr>
             <a:spLocks noGrp="1"/>
           </p:cNvSpPr>
@@ -22457,8 +23035,374 @@
           <a:lstStyle/>
           <a:p>
             <a:r>
+              <a:rPr lang="en-AU" dirty="0" err="1" smtClean="0"/>
+              <a:t>Whamlet</a:t>
+            </a:r>
+            <a:r>
               <a:rPr lang="en-AU" dirty="0" smtClean="0"/>
-              <a:t>Type-Safety Demo </a:t>
+              <a:t> Literal HTML</a:t>
+            </a:r>
+            <a:endParaRPr lang="en-AU" dirty="0"/>
+          </a:p>
+        </p:txBody>
+      </p:sp>
+      <p:sp>
+        <p:nvSpPr>
+          <p:cNvPr id="3" name="Content Placeholder 2"/>
+          <p:cNvSpPr>
+            <a:spLocks noGrp="1"/>
+          </p:cNvSpPr>
+          <p:nvPr>
+            <p:ph sz="quarter" idx="1"/>
+          </p:nvPr>
+        </p:nvSpPr>
+        <p:spPr>
+          <a:xfrm>
+            <a:off x="612648" y="4351316"/>
+            <a:ext cx="8153400" cy="1744683"/>
+          </a:xfrm>
+        </p:spPr>
+        <p:txBody>
+          <a:bodyPr/>
+          <a:lstStyle/>
+          <a:p>
+            <a:r>
+              <a:rPr lang="en-AU" dirty="0" smtClean="0"/>
+              <a:t>Using </a:t>
+            </a:r>
+            <a:r>
+              <a:rPr lang="en-AU" dirty="0" err="1" smtClean="0"/>
+              <a:t>Text.Blaze</a:t>
+            </a:r>
+            <a:r>
+              <a:rPr lang="en-AU" dirty="0" smtClean="0"/>
+              <a:t> </a:t>
+            </a:r>
+            <a:r>
+              <a:rPr lang="en-AU" dirty="0" err="1" smtClean="0"/>
+              <a:t>preEscaped</a:t>
+            </a:r>
+            <a:r>
+              <a:rPr lang="en-AU" dirty="0" smtClean="0"/>
+              <a:t> test. Literal HTML is appended to widget. </a:t>
+            </a:r>
+            <a:endParaRPr lang="en-AU" dirty="0"/>
+          </a:p>
+        </p:txBody>
+      </p:sp>
+      <p:sp>
+        <p:nvSpPr>
+          <p:cNvPr id="4" name="TextBox 3"/>
+          <p:cNvSpPr txBox="1"/>
+          <p:nvPr/>
+        </p:nvSpPr>
+        <p:spPr>
+          <a:xfrm>
+            <a:off x="654538" y="3097027"/>
+            <a:ext cx="7941898" cy="646331"/>
+          </a:xfrm>
+          <a:prstGeom prst="rect">
+            <a:avLst/>
+          </a:prstGeom>
+        </p:spPr>
+        <p:style>
+          <a:lnRef idx="2">
+            <a:schemeClr val="accent2"/>
+          </a:lnRef>
+          <a:fillRef idx="1">
+            <a:schemeClr val="lt1"/>
+          </a:fillRef>
+          <a:effectRef idx="0">
+            <a:schemeClr val="accent2"/>
+          </a:effectRef>
+          <a:fontRef idx="minor">
+            <a:schemeClr val="dk1"/>
+          </a:fontRef>
+        </p:style>
+        <p:txBody>
+          <a:bodyPr wrap="none" rtlCol="0">
+            <a:spAutoFit/>
+          </a:bodyPr>
+          <a:lstStyle/>
+          <a:p>
+            <a:r>
+              <a:rPr lang="en-AU" dirty="0" err="1">
+                <a:solidFill>
+                  <a:srgbClr val="213E3E"/>
+                </a:solidFill>
+                <a:latin typeface="Courier"/>
+              </a:rPr>
+              <a:t>toWidget</a:t>
+            </a:r>
+            <a:r>
+              <a:rPr lang="en-AU" dirty="0">
+                <a:solidFill>
+                  <a:srgbClr val="213E3E"/>
+                </a:solidFill>
+                <a:latin typeface="Courier"/>
+              </a:rPr>
+              <a:t> </a:t>
+            </a:r>
+            <a:r>
+              <a:rPr lang="en-AU" dirty="0">
+                <a:solidFill>
+                  <a:srgbClr val="FF4B31"/>
+                </a:solidFill>
+                <a:latin typeface="Monaco"/>
+              </a:rPr>
+              <a:t>$</a:t>
+            </a:r>
+            <a:r>
+              <a:rPr lang="en-AU" dirty="0">
+                <a:solidFill>
+                  <a:srgbClr val="213E3E"/>
+                </a:solidFill>
+                <a:latin typeface="Courier"/>
+              </a:rPr>
+              <a:t> ( </a:t>
+            </a:r>
+            <a:r>
+              <a:rPr lang="en-AU" dirty="0" err="1">
+                <a:solidFill>
+                  <a:srgbClr val="213E3E"/>
+                </a:solidFill>
+                <a:latin typeface="Courier"/>
+              </a:rPr>
+              <a:t>preEscapedText</a:t>
+            </a:r>
+            <a:r>
+              <a:rPr lang="en-AU" dirty="0">
+                <a:solidFill>
+                  <a:srgbClr val="213E3E"/>
+                </a:solidFill>
+                <a:latin typeface="Courier"/>
+              </a:rPr>
+              <a:t> </a:t>
+            </a:r>
+            <a:r>
+              <a:rPr lang="en-AU" dirty="0">
+                <a:solidFill>
+                  <a:srgbClr val="FF4B31"/>
+                </a:solidFill>
+                <a:latin typeface="Monaco"/>
+              </a:rPr>
+              <a:t>.</a:t>
+            </a:r>
+            <a:r>
+              <a:rPr lang="en-AU" dirty="0">
+                <a:solidFill>
+                  <a:srgbClr val="213E3E"/>
+                </a:solidFill>
+                <a:latin typeface="Courier"/>
+              </a:rPr>
+              <a:t> pack) </a:t>
+            </a:r>
+            <a:r>
+              <a:rPr lang="en-AU" dirty="0">
+                <a:solidFill>
+                  <a:srgbClr val="8100CA"/>
+                </a:solidFill>
+                <a:latin typeface="Monaco"/>
+              </a:rPr>
+              <a:t>"&lt;h1&gt;Notes&lt;/h1&gt;&lt;</a:t>
+            </a:r>
+            <a:r>
+              <a:rPr lang="en-AU" dirty="0" err="1">
+                <a:solidFill>
+                  <a:srgbClr val="8100CA"/>
+                </a:solidFill>
+                <a:latin typeface="Monaco"/>
+              </a:rPr>
+              <a:t>ul</a:t>
+            </a:r>
+            <a:r>
+              <a:rPr lang="en-AU" dirty="0">
+                <a:solidFill>
+                  <a:srgbClr val="8100CA"/>
+                </a:solidFill>
+                <a:latin typeface="Monaco"/>
+              </a:rPr>
+              <a:t>&gt;"</a:t>
+            </a:r>
+            <a:endParaRPr lang="en-AU" dirty="0">
+              <a:solidFill>
+                <a:srgbClr val="213E3E"/>
+              </a:solidFill>
+              <a:latin typeface="Courier"/>
+            </a:endParaRPr>
+          </a:p>
+          <a:p>
+            <a:endParaRPr lang="en-AU" dirty="0"/>
+          </a:p>
+        </p:txBody>
+      </p:sp>
+      <p:sp>
+        <p:nvSpPr>
+          <p:cNvPr id="5" name="TextBox 4"/>
+          <p:cNvSpPr txBox="1"/>
+          <p:nvPr/>
+        </p:nvSpPr>
+        <p:spPr>
+          <a:xfrm>
+            <a:off x="654538" y="1918670"/>
+            <a:ext cx="1985452" cy="923330"/>
+          </a:xfrm>
+          <a:prstGeom prst="rect">
+            <a:avLst/>
+          </a:prstGeom>
+        </p:spPr>
+        <p:style>
+          <a:lnRef idx="2">
+            <a:schemeClr val="accent1"/>
+          </a:lnRef>
+          <a:fillRef idx="1">
+            <a:schemeClr val="lt1"/>
+          </a:fillRef>
+          <a:effectRef idx="0">
+            <a:schemeClr val="accent1"/>
+          </a:effectRef>
+          <a:fontRef idx="minor">
+            <a:schemeClr val="dk1"/>
+          </a:fontRef>
+        </p:style>
+        <p:txBody>
+          <a:bodyPr wrap="none" rtlCol="0">
+            <a:spAutoFit/>
+          </a:bodyPr>
+          <a:lstStyle/>
+          <a:p>
+            <a:r>
+              <a:rPr lang="en-AU" dirty="0">
+                <a:solidFill>
+                  <a:srgbClr val="213E3E"/>
+                </a:solidFill>
+                <a:latin typeface="Courier"/>
+              </a:rPr>
+              <a:t>[</a:t>
+            </a:r>
+            <a:r>
+              <a:rPr lang="en-AU" dirty="0" err="1">
+                <a:solidFill>
+                  <a:srgbClr val="213E3E"/>
+                </a:solidFill>
+                <a:latin typeface="Courier"/>
+              </a:rPr>
+              <a:t>whamlet</a:t>
+            </a:r>
+            <a:r>
+              <a:rPr lang="en-AU" dirty="0">
+                <a:solidFill>
+                  <a:srgbClr val="FF4B31"/>
+                </a:solidFill>
+                <a:latin typeface="Monaco"/>
+              </a:rPr>
+              <a:t>|</a:t>
+            </a:r>
+            <a:endParaRPr lang="en-AU" dirty="0">
+              <a:solidFill>
+                <a:srgbClr val="213E3E"/>
+              </a:solidFill>
+              <a:latin typeface="Courier"/>
+            </a:endParaRPr>
+          </a:p>
+          <a:p>
+            <a:r>
+              <a:rPr lang="en-AU" dirty="0">
+                <a:solidFill>
+                  <a:srgbClr val="213E3E"/>
+                </a:solidFill>
+                <a:latin typeface="Courier"/>
+              </a:rPr>
+              <a:t>    </a:t>
+            </a:r>
+            <a:r>
+              <a:rPr lang="en-AU" dirty="0">
+                <a:solidFill>
+                  <a:srgbClr val="FF4B31"/>
+                </a:solidFill>
+                <a:latin typeface="Monaco"/>
+              </a:rPr>
+              <a:t>&lt;</a:t>
+            </a:r>
+            <a:r>
+              <a:rPr lang="en-AU" dirty="0">
+                <a:solidFill>
+                  <a:srgbClr val="213E3E"/>
+                </a:solidFill>
+                <a:latin typeface="Courier"/>
+              </a:rPr>
+              <a:t>h1</a:t>
+            </a:r>
+            <a:r>
+              <a:rPr lang="en-AU" dirty="0">
+                <a:solidFill>
+                  <a:srgbClr val="FF4B31"/>
+                </a:solidFill>
+                <a:latin typeface="Monaco"/>
+              </a:rPr>
+              <a:t>&gt;</a:t>
+            </a:r>
+            <a:r>
+              <a:rPr lang="en-AU" dirty="0">
+                <a:solidFill>
+                  <a:srgbClr val="D79310"/>
+                </a:solidFill>
+                <a:latin typeface="Monaco"/>
+              </a:rPr>
+              <a:t>Notes</a:t>
+            </a:r>
+            <a:endParaRPr lang="en-AU" dirty="0">
+              <a:solidFill>
+                <a:srgbClr val="213E3E"/>
+              </a:solidFill>
+              <a:latin typeface="Courier"/>
+            </a:endParaRPr>
+          </a:p>
+          <a:p>
+            <a:r>
+              <a:rPr lang="en-AU" dirty="0">
+                <a:solidFill>
+                  <a:srgbClr val="213E3E"/>
+                </a:solidFill>
+                <a:latin typeface="Courier"/>
+              </a:rPr>
+              <a:t>      </a:t>
+            </a:r>
+            <a:r>
+              <a:rPr lang="en-AU" dirty="0">
+                <a:solidFill>
+                  <a:srgbClr val="FF4B31"/>
+                </a:solidFill>
+                <a:latin typeface="Monaco"/>
+              </a:rPr>
+              <a:t>&lt;</a:t>
+            </a:r>
+            <a:r>
+              <a:rPr lang="en-AU" dirty="0" err="1">
+                <a:solidFill>
+                  <a:srgbClr val="213E3E"/>
+                </a:solidFill>
+                <a:latin typeface="Courier"/>
+              </a:rPr>
+              <a:t>ul</a:t>
+            </a:r>
+            <a:r>
+              <a:rPr lang="en-AU" dirty="0">
+                <a:solidFill>
+                  <a:srgbClr val="FF4B31"/>
+                </a:solidFill>
+                <a:latin typeface="Monaco"/>
+              </a:rPr>
+              <a:t>&gt;</a:t>
+            </a:r>
+            <a:r>
+              <a:rPr lang="en-AU" dirty="0">
+                <a:solidFill>
+                  <a:srgbClr val="213E3E"/>
+                </a:solidFill>
+                <a:latin typeface="Courier"/>
+              </a:rPr>
+              <a:t> </a:t>
             </a:r>
             <a:endParaRPr lang="en-AU" dirty="0"/>
           </a:p>
@@ -22467,7 +23411,7 @@
     </p:spTree>
     <p:extLst>
       <p:ext uri="{BB962C8B-B14F-4D97-AF65-F5344CB8AC3E}">
-        <p14:creationId xmlns:p14="http://schemas.microsoft.com/office/powerpoint/2010/main" val="4253533108"/>
+        <p14:creationId xmlns:p14="http://schemas.microsoft.com/office/powerpoint/2010/main" val="3990415918"/>
       </p:ext>
     </p:extLst>
   </p:cSld>
@@ -22503,30 +23447,7 @@
       </p:grpSpPr>
       <p:sp>
         <p:nvSpPr>
-          <p:cNvPr id="2" name="Text Placeholder 1"/>
-          <p:cNvSpPr>
-            <a:spLocks noGrp="1"/>
-          </p:cNvSpPr>
-          <p:nvPr>
-            <p:ph type="body" idx="1"/>
-          </p:nvPr>
-        </p:nvSpPr>
-        <p:spPr/>
-        <p:txBody>
-          <a:bodyPr/>
-          <a:lstStyle/>
-          <a:p>
-            <a:r>
-              <a:rPr lang="en-AU" dirty="0" smtClean="0"/>
-              <a:t>A quick mention of neat features that we couldn’t cover in the talk. </a:t>
-            </a:r>
-            <a:endParaRPr lang="en-AU" dirty="0"/>
-          </a:p>
-        </p:txBody>
-      </p:sp>
-      <p:sp>
-        <p:nvSpPr>
-          <p:cNvPr id="3" name="Title 2"/>
+          <p:cNvPr id="2" name="Title 1"/>
           <p:cNvSpPr>
             <a:spLocks noGrp="1"/>
           </p:cNvSpPr>
@@ -22536,27 +23457,240 @@
         </p:nvSpPr>
         <p:spPr/>
         <p:txBody>
+          <a:bodyPr>
+            <a:normAutofit/>
+          </a:bodyPr>
+          <a:lstStyle/>
+          <a:p>
+            <a:r>
+              <a:rPr lang="en-AU" dirty="0" err="1" smtClean="0"/>
+              <a:t>Whamlet</a:t>
+            </a:r>
+            <a:r>
+              <a:rPr lang="en-AU" dirty="0" smtClean="0"/>
+              <a:t> String Interpolation</a:t>
+            </a:r>
+            <a:endParaRPr lang="en-AU" dirty="0"/>
+          </a:p>
+        </p:txBody>
+      </p:sp>
+      <p:sp>
+        <p:nvSpPr>
+          <p:cNvPr id="3" name="Content Placeholder 2"/>
+          <p:cNvSpPr>
+            <a:spLocks noGrp="1"/>
+          </p:cNvSpPr>
+          <p:nvPr>
+            <p:ph sz="quarter" idx="1"/>
+          </p:nvPr>
+        </p:nvSpPr>
+        <p:spPr>
+          <a:xfrm>
+            <a:off x="612648" y="3268409"/>
+            <a:ext cx="8153400" cy="3189654"/>
+          </a:xfrm>
+        </p:spPr>
+        <p:txBody>
           <a:bodyPr/>
           <a:lstStyle/>
           <a:p>
             <a:r>
               <a:rPr lang="en-AU" dirty="0" smtClean="0"/>
-              <a:t>Beyond these examples</a:t>
+              <a:t>Using </a:t>
+            </a:r>
+            <a:r>
+              <a:rPr lang="en-AU" dirty="0" err="1" smtClean="0"/>
+              <a:t>Text.Blaze</a:t>
+            </a:r>
+            <a:r>
+              <a:rPr lang="en-AU" dirty="0" smtClean="0"/>
+              <a:t> </a:t>
+            </a:r>
+            <a:r>
+              <a:rPr lang="en-AU" dirty="0" err="1" smtClean="0"/>
+              <a:t>toHtml</a:t>
+            </a:r>
+            <a:r>
+              <a:rPr lang="en-AU" dirty="0" smtClean="0"/>
+              <a:t>. Any string interpolation is automatically escaped. </a:t>
+            </a:r>
+          </a:p>
+          <a:p>
+            <a:r>
+              <a:rPr lang="en-AU" dirty="0" smtClean="0"/>
+              <a:t>There are ways to put </a:t>
+            </a:r>
+            <a:r>
+              <a:rPr lang="en-AU" dirty="0" err="1" smtClean="0"/>
+              <a:t>haskell</a:t>
+            </a:r>
+            <a:r>
+              <a:rPr lang="en-AU" dirty="0" smtClean="0"/>
+              <a:t> strings un-escaped into a widget. They are just rightfully not in plain sight.. </a:t>
             </a:r>
             <a:endParaRPr lang="en-AU" dirty="0"/>
+          </a:p>
+        </p:txBody>
+      </p:sp>
+      <p:sp>
+        <p:nvSpPr>
+          <p:cNvPr id="4" name="TextBox 3"/>
+          <p:cNvSpPr txBox="1"/>
+          <p:nvPr/>
+        </p:nvSpPr>
+        <p:spPr>
+          <a:xfrm>
+            <a:off x="612648" y="2535885"/>
+            <a:ext cx="4894414" cy="369332"/>
+          </a:xfrm>
+          <a:prstGeom prst="rect">
+            <a:avLst/>
+          </a:prstGeom>
+        </p:spPr>
+        <p:style>
+          <a:lnRef idx="2">
+            <a:schemeClr val="accent2"/>
+          </a:lnRef>
+          <a:fillRef idx="1">
+            <a:schemeClr val="lt1"/>
+          </a:fillRef>
+          <a:effectRef idx="0">
+            <a:schemeClr val="accent2"/>
+          </a:effectRef>
+          <a:fontRef idx="minor">
+            <a:schemeClr val="dk1"/>
+          </a:fontRef>
+        </p:style>
+        <p:txBody>
+          <a:bodyPr wrap="none" rtlCol="0">
+            <a:spAutoFit/>
+          </a:bodyPr>
+          <a:lstStyle/>
+          <a:p>
+            <a:r>
+              <a:rPr lang="en-AU" dirty="0" err="1">
+                <a:solidFill>
+                  <a:srgbClr val="213E3E"/>
+                </a:solidFill>
+                <a:latin typeface="Courier"/>
+              </a:rPr>
+              <a:t>toWidget</a:t>
+            </a:r>
+            <a:r>
+              <a:rPr lang="en-AU" dirty="0">
+                <a:solidFill>
+                  <a:srgbClr val="213E3E"/>
+                </a:solidFill>
+                <a:latin typeface="Courier"/>
+              </a:rPr>
+              <a:t> (</a:t>
+            </a:r>
+            <a:r>
+              <a:rPr lang="en-AU" dirty="0" err="1">
+                <a:solidFill>
+                  <a:srgbClr val="213E3E"/>
+                </a:solidFill>
+                <a:latin typeface="Courier"/>
+              </a:rPr>
+              <a:t>toHtml</a:t>
+            </a:r>
+            <a:r>
+              <a:rPr lang="en-AU" dirty="0">
+                <a:solidFill>
+                  <a:srgbClr val="213E3E"/>
+                </a:solidFill>
+                <a:latin typeface="Courier"/>
+              </a:rPr>
+              <a:t> (</a:t>
+            </a:r>
+            <a:r>
+              <a:rPr lang="en-AU" dirty="0" err="1">
+                <a:solidFill>
+                  <a:srgbClr val="213E3E"/>
+                </a:solidFill>
+                <a:latin typeface="Courier"/>
+              </a:rPr>
+              <a:t>noteTitle</a:t>
+            </a:r>
+            <a:r>
+              <a:rPr lang="en-AU" dirty="0">
+                <a:solidFill>
+                  <a:srgbClr val="213E3E"/>
+                </a:solidFill>
+                <a:latin typeface="Courier"/>
+              </a:rPr>
+              <a:t> note))</a:t>
+            </a:r>
+          </a:p>
+        </p:txBody>
+      </p:sp>
+      <p:sp>
+        <p:nvSpPr>
+          <p:cNvPr id="5" name="TextBox 4"/>
+          <p:cNvSpPr txBox="1"/>
+          <p:nvPr/>
+        </p:nvSpPr>
+        <p:spPr>
+          <a:xfrm>
+            <a:off x="654538" y="1918670"/>
+            <a:ext cx="1725991" cy="369332"/>
+          </a:xfrm>
+          <a:prstGeom prst="rect">
+            <a:avLst/>
+          </a:prstGeom>
+        </p:spPr>
+        <p:style>
+          <a:lnRef idx="2">
+            <a:schemeClr val="accent1"/>
+          </a:lnRef>
+          <a:fillRef idx="1">
+            <a:schemeClr val="lt1"/>
+          </a:fillRef>
+          <a:effectRef idx="0">
+            <a:schemeClr val="accent1"/>
+          </a:effectRef>
+          <a:fontRef idx="minor">
+            <a:schemeClr val="dk1"/>
+          </a:fontRef>
+        </p:style>
+        <p:txBody>
+          <a:bodyPr wrap="none" rtlCol="0">
+            <a:spAutoFit/>
+          </a:bodyPr>
+          <a:lstStyle/>
+          <a:p>
+            <a:r>
+              <a:rPr lang="en-AU" dirty="0"/>
+              <a:t>#{</a:t>
+            </a:r>
+            <a:r>
+              <a:rPr lang="en-AU" dirty="0" err="1"/>
+              <a:t>noteTitle</a:t>
+            </a:r>
+            <a:r>
+              <a:rPr lang="en-AU" dirty="0"/>
+              <a:t> note}</a:t>
+            </a:r>
           </a:p>
         </p:txBody>
       </p:sp>
     </p:spTree>
     <p:extLst>
       <p:ext uri="{BB962C8B-B14F-4D97-AF65-F5344CB8AC3E}">
-        <p14:creationId xmlns:p14="http://schemas.microsoft.com/office/powerpoint/2010/main" val="1616194526"/>
+        <p14:creationId xmlns:p14="http://schemas.microsoft.com/office/powerpoint/2010/main" val="3912255057"/>
       </p:ext>
     </p:extLst>
   </p:cSld>
   <p:clrMapOvr>
     <a:masterClrMapping/>
   </p:clrMapOvr>
+  <p:timing>
+    <p:tnLst>
+      <p:par>
+        <p:cTn xmlns:p14="http://schemas.microsoft.com/office/powerpoint/2010/main" id="1" dur="indefinite" restart="never" nodeType="tmRoot"/>
+      </p:par>
+    </p:tnLst>
+  </p:timing>
 </p:sld>
 </file>
 
@@ -22579,26 +23713,7 @@
       </p:grpSpPr>
       <p:sp>
         <p:nvSpPr>
-          <p:cNvPr id="2" name="Text Placeholder 1"/>
-          <p:cNvSpPr>
-            <a:spLocks noGrp="1"/>
-          </p:cNvSpPr>
-          <p:nvPr>
-            <p:ph type="body" idx="1"/>
-          </p:nvPr>
-        </p:nvSpPr>
-        <p:spPr/>
-        <p:txBody>
-          <a:bodyPr/>
-          <a:lstStyle/>
-          <a:p>
-            <a:endParaRPr lang="en-AU"/>
-          </a:p>
-        </p:txBody>
-      </p:sp>
-      <p:sp>
-        <p:nvSpPr>
-          <p:cNvPr id="3" name="Title 2"/>
+          <p:cNvPr id="2" name="Title 1"/>
           <p:cNvSpPr>
             <a:spLocks noGrp="1"/>
           </p:cNvSpPr>
@@ -22608,21 +23723,418 @@
         </p:nvSpPr>
         <p:spPr/>
         <p:txBody>
+          <a:bodyPr>
+            <a:normAutofit/>
+          </a:bodyPr>
+          <a:lstStyle/>
+          <a:p>
+            <a:r>
+              <a:rPr lang="en-AU" dirty="0" err="1" smtClean="0"/>
+              <a:t>Whamlet</a:t>
+            </a:r>
+            <a:r>
+              <a:rPr lang="en-AU" dirty="0" smtClean="0"/>
+              <a:t> Route Interpolation</a:t>
+            </a:r>
+            <a:endParaRPr lang="en-AU" dirty="0"/>
+          </a:p>
+        </p:txBody>
+      </p:sp>
+      <p:sp>
+        <p:nvSpPr>
+          <p:cNvPr id="3" name="Content Placeholder 2"/>
+          <p:cNvSpPr>
+            <a:spLocks noGrp="1"/>
+          </p:cNvSpPr>
+          <p:nvPr>
+            <p:ph sz="quarter" idx="1"/>
+          </p:nvPr>
+        </p:nvSpPr>
+        <p:spPr>
+          <a:xfrm>
+            <a:off x="612648" y="4351316"/>
+            <a:ext cx="8153400" cy="1744683"/>
+          </a:xfrm>
+        </p:spPr>
+        <p:txBody>
           <a:bodyPr/>
           <a:lstStyle/>
           <a:p>
             <a:r>
               <a:rPr lang="en-AU" dirty="0" smtClean="0"/>
-              <a:t>Questions</a:t>
+              <a:t>Using </a:t>
+            </a:r>
+            <a:r>
+              <a:rPr lang="en-AU" dirty="0" err="1" smtClean="0"/>
+              <a:t>Text.Blaze</a:t>
+            </a:r>
+            <a:r>
+              <a:rPr lang="en-AU" dirty="0" smtClean="0"/>
+              <a:t> </a:t>
+            </a:r>
+            <a:r>
+              <a:rPr lang="en-AU" dirty="0" err="1" smtClean="0"/>
+              <a:t>preEscaped</a:t>
+            </a:r>
+            <a:r>
+              <a:rPr lang="en-AU" dirty="0" smtClean="0"/>
+              <a:t> test. Literal HTML is appended to widget. </a:t>
             </a:r>
             <a:endParaRPr lang="en-AU" dirty="0"/>
+          </a:p>
+        </p:txBody>
+      </p:sp>
+      <p:sp>
+        <p:nvSpPr>
+          <p:cNvPr id="4" name="TextBox 3"/>
+          <p:cNvSpPr txBox="1"/>
+          <p:nvPr/>
+        </p:nvSpPr>
+        <p:spPr>
+          <a:xfrm>
+            <a:off x="382409" y="2744236"/>
+            <a:ext cx="8544899" cy="1200329"/>
+          </a:xfrm>
+          <a:prstGeom prst="rect">
+            <a:avLst/>
+          </a:prstGeom>
+        </p:spPr>
+        <p:style>
+          <a:lnRef idx="2">
+            <a:schemeClr val="accent2"/>
+          </a:lnRef>
+          <a:fillRef idx="1">
+            <a:schemeClr val="lt1"/>
+          </a:fillRef>
+          <a:effectRef idx="0">
+            <a:schemeClr val="accent2"/>
+          </a:effectRef>
+          <a:fontRef idx="minor">
+            <a:schemeClr val="dk1"/>
+          </a:fontRef>
+        </p:style>
+        <p:txBody>
+          <a:bodyPr wrap="square" rtlCol="0">
+            <a:spAutoFit/>
+          </a:bodyPr>
+          <a:lstStyle/>
+          <a:p>
+            <a:r>
+              <a:rPr lang="en-AU" dirty="0">
+                <a:solidFill>
+                  <a:srgbClr val="213E3E"/>
+                </a:solidFill>
+                <a:latin typeface="Courier"/>
+              </a:rPr>
+              <a:t>((lift </a:t>
+            </a:r>
+            <a:r>
+              <a:rPr lang="en-AU" dirty="0" err="1">
+                <a:solidFill>
+                  <a:srgbClr val="213E3E"/>
+                </a:solidFill>
+                <a:latin typeface="Courier"/>
+              </a:rPr>
+              <a:t>getUrlRenderParams</a:t>
+            </a:r>
+            <a:r>
+              <a:rPr lang="en-AU" dirty="0">
+                <a:solidFill>
+                  <a:srgbClr val="213E3E"/>
+                </a:solidFill>
+                <a:latin typeface="Courier"/>
+              </a:rPr>
+              <a:t>)</a:t>
+            </a:r>
+          </a:p>
+          <a:p>
+            <a:r>
+              <a:rPr lang="en-AU" dirty="0" smtClean="0">
+                <a:solidFill>
+                  <a:srgbClr val="FF4B31"/>
+                </a:solidFill>
+                <a:latin typeface="Monaco"/>
+              </a:rPr>
+              <a:t>  &gt;</a:t>
+            </a:r>
+            <a:r>
+              <a:rPr lang="en-AU" dirty="0">
+                <a:solidFill>
+                  <a:srgbClr val="FF4B31"/>
+                </a:solidFill>
+                <a:latin typeface="Monaco"/>
+              </a:rPr>
+              <a:t>&gt;=</a:t>
+            </a:r>
+            <a:endParaRPr lang="en-AU" dirty="0">
+              <a:solidFill>
+                <a:srgbClr val="213E3E"/>
+              </a:solidFill>
+              <a:latin typeface="Courier"/>
+            </a:endParaRPr>
+          </a:p>
+          <a:p>
+            <a:r>
+              <a:rPr lang="de-DE" dirty="0" smtClean="0">
+                <a:solidFill>
+                  <a:srgbClr val="213E3E"/>
+                </a:solidFill>
+                <a:latin typeface="Courier"/>
+              </a:rPr>
+              <a:t>  (</a:t>
+            </a:r>
+            <a:r>
+              <a:rPr lang="de-DE" dirty="0">
+                <a:solidFill>
+                  <a:srgbClr val="FF4B31"/>
+                </a:solidFill>
+                <a:latin typeface="Monaco"/>
+              </a:rPr>
+              <a:t>\</a:t>
+            </a:r>
+            <a:r>
+              <a:rPr lang="de-DE" dirty="0">
+                <a:solidFill>
+                  <a:srgbClr val="213E3E"/>
+                </a:solidFill>
+                <a:latin typeface="Courier"/>
+              </a:rPr>
+              <a:t> </a:t>
+            </a:r>
+            <a:r>
+              <a:rPr lang="de-DE" dirty="0" err="1">
+                <a:solidFill>
+                  <a:srgbClr val="213E3E"/>
+                </a:solidFill>
+                <a:latin typeface="Courier"/>
+              </a:rPr>
+              <a:t>urender</a:t>
+            </a:r>
+            <a:r>
+              <a:rPr lang="de-DE" dirty="0">
+                <a:solidFill>
+                  <a:srgbClr val="213E3E"/>
+                </a:solidFill>
+                <a:latin typeface="Courier"/>
+              </a:rPr>
+              <a:t> </a:t>
+            </a:r>
+            <a:r>
+              <a:rPr lang="de-DE" dirty="0">
+                <a:solidFill>
+                  <a:srgbClr val="FF4B31"/>
+                </a:solidFill>
+                <a:latin typeface="Monaco"/>
+              </a:rPr>
+              <a:t>-&gt;</a:t>
+            </a:r>
+            <a:r>
+              <a:rPr lang="de-DE" dirty="0">
+                <a:solidFill>
+                  <a:srgbClr val="213E3E"/>
+                </a:solidFill>
+                <a:latin typeface="Courier"/>
+              </a:rPr>
+              <a:t> </a:t>
+            </a:r>
+            <a:r>
+              <a:rPr lang="de-DE" dirty="0" err="1">
+                <a:solidFill>
+                  <a:srgbClr val="213E3E"/>
+                </a:solidFill>
+                <a:latin typeface="Courier"/>
+              </a:rPr>
+              <a:t>toWidget</a:t>
+            </a:r>
+            <a:r>
+              <a:rPr lang="de-DE" dirty="0">
+                <a:solidFill>
+                  <a:srgbClr val="213E3E"/>
+                </a:solidFill>
+                <a:latin typeface="Courier"/>
+              </a:rPr>
+              <a:t> (</a:t>
+            </a:r>
+            <a:r>
+              <a:rPr lang="de-DE" dirty="0" err="1">
+                <a:solidFill>
+                  <a:srgbClr val="213E3E"/>
+                </a:solidFill>
+                <a:latin typeface="Courier"/>
+              </a:rPr>
+              <a:t>toHtml</a:t>
+            </a:r>
+            <a:r>
+              <a:rPr lang="de-DE" dirty="0">
+                <a:solidFill>
+                  <a:srgbClr val="213E3E"/>
+                </a:solidFill>
+                <a:latin typeface="Courier"/>
+              </a:rPr>
+              <a:t> (</a:t>
+            </a:r>
+            <a:r>
+              <a:rPr lang="de-DE" dirty="0" err="1">
+                <a:solidFill>
+                  <a:srgbClr val="213E3E"/>
+                </a:solidFill>
+                <a:latin typeface="Courier"/>
+              </a:rPr>
+              <a:t>urender</a:t>
+            </a:r>
+            <a:r>
+              <a:rPr lang="de-DE" dirty="0">
+                <a:solidFill>
+                  <a:srgbClr val="213E3E"/>
+                </a:solidFill>
+                <a:latin typeface="Courier"/>
+              </a:rPr>
+              <a:t> (</a:t>
+            </a:r>
+            <a:r>
+              <a:rPr lang="de-DE" dirty="0" err="1">
+                <a:solidFill>
+                  <a:srgbClr val="D79310"/>
+                </a:solidFill>
+                <a:latin typeface="Monaco"/>
+              </a:rPr>
+              <a:t>NoteR</a:t>
+            </a:r>
+            <a:r>
+              <a:rPr lang="de-DE" dirty="0">
+                <a:solidFill>
+                  <a:srgbClr val="213E3E"/>
+                </a:solidFill>
+                <a:latin typeface="Courier"/>
+              </a:rPr>
+              <a:t> </a:t>
+            </a:r>
+            <a:r>
+              <a:rPr lang="de-DE" dirty="0" err="1">
+                <a:solidFill>
+                  <a:srgbClr val="213E3E"/>
+                </a:solidFill>
+                <a:latin typeface="Courier"/>
+              </a:rPr>
+              <a:t>id</a:t>
+            </a:r>
+            <a:r>
+              <a:rPr lang="de-DE" dirty="0">
+                <a:solidFill>
+                  <a:srgbClr val="213E3E"/>
+                </a:solidFill>
+                <a:latin typeface="Courier"/>
+              </a:rPr>
+              <a:t>) </a:t>
+            </a:r>
+            <a:r>
+              <a:rPr lang="de-DE" dirty="0">
+                <a:solidFill>
+                  <a:srgbClr val="D79310"/>
+                </a:solidFill>
+                <a:latin typeface="Monaco"/>
+              </a:rPr>
+              <a:t>[]</a:t>
+            </a:r>
+            <a:r>
+              <a:rPr lang="de-DE" dirty="0">
+                <a:solidFill>
+                  <a:srgbClr val="213E3E"/>
+                </a:solidFill>
+                <a:latin typeface="Courier"/>
+              </a:rPr>
+              <a:t> ))))</a:t>
+            </a:r>
+          </a:p>
+          <a:p>
+            <a:endParaRPr lang="en-AU" dirty="0"/>
+          </a:p>
+        </p:txBody>
+      </p:sp>
+      <p:sp>
+        <p:nvSpPr>
+          <p:cNvPr id="5" name="TextBox 4"/>
+          <p:cNvSpPr txBox="1"/>
+          <p:nvPr/>
+        </p:nvSpPr>
+        <p:spPr>
+          <a:xfrm>
+            <a:off x="654538" y="1918670"/>
+            <a:ext cx="1708408" cy="369332"/>
+          </a:xfrm>
+          <a:prstGeom prst="rect">
+            <a:avLst/>
+          </a:prstGeom>
+        </p:spPr>
+        <p:style>
+          <a:lnRef idx="2">
+            <a:schemeClr val="accent1"/>
+          </a:lnRef>
+          <a:fillRef idx="1">
+            <a:schemeClr val="lt1"/>
+          </a:fillRef>
+          <a:effectRef idx="0">
+            <a:schemeClr val="accent1"/>
+          </a:effectRef>
+          <a:fontRef idx="minor">
+            <a:schemeClr val="dk1"/>
+          </a:fontRef>
+        </p:style>
+        <p:txBody>
+          <a:bodyPr wrap="none" rtlCol="0">
+            <a:spAutoFit/>
+          </a:bodyPr>
+          <a:lstStyle/>
+          <a:p>
+            <a:r>
+              <a:rPr lang="en-AU" dirty="0">
+                <a:solidFill>
+                  <a:srgbClr val="213E3E"/>
+                </a:solidFill>
+                <a:latin typeface="Courier"/>
+              </a:rPr>
+              <a:t>@{</a:t>
+            </a:r>
+            <a:r>
+              <a:rPr lang="en-AU" dirty="0" err="1">
+                <a:solidFill>
+                  <a:srgbClr val="213E3E"/>
+                </a:solidFill>
+                <a:latin typeface="Courier"/>
+              </a:rPr>
+              <a:t>NoteR</a:t>
+            </a:r>
+            <a:r>
+              <a:rPr lang="en-AU" dirty="0">
+                <a:solidFill>
+                  <a:srgbClr val="213E3E"/>
+                </a:solidFill>
+                <a:latin typeface="Courier"/>
+              </a:rPr>
+              <a:t> id</a:t>
+            </a:r>
+            <a:r>
+              <a:rPr lang="en-AU" dirty="0" smtClean="0">
+                <a:solidFill>
+                  <a:srgbClr val="213E3E"/>
+                </a:solidFill>
+                <a:latin typeface="Courier"/>
+              </a:rPr>
+              <a:t>}</a:t>
+            </a:r>
+            <a:endParaRPr lang="en-AU" dirty="0">
+              <a:solidFill>
+                <a:srgbClr val="213E3E"/>
+              </a:solidFill>
+              <a:latin typeface="Courier"/>
+            </a:endParaRPr>
           </a:p>
         </p:txBody>
       </p:sp>
     </p:spTree>
     <p:extLst>
       <p:ext uri="{BB962C8B-B14F-4D97-AF65-F5344CB8AC3E}">
-        <p14:creationId xmlns:p14="http://schemas.microsoft.com/office/powerpoint/2010/main" val="1908588342"/>
+        <p14:creationId xmlns:p14="http://schemas.microsoft.com/office/powerpoint/2010/main" val="3912255057"/>
       </p:ext>
     </p:extLst>
   </p:cSld>
@@ -22673,7 +24185,15 @@
           <a:p>
             <a:r>
               <a:rPr lang="en-AU" dirty="0" smtClean="0"/>
-              <a:t>Open Questions to Discuss</a:t>
+              <a:t>Expanded </a:t>
+            </a:r>
+            <a:r>
+              <a:rPr lang="en-AU" dirty="0" err="1" smtClean="0"/>
+              <a:t>Whamlet</a:t>
+            </a:r>
+            <a:r>
+              <a:rPr lang="en-AU" dirty="0" smtClean="0"/>
+              <a:t>: Literal HTML</a:t>
             </a:r>
             <a:endParaRPr lang="en-AU" dirty="0"/>
           </a:p>
@@ -22689,35 +24209,353 @@
             <p:ph sz="quarter" idx="1"/>
           </p:nvPr>
         </p:nvSpPr>
-        <p:spPr/>
+        <p:spPr>
+          <a:xfrm>
+            <a:off x="612648" y="4351316"/>
+            <a:ext cx="8153400" cy="1744683"/>
+          </a:xfrm>
+        </p:spPr>
         <p:txBody>
           <a:bodyPr/>
           <a:lstStyle/>
           <a:p>
             <a:r>
               <a:rPr lang="en-AU" dirty="0" smtClean="0"/>
-              <a:t>Type errors are sometimes tricky to figure out. Forces you to know about the innards of generated code, sometimes:</a:t>
-            </a:r>
-          </a:p>
-          <a:p>
-            <a:pPr lvl="1"/>
+              <a:t>Using </a:t>
+            </a:r>
+            <a:r>
+              <a:rPr lang="en-AU" dirty="0" err="1" smtClean="0"/>
+              <a:t>Text.Blaze</a:t>
+            </a:r>
             <a:r>
               <a:rPr lang="en-AU" dirty="0" smtClean="0"/>
-              <a:t>A necessary evil, and is worth it?</a:t>
-            </a:r>
-          </a:p>
-          <a:p>
-            <a:pPr lvl="1"/>
+              <a:t> </a:t>
+            </a:r>
+            <a:r>
+              <a:rPr lang="en-AU" dirty="0" err="1" smtClean="0"/>
+              <a:t>preEscaped</a:t>
+            </a:r>
             <a:r>
               <a:rPr lang="en-AU" dirty="0" smtClean="0"/>
-              <a:t>Better to write the boilerplate?</a:t>
-            </a:r>
-          </a:p>
-          <a:p>
-            <a:pPr lvl="1"/>
-            <a:r>
-              <a:rPr lang="en-AU" dirty="0" smtClean="0"/>
-              <a:t>Better to avoid the types and headache? </a:t>
+              <a:t> test. Literal HTML is appended to widget. </a:t>
+            </a:r>
+            <a:endParaRPr lang="en-AU" dirty="0"/>
+          </a:p>
+        </p:txBody>
+      </p:sp>
+      <p:sp>
+        <p:nvSpPr>
+          <p:cNvPr id="4" name="TextBox 3"/>
+          <p:cNvSpPr txBox="1"/>
+          <p:nvPr/>
+        </p:nvSpPr>
+        <p:spPr>
+          <a:xfrm>
+            <a:off x="654538" y="3097027"/>
+            <a:ext cx="7941898" cy="646331"/>
+          </a:xfrm>
+          <a:prstGeom prst="rect">
+            <a:avLst/>
+          </a:prstGeom>
+        </p:spPr>
+        <p:style>
+          <a:lnRef idx="2">
+            <a:schemeClr val="accent2"/>
+          </a:lnRef>
+          <a:fillRef idx="1">
+            <a:schemeClr val="lt1"/>
+          </a:fillRef>
+          <a:effectRef idx="0">
+            <a:schemeClr val="accent2"/>
+          </a:effectRef>
+          <a:fontRef idx="minor">
+            <a:schemeClr val="dk1"/>
+          </a:fontRef>
+        </p:style>
+        <p:txBody>
+          <a:bodyPr wrap="none" rtlCol="0">
+            <a:spAutoFit/>
+          </a:bodyPr>
+          <a:lstStyle/>
+          <a:p>
+            <a:r>
+              <a:rPr lang="en-AU" dirty="0" err="1">
+                <a:solidFill>
+                  <a:srgbClr val="213E3E"/>
+                </a:solidFill>
+                <a:latin typeface="Courier"/>
+              </a:rPr>
+              <a:t>toWidget</a:t>
+            </a:r>
+            <a:r>
+              <a:rPr lang="en-AU" dirty="0">
+                <a:solidFill>
+                  <a:srgbClr val="213E3E"/>
+                </a:solidFill>
+                <a:latin typeface="Courier"/>
+              </a:rPr>
+              <a:t> </a:t>
+            </a:r>
+            <a:r>
+              <a:rPr lang="en-AU" dirty="0">
+                <a:solidFill>
+                  <a:srgbClr val="FF4B31"/>
+                </a:solidFill>
+                <a:latin typeface="Monaco"/>
+              </a:rPr>
+              <a:t>$</a:t>
+            </a:r>
+            <a:r>
+              <a:rPr lang="en-AU" dirty="0">
+                <a:solidFill>
+                  <a:srgbClr val="213E3E"/>
+                </a:solidFill>
+                <a:latin typeface="Courier"/>
+              </a:rPr>
+              <a:t> ( </a:t>
+            </a:r>
+            <a:r>
+              <a:rPr lang="en-AU" dirty="0" err="1">
+                <a:solidFill>
+                  <a:srgbClr val="213E3E"/>
+                </a:solidFill>
+                <a:latin typeface="Courier"/>
+              </a:rPr>
+              <a:t>preEscapedText</a:t>
+            </a:r>
+            <a:r>
+              <a:rPr lang="en-AU" dirty="0">
+                <a:solidFill>
+                  <a:srgbClr val="213E3E"/>
+                </a:solidFill>
+                <a:latin typeface="Courier"/>
+              </a:rPr>
+              <a:t> </a:t>
+            </a:r>
+            <a:r>
+              <a:rPr lang="en-AU" dirty="0">
+                <a:solidFill>
+                  <a:srgbClr val="FF4B31"/>
+                </a:solidFill>
+                <a:latin typeface="Monaco"/>
+              </a:rPr>
+              <a:t>.</a:t>
+            </a:r>
+            <a:r>
+              <a:rPr lang="en-AU" dirty="0">
+                <a:solidFill>
+                  <a:srgbClr val="213E3E"/>
+                </a:solidFill>
+                <a:latin typeface="Courier"/>
+              </a:rPr>
+              <a:t> pack) </a:t>
+            </a:r>
+            <a:r>
+              <a:rPr lang="en-AU" dirty="0">
+                <a:solidFill>
+                  <a:srgbClr val="8100CA"/>
+                </a:solidFill>
+                <a:latin typeface="Monaco"/>
+              </a:rPr>
+              <a:t>"&lt;h1&gt;Notes&lt;/h1&gt;&lt;</a:t>
+            </a:r>
+            <a:r>
+              <a:rPr lang="en-AU" dirty="0" err="1">
+                <a:solidFill>
+                  <a:srgbClr val="8100CA"/>
+                </a:solidFill>
+                <a:latin typeface="Monaco"/>
+              </a:rPr>
+              <a:t>ul</a:t>
+            </a:r>
+            <a:r>
+              <a:rPr lang="en-AU" dirty="0">
+                <a:solidFill>
+                  <a:srgbClr val="8100CA"/>
+                </a:solidFill>
+                <a:latin typeface="Monaco"/>
+              </a:rPr>
+              <a:t>&gt;"</a:t>
+            </a:r>
+            <a:endParaRPr lang="en-AU" dirty="0">
+              <a:solidFill>
+                <a:srgbClr val="213E3E"/>
+              </a:solidFill>
+              <a:latin typeface="Courier"/>
+            </a:endParaRPr>
+          </a:p>
+          <a:p>
+            <a:endParaRPr lang="en-AU" dirty="0"/>
+          </a:p>
+        </p:txBody>
+      </p:sp>
+      <p:sp>
+        <p:nvSpPr>
+          <p:cNvPr id="5" name="TextBox 4"/>
+          <p:cNvSpPr txBox="1"/>
+          <p:nvPr/>
+        </p:nvSpPr>
+        <p:spPr>
+          <a:xfrm>
+            <a:off x="654538" y="1918670"/>
+            <a:ext cx="1985452" cy="923330"/>
+          </a:xfrm>
+          <a:prstGeom prst="rect">
+            <a:avLst/>
+          </a:prstGeom>
+        </p:spPr>
+        <p:style>
+          <a:lnRef idx="2">
+            <a:schemeClr val="accent1"/>
+          </a:lnRef>
+          <a:fillRef idx="1">
+            <a:schemeClr val="lt1"/>
+          </a:fillRef>
+          <a:effectRef idx="0">
+            <a:schemeClr val="accent1"/>
+          </a:effectRef>
+          <a:fontRef idx="minor">
+            <a:schemeClr val="dk1"/>
+          </a:fontRef>
+        </p:style>
+        <p:txBody>
+          <a:bodyPr wrap="none" rtlCol="0">
+            <a:spAutoFit/>
+          </a:bodyPr>
+          <a:lstStyle/>
+          <a:p>
+            <a:r>
+              <a:rPr lang="en-AU" dirty="0">
+                <a:solidFill>
+                  <a:srgbClr val="213E3E"/>
+                </a:solidFill>
+                <a:latin typeface="Courier"/>
+              </a:rPr>
+              <a:t>[</a:t>
+            </a:r>
+            <a:r>
+              <a:rPr lang="en-AU" dirty="0" err="1">
+                <a:solidFill>
+                  <a:srgbClr val="213E3E"/>
+                </a:solidFill>
+                <a:latin typeface="Courier"/>
+              </a:rPr>
+              <a:t>whamlet</a:t>
+            </a:r>
+            <a:r>
+              <a:rPr lang="en-AU" dirty="0">
+                <a:solidFill>
+                  <a:srgbClr val="FF4B31"/>
+                </a:solidFill>
+                <a:latin typeface="Monaco"/>
+              </a:rPr>
+              <a:t>|</a:t>
+            </a:r>
+            <a:endParaRPr lang="en-AU" dirty="0">
+              <a:solidFill>
+                <a:srgbClr val="213E3E"/>
+              </a:solidFill>
+              <a:latin typeface="Courier"/>
+            </a:endParaRPr>
+          </a:p>
+          <a:p>
+            <a:r>
+              <a:rPr lang="en-AU" dirty="0">
+                <a:solidFill>
+                  <a:srgbClr val="213E3E"/>
+                </a:solidFill>
+                <a:latin typeface="Courier"/>
+              </a:rPr>
+              <a:t>    </a:t>
+            </a:r>
+            <a:r>
+              <a:rPr lang="en-AU" dirty="0">
+                <a:solidFill>
+                  <a:srgbClr val="FF4B31"/>
+                </a:solidFill>
+                <a:latin typeface="Monaco"/>
+              </a:rPr>
+              <a:t>&lt;</a:t>
+            </a:r>
+            <a:r>
+              <a:rPr lang="en-AU" dirty="0">
+                <a:solidFill>
+                  <a:srgbClr val="213E3E"/>
+                </a:solidFill>
+                <a:latin typeface="Courier"/>
+              </a:rPr>
+              <a:t>h1</a:t>
+            </a:r>
+            <a:r>
+              <a:rPr lang="en-AU" dirty="0">
+                <a:solidFill>
+                  <a:srgbClr val="FF4B31"/>
+                </a:solidFill>
+                <a:latin typeface="Monaco"/>
+              </a:rPr>
+              <a:t>&gt;</a:t>
+            </a:r>
+            <a:r>
+              <a:rPr lang="en-AU" dirty="0">
+                <a:solidFill>
+                  <a:srgbClr val="D79310"/>
+                </a:solidFill>
+                <a:latin typeface="Monaco"/>
+              </a:rPr>
+              <a:t>Notes</a:t>
+            </a:r>
+            <a:endParaRPr lang="en-AU" dirty="0">
+              <a:solidFill>
+                <a:srgbClr val="213E3E"/>
+              </a:solidFill>
+              <a:latin typeface="Courier"/>
+            </a:endParaRPr>
+          </a:p>
+          <a:p>
+            <a:r>
+              <a:rPr lang="en-AU" dirty="0">
+                <a:solidFill>
+                  <a:srgbClr val="213E3E"/>
+                </a:solidFill>
+                <a:latin typeface="Courier"/>
+              </a:rPr>
+              <a:t>      </a:t>
+            </a:r>
+            <a:r>
+              <a:rPr lang="en-AU" dirty="0">
+                <a:solidFill>
+                  <a:srgbClr val="FF4B31"/>
+                </a:solidFill>
+                <a:latin typeface="Monaco"/>
+              </a:rPr>
+              <a:t>&lt;</a:t>
+            </a:r>
+            <a:r>
+              <a:rPr lang="en-AU" dirty="0" err="1">
+                <a:solidFill>
+                  <a:srgbClr val="213E3E"/>
+                </a:solidFill>
+                <a:latin typeface="Courier"/>
+              </a:rPr>
+              <a:t>ul</a:t>
+            </a:r>
+            <a:r>
+              <a:rPr lang="en-AU" dirty="0">
+                <a:solidFill>
+                  <a:srgbClr val="FF4B31"/>
+                </a:solidFill>
+                <a:latin typeface="Monaco"/>
+              </a:rPr>
+              <a:t>&gt;</a:t>
+            </a:r>
+            <a:r>
+              <a:rPr lang="en-AU" dirty="0">
+                <a:solidFill>
+                  <a:srgbClr val="213E3E"/>
+                </a:solidFill>
+                <a:latin typeface="Courier"/>
+              </a:rPr>
+              <a:t> </a:t>
             </a:r>
             <a:endParaRPr lang="en-AU" dirty="0"/>
           </a:p>
@@ -22726,7 +24564,7 @@
     </p:spTree>
     <p:extLst>
       <p:ext uri="{BB962C8B-B14F-4D97-AF65-F5344CB8AC3E}">
-        <p14:creationId xmlns:p14="http://schemas.microsoft.com/office/powerpoint/2010/main" val="1122048343"/>
+        <p14:creationId xmlns:p14="http://schemas.microsoft.com/office/powerpoint/2010/main" val="3912255057"/>
       </p:ext>
     </p:extLst>
   </p:cSld>
@@ -22762,7 +24600,34 @@
       </p:grpSpPr>
       <p:sp>
         <p:nvSpPr>
-          <p:cNvPr id="2" name="Title 1"/>
+          <p:cNvPr id="2" name="Text Placeholder 1"/>
+          <p:cNvSpPr>
+            <a:spLocks noGrp="1"/>
+          </p:cNvSpPr>
+          <p:nvPr>
+            <p:ph type="body" idx="1"/>
+          </p:nvPr>
+        </p:nvSpPr>
+        <p:spPr/>
+        <p:txBody>
+          <a:bodyPr/>
+          <a:lstStyle/>
+          <a:p>
+            <a:r>
+              <a:rPr lang="en-AU" dirty="0" smtClean="0"/>
+              <a:t>Lets jump into the </a:t>
+            </a:r>
+            <a:r>
+              <a:rPr lang="en-AU" dirty="0" smtClean="0"/>
+              <a:t>note app and break stuff!</a:t>
+            </a:r>
+            <a:endParaRPr lang="en-AU" dirty="0"/>
+          </a:p>
+        </p:txBody>
+      </p:sp>
+      <p:sp>
+        <p:nvSpPr>
+          <p:cNvPr id="3" name="Title 2"/>
           <p:cNvSpPr>
             <a:spLocks noGrp="1"/>
           </p:cNvSpPr>
@@ -22777,64 +24642,7 @@
           <a:p>
             <a:r>
               <a:rPr lang="en-AU" dirty="0" smtClean="0"/>
-              <a:t>Open Questions to Discuss</a:t>
-            </a:r>
-            <a:endParaRPr lang="en-AU" dirty="0"/>
-          </a:p>
-        </p:txBody>
-      </p:sp>
-      <p:sp>
-        <p:nvSpPr>
-          <p:cNvPr id="3" name="Content Placeholder 2"/>
-          <p:cNvSpPr>
-            <a:spLocks noGrp="1"/>
-          </p:cNvSpPr>
-          <p:nvPr>
-            <p:ph sz="quarter" idx="1"/>
-          </p:nvPr>
-        </p:nvSpPr>
-        <p:spPr/>
-        <p:txBody>
-          <a:bodyPr/>
-          <a:lstStyle/>
-          <a:p>
-            <a:r>
-              <a:rPr lang="en-AU" dirty="0" smtClean="0"/>
-              <a:t>All of your handlers – thus most of you code – are actually the IO monad in disguise. Didn’t us </a:t>
-            </a:r>
-            <a:r>
-              <a:rPr lang="en-AU" dirty="0" err="1" smtClean="0"/>
-              <a:t>Fpers</a:t>
-            </a:r>
-            <a:r>
-              <a:rPr lang="en-AU" dirty="0" smtClean="0"/>
-              <a:t> already learn that trying to compose things that do IO is hard and error prone?!?</a:t>
-            </a:r>
-          </a:p>
-          <a:p>
-            <a:pPr lvl="1"/>
-            <a:r>
-              <a:rPr lang="en-AU" dirty="0" err="1" smtClean="0"/>
-              <a:t>Kinda</a:t>
-            </a:r>
-            <a:r>
-              <a:rPr lang="en-AU" dirty="0" smtClean="0"/>
-              <a:t> needed for </a:t>
-            </a:r>
-            <a:r>
-              <a:rPr lang="en-AU" dirty="0" err="1" smtClean="0"/>
-              <a:t>webdev</a:t>
-            </a:r>
-            <a:r>
-              <a:rPr lang="en-AU" dirty="0" smtClean="0"/>
-              <a:t> since there is so much IO. Widgets would be too awkward if you had to pass state into the composed widgets?</a:t>
-            </a:r>
-          </a:p>
-          <a:p>
-            <a:pPr lvl="1"/>
-            <a:r>
-              <a:rPr lang="en-AU" dirty="0" smtClean="0"/>
-              <a:t>Is there is a better way?</a:t>
+              <a:t>Type-Safety Demo </a:t>
             </a:r>
             <a:endParaRPr lang="en-AU" dirty="0"/>
           </a:p>
@@ -22843,7 +24651,7 @@
     </p:spTree>
     <p:extLst>
       <p:ext uri="{BB962C8B-B14F-4D97-AF65-F5344CB8AC3E}">
-        <p14:creationId xmlns:p14="http://schemas.microsoft.com/office/powerpoint/2010/main" val="1168801273"/>
+        <p14:creationId xmlns:p14="http://schemas.microsoft.com/office/powerpoint/2010/main" val="4253533108"/>
       </p:ext>
     </p:extLst>
   </p:cSld>
@@ -22975,6 +24783,389 @@
 </file>
 
 <file path=ppt/slides/slide50.xml><?xml version="1.0" encoding="utf-8"?>
+<p:sld xmlns:a="http://schemas.openxmlformats.org/drawingml/2006/main" xmlns:r="http://schemas.openxmlformats.org/officeDocument/2006/relationships" xmlns:p="http://schemas.openxmlformats.org/presentationml/2006/main">
+  <p:cSld>
+    <p:spTree>
+      <p:nvGrpSpPr>
+        <p:cNvPr id="1" name=""/>
+        <p:cNvGrpSpPr/>
+        <p:nvPr/>
+      </p:nvGrpSpPr>
+      <p:grpSpPr>
+        <a:xfrm>
+          <a:off x="0" y="0"/>
+          <a:ext cx="0" cy="0"/>
+          <a:chOff x="0" y="0"/>
+          <a:chExt cx="0" cy="0"/>
+        </a:xfrm>
+      </p:grpSpPr>
+      <p:sp>
+        <p:nvSpPr>
+          <p:cNvPr id="2" name="Text Placeholder 1"/>
+          <p:cNvSpPr>
+            <a:spLocks noGrp="1"/>
+          </p:cNvSpPr>
+          <p:nvPr>
+            <p:ph type="body" idx="1"/>
+          </p:nvPr>
+        </p:nvSpPr>
+        <p:spPr/>
+        <p:txBody>
+          <a:bodyPr/>
+          <a:lstStyle/>
+          <a:p>
+            <a:r>
+              <a:rPr lang="en-AU" dirty="0" smtClean="0"/>
+              <a:t>A quick mention of neat features that we couldn’t cover in the talk. </a:t>
+            </a:r>
+            <a:endParaRPr lang="en-AU" dirty="0"/>
+          </a:p>
+        </p:txBody>
+      </p:sp>
+      <p:sp>
+        <p:nvSpPr>
+          <p:cNvPr id="3" name="Title 2"/>
+          <p:cNvSpPr>
+            <a:spLocks noGrp="1"/>
+          </p:cNvSpPr>
+          <p:nvPr>
+            <p:ph type="title"/>
+          </p:nvPr>
+        </p:nvSpPr>
+        <p:spPr/>
+        <p:txBody>
+          <a:bodyPr/>
+          <a:lstStyle/>
+          <a:p>
+            <a:r>
+              <a:rPr lang="en-AU" dirty="0" smtClean="0"/>
+              <a:t>Beyond these examples</a:t>
+            </a:r>
+            <a:endParaRPr lang="en-AU" dirty="0"/>
+          </a:p>
+        </p:txBody>
+      </p:sp>
+    </p:spTree>
+    <p:extLst>
+      <p:ext uri="{BB962C8B-B14F-4D97-AF65-F5344CB8AC3E}">
+        <p14:creationId xmlns:p14="http://schemas.microsoft.com/office/powerpoint/2010/main" val="1616194526"/>
+      </p:ext>
+    </p:extLst>
+  </p:cSld>
+  <p:clrMapOvr>
+    <a:masterClrMapping/>
+  </p:clrMapOvr>
+  <p:timing>
+    <p:tnLst>
+      <p:par>
+        <p:cTn xmlns:p14="http://schemas.microsoft.com/office/powerpoint/2010/main" id="1" dur="indefinite" restart="never" nodeType="tmRoot"/>
+      </p:par>
+    </p:tnLst>
+  </p:timing>
+</p:sld>
+</file>
+
+<file path=ppt/slides/slide51.xml><?xml version="1.0" encoding="utf-8"?>
+<p:sld xmlns:a="http://schemas.openxmlformats.org/drawingml/2006/main" xmlns:r="http://schemas.openxmlformats.org/officeDocument/2006/relationships" xmlns:p="http://schemas.openxmlformats.org/presentationml/2006/main">
+  <p:cSld>
+    <p:spTree>
+      <p:nvGrpSpPr>
+        <p:cNvPr id="1" name=""/>
+        <p:cNvGrpSpPr/>
+        <p:nvPr/>
+      </p:nvGrpSpPr>
+      <p:grpSpPr>
+        <a:xfrm>
+          <a:off x="0" y="0"/>
+          <a:ext cx="0" cy="0"/>
+          <a:chOff x="0" y="0"/>
+          <a:chExt cx="0" cy="0"/>
+        </a:xfrm>
+      </p:grpSpPr>
+      <p:sp>
+        <p:nvSpPr>
+          <p:cNvPr id="2" name="Text Placeholder 1"/>
+          <p:cNvSpPr>
+            <a:spLocks noGrp="1"/>
+          </p:cNvSpPr>
+          <p:nvPr>
+            <p:ph type="body" idx="1"/>
+          </p:nvPr>
+        </p:nvSpPr>
+        <p:spPr/>
+        <p:txBody>
+          <a:bodyPr/>
+          <a:lstStyle/>
+          <a:p>
+            <a:endParaRPr lang="en-AU"/>
+          </a:p>
+        </p:txBody>
+      </p:sp>
+      <p:sp>
+        <p:nvSpPr>
+          <p:cNvPr id="3" name="Title 2"/>
+          <p:cNvSpPr>
+            <a:spLocks noGrp="1"/>
+          </p:cNvSpPr>
+          <p:nvPr>
+            <p:ph type="title"/>
+          </p:nvPr>
+        </p:nvSpPr>
+        <p:spPr/>
+        <p:txBody>
+          <a:bodyPr/>
+          <a:lstStyle/>
+          <a:p>
+            <a:r>
+              <a:rPr lang="en-AU" dirty="0" smtClean="0"/>
+              <a:t>Questions</a:t>
+            </a:r>
+            <a:endParaRPr lang="en-AU" dirty="0"/>
+          </a:p>
+        </p:txBody>
+      </p:sp>
+    </p:spTree>
+    <p:extLst>
+      <p:ext uri="{BB962C8B-B14F-4D97-AF65-F5344CB8AC3E}">
+        <p14:creationId xmlns:p14="http://schemas.microsoft.com/office/powerpoint/2010/main" val="1908588342"/>
+      </p:ext>
+    </p:extLst>
+  </p:cSld>
+  <p:clrMapOvr>
+    <a:masterClrMapping/>
+  </p:clrMapOvr>
+  <p:timing>
+    <p:tnLst>
+      <p:par>
+        <p:cTn xmlns:p14="http://schemas.microsoft.com/office/powerpoint/2010/main" id="1" dur="indefinite" restart="never" nodeType="tmRoot"/>
+      </p:par>
+    </p:tnLst>
+  </p:timing>
+</p:sld>
+</file>
+
+<file path=ppt/slides/slide52.xml><?xml version="1.0" encoding="utf-8"?>
+<p:sld xmlns:a="http://schemas.openxmlformats.org/drawingml/2006/main" xmlns:r="http://schemas.openxmlformats.org/officeDocument/2006/relationships" xmlns:p="http://schemas.openxmlformats.org/presentationml/2006/main">
+  <p:cSld>
+    <p:spTree>
+      <p:nvGrpSpPr>
+        <p:cNvPr id="1" name=""/>
+        <p:cNvGrpSpPr/>
+        <p:nvPr/>
+      </p:nvGrpSpPr>
+      <p:grpSpPr>
+        <a:xfrm>
+          <a:off x="0" y="0"/>
+          <a:ext cx="0" cy="0"/>
+          <a:chOff x="0" y="0"/>
+          <a:chExt cx="0" cy="0"/>
+        </a:xfrm>
+      </p:grpSpPr>
+      <p:sp>
+        <p:nvSpPr>
+          <p:cNvPr id="2" name="Title 1"/>
+          <p:cNvSpPr>
+            <a:spLocks noGrp="1"/>
+          </p:cNvSpPr>
+          <p:nvPr>
+            <p:ph type="title"/>
+          </p:nvPr>
+        </p:nvSpPr>
+        <p:spPr/>
+        <p:txBody>
+          <a:bodyPr/>
+          <a:lstStyle/>
+          <a:p>
+            <a:r>
+              <a:rPr lang="en-AU" dirty="0" smtClean="0"/>
+              <a:t>Open Questions to Discuss</a:t>
+            </a:r>
+            <a:endParaRPr lang="en-AU" dirty="0"/>
+          </a:p>
+        </p:txBody>
+      </p:sp>
+      <p:sp>
+        <p:nvSpPr>
+          <p:cNvPr id="3" name="Content Placeholder 2"/>
+          <p:cNvSpPr>
+            <a:spLocks noGrp="1"/>
+          </p:cNvSpPr>
+          <p:nvPr>
+            <p:ph sz="quarter" idx="1"/>
+          </p:nvPr>
+        </p:nvSpPr>
+        <p:spPr/>
+        <p:txBody>
+          <a:bodyPr/>
+          <a:lstStyle/>
+          <a:p>
+            <a:r>
+              <a:rPr lang="en-AU" dirty="0" smtClean="0"/>
+              <a:t>Type errors are sometimes tricky to figure out. Forces you to know about the innards of generated code, sometimes:</a:t>
+            </a:r>
+          </a:p>
+          <a:p>
+            <a:pPr lvl="1"/>
+            <a:r>
+              <a:rPr lang="en-AU" dirty="0" smtClean="0"/>
+              <a:t>A necessary evil, and is worth it?</a:t>
+            </a:r>
+          </a:p>
+          <a:p>
+            <a:pPr lvl="1"/>
+            <a:r>
+              <a:rPr lang="en-AU" dirty="0" smtClean="0"/>
+              <a:t>Better to write the boilerplate?</a:t>
+            </a:r>
+          </a:p>
+          <a:p>
+            <a:pPr lvl="1"/>
+            <a:r>
+              <a:rPr lang="en-AU" dirty="0" smtClean="0"/>
+              <a:t>Better to avoid the types and headache? </a:t>
+            </a:r>
+            <a:endParaRPr lang="en-AU" dirty="0"/>
+          </a:p>
+        </p:txBody>
+      </p:sp>
+    </p:spTree>
+    <p:extLst>
+      <p:ext uri="{BB962C8B-B14F-4D97-AF65-F5344CB8AC3E}">
+        <p14:creationId xmlns:p14="http://schemas.microsoft.com/office/powerpoint/2010/main" val="1122048343"/>
+      </p:ext>
+    </p:extLst>
+  </p:cSld>
+  <p:clrMapOvr>
+    <a:masterClrMapping/>
+  </p:clrMapOvr>
+  <p:timing>
+    <p:tnLst>
+      <p:par>
+        <p:cTn xmlns:p14="http://schemas.microsoft.com/office/powerpoint/2010/main" id="1" dur="indefinite" restart="never" nodeType="tmRoot"/>
+      </p:par>
+    </p:tnLst>
+  </p:timing>
+</p:sld>
+</file>
+
+<file path=ppt/slides/slide53.xml><?xml version="1.0" encoding="utf-8"?>
+<p:sld xmlns:a="http://schemas.openxmlformats.org/drawingml/2006/main" xmlns:r="http://schemas.openxmlformats.org/officeDocument/2006/relationships" xmlns:p="http://schemas.openxmlformats.org/presentationml/2006/main">
+  <p:cSld>
+    <p:spTree>
+      <p:nvGrpSpPr>
+        <p:cNvPr id="1" name=""/>
+        <p:cNvGrpSpPr/>
+        <p:nvPr/>
+      </p:nvGrpSpPr>
+      <p:grpSpPr>
+        <a:xfrm>
+          <a:off x="0" y="0"/>
+          <a:ext cx="0" cy="0"/>
+          <a:chOff x="0" y="0"/>
+          <a:chExt cx="0" cy="0"/>
+        </a:xfrm>
+      </p:grpSpPr>
+      <p:sp>
+        <p:nvSpPr>
+          <p:cNvPr id="2" name="Title 1"/>
+          <p:cNvSpPr>
+            <a:spLocks noGrp="1"/>
+          </p:cNvSpPr>
+          <p:nvPr>
+            <p:ph type="title"/>
+          </p:nvPr>
+        </p:nvSpPr>
+        <p:spPr/>
+        <p:txBody>
+          <a:bodyPr/>
+          <a:lstStyle/>
+          <a:p>
+            <a:r>
+              <a:rPr lang="en-AU" dirty="0" smtClean="0"/>
+              <a:t>Open Questions to Discuss</a:t>
+            </a:r>
+            <a:endParaRPr lang="en-AU" dirty="0"/>
+          </a:p>
+        </p:txBody>
+      </p:sp>
+      <p:sp>
+        <p:nvSpPr>
+          <p:cNvPr id="3" name="Content Placeholder 2"/>
+          <p:cNvSpPr>
+            <a:spLocks noGrp="1"/>
+          </p:cNvSpPr>
+          <p:nvPr>
+            <p:ph sz="quarter" idx="1"/>
+          </p:nvPr>
+        </p:nvSpPr>
+        <p:spPr/>
+        <p:txBody>
+          <a:bodyPr/>
+          <a:lstStyle/>
+          <a:p>
+            <a:r>
+              <a:rPr lang="en-AU" dirty="0" smtClean="0"/>
+              <a:t>All of your handlers – thus most of you code – are actually the IO monad in disguise. Didn’t us </a:t>
+            </a:r>
+            <a:r>
+              <a:rPr lang="en-AU" dirty="0" err="1" smtClean="0"/>
+              <a:t>Fpers</a:t>
+            </a:r>
+            <a:r>
+              <a:rPr lang="en-AU" dirty="0" smtClean="0"/>
+              <a:t> already learn that trying to compose things that do IO is hard and error prone?!?</a:t>
+            </a:r>
+          </a:p>
+          <a:p>
+            <a:pPr lvl="1"/>
+            <a:r>
+              <a:rPr lang="en-AU" dirty="0" err="1" smtClean="0"/>
+              <a:t>Kinda</a:t>
+            </a:r>
+            <a:r>
+              <a:rPr lang="en-AU" dirty="0" smtClean="0"/>
+              <a:t> needed for </a:t>
+            </a:r>
+            <a:r>
+              <a:rPr lang="en-AU" dirty="0" err="1" smtClean="0"/>
+              <a:t>webdev</a:t>
+            </a:r>
+            <a:r>
+              <a:rPr lang="en-AU" dirty="0" smtClean="0"/>
+              <a:t> since there is so much IO. Widgets would be too awkward if you had to pass state into the composed widgets?</a:t>
+            </a:r>
+          </a:p>
+          <a:p>
+            <a:pPr lvl="1"/>
+            <a:r>
+              <a:rPr lang="en-AU" dirty="0" smtClean="0"/>
+              <a:t>Is there is a better way?</a:t>
+            </a:r>
+            <a:endParaRPr lang="en-AU" dirty="0"/>
+          </a:p>
+        </p:txBody>
+      </p:sp>
+    </p:spTree>
+    <p:extLst>
+      <p:ext uri="{BB962C8B-B14F-4D97-AF65-F5344CB8AC3E}">
+        <p14:creationId xmlns:p14="http://schemas.microsoft.com/office/powerpoint/2010/main" val="1168801273"/>
+      </p:ext>
+    </p:extLst>
+  </p:cSld>
+  <p:clrMapOvr>
+    <a:masterClrMapping/>
+  </p:clrMapOvr>
+  <p:timing>
+    <p:tnLst>
+      <p:par>
+        <p:cTn xmlns:p14="http://schemas.microsoft.com/office/powerpoint/2010/main" id="1" dur="indefinite" restart="never" nodeType="tmRoot"/>
+      </p:par>
+    </p:tnLst>
+  </p:timing>
+</p:sld>
+</file>
+
+<file path=ppt/slides/slide54.xml><?xml version="1.0" encoding="utf-8"?>
 <p:sld xmlns:a="http://schemas.openxmlformats.org/drawingml/2006/main" xmlns:r="http://schemas.openxmlformats.org/officeDocument/2006/relationships" xmlns:p="http://schemas.openxmlformats.org/presentationml/2006/main">
   <p:cSld>
     <p:spTree>
@@ -23685,12 +25876,12 @@
               <a:t>On each side of our code ( HTTP requests, DB ) we have messy, </a:t>
             </a:r>
             <a:r>
-              <a:rPr lang="en-AU" dirty="0" err="1" smtClean="0"/>
-              <a:t>untyped</a:t>
-            </a:r>
-            <a:r>
               <a:rPr lang="en-AU" dirty="0" smtClean="0"/>
-              <a:t> strings</a:t>
+              <a:t>un-typed </a:t>
+            </a:r>
+            <a:r>
+              <a:rPr lang="en-AU" dirty="0" smtClean="0"/>
+              <a:t>strings</a:t>
             </a:r>
             <a:r>
               <a:rPr lang="en-AU" dirty="0" smtClean="0"/>
@@ -23707,15 +25898,7 @@
           <a:p>
             <a:r>
               <a:rPr lang="en-AU" dirty="0" smtClean="0"/>
-              <a:t>We’d love a framework that </a:t>
-            </a:r>
-            <a:r>
-              <a:rPr lang="en-AU" dirty="0" err="1" smtClean="0"/>
-              <a:t>automaticall</a:t>
-            </a:r>
-            <a:r>
-              <a:rPr lang="en-AU" dirty="0" smtClean="0"/>
-              <a:t>:</a:t>
+              <a:t>We’d love a framework that automatically:</a:t>
             </a:r>
             <a:endParaRPr lang="en-AU" dirty="0" smtClean="0"/>
           </a:p>

--- a/TypeSafeWebDevWithYesodAndHaskell.pptx
+++ b/TypeSafeWebDevWithYesodAndHaskell.pptx
@@ -7918,6 +7918,13 @@
   <p:clrMapOvr>
     <a:masterClrMapping/>
   </p:clrMapOvr>
+  <p:timing>
+    <p:tnLst>
+      <p:par>
+        <p:cTn xmlns:p14="http://schemas.microsoft.com/office/powerpoint/2010/main" id="1" dur="indefinite" restart="never" nodeType="tmRoot"/>
+      </p:par>
+    </p:tnLst>
+  </p:timing>
 </p:sld>
 </file>
 
@@ -15027,12 +15034,13 @@
               <a:rPr lang="en-AU" dirty="0" smtClean="0">
                 <a:hlinkClick r:id="rId2"/>
               </a:rPr>
-              <a:t>http://localhost:3002/</a:t>
+              <a:t>http://localhost:3002/notes</a:t>
             </a:r>
             <a:r>
               <a:rPr lang="en-AU" dirty="0" smtClean="0"/>
               <a:t> </a:t>
             </a:r>
+            <a:endParaRPr lang="en-AU" dirty="0" smtClean="0"/>
           </a:p>
           <a:p>
             <a:r>
@@ -18121,13 +18129,7 @@
               <a:rPr lang="en-AU" sz="1800" dirty="0" smtClean="0">
                 <a:cs typeface="Andale Mono"/>
               </a:rPr>
-              <a:t> offside </a:t>
-            </a:r>
-            <a:r>
-              <a:rPr lang="en-AU" sz="1800" smtClean="0">
-                <a:cs typeface="Andale Mono"/>
-              </a:rPr>
-              <a:t>indentation rule.</a:t>
+              <a:t> offside indentation rule.</a:t>
             </a:r>
             <a:endParaRPr lang="en-AU" sz="1800" dirty="0" smtClean="0">
               <a:cs typeface="Andale Mono"/>
@@ -23082,6 +23084,13 @@
   <p:clrMapOvr>
     <a:masterClrMapping/>
   </p:clrMapOvr>
+  <p:timing>
+    <p:tnLst>
+      <p:par>
+        <p:cTn xmlns:p14="http://schemas.microsoft.com/office/powerpoint/2010/main" id="1" dur="indefinite" restart="never" nodeType="tmRoot"/>
+      </p:par>
+    </p:tnLst>
+  </p:timing>
 </p:sld>
 </file>
 
@@ -24856,6 +24865,13 @@
   <p:clrMapOvr>
     <a:masterClrMapping/>
   </p:clrMapOvr>
+  <p:timing>
+    <p:tnLst>
+      <p:par>
+        <p:cTn xmlns:p14="http://schemas.microsoft.com/office/powerpoint/2010/main" id="1" dur="indefinite" restart="never" nodeType="tmRoot"/>
+      </p:par>
+    </p:tnLst>
+  </p:timing>
 </p:sld>
 </file>
 
@@ -26580,6 +26596,13 @@
   <p:clrMapOvr>
     <a:masterClrMapping/>
   </p:clrMapOvr>
+  <p:timing>
+    <p:tnLst>
+      <p:par>
+        <p:cTn xmlns:p14="http://schemas.microsoft.com/office/powerpoint/2010/main" id="1" dur="indefinite" restart="never" nodeType="tmRoot"/>
+      </p:par>
+    </p:tnLst>
+  </p:timing>
 </p:sld>
 </file>
 
@@ -27016,6 +27039,13 @@
   <p:clrMapOvr>
     <a:masterClrMapping/>
   </p:clrMapOvr>
+  <p:timing>
+    <p:tnLst>
+      <p:par>
+        <p:cTn xmlns:p14="http://schemas.microsoft.com/office/powerpoint/2010/main" id="1" dur="indefinite" restart="never" nodeType="tmRoot"/>
+      </p:par>
+    </p:tnLst>
+  </p:timing>
 </p:sld>
 </file>
 
@@ -27364,6 +27394,13 @@
   <p:clrMapOvr>
     <a:masterClrMapping/>
   </p:clrMapOvr>
+  <p:timing>
+    <p:tnLst>
+      <p:par>
+        <p:cTn xmlns:p14="http://schemas.microsoft.com/office/powerpoint/2010/main" id="1" dur="indefinite" restart="never" nodeType="tmRoot"/>
+      </p:par>
+    </p:tnLst>
+  </p:timing>
 </p:sld>
 </file>
 
@@ -28061,6 +28098,13 @@
   <p:clrMapOvr>
     <a:masterClrMapping/>
   </p:clrMapOvr>
+  <p:timing>
+    <p:tnLst>
+      <p:par>
+        <p:cTn xmlns:p14="http://schemas.microsoft.com/office/powerpoint/2010/main" id="1" dur="indefinite" restart="never" nodeType="tmRoot"/>
+      </p:par>
+    </p:tnLst>
+  </p:timing>
 </p:sld>
 </file>
 
@@ -28313,6 +28357,13 @@
   <p:clrMapOvr>
     <a:masterClrMapping/>
   </p:clrMapOvr>
+  <p:timing>
+    <p:tnLst>
+      <p:par>
+        <p:cTn xmlns:p14="http://schemas.microsoft.com/office/powerpoint/2010/main" id="1" dur="indefinite" restart="never" nodeType="tmRoot"/>
+      </p:par>
+    </p:tnLst>
+  </p:timing>
 </p:sld>
 </file>
 
@@ -28397,6 +28448,13 @@
   <p:clrMapOvr>
     <a:masterClrMapping/>
   </p:clrMapOvr>
+  <p:timing>
+    <p:tnLst>
+      <p:par>
+        <p:cTn xmlns:p14="http://schemas.microsoft.com/office/powerpoint/2010/main" id="1" dur="indefinite" restart="never" nodeType="tmRoot"/>
+      </p:par>
+    </p:tnLst>
+  </p:timing>
 </p:sld>
 </file>
 

--- a/TypeSafeWebDevWithYesodAndHaskell.pptx
+++ b/TypeSafeWebDevWithYesodAndHaskell.pptx
@@ -5,7 +5,7 @@
     <p:sldMasterId id="2147483660" r:id="rId1"/>
   </p:sldMasterIdLst>
   <p:notesMasterIdLst>
-    <p:notesMasterId r:id="rId63"/>
+    <p:notesMasterId r:id="rId64"/>
   </p:notesMasterIdLst>
   <p:sldIdLst>
     <p:sldId id="256" r:id="rId2"/>
@@ -66,9 +66,10 @@
     <p:sldId id="307" r:id="rId57"/>
     <p:sldId id="321" r:id="rId58"/>
     <p:sldId id="322" r:id="rId59"/>
-    <p:sldId id="292" r:id="rId60"/>
-    <p:sldId id="295" r:id="rId61"/>
-    <p:sldId id="297" r:id="rId62"/>
+    <p:sldId id="328" r:id="rId60"/>
+    <p:sldId id="292" r:id="rId61"/>
+    <p:sldId id="295" r:id="rId62"/>
+    <p:sldId id="297" r:id="rId63"/>
   </p:sldIdLst>
   <p:sldSz cx="9144000" cy="6858000" type="screen4x3"/>
   <p:notesSz cx="6858000" cy="9144000"/>
@@ -252,7 +253,7 @@
           <a:p>
             <a:fld id="{FEA96993-022C-D84D-A802-42D2C34B2DA7}" type="datetimeFigureOut">
               <a:rPr lang="en-US" smtClean="0"/>
-              <a:t>22/06/12</a:t>
+              <a:t>26/06/12</a:t>
             </a:fld>
             <a:endParaRPr lang="en-AU"/>
           </a:p>
@@ -926,6 +927,94 @@
 </p:notes>
 </file>
 
+<file path=ppt/notesSlides/notesSlide4.xml><?xml version="1.0" encoding="utf-8"?>
+<p:notes xmlns:a="http://schemas.openxmlformats.org/drawingml/2006/main" xmlns:r="http://schemas.openxmlformats.org/officeDocument/2006/relationships" xmlns:p="http://schemas.openxmlformats.org/presentationml/2006/main">
+  <p:cSld>
+    <p:spTree>
+      <p:nvGrpSpPr>
+        <p:cNvPr id="1" name=""/>
+        <p:cNvGrpSpPr/>
+        <p:nvPr/>
+      </p:nvGrpSpPr>
+      <p:grpSpPr>
+        <a:xfrm>
+          <a:off x="0" y="0"/>
+          <a:ext cx="0" cy="0"/>
+          <a:chOff x="0" y="0"/>
+          <a:chExt cx="0" cy="0"/>
+        </a:xfrm>
+      </p:grpSpPr>
+      <p:sp>
+        <p:nvSpPr>
+          <p:cNvPr id="2" name="Slide Image Placeholder 1"/>
+          <p:cNvSpPr>
+            <a:spLocks noGrp="1" noRot="1" noChangeAspect="1"/>
+          </p:cNvSpPr>
+          <p:nvPr>
+            <p:ph type="sldImg"/>
+          </p:nvPr>
+        </p:nvSpPr>
+        <p:spPr/>
+      </p:sp>
+      <p:sp>
+        <p:nvSpPr>
+          <p:cNvPr id="3" name="Notes Placeholder 2"/>
+          <p:cNvSpPr>
+            <a:spLocks noGrp="1"/>
+          </p:cNvSpPr>
+          <p:nvPr>
+            <p:ph type="body" idx="1"/>
+          </p:nvPr>
+        </p:nvSpPr>
+        <p:spPr/>
+        <p:txBody>
+          <a:bodyPr/>
+          <a:lstStyle/>
+          <a:p>
+            <a:r>
+              <a:rPr lang="en-AU" dirty="0" smtClean="0"/>
+              <a:t>Need to render route to make a string for the URI to make links in our output.</a:t>
+            </a:r>
+            <a:endParaRPr lang="en-AU" dirty="0"/>
+          </a:p>
+        </p:txBody>
+      </p:sp>
+      <p:sp>
+        <p:nvSpPr>
+          <p:cNvPr id="4" name="Slide Number Placeholder 3"/>
+          <p:cNvSpPr>
+            <a:spLocks noGrp="1"/>
+          </p:cNvSpPr>
+          <p:nvPr>
+            <p:ph type="sldNum" sz="quarter" idx="10"/>
+          </p:nvPr>
+        </p:nvSpPr>
+        <p:spPr/>
+        <p:txBody>
+          <a:bodyPr/>
+          <a:lstStyle/>
+          <a:p>
+            <a:fld id="{921BAFB8-9AF2-B64C-A6AE-0D729299FEBA}" type="slidenum">
+              <a:rPr lang="en-AU" smtClean="0"/>
+              <a:t>28</a:t>
+            </a:fld>
+            <a:endParaRPr lang="en-AU"/>
+          </a:p>
+        </p:txBody>
+      </p:sp>
+    </p:spTree>
+    <p:extLst>
+      <p:ext uri="{BB962C8B-B14F-4D97-AF65-F5344CB8AC3E}">
+        <p14:creationId xmlns:p14="http://schemas.microsoft.com/office/powerpoint/2010/main" val="3954463932"/>
+      </p:ext>
+    </p:extLst>
+  </p:cSld>
+  <p:clrMapOvr>
+    <a:masterClrMapping/>
+  </p:clrMapOvr>
+</p:notes>
+</file>
+
 <file path=ppt/slideLayouts/slideLayout1.xml><?xml version="1.0" encoding="utf-8"?>
 <p:sldLayout xmlns:a="http://schemas.openxmlformats.org/drawingml/2006/main" xmlns:r="http://schemas.openxmlformats.org/officeDocument/2006/relationships" xmlns:p="http://schemas.openxmlformats.org/presentationml/2006/main" showMasterSp="0" type="title" preserve="1">
   <p:cSld name="Title Slide">
@@ -1219,7 +1308,7 @@
             <a:fld id="{23A271A1-F6D6-438B-A432-4747EE7ECD40}" type="datetimeFigureOut">
               <a:rPr lang="en-US" smtClean="0"/>
               <a:pPr algn="ctr" eaLnBrk="1" latinLnBrk="0" hangingPunct="1"/>
-              <a:t>22/06/12</a:t>
+              <a:t>26/06/12</a:t>
             </a:fld>
             <a:endParaRPr lang="en-US" sz="2000" dirty="0">
               <a:solidFill>
@@ -1426,7 +1515,7 @@
             <a:fld id="{23A271A1-F6D6-438B-A432-4747EE7ECD40}" type="datetimeFigureOut">
               <a:rPr lang="en-US" smtClean="0"/>
               <a:pPr eaLnBrk="1" latinLnBrk="0" hangingPunct="1"/>
-              <a:t>22/06/12</a:t>
+              <a:t>26/06/12</a:t>
             </a:fld>
             <a:endParaRPr lang="en-US"/>
           </a:p>
@@ -1614,7 +1703,7 @@
             <a:fld id="{23A271A1-F6D6-438B-A432-4747EE7ECD40}" type="datetimeFigureOut">
               <a:rPr lang="en-US" smtClean="0"/>
               <a:pPr eaLnBrk="1" latinLnBrk="0" hangingPunct="1"/>
-              <a:t>22/06/12</a:t>
+              <a:t>26/06/12</a:t>
             </a:fld>
             <a:endParaRPr lang="en-US" dirty="0"/>
           </a:p>
@@ -1880,7 +1969,7 @@
             <a:fld id="{23A271A1-F6D6-438B-A432-4747EE7ECD40}" type="datetimeFigureOut">
               <a:rPr lang="en-US" smtClean="0"/>
               <a:pPr eaLnBrk="1" latinLnBrk="0" hangingPunct="1"/>
-              <a:t>22/06/12</a:t>
+              <a:t>26/06/12</a:t>
             </a:fld>
             <a:endParaRPr lang="en-US" dirty="0"/>
           </a:p>
@@ -2303,7 +2392,7 @@
             <a:fld id="{23A271A1-F6D6-438B-A432-4747EE7ECD40}" type="datetimeFigureOut">
               <a:rPr lang="en-US" smtClean="0"/>
               <a:pPr eaLnBrk="1" latinLnBrk="0" hangingPunct="1"/>
-              <a:t>22/06/12</a:t>
+              <a:t>26/06/12</a:t>
             </a:fld>
             <a:endParaRPr lang="en-US"/>
           </a:p>
@@ -2553,7 +2642,7 @@
             <a:fld id="{23A271A1-F6D6-438B-A432-4747EE7ECD40}" type="datetimeFigureOut">
               <a:rPr lang="en-US" smtClean="0"/>
               <a:pPr eaLnBrk="1" latinLnBrk="0" hangingPunct="1"/>
-              <a:t>22/06/12</a:t>
+              <a:t>26/06/12</a:t>
             </a:fld>
             <a:endParaRPr lang="en-US"/>
           </a:p>
@@ -2793,7 +2882,7 @@
             <a:fld id="{23A271A1-F6D6-438B-A432-4747EE7ECD40}" type="datetimeFigureOut">
               <a:rPr lang="en-US" smtClean="0"/>
               <a:pPr eaLnBrk="1" latinLnBrk="0" hangingPunct="1"/>
-              <a:t>22/06/12</a:t>
+              <a:t>26/06/12</a:t>
             </a:fld>
             <a:endParaRPr lang="en-US"/>
           </a:p>
@@ -2992,7 +3081,7 @@
             <a:fld id="{23A271A1-F6D6-438B-A432-4747EE7ECD40}" type="datetimeFigureOut">
               <a:rPr lang="en-US" smtClean="0"/>
               <a:pPr eaLnBrk="1" latinLnBrk="0" hangingPunct="1"/>
-              <a:t>22/06/12</a:t>
+              <a:t>26/06/12</a:t>
             </a:fld>
             <a:endParaRPr lang="en-US"/>
           </a:p>
@@ -3097,7 +3186,7 @@
             <a:fld id="{23A271A1-F6D6-438B-A432-4747EE7ECD40}" type="datetimeFigureOut">
               <a:rPr lang="en-US" smtClean="0"/>
               <a:pPr eaLnBrk="1" latinLnBrk="0" hangingPunct="1"/>
-              <a:t>22/06/12</a:t>
+              <a:t>26/06/12</a:t>
             </a:fld>
             <a:endParaRPr lang="en-US"/>
           </a:p>
@@ -3240,7 +3329,7 @@
             <a:fld id="{23A271A1-F6D6-438B-A432-4747EE7ECD40}" type="datetimeFigureOut">
               <a:rPr lang="en-US" smtClean="0"/>
               <a:pPr eaLnBrk="1" latinLnBrk="0" hangingPunct="1"/>
-              <a:t>22/06/12</a:t>
+              <a:t>26/06/12</a:t>
             </a:fld>
             <a:endParaRPr lang="en-US"/>
           </a:p>
@@ -3765,7 +3854,7 @@
             <a:fld id="{23A271A1-F6D6-438B-A432-4747EE7ECD40}" type="datetimeFigureOut">
               <a:rPr lang="en-US" smtClean="0"/>
               <a:pPr eaLnBrk="1" latinLnBrk="0" hangingPunct="1"/>
-              <a:t>22/06/12</a:t>
+              <a:t>26/06/12</a:t>
             </a:fld>
             <a:endParaRPr lang="en-US"/>
           </a:p>
@@ -4030,7 +4119,7 @@
             <a:fld id="{23A271A1-F6D6-438B-A432-4747EE7ECD40}" type="datetimeFigureOut">
               <a:rPr lang="en-US" smtClean="0"/>
               <a:pPr eaLnBrk="1" latinLnBrk="0" hangingPunct="1"/>
-              <a:t>22/06/12</a:t>
+              <a:t>26/06/12</a:t>
             </a:fld>
             <a:endParaRPr lang="en-US" sz="1400" dirty="0">
               <a:solidFill>
@@ -5305,7 +5394,7 @@
         </p:spPr>
         <p:txBody>
           <a:bodyPr>
-            <a:normAutofit fontScale="92500" lnSpcReduction="10000"/>
+            <a:normAutofit/>
           </a:bodyPr>
           <a:lstStyle/>
           <a:p>
@@ -5333,13 +5422,20 @@
             </a:pPr>
             <a:r>
               <a:rPr lang="en-AU" dirty="0" smtClean="0"/>
-              <a:t>Foundation </a:t>
-            </a:r>
-            <a:r>
-              <a:rPr lang="en-AU" dirty="0" err="1"/>
+              <a:t>Configuration: Foundation </a:t>
+            </a:r>
+            <a:r>
+              <a:rPr lang="en-AU" dirty="0" err="1" smtClean="0"/>
               <a:t>Datatype</a:t>
             </a:r>
-            <a:endParaRPr lang="en-AU" dirty="0"/>
+            <a:r>
+              <a:rPr lang="en-AU" dirty="0" smtClean="0"/>
+              <a:t> &amp; Yesod </a:t>
+            </a:r>
+            <a:r>
+              <a:rPr lang="en-AU" dirty="0" smtClean="0"/>
+              <a:t>type class instance</a:t>
+            </a:r>
           </a:p>
           <a:p>
             <a:pPr marL="457200" indent="-457200">
@@ -5348,8 +5444,9 @@
             </a:pPr>
             <a:r>
               <a:rPr lang="en-AU" dirty="0" smtClean="0"/>
-              <a:t>Yesod type class instance</a:t>
-            </a:r>
+              <a:t>Handlers</a:t>
+            </a:r>
+            <a:endParaRPr lang="en-AU" dirty="0" smtClean="0"/>
           </a:p>
           <a:p>
             <a:pPr marL="457200" indent="-457200">
@@ -5358,55 +5455,9 @@
             </a:pPr>
             <a:r>
               <a:rPr lang="en-AU" dirty="0" smtClean="0"/>
-              <a:t>Handlers</a:t>
-            </a:r>
-          </a:p>
-          <a:p>
-            <a:pPr marL="457200" indent="-457200">
-              <a:buFont typeface="Arial"/>
-              <a:buChar char="•"/>
-            </a:pPr>
-            <a:r>
-              <a:rPr lang="en-AU" dirty="0" err="1"/>
-              <a:t>mkYesod</a:t>
-            </a:r>
-            <a:r>
-              <a:rPr lang="en-AU" dirty="0"/>
-              <a:t> &amp; </a:t>
-            </a:r>
-            <a:r>
-              <a:rPr lang="en-AU" dirty="0" err="1" smtClean="0"/>
-              <a:t>parseRoutes</a:t>
-            </a:r>
-            <a:endParaRPr lang="en-AU" dirty="0"/>
-          </a:p>
-          <a:p>
-            <a:pPr marL="457200" indent="-457200">
-              <a:buFont typeface="Arial"/>
-              <a:buChar char="•"/>
-            </a:pPr>
-            <a:r>
-              <a:rPr lang="en-AU" dirty="0" err="1" smtClean="0"/>
-              <a:t>YesodDispatch</a:t>
-            </a:r>
-            <a:r>
-              <a:rPr lang="en-AU" dirty="0" smtClean="0"/>
-              <a:t> </a:t>
-            </a:r>
-          </a:p>
-          <a:p>
-            <a:pPr marL="457200" indent="-457200">
-              <a:buFont typeface="Arial"/>
-              <a:buChar char="•"/>
-            </a:pPr>
-            <a:r>
-              <a:rPr lang="en-AU" dirty="0" err="1" smtClean="0"/>
-              <a:t>YesodRoute</a:t>
+              <a:t>Generated code from our routes definition.</a:t>
             </a:r>
             <a:endParaRPr lang="en-AU" dirty="0" smtClean="0"/>
-          </a:p>
-          <a:p>
-            <a:endParaRPr lang="en-AU" dirty="0"/>
           </a:p>
         </p:txBody>
       </p:sp>
@@ -8020,8 +8071,27 @@
             </a:r>
             <a:r>
               <a:rPr lang="en-AU" dirty="0" smtClean="0"/>
-              <a:t> handler.</a:t>
-            </a:r>
+              <a:t> handler</a:t>
+            </a:r>
+            <a:r>
+              <a:rPr lang="en-AU" dirty="0" smtClean="0"/>
+              <a:t>.</a:t>
+            </a:r>
+          </a:p>
+          <a:p>
+            <a:r>
+              <a:rPr lang="en-AU" dirty="0" err="1" smtClean="0"/>
+              <a:t>HomeR</a:t>
+            </a:r>
+            <a:r>
+              <a:rPr lang="en-AU" dirty="0" smtClean="0"/>
+              <a:t> suffix is just a convention. R stands </a:t>
+            </a:r>
+            <a:r>
+              <a:rPr lang="en-AU" smtClean="0"/>
+              <a:t>for Route.</a:t>
+            </a:r>
+            <a:endParaRPr lang="en-AU" dirty="0" smtClean="0"/>
           </a:p>
           <a:p>
             <a:r>
@@ -8305,7 +8375,7 @@
         </p:spPr>
         <p:txBody>
           <a:bodyPr>
-            <a:normAutofit/>
+            <a:normAutofit lnSpcReduction="10000"/>
           </a:bodyPr>
           <a:lstStyle/>
           <a:p>
@@ -8370,8 +8440,37 @@
               <a:rPr lang="en-AU" sz="2000" dirty="0" smtClean="0">
                 <a:cs typeface="Andale Mono"/>
               </a:rPr>
-              <a:t>Can deploy to fast CGI instead if you don’t trust warp.</a:t>
-            </a:r>
+              <a:t>Can deploy to fast CGI instead if you don’t trust warp</a:t>
+            </a:r>
+            <a:r>
+              <a:rPr lang="en-AU" sz="2000" dirty="0" smtClean="0">
+                <a:cs typeface="Andale Mono"/>
+              </a:rPr>
+              <a:t>.</a:t>
+            </a:r>
+          </a:p>
+          <a:p>
+            <a:r>
+              <a:rPr lang="en-AU" sz="2000" dirty="0" smtClean="0">
+                <a:cs typeface="Andale Mono"/>
+              </a:rPr>
+              <a:t>Warp is not part of </a:t>
+            </a:r>
+            <a:r>
+              <a:rPr lang="en-AU" sz="2000" dirty="0" err="1" smtClean="0">
+                <a:cs typeface="Andale Mono"/>
+              </a:rPr>
+              <a:t>yesod</a:t>
+            </a:r>
+            <a:r>
+              <a:rPr lang="en-AU" sz="2000" dirty="0" smtClean="0">
+                <a:cs typeface="Andale Mono"/>
+              </a:rPr>
+              <a:t>. Is a separate webserver in its own right.</a:t>
+            </a:r>
+            <a:endParaRPr lang="en-AU" sz="2000" dirty="0" smtClean="0">
+              <a:cs typeface="Andale Mono"/>
+            </a:endParaRPr>
           </a:p>
           <a:p>
             <a:endParaRPr lang="en-AU" sz="2000" dirty="0">
@@ -15040,7 +15139,6 @@
               <a:rPr lang="en-AU" dirty="0" smtClean="0"/>
               <a:t> </a:t>
             </a:r>
-            <a:endParaRPr lang="en-AU" dirty="0" smtClean="0"/>
           </a:p>
           <a:p>
             <a:r>
@@ -18131,9 +18229,6 @@
               </a:rPr>
               <a:t> offside indentation rule.</a:t>
             </a:r>
-            <a:endParaRPr lang="en-AU" sz="1800" dirty="0" smtClean="0">
-              <a:cs typeface="Andale Mono"/>
-            </a:endParaRPr>
           </a:p>
           <a:p>
             <a:r>
@@ -18529,10 +18624,10 @@
                 </a:solidFill>
                 <a:latin typeface="Courier"/>
               </a:rPr>
-              <a:t>      </a:t>
-            </a:r>
-            <a:r>
-              <a:rPr lang="en-AU" dirty="0">
+              <a:t>    </a:t>
+            </a:r>
+            <a:r>
+              <a:rPr lang="en-AU" dirty="0" smtClean="0">
                 <a:solidFill>
                   <a:srgbClr val="FF4B31"/>
                 </a:solidFill>
@@ -18576,7 +18671,16 @@
                 </a:solidFill>
                 <a:latin typeface="Courier"/>
               </a:rPr>
-              <a:t>        </a:t>
+              <a:t>    </a:t>
+            </a:r>
+            <a:r>
+              <a:rPr lang="en-AU" dirty="0" smtClean="0">
+                <a:solidFill>
+                  <a:srgbClr val="213E3E"/>
+                </a:solidFill>
+                <a:latin typeface="Courier"/>
+              </a:rPr>
+              <a:t>  </a:t>
             </a:r>
             <a:r>
               <a:rPr lang="en-AU" dirty="0">
@@ -18650,7 +18754,25 @@
                 </a:solidFill>
                 <a:latin typeface="Courier"/>
               </a:rPr>
-              <a:t>          &lt;li&gt;&lt;a href="@{NoteR id}"&gt;#{noteTitle note}&lt;/a&gt;                            </a:t>
+              <a:t>    </a:t>
+            </a:r>
+            <a:r>
+              <a:rPr lang="is-IS" dirty="0" smtClean="0">
+                <a:solidFill>
+                  <a:srgbClr val="213E3E"/>
+                </a:solidFill>
+                <a:latin typeface="Courier"/>
+              </a:rPr>
+              <a:t>    </a:t>
+            </a:r>
+            <a:r>
+              <a:rPr lang="is-IS" dirty="0">
+                <a:solidFill>
+                  <a:srgbClr val="213E3E"/>
+                </a:solidFill>
+                <a:latin typeface="Courier"/>
+              </a:rPr>
+              <a:t>&lt;li&gt;&lt;a href="@{NoteR id}"&gt;#{noteTitle note}&lt;/a&gt;                            </a:t>
             </a:r>
           </a:p>
           <a:p>
@@ -23772,7 +23894,11 @@
             </a:r>
             <a:r>
               <a:rPr lang="en-AU" dirty="0" smtClean="0"/>
-              <a:t> strings un-escaped into a widget. They are just rightfully not in plain sight.. </a:t>
+              <a:t> strings un-escaped into a widget. They are just rightfully not in plain sight</a:t>
+            </a:r>
+            <a:r>
+              <a:rPr lang="en-AU" dirty="0" smtClean="0"/>
+              <a:t>.</a:t>
             </a:r>
             <a:endParaRPr lang="en-AU" dirty="0"/>
           </a:p>
@@ -24028,7 +24154,6 @@
               <a:rPr lang="en-AU" dirty="0" smtClean="0"/>
               <a:t> test. Literal HTML is appended to widget. </a:t>
             </a:r>
-            <a:endParaRPr lang="en-AU" dirty="0" smtClean="0"/>
           </a:p>
           <a:p>
             <a:r>
@@ -24494,7 +24619,23 @@
             </a:r>
             <a:r>
               <a:rPr lang="en-AU" dirty="0" smtClean="0"/>
-              <a:t> ( method of the Widget monad ) does all the magic of appending the CSS,JSS &amp; together.</a:t>
+              <a:t> ( method of the Widget monad ) does all the magic of appending the CSS,</a:t>
+            </a:r>
+            <a:r>
+              <a:rPr lang="en-AU" dirty="0" smtClean="0"/>
+              <a:t>JS </a:t>
+            </a:r>
+            <a:r>
+              <a:rPr lang="en-AU" dirty="0" smtClean="0"/>
+              <a:t>&amp; </a:t>
+            </a:r>
+            <a:r>
+              <a:rPr lang="en-AU" dirty="0" smtClean="0"/>
+              <a:t>HTML together</a:t>
+            </a:r>
+            <a:r>
+              <a:rPr lang="en-AU" dirty="0" smtClean="0"/>
+              <a:t>.</a:t>
             </a:r>
             <a:endParaRPr lang="en-AU" dirty="0"/>
           </a:p>
@@ -26229,13 +26370,49 @@
               <a:t> ( m </a:t>
             </a:r>
             <a:r>
+              <a:rPr lang="en-US" dirty="0" smtClean="0">
+                <a:solidFill>
+                  <a:srgbClr val="FF4B31"/>
+                </a:solidFill>
+                <a:latin typeface="Monaco"/>
+              </a:rPr>
+              <a:t>&gt;=</a:t>
+            </a:r>
+            <a:r>
+              <a:rPr lang="en-US" dirty="0" smtClean="0">
+                <a:solidFill>
+                  <a:srgbClr val="213E3E"/>
+                </a:solidFill>
+                <a:latin typeface="Courier"/>
+              </a:rPr>
+              <a:t> </a:t>
+            </a:r>
+            <a:r>
               <a:rPr lang="en-US" dirty="0">
                 <a:solidFill>
+                  <a:srgbClr val="213E3E"/>
+                </a:solidFill>
+                <a:latin typeface="Courier"/>
+              </a:rPr>
+              <a:t>1</a:t>
+            </a:r>
+            <a:r>
+              <a:rPr lang="en-US" dirty="0" smtClean="0">
+                <a:solidFill>
+                  <a:srgbClr val="213E3E"/>
+                </a:solidFill>
+                <a:latin typeface="Courier"/>
+              </a:rPr>
+              <a:t> </a:t>
+            </a:r>
+            <a:r>
+              <a:rPr lang="en-US" dirty="0">
+                <a:solidFill>
                   <a:srgbClr val="FF4B31"/>
                 </a:solidFill>
                 <a:latin typeface="Monaco"/>
               </a:rPr>
-              <a:t>&gt;</a:t>
+              <a:t>&amp;&amp;</a:t>
             </a:r>
             <a:r>
               <a:rPr lang="en-US" dirty="0">
@@ -26244,43 +26421,43 @@
                 </a:solidFill>
                 <a:latin typeface="Courier"/>
               </a:rPr>
-              <a:t> 0 </a:t>
+              <a:t> m </a:t>
+            </a:r>
+            <a:r>
+              <a:rPr lang="en-US" dirty="0" smtClean="0">
+                <a:solidFill>
+                  <a:srgbClr val="FF4B31"/>
+                </a:solidFill>
+                <a:latin typeface="Monaco"/>
+              </a:rPr>
+              <a:t>&lt;=</a:t>
+            </a:r>
+            <a:r>
+              <a:rPr lang="en-US" dirty="0" smtClean="0">
+                <a:solidFill>
+                  <a:srgbClr val="213E3E"/>
+                </a:solidFill>
+                <a:latin typeface="Courier"/>
+              </a:rPr>
+              <a:t>12</a:t>
+            </a:r>
+            <a:r>
+              <a:rPr lang="en-US" dirty="0" smtClean="0">
+                <a:solidFill>
+                  <a:srgbClr val="213E3E"/>
+                </a:solidFill>
+                <a:latin typeface="Courier"/>
+              </a:rPr>
+              <a:t> </a:t>
             </a:r>
             <a:r>
               <a:rPr lang="en-US" dirty="0">
                 <a:solidFill>
-                  <a:srgbClr val="FF4B31"/>
-                </a:solidFill>
-                <a:latin typeface="Monaco"/>
-              </a:rPr>
-              <a:t>&amp;&amp;</a:t>
-            </a:r>
-            <a:r>
-              <a:rPr lang="en-US" dirty="0">
-                <a:solidFill>
-                  <a:srgbClr val="213E3E"/>
-                </a:solidFill>
-                <a:latin typeface="Courier"/>
-              </a:rPr>
-              <a:t> m </a:t>
-            </a:r>
-            <a:r>
-              <a:rPr lang="en-US" dirty="0">
-                <a:solidFill>
-                  <a:srgbClr val="FF4B31"/>
-                </a:solidFill>
-                <a:latin typeface="Monaco"/>
-              </a:rPr>
-              <a:t>&lt;</a:t>
-            </a:r>
-            <a:r>
-              <a:rPr lang="en-US" dirty="0">
-                <a:solidFill>
-                  <a:srgbClr val="213E3E"/>
-                </a:solidFill>
-                <a:latin typeface="Courier"/>
-              </a:rPr>
-              <a:t> 32 )</a:t>
+                  <a:srgbClr val="213E3E"/>
+                </a:solidFill>
+                <a:latin typeface="Courier"/>
+              </a:rPr>
+              <a:t>)</a:t>
             </a:r>
           </a:p>
           <a:p>
@@ -26660,13 +26837,13 @@
         </p:nvSpPr>
         <p:spPr>
           <a:xfrm>
-            <a:off x="140066" y="1600200"/>
-            <a:ext cx="8889546" cy="5114220"/>
+            <a:off x="268898" y="2845367"/>
+            <a:ext cx="8889546" cy="1340648"/>
           </a:xfrm>
         </p:spPr>
         <p:txBody>
           <a:bodyPr>
-            <a:normAutofit/>
+            <a:normAutofit fontScale="92500" lnSpcReduction="10000"/>
           </a:bodyPr>
           <a:lstStyle/>
           <a:p>
@@ -26785,246 +26962,137 @@
                 </a:solidFill>
                 <a:latin typeface="Monaco"/>
               </a:rPr>
-              <a:t>    In the second argument of `</a:t>
-            </a:r>
-            <a:r>
-              <a:rPr lang="en-AU" sz="1800" dirty="0" err="1">
+              <a:t>    </a:t>
+            </a:r>
+            <a:r>
+              <a:rPr lang="en-AU" sz="1800" dirty="0" smtClean="0">
                 <a:solidFill>
                   <a:srgbClr val="000079"/>
                 </a:solidFill>
                 <a:latin typeface="Monaco"/>
               </a:rPr>
-              <a:t>fmap</a:t>
-            </a:r>
-            <a:r>
-              <a:rPr lang="en-AU" sz="1800" dirty="0">
-                <a:solidFill>
-                  <a:srgbClr val="000079"/>
-                </a:solidFill>
-                <a:latin typeface="Monaco"/>
-              </a:rPr>
-              <a:t>', namely</a:t>
-            </a:r>
-          </a:p>
-          <a:p>
-            <a:pPr marL="0" indent="0">
-              <a:buNone/>
-            </a:pPr>
-            <a:r>
-              <a:rPr lang="en-AU" sz="1800" dirty="0">
-                <a:solidFill>
-                  <a:srgbClr val="000079"/>
-                </a:solidFill>
-                <a:latin typeface="Monaco"/>
-              </a:rPr>
-              <a:t>      `</a:t>
-            </a:r>
-            <a:r>
-              <a:rPr lang="en-AU" sz="1800" dirty="0" err="1">
-                <a:solidFill>
-                  <a:srgbClr val="000079"/>
-                </a:solidFill>
-                <a:latin typeface="Monaco"/>
-              </a:rPr>
-              <a:t>getNoteR</a:t>
-            </a:r>
-            <a:r>
-              <a:rPr lang="en-AU" sz="1800" dirty="0">
-                <a:solidFill>
-                  <a:srgbClr val="000079"/>
-                </a:solidFill>
-                <a:latin typeface="Monaco"/>
-              </a:rPr>
-              <a:t> arg_a6ot arg_a6ou arg_a6ov'</a:t>
-            </a:r>
-          </a:p>
-          <a:p>
-            <a:pPr marL="0" indent="0">
-              <a:buNone/>
-            </a:pPr>
-            <a:r>
-              <a:rPr lang="en-AU" sz="1800" dirty="0">
-                <a:solidFill>
-                  <a:srgbClr val="000079"/>
-                </a:solidFill>
-                <a:latin typeface="Monaco"/>
-              </a:rPr>
-              <a:t>    In the expression:</a:t>
-            </a:r>
-          </a:p>
-          <a:p>
-            <a:pPr marL="0" indent="0">
-              <a:buNone/>
-            </a:pPr>
-            <a:r>
-              <a:rPr lang="en-AU" sz="1800" dirty="0">
-                <a:solidFill>
-                  <a:srgbClr val="000079"/>
-                </a:solidFill>
-                <a:latin typeface="Monaco"/>
-              </a:rPr>
-              <a:t>      </a:t>
-            </a:r>
-            <a:r>
-              <a:rPr lang="en-AU" sz="1800" dirty="0" err="1">
-                <a:solidFill>
-                  <a:srgbClr val="000079"/>
-                </a:solidFill>
-                <a:latin typeface="Monaco"/>
-              </a:rPr>
-              <a:t>fmap</a:t>
-            </a:r>
-            <a:r>
-              <a:rPr lang="en-AU" sz="1800" dirty="0">
-                <a:solidFill>
-                  <a:srgbClr val="000079"/>
-                </a:solidFill>
-                <a:latin typeface="Monaco"/>
-              </a:rPr>
-              <a:t> </a:t>
-            </a:r>
-            <a:r>
-              <a:rPr lang="en-AU" sz="1800" dirty="0" err="1">
-                <a:solidFill>
-                  <a:srgbClr val="000079"/>
-                </a:solidFill>
-                <a:latin typeface="Monaco"/>
-              </a:rPr>
-              <a:t>chooseRep</a:t>
-            </a:r>
-            <a:r>
-              <a:rPr lang="en-AU" sz="1800" dirty="0">
-                <a:solidFill>
-                  <a:srgbClr val="000079"/>
-                </a:solidFill>
-                <a:latin typeface="Monaco"/>
-              </a:rPr>
-              <a:t> (</a:t>
-            </a:r>
-            <a:r>
-              <a:rPr lang="en-AU" sz="1800" dirty="0" err="1">
-                <a:solidFill>
-                  <a:srgbClr val="000079"/>
-                </a:solidFill>
-                <a:latin typeface="Monaco"/>
-              </a:rPr>
-              <a:t>getNoteR</a:t>
-            </a:r>
-            <a:r>
-              <a:rPr lang="en-AU" sz="1800" dirty="0">
-                <a:solidFill>
-                  <a:srgbClr val="000079"/>
-                </a:solidFill>
-                <a:latin typeface="Monaco"/>
-              </a:rPr>
-              <a:t> arg_a6ot arg_a6ou arg_a6ov)</a:t>
-            </a:r>
-          </a:p>
-          <a:p>
-            <a:pPr marL="0" indent="0">
-              <a:buNone/>
-            </a:pPr>
-            <a:r>
-              <a:rPr lang="en-AU" sz="1800" dirty="0">
-                <a:solidFill>
-                  <a:srgbClr val="000079"/>
-                </a:solidFill>
-                <a:latin typeface="Monaco"/>
-              </a:rPr>
-              <a:t>    In the expression:</a:t>
-            </a:r>
-          </a:p>
-          <a:p>
-            <a:pPr marL="0" indent="0">
-              <a:buNone/>
-            </a:pPr>
-            <a:r>
-              <a:rPr lang="en-AU" sz="1800" dirty="0">
-                <a:solidFill>
-                  <a:srgbClr val="000079"/>
-                </a:solidFill>
-                <a:latin typeface="Monaco"/>
-              </a:rPr>
-              <a:t>      \ arg_a6ot arg_a6ou arg_a6ov</a:t>
-            </a:r>
-          </a:p>
-          <a:p>
-            <a:pPr marL="0" indent="0">
-              <a:buNone/>
-            </a:pPr>
-            <a:r>
-              <a:rPr lang="en-AU" sz="1800" dirty="0">
-                <a:solidFill>
-                  <a:srgbClr val="000079"/>
-                </a:solidFill>
-                <a:latin typeface="Monaco"/>
-              </a:rPr>
-              <a:t>        -&gt; </a:t>
-            </a:r>
-            <a:r>
-              <a:rPr lang="en-AU" sz="1800" dirty="0" err="1">
-                <a:solidFill>
-                  <a:srgbClr val="000079"/>
-                </a:solidFill>
-                <a:latin typeface="Monaco"/>
-              </a:rPr>
-              <a:t>fmap</a:t>
-            </a:r>
-            <a:r>
-              <a:rPr lang="en-AU" sz="1800" dirty="0">
-                <a:solidFill>
-                  <a:srgbClr val="000079"/>
-                </a:solidFill>
-                <a:latin typeface="Monaco"/>
-              </a:rPr>
-              <a:t> </a:t>
-            </a:r>
-            <a:r>
-              <a:rPr lang="en-AU" sz="1800" dirty="0" err="1">
-                <a:solidFill>
-                  <a:srgbClr val="000079"/>
-                </a:solidFill>
-                <a:latin typeface="Monaco"/>
-              </a:rPr>
-              <a:t>chooseRep</a:t>
-            </a:r>
-            <a:r>
-              <a:rPr lang="en-AU" sz="1800" dirty="0">
-                <a:solidFill>
-                  <a:srgbClr val="000079"/>
-                </a:solidFill>
-                <a:latin typeface="Monaco"/>
-              </a:rPr>
-              <a:t> (</a:t>
-            </a:r>
-            <a:r>
-              <a:rPr lang="en-AU" sz="1800" dirty="0" err="1">
-                <a:solidFill>
-                  <a:srgbClr val="000079"/>
-                </a:solidFill>
-                <a:latin typeface="Monaco"/>
-              </a:rPr>
-              <a:t>getNoteR</a:t>
-            </a:r>
-            <a:r>
-              <a:rPr lang="en-AU" sz="1800" dirty="0">
-                <a:solidFill>
-                  <a:srgbClr val="000079"/>
-                </a:solidFill>
-                <a:latin typeface="Monaco"/>
-              </a:rPr>
-              <a:t> arg_a6ot arg_a6ou arg_a6ov)</a:t>
-            </a:r>
-          </a:p>
-          <a:p>
-            <a:pPr marL="0" indent="0">
-              <a:buNone/>
-            </a:pPr>
+              <a:t>&lt;snip&gt;</a:t>
+            </a:r>
             <a:endParaRPr lang="fr-FR" sz="1800" dirty="0">
               <a:solidFill>
                 <a:srgbClr val="000079"/>
               </a:solidFill>
               <a:latin typeface="Monaco"/>
+            </a:endParaRPr>
+          </a:p>
+        </p:txBody>
+      </p:sp>
+      <p:sp>
+        <p:nvSpPr>
+          <p:cNvPr id="4" name="TextBox 3"/>
+          <p:cNvSpPr txBox="1"/>
+          <p:nvPr/>
+        </p:nvSpPr>
+        <p:spPr>
+          <a:xfrm>
+            <a:off x="268898" y="1796986"/>
+            <a:ext cx="8153400" cy="646331"/>
+          </a:xfrm>
+          <a:prstGeom prst="rect">
+            <a:avLst/>
+          </a:prstGeom>
+        </p:spPr>
+        <p:style>
+          <a:lnRef idx="2">
+            <a:schemeClr val="accent1"/>
+          </a:lnRef>
+          <a:fillRef idx="1">
+            <a:schemeClr val="lt1"/>
+          </a:fillRef>
+          <a:effectRef idx="0">
+            <a:schemeClr val="accent1"/>
+          </a:effectRef>
+          <a:fontRef idx="minor">
+            <a:schemeClr val="dk1"/>
+          </a:fontRef>
+        </p:style>
+        <p:txBody>
+          <a:bodyPr wrap="square" rtlCol="0">
+            <a:spAutoFit/>
+          </a:bodyPr>
+          <a:lstStyle/>
+          <a:p>
+            <a:r>
+              <a:rPr lang="en-AU" dirty="0" err="1">
+                <a:solidFill>
+                  <a:srgbClr val="000079"/>
+                </a:solidFill>
+                <a:latin typeface="Monaco"/>
+              </a:rPr>
+              <a:t>getNoteR</a:t>
+            </a:r>
+            <a:r>
+              <a:rPr lang="en-AU" dirty="0">
+                <a:solidFill>
+                  <a:srgbClr val="213E3E"/>
+                </a:solidFill>
+                <a:latin typeface="Courier"/>
+              </a:rPr>
+              <a:t> id </a:t>
+            </a:r>
+            <a:r>
+              <a:rPr lang="en-AU" dirty="0">
+                <a:solidFill>
+                  <a:srgbClr val="FF4B31"/>
+                </a:solidFill>
+                <a:latin typeface="Monaco"/>
+              </a:rPr>
+              <a:t>=</a:t>
+            </a:r>
+            <a:r>
+              <a:rPr lang="en-AU" dirty="0">
+                <a:solidFill>
+                  <a:srgbClr val="213E3E"/>
+                </a:solidFill>
+                <a:latin typeface="Courier"/>
+              </a:rPr>
+              <a:t> </a:t>
+            </a:r>
+            <a:r>
+              <a:rPr lang="en-AU" dirty="0">
+                <a:solidFill>
+                  <a:srgbClr val="007EFF"/>
+                </a:solidFill>
+                <a:latin typeface="Monaco"/>
+              </a:rPr>
+              <a:t>do</a:t>
+            </a:r>
+            <a:endParaRPr lang="en-AU" dirty="0">
+              <a:solidFill>
+                <a:srgbClr val="213E3E"/>
+              </a:solidFill>
+              <a:latin typeface="Courier"/>
+            </a:endParaRPr>
+          </a:p>
+          <a:p>
+            <a:r>
+              <a:rPr lang="en-AU" dirty="0">
+                <a:solidFill>
+                  <a:srgbClr val="213E3E"/>
+                </a:solidFill>
+                <a:latin typeface="Courier"/>
+              </a:rPr>
+              <a:t>  </a:t>
+            </a:r>
+            <a:r>
+              <a:rPr lang="x-none" dirty="0" smtClean="0">
+                <a:solidFill>
+                  <a:srgbClr val="213E3E"/>
+                </a:solidFill>
+                <a:latin typeface="Courier"/>
+              </a:rPr>
+              <a:t>-- &lt;snip&gt;</a:t>
+            </a:r>
+            <a:endParaRPr lang="cs-CZ" dirty="0">
+              <a:solidFill>
+                <a:srgbClr val="213E3E"/>
+              </a:solidFill>
+              <a:latin typeface="Courier"/>
             </a:endParaRPr>
           </a:p>
         </p:txBody>
@@ -27099,7 +27167,12 @@
             <p:ph sz="quarter" idx="1"/>
           </p:nvPr>
         </p:nvSpPr>
-        <p:spPr/>
+        <p:spPr>
+          <a:xfrm>
+            <a:off x="95486" y="3886120"/>
+            <a:ext cx="8927963" cy="2668194"/>
+          </a:xfrm>
+        </p:spPr>
         <p:txBody>
           <a:bodyPr>
             <a:normAutofit fontScale="62500" lnSpcReduction="20000"/>
@@ -27155,7 +27228,25 @@
                 </a:solidFill>
                 <a:latin typeface="Monaco"/>
               </a:rPr>
-              <a:t>                with actual type `Month -&gt; </a:t>
+              <a:t>             </a:t>
+            </a:r>
+            <a:r>
+              <a:rPr lang="en-AU" sz="2800" dirty="0" smtClean="0">
+                <a:solidFill>
+                  <a:srgbClr val="000079"/>
+                </a:solidFill>
+                <a:latin typeface="Monaco"/>
+              </a:rPr>
+              <a:t> </a:t>
+            </a:r>
+            <a:r>
+              <a:rPr lang="en-AU" sz="2800" dirty="0">
+                <a:solidFill>
+                  <a:srgbClr val="000079"/>
+                </a:solidFill>
+                <a:latin typeface="Monaco"/>
+              </a:rPr>
+              <a:t>with actual type `Month -&gt; </a:t>
             </a:r>
             <a:r>
               <a:rPr lang="en-AU" sz="2800" dirty="0" err="1">
@@ -27251,135 +27342,538 @@
                 </a:solidFill>
                 <a:latin typeface="Monaco"/>
               </a:rPr>
-              <a:t>    In the first argument of `\ u_a6oL</a:t>
-            </a:r>
-          </a:p>
-          <a:p>
-            <a:pPr marL="0" indent="0">
-              <a:buNone/>
-            </a:pPr>
-            <a:r>
-              <a:rPr lang="hu-HU" sz="2800" dirty="0">
+              <a:t>    </a:t>
+            </a:r>
+            <a:r>
+              <a:rPr lang="en-AU" sz="2800" dirty="0" smtClean="0">
                 <a:solidFill>
                   <a:srgbClr val="000079"/>
                 </a:solidFill>
                 <a:latin typeface="Monaco"/>
               </a:rPr>
-              <a:t>                                -&gt; urender_a6oK u_a6oL []', namely</a:t>
-            </a:r>
-          </a:p>
-          <a:p>
-            <a:pPr marL="0" indent="0">
-              <a:buNone/>
-            </a:pPr>
-            <a:r>
-              <a:rPr lang="fr-FR" sz="2800" dirty="0">
+              <a:t>&lt;snip&gt;</a:t>
+            </a:r>
+            <a:endParaRPr lang="en-AU" dirty="0"/>
+          </a:p>
+        </p:txBody>
+      </p:sp>
+      <p:sp>
+        <p:nvSpPr>
+          <p:cNvPr id="5" name="TextBox 4"/>
+          <p:cNvSpPr txBox="1"/>
+          <p:nvPr/>
+        </p:nvSpPr>
+        <p:spPr>
+          <a:xfrm>
+            <a:off x="261457" y="1680940"/>
+            <a:ext cx="8504591" cy="2308324"/>
+          </a:xfrm>
+          <a:prstGeom prst="rect">
+            <a:avLst/>
+          </a:prstGeom>
+        </p:spPr>
+        <p:style>
+          <a:lnRef idx="2">
+            <a:schemeClr val="accent1"/>
+          </a:lnRef>
+          <a:fillRef idx="1">
+            <a:schemeClr val="lt1"/>
+          </a:fillRef>
+          <a:effectRef idx="0">
+            <a:schemeClr val="accent1"/>
+          </a:effectRef>
+          <a:fontRef idx="minor">
+            <a:schemeClr val="dk1"/>
+          </a:fontRef>
+        </p:style>
+        <p:txBody>
+          <a:bodyPr wrap="square" rtlCol="0">
+            <a:spAutoFit/>
+          </a:bodyPr>
+          <a:lstStyle/>
+          <a:p>
+            <a:r>
+              <a:rPr lang="en-AU" dirty="0" err="1">
                 <a:solidFill>
                   <a:srgbClr val="000079"/>
                 </a:solidFill>
                 <a:latin typeface="Monaco"/>
               </a:rPr>
-              <a:t>      `</a:t>
-            </a:r>
-            <a:r>
-              <a:rPr lang="fr-FR" sz="2800" dirty="0" err="1">
-                <a:solidFill>
-                  <a:srgbClr val="000079"/>
-                </a:solidFill>
-                <a:latin typeface="Monaco"/>
-              </a:rPr>
-              <a:t>NoteR</a:t>
-            </a:r>
-            <a:r>
-              <a:rPr lang="fr-FR" sz="2800" dirty="0">
-                <a:solidFill>
-                  <a:srgbClr val="000079"/>
-                </a:solidFill>
-                <a:latin typeface="Monaco"/>
-              </a:rPr>
-              <a:t> id_a6oI'</a:t>
-            </a:r>
-          </a:p>
-          <a:p>
-            <a:pPr marL="0" indent="0">
-              <a:buNone/>
-            </a:pPr>
-            <a:r>
-              <a:rPr lang="fr-FR" sz="2800" dirty="0">
-                <a:solidFill>
-                  <a:srgbClr val="000079"/>
-                </a:solidFill>
-                <a:latin typeface="Monaco"/>
-              </a:rPr>
-              <a:t>    In the first argument of `</a:t>
-            </a:r>
-            <a:r>
-              <a:rPr lang="fr-FR" sz="2800" dirty="0" err="1">
-                <a:solidFill>
-                  <a:srgbClr val="000079"/>
-                </a:solidFill>
-                <a:latin typeface="Monaco"/>
-              </a:rPr>
-              <a:t>toHtml</a:t>
-            </a:r>
-            <a:r>
-              <a:rPr lang="fr-FR" sz="2800" dirty="0">
-                <a:solidFill>
-                  <a:srgbClr val="000079"/>
-                </a:solidFill>
-                <a:latin typeface="Monaco"/>
-              </a:rPr>
-              <a:t>', </a:t>
-            </a:r>
-            <a:r>
-              <a:rPr lang="fr-FR" sz="2800" dirty="0" err="1">
-                <a:solidFill>
-                  <a:srgbClr val="000079"/>
-                </a:solidFill>
-                <a:latin typeface="Monaco"/>
-              </a:rPr>
-              <a:t>namely</a:t>
-            </a:r>
-            <a:endParaRPr lang="fr-FR" sz="2800" dirty="0">
+              <a:t>showCreateNoteForm</a:t>
+            </a:r>
+            <a:r>
+              <a:rPr lang="en-AU" dirty="0">
+                <a:solidFill>
+                  <a:srgbClr val="213E3E"/>
+                </a:solidFill>
+                <a:latin typeface="Courier"/>
+              </a:rPr>
+              <a:t> widget </a:t>
+            </a:r>
+            <a:r>
+              <a:rPr lang="en-AU" dirty="0" err="1">
+                <a:solidFill>
+                  <a:srgbClr val="213E3E"/>
+                </a:solidFill>
+                <a:latin typeface="Courier"/>
+              </a:rPr>
+              <a:t>encType</a:t>
+            </a:r>
+            <a:r>
+              <a:rPr lang="en-AU" dirty="0">
+                <a:solidFill>
+                  <a:srgbClr val="213E3E"/>
+                </a:solidFill>
+                <a:latin typeface="Courier"/>
+              </a:rPr>
+              <a:t> </a:t>
+            </a:r>
+            <a:r>
+              <a:rPr lang="en-AU" dirty="0">
+                <a:solidFill>
+                  <a:srgbClr val="FF4B31"/>
+                </a:solidFill>
+                <a:latin typeface="Monaco"/>
+              </a:rPr>
+              <a:t>=</a:t>
+            </a:r>
+            <a:r>
+              <a:rPr lang="en-AU" dirty="0">
+                <a:solidFill>
+                  <a:srgbClr val="213E3E"/>
+                </a:solidFill>
+                <a:latin typeface="Courier"/>
+              </a:rPr>
+              <a:t> </a:t>
+            </a:r>
+            <a:r>
+              <a:rPr lang="en-AU" dirty="0">
+                <a:solidFill>
+                  <a:srgbClr val="007EFF"/>
+                </a:solidFill>
+                <a:latin typeface="Monaco"/>
+              </a:rPr>
+              <a:t>do</a:t>
+            </a:r>
+            <a:endParaRPr lang="en-AU" dirty="0">
               <a:solidFill>
-                <a:srgbClr val="000079"/>
+                <a:srgbClr val="213E3E"/>
               </a:solidFill>
-              <a:latin typeface="Monaco"/>
+              <a:latin typeface="Courier"/>
             </a:endParaRPr>
           </a:p>
           <a:p>
-            <a:pPr marL="0" indent="0">
-              <a:buNone/>
-            </a:pPr>
-            <a:r>
-              <a:rPr lang="fr-FR" sz="2800" dirty="0">
-                <a:solidFill>
-                  <a:srgbClr val="000079"/>
-                </a:solidFill>
-                <a:latin typeface="Monaco"/>
-              </a:rPr>
-              <a:t>      `\ u_a6oL -&gt; urender_a6oK u_a6oL [] (</a:t>
-            </a:r>
-            <a:r>
-              <a:rPr lang="fr-FR" sz="2800" dirty="0" err="1">
-                <a:solidFill>
-                  <a:srgbClr val="000079"/>
-                </a:solidFill>
-                <a:latin typeface="Monaco"/>
-              </a:rPr>
-              <a:t>NoteR</a:t>
-            </a:r>
-            <a:r>
-              <a:rPr lang="fr-FR" sz="2800" dirty="0">
-                <a:solidFill>
-                  <a:srgbClr val="000079"/>
-                </a:solidFill>
-                <a:latin typeface="Monaco"/>
-              </a:rPr>
-              <a:t> id_a6oI)'</a:t>
-            </a:r>
-          </a:p>
-          <a:p>
+            <a:r>
+              <a:rPr lang="en-AU" dirty="0">
+                <a:solidFill>
+                  <a:srgbClr val="213E3E"/>
+                </a:solidFill>
+                <a:latin typeface="Courier"/>
+              </a:rPr>
+              <a:t>  notes  </a:t>
+            </a:r>
+            <a:r>
+              <a:rPr lang="en-AU" dirty="0">
+                <a:solidFill>
+                  <a:srgbClr val="FF4B31"/>
+                </a:solidFill>
+                <a:latin typeface="Monaco"/>
+              </a:rPr>
+              <a:t>&lt;-</a:t>
+            </a:r>
+            <a:r>
+              <a:rPr lang="en-AU" dirty="0">
+                <a:solidFill>
+                  <a:srgbClr val="213E3E"/>
+                </a:solidFill>
+                <a:latin typeface="Courier"/>
+              </a:rPr>
+              <a:t> </a:t>
+            </a:r>
+            <a:r>
+              <a:rPr lang="en-AU" dirty="0" err="1">
+                <a:solidFill>
+                  <a:srgbClr val="213E3E"/>
+                </a:solidFill>
+                <a:latin typeface="Courier"/>
+              </a:rPr>
+              <a:t>runDB</a:t>
+            </a:r>
+            <a:r>
+              <a:rPr lang="en-AU" dirty="0">
+                <a:solidFill>
+                  <a:srgbClr val="213E3E"/>
+                </a:solidFill>
+                <a:latin typeface="Courier"/>
+              </a:rPr>
+              <a:t> </a:t>
+            </a:r>
+            <a:r>
+              <a:rPr lang="en-AU" dirty="0">
+                <a:solidFill>
+                  <a:srgbClr val="FF4B31"/>
+                </a:solidFill>
+                <a:latin typeface="Monaco"/>
+              </a:rPr>
+              <a:t>$</a:t>
+            </a:r>
+            <a:r>
+              <a:rPr lang="en-AU" dirty="0">
+                <a:solidFill>
+                  <a:srgbClr val="213E3E"/>
+                </a:solidFill>
+                <a:latin typeface="Courier"/>
+              </a:rPr>
+              <a:t> </a:t>
+            </a:r>
+            <a:r>
+              <a:rPr lang="en-AU" dirty="0" err="1">
+                <a:solidFill>
+                  <a:srgbClr val="213E3E"/>
+                </a:solidFill>
+                <a:latin typeface="Courier"/>
+              </a:rPr>
+              <a:t>selectList</a:t>
+            </a:r>
+            <a:r>
+              <a:rPr lang="en-AU" dirty="0">
+                <a:solidFill>
+                  <a:srgbClr val="213E3E"/>
+                </a:solidFill>
+                <a:latin typeface="Courier"/>
+              </a:rPr>
+              <a:t> </a:t>
+            </a:r>
+            <a:r>
+              <a:rPr lang="en-AU" dirty="0">
+                <a:solidFill>
+                  <a:srgbClr val="D79310"/>
+                </a:solidFill>
+                <a:latin typeface="Monaco"/>
+              </a:rPr>
+              <a:t>[]</a:t>
+            </a:r>
+            <a:r>
+              <a:rPr lang="en-AU" dirty="0">
+                <a:solidFill>
+                  <a:srgbClr val="213E3E"/>
+                </a:solidFill>
+                <a:latin typeface="Courier"/>
+              </a:rPr>
+              <a:t> [</a:t>
+            </a:r>
+            <a:r>
+              <a:rPr lang="en-AU" dirty="0" err="1">
+                <a:solidFill>
+                  <a:srgbClr val="D79310"/>
+                </a:solidFill>
+                <a:latin typeface="Monaco"/>
+              </a:rPr>
+              <a:t>Asc</a:t>
+            </a:r>
+            <a:r>
+              <a:rPr lang="en-AU" dirty="0">
+                <a:solidFill>
+                  <a:srgbClr val="213E3E"/>
+                </a:solidFill>
+                <a:latin typeface="Courier"/>
+              </a:rPr>
+              <a:t> </a:t>
+            </a:r>
+            <a:r>
+              <a:rPr lang="en-AU" dirty="0" err="1">
+                <a:solidFill>
+                  <a:srgbClr val="D79310"/>
+                </a:solidFill>
+                <a:latin typeface="Monaco"/>
+              </a:rPr>
+              <a:t>NoteTitle</a:t>
+            </a:r>
+            <a:r>
+              <a:rPr lang="en-AU" dirty="0">
+                <a:solidFill>
+                  <a:srgbClr val="213E3E"/>
+                </a:solidFill>
+                <a:latin typeface="Courier"/>
+              </a:rPr>
+              <a:t>]</a:t>
+            </a:r>
+          </a:p>
+          <a:p>
+            <a:r>
+              <a:rPr lang="en-AU" dirty="0">
+                <a:solidFill>
+                  <a:srgbClr val="213E3E"/>
+                </a:solidFill>
+                <a:latin typeface="Courier"/>
+              </a:rPr>
+              <a:t>  </a:t>
+            </a:r>
+            <a:r>
+              <a:rPr lang="en-AU" dirty="0" err="1">
+                <a:solidFill>
+                  <a:srgbClr val="213E3E"/>
+                </a:solidFill>
+                <a:latin typeface="Courier"/>
+              </a:rPr>
+              <a:t>defaultLayout</a:t>
+            </a:r>
+            <a:r>
+              <a:rPr lang="en-AU" dirty="0">
+                <a:solidFill>
+                  <a:srgbClr val="213E3E"/>
+                </a:solidFill>
+                <a:latin typeface="Courier"/>
+              </a:rPr>
+              <a:t> [</a:t>
+            </a:r>
+            <a:r>
+              <a:rPr lang="en-AU" dirty="0" err="1">
+                <a:solidFill>
+                  <a:srgbClr val="213E3E"/>
+                </a:solidFill>
+                <a:latin typeface="Courier"/>
+              </a:rPr>
+              <a:t>whamlet</a:t>
+            </a:r>
+            <a:r>
+              <a:rPr lang="en-AU" dirty="0">
+                <a:solidFill>
+                  <a:srgbClr val="FF4B31"/>
+                </a:solidFill>
+                <a:latin typeface="Monaco"/>
+              </a:rPr>
+              <a:t>|</a:t>
+            </a:r>
+            <a:endParaRPr lang="en-AU" dirty="0">
+              <a:solidFill>
+                <a:srgbClr val="213E3E"/>
+              </a:solidFill>
+              <a:latin typeface="Courier"/>
+            </a:endParaRPr>
+          </a:p>
+          <a:p>
+            <a:r>
+              <a:rPr lang="en-AU" dirty="0">
+                <a:solidFill>
+                  <a:srgbClr val="213E3E"/>
+                </a:solidFill>
+                <a:latin typeface="Courier"/>
+              </a:rPr>
+              <a:t>    </a:t>
+            </a:r>
+            <a:r>
+              <a:rPr lang="en-AU" dirty="0">
+                <a:solidFill>
+                  <a:srgbClr val="FF4B31"/>
+                </a:solidFill>
+                <a:latin typeface="Monaco"/>
+              </a:rPr>
+              <a:t>&lt;</a:t>
+            </a:r>
+            <a:r>
+              <a:rPr lang="en-AU" dirty="0">
+                <a:solidFill>
+                  <a:srgbClr val="213E3E"/>
+                </a:solidFill>
+                <a:latin typeface="Courier"/>
+              </a:rPr>
+              <a:t>h1</a:t>
+            </a:r>
+            <a:r>
+              <a:rPr lang="en-AU" dirty="0">
+                <a:solidFill>
+                  <a:srgbClr val="FF4B31"/>
+                </a:solidFill>
+                <a:latin typeface="Monaco"/>
+              </a:rPr>
+              <a:t>&gt;</a:t>
+            </a:r>
+            <a:r>
+              <a:rPr lang="en-AU" dirty="0">
+                <a:solidFill>
+                  <a:srgbClr val="D79310"/>
+                </a:solidFill>
+                <a:latin typeface="Monaco"/>
+              </a:rPr>
+              <a:t>Notes</a:t>
+            </a:r>
+            <a:endParaRPr lang="en-AU" dirty="0">
+              <a:solidFill>
+                <a:srgbClr val="213E3E"/>
+              </a:solidFill>
+              <a:latin typeface="Courier"/>
+            </a:endParaRPr>
+          </a:p>
+          <a:p>
+            <a:r>
+              <a:rPr lang="en-AU" dirty="0">
+                <a:solidFill>
+                  <a:srgbClr val="213E3E"/>
+                </a:solidFill>
+                <a:latin typeface="Courier"/>
+              </a:rPr>
+              <a:t>    </a:t>
+            </a:r>
+            <a:r>
+              <a:rPr lang="en-AU" dirty="0" smtClean="0">
+                <a:solidFill>
+                  <a:srgbClr val="FF4B31"/>
+                </a:solidFill>
+                <a:latin typeface="Monaco"/>
+              </a:rPr>
+              <a:t>&lt;</a:t>
+            </a:r>
+            <a:r>
+              <a:rPr lang="en-AU" dirty="0" err="1">
+                <a:solidFill>
+                  <a:srgbClr val="213E3E"/>
+                </a:solidFill>
+                <a:latin typeface="Courier"/>
+              </a:rPr>
+              <a:t>ul</a:t>
+            </a:r>
+            <a:r>
+              <a:rPr lang="en-AU" dirty="0">
+                <a:solidFill>
+                  <a:srgbClr val="FF4B31"/>
+                </a:solidFill>
+                <a:latin typeface="Monaco"/>
+              </a:rPr>
+              <a:t>&gt;</a:t>
+            </a:r>
+            <a:r>
+              <a:rPr lang="en-AU" dirty="0">
+                <a:solidFill>
+                  <a:srgbClr val="213E3E"/>
+                </a:solidFill>
+                <a:latin typeface="Courier"/>
+              </a:rPr>
+              <a:t>                 </a:t>
+            </a:r>
+          </a:p>
+          <a:p>
+            <a:r>
+              <a:rPr lang="en-AU" dirty="0">
+                <a:solidFill>
+                  <a:srgbClr val="213E3E"/>
+                </a:solidFill>
+                <a:latin typeface="Courier"/>
+              </a:rPr>
+              <a:t>    </a:t>
+            </a:r>
+            <a:r>
+              <a:rPr lang="en-AU" dirty="0" smtClean="0">
+                <a:solidFill>
+                  <a:srgbClr val="213E3E"/>
+                </a:solidFill>
+                <a:latin typeface="Courier"/>
+              </a:rPr>
+              <a:t>  </a:t>
+            </a:r>
+            <a:r>
+              <a:rPr lang="en-AU" dirty="0">
+                <a:solidFill>
+                  <a:srgbClr val="FF4B31"/>
+                </a:solidFill>
+                <a:latin typeface="Monaco"/>
+              </a:rPr>
+              <a:t>$</a:t>
+            </a:r>
+            <a:r>
+              <a:rPr lang="en-AU" dirty="0" err="1">
+                <a:solidFill>
+                  <a:srgbClr val="213E3E"/>
+                </a:solidFill>
+                <a:latin typeface="Courier"/>
+              </a:rPr>
+              <a:t>forall</a:t>
+            </a:r>
+            <a:r>
+              <a:rPr lang="en-AU" dirty="0">
+                <a:solidFill>
+                  <a:srgbClr val="213E3E"/>
+                </a:solidFill>
+                <a:latin typeface="Courier"/>
+              </a:rPr>
+              <a:t> </a:t>
+            </a:r>
+            <a:r>
+              <a:rPr lang="en-AU" dirty="0">
+                <a:solidFill>
+                  <a:srgbClr val="D79310"/>
+                </a:solidFill>
+                <a:latin typeface="Monaco"/>
+              </a:rPr>
+              <a:t>Entity</a:t>
+            </a:r>
+            <a:r>
+              <a:rPr lang="en-AU" dirty="0">
+                <a:solidFill>
+                  <a:srgbClr val="213E3E"/>
+                </a:solidFill>
+                <a:latin typeface="Courier"/>
+              </a:rPr>
+              <a:t> id note </a:t>
+            </a:r>
+            <a:r>
+              <a:rPr lang="en-AU" dirty="0">
+                <a:solidFill>
+                  <a:srgbClr val="FF4B31"/>
+                </a:solidFill>
+                <a:latin typeface="Monaco"/>
+              </a:rPr>
+              <a:t>&lt;-</a:t>
+            </a:r>
+            <a:r>
+              <a:rPr lang="en-AU" dirty="0">
+                <a:solidFill>
+                  <a:srgbClr val="213E3E"/>
+                </a:solidFill>
+                <a:latin typeface="Courier"/>
+              </a:rPr>
+              <a:t> notes</a:t>
+            </a:r>
+          </a:p>
+          <a:p>
+            <a:r>
+              <a:rPr lang="is-IS" dirty="0">
+                <a:solidFill>
+                  <a:srgbClr val="213E3E"/>
+                </a:solidFill>
+                <a:latin typeface="Courier"/>
+              </a:rPr>
+              <a:t>    </a:t>
+            </a:r>
+            <a:r>
+              <a:rPr lang="is-IS" dirty="0" smtClean="0">
+                <a:solidFill>
+                  <a:srgbClr val="213E3E"/>
+                </a:solidFill>
+                <a:latin typeface="Courier"/>
+              </a:rPr>
+              <a:t>    </a:t>
+            </a:r>
+            <a:r>
+              <a:rPr lang="is-IS" dirty="0">
+                <a:solidFill>
+                  <a:srgbClr val="213E3E"/>
+                </a:solidFill>
+                <a:latin typeface="Courier"/>
+              </a:rPr>
+              <a:t>&lt;li&gt;&lt;a href="@{NoteR id}"&gt;#{noteTitle note}&lt;/a&gt;                            </a:t>
+            </a:r>
+          </a:p>
+          <a:p>
+            <a:r>
+              <a:rPr lang="en-US" dirty="0">
+                <a:solidFill>
+                  <a:srgbClr val="213E3E"/>
+                </a:solidFill>
+                <a:latin typeface="Courier"/>
+              </a:rPr>
+              <a:t>    </a:t>
+            </a:r>
             <a:endParaRPr lang="en-AU" dirty="0"/>
           </a:p>
         </p:txBody>
@@ -27456,7 +27950,7 @@
         </p:nvSpPr>
         <p:spPr>
           <a:xfrm>
-            <a:off x="121391" y="1600200"/>
+            <a:off x="121391" y="2992559"/>
             <a:ext cx="8870869" cy="2704873"/>
           </a:xfrm>
         </p:spPr>
@@ -27490,10 +27984,10 @@
                 </a:solidFill>
                 <a:latin typeface="Monaco"/>
               </a:rPr>
-              <a:t>    </a:t>
-            </a:r>
-            <a:r>
-              <a:rPr lang="fr-FR" sz="1800" dirty="0" err="1">
+              <a:t>   </a:t>
+            </a:r>
+            <a:r>
+              <a:rPr lang="fr-FR" sz="1800" dirty="0" err="1" smtClean="0">
                 <a:solidFill>
                   <a:srgbClr val="000079"/>
                 </a:solidFill>
@@ -27502,13 +27996,22 @@
               <a:t>Couldn't</a:t>
             </a:r>
             <a:r>
+              <a:rPr lang="fr-FR" sz="1800" dirty="0" smtClean="0">
+                <a:solidFill>
+                  <a:srgbClr val="000079"/>
+                </a:solidFill>
+                <a:latin typeface="Monaco"/>
+              </a:rPr>
+              <a:t> </a:t>
+            </a:r>
+            <a:r>
               <a:rPr lang="fr-FR" sz="1800" dirty="0">
                 <a:solidFill>
                   <a:srgbClr val="000079"/>
                 </a:solidFill>
                 <a:latin typeface="Monaco"/>
               </a:rPr>
-              <a:t> match type `Key (</a:t>
+              <a:t>match type `Key (</a:t>
             </a:r>
             <a:r>
               <a:rPr lang="fr-FR" sz="1800" dirty="0" err="1">
@@ -27653,7 +28156,7 @@
         </p:nvSpPr>
         <p:spPr>
           <a:xfrm>
-            <a:off x="410861" y="5369669"/>
+            <a:off x="410861" y="1600200"/>
             <a:ext cx="4478848" cy="1200329"/>
           </a:xfrm>
           <a:prstGeom prst="rect">
@@ -27892,7 +28395,7 @@
         </p:nvSpPr>
         <p:spPr>
           <a:xfrm>
-            <a:off x="410861" y="4379780"/>
+            <a:off x="410861" y="5773818"/>
             <a:ext cx="8153400" cy="868487"/>
           </a:xfrm>
           <a:prstGeom prst="rect">
@@ -28477,26 +28980,7 @@
       </p:grpSpPr>
       <p:sp>
         <p:nvSpPr>
-          <p:cNvPr id="2" name="Text Placeholder 1"/>
-          <p:cNvSpPr>
-            <a:spLocks noGrp="1"/>
-          </p:cNvSpPr>
-          <p:nvPr>
-            <p:ph type="body" idx="1"/>
-          </p:nvPr>
-        </p:nvSpPr>
-        <p:spPr/>
-        <p:txBody>
-          <a:bodyPr/>
-          <a:lstStyle/>
-          <a:p>
-            <a:endParaRPr lang="en-AU"/>
-          </a:p>
-        </p:txBody>
-      </p:sp>
-      <p:sp>
-        <p:nvSpPr>
-          <p:cNvPr id="3" name="Title 2"/>
+          <p:cNvPr id="2" name="Title 1"/>
           <p:cNvSpPr>
             <a:spLocks noGrp="1"/>
           </p:cNvSpPr>
@@ -28506,12 +28990,84 @@
         </p:nvSpPr>
         <p:spPr/>
         <p:txBody>
+          <a:bodyPr>
+            <a:normAutofit fontScale="90000"/>
+          </a:bodyPr>
+          <a:lstStyle/>
+          <a:p>
+            <a:r>
+              <a:rPr lang="en-AU" dirty="0" err="1" smtClean="0"/>
+              <a:t>Auth</a:t>
+            </a:r>
+            <a:r>
+              <a:rPr lang="en-AU" dirty="0" smtClean="0"/>
+              <a:t>, Sessions and all the boring bits</a:t>
+            </a:r>
+            <a:endParaRPr lang="en-AU" dirty="0"/>
+          </a:p>
+        </p:txBody>
+      </p:sp>
+      <p:sp>
+        <p:nvSpPr>
+          <p:cNvPr id="3" name="Content Placeholder 2"/>
+          <p:cNvSpPr>
+            <a:spLocks noGrp="1"/>
+          </p:cNvSpPr>
+          <p:nvPr>
+            <p:ph sz="quarter" idx="1"/>
+          </p:nvPr>
+        </p:nvSpPr>
+        <p:spPr/>
+        <p:txBody>
           <a:bodyPr/>
           <a:lstStyle/>
           <a:p>
             <a:r>
               <a:rPr lang="en-AU" dirty="0" smtClean="0"/>
-              <a:t>Questions</a:t>
+              <a:t>Has </a:t>
+            </a:r>
+            <a:r>
+              <a:rPr lang="en-AU" dirty="0" err="1" smtClean="0"/>
+              <a:t>auth</a:t>
+            </a:r>
+            <a:r>
+              <a:rPr lang="en-AU" dirty="0" smtClean="0"/>
+              <a:t> right out of the box.</a:t>
+            </a:r>
+          </a:p>
+          <a:p>
+            <a:pPr lvl="1"/>
+            <a:r>
+              <a:rPr lang="en-AU" dirty="0" smtClean="0"/>
+              <a:t>Google ID</a:t>
+            </a:r>
+          </a:p>
+          <a:p>
+            <a:pPr lvl="1"/>
+            <a:r>
+              <a:rPr lang="en-AU" dirty="0" smtClean="0"/>
+              <a:t>Facebook ID</a:t>
+            </a:r>
+          </a:p>
+          <a:p>
+            <a:pPr lvl="1"/>
+            <a:r>
+              <a:rPr lang="en-AU" dirty="0" err="1" smtClean="0"/>
+              <a:t>BrowserID</a:t>
+            </a:r>
+            <a:endParaRPr lang="en-AU" dirty="0" smtClean="0"/>
+          </a:p>
+          <a:p>
+            <a:pPr lvl="1"/>
+            <a:r>
+              <a:rPr lang="en-AU" dirty="0" smtClean="0"/>
+              <a:t>User/Pass DB auth.</a:t>
+            </a:r>
+          </a:p>
+          <a:p>
+            <a:r>
+              <a:rPr lang="en-AU" dirty="0" smtClean="0"/>
+              <a:t>Also has client side sessions. No server side sessions (this is a good thing).</a:t>
             </a:r>
             <a:endParaRPr lang="en-AU" dirty="0"/>
           </a:p>
@@ -28520,20 +29076,13 @@
     </p:spTree>
     <p:extLst>
       <p:ext uri="{BB962C8B-B14F-4D97-AF65-F5344CB8AC3E}">
-        <p14:creationId xmlns:p14="http://schemas.microsoft.com/office/powerpoint/2010/main" val="1908588342"/>
+        <p14:creationId xmlns:p14="http://schemas.microsoft.com/office/powerpoint/2010/main" val="2959564968"/>
       </p:ext>
     </p:extLst>
   </p:cSld>
   <p:clrMapOvr>
     <a:masterClrMapping/>
   </p:clrMapOvr>
-  <p:timing>
-    <p:tnLst>
-      <p:par>
-        <p:cTn xmlns:p14="http://schemas.microsoft.com/office/powerpoint/2010/main" id="1" dur="indefinite" restart="never" nodeType="tmRoot"/>
-      </p:par>
-    </p:tnLst>
-  </p:timing>
 </p:sld>
 </file>
 
@@ -28701,6 +29250,85 @@
       </p:grpSpPr>
       <p:sp>
         <p:nvSpPr>
+          <p:cNvPr id="2" name="Text Placeholder 1"/>
+          <p:cNvSpPr>
+            <a:spLocks noGrp="1"/>
+          </p:cNvSpPr>
+          <p:nvPr>
+            <p:ph type="body" idx="1"/>
+          </p:nvPr>
+        </p:nvSpPr>
+        <p:spPr/>
+        <p:txBody>
+          <a:bodyPr/>
+          <a:lstStyle/>
+          <a:p>
+            <a:endParaRPr lang="en-AU"/>
+          </a:p>
+        </p:txBody>
+      </p:sp>
+      <p:sp>
+        <p:nvSpPr>
+          <p:cNvPr id="3" name="Title 2"/>
+          <p:cNvSpPr>
+            <a:spLocks noGrp="1"/>
+          </p:cNvSpPr>
+          <p:nvPr>
+            <p:ph type="title"/>
+          </p:nvPr>
+        </p:nvSpPr>
+        <p:spPr/>
+        <p:txBody>
+          <a:bodyPr/>
+          <a:lstStyle/>
+          <a:p>
+            <a:r>
+              <a:rPr lang="en-AU" dirty="0" smtClean="0"/>
+              <a:t>Questions</a:t>
+            </a:r>
+            <a:endParaRPr lang="en-AU" dirty="0"/>
+          </a:p>
+        </p:txBody>
+      </p:sp>
+    </p:spTree>
+    <p:extLst>
+      <p:ext uri="{BB962C8B-B14F-4D97-AF65-F5344CB8AC3E}">
+        <p14:creationId xmlns:p14="http://schemas.microsoft.com/office/powerpoint/2010/main" val="1908588342"/>
+      </p:ext>
+    </p:extLst>
+  </p:cSld>
+  <p:clrMapOvr>
+    <a:masterClrMapping/>
+  </p:clrMapOvr>
+  <p:timing>
+    <p:tnLst>
+      <p:par>
+        <p:cTn xmlns:p14="http://schemas.microsoft.com/office/powerpoint/2010/main" id="1" dur="indefinite" restart="never" nodeType="tmRoot"/>
+      </p:par>
+    </p:tnLst>
+  </p:timing>
+</p:sld>
+</file>
+
+<file path=ppt/slides/slide61.xml><?xml version="1.0" encoding="utf-8"?>
+<p:sld xmlns:a="http://schemas.openxmlformats.org/drawingml/2006/main" xmlns:r="http://schemas.openxmlformats.org/officeDocument/2006/relationships" xmlns:p="http://schemas.openxmlformats.org/presentationml/2006/main">
+  <p:cSld>
+    <p:spTree>
+      <p:nvGrpSpPr>
+        <p:cNvPr id="1" name=""/>
+        <p:cNvGrpSpPr/>
+        <p:nvPr/>
+      </p:nvGrpSpPr>
+      <p:grpSpPr>
+        <a:xfrm>
+          <a:off x="0" y="0"/>
+          <a:ext cx="0" cy="0"/>
+          <a:chOff x="0" y="0"/>
+          <a:chExt cx="0" cy="0"/>
+        </a:xfrm>
+      </p:grpSpPr>
+      <p:sp>
+        <p:nvSpPr>
           <p:cNvPr id="2" name="Title 1"/>
           <p:cNvSpPr>
             <a:spLocks noGrp="1"/>
@@ -28739,11 +29367,7 @@
           <a:p>
             <a:r>
               <a:rPr lang="en-AU" dirty="0" smtClean="0"/>
-              <a:t>Type errors are sometimes tricky to figure out. Forces you to know about the innards of generated code, </a:t>
-            </a:r>
-            <a:r>
-              <a:rPr lang="en-AU" dirty="0" smtClean="0"/>
-              <a:t>sometimes. Is this a necessary evil, or worth it?</a:t>
+              <a:t>Type errors are sometimes tricky to figure out. Forces you to know about the innards of generated code, sometimes. Is this a necessary evil, or worth it?</a:t>
             </a:r>
           </a:p>
           <a:p>
@@ -28785,7 +29409,7 @@
 </p:sld>
 </file>
 
-<file path=ppt/slides/slide61.xml><?xml version="1.0" encoding="utf-8"?>
+<file path=ppt/slides/slide62.xml><?xml version="1.0" encoding="utf-8"?>
 <p:sld xmlns:a="http://schemas.openxmlformats.org/drawingml/2006/main" xmlns:r="http://schemas.openxmlformats.org/officeDocument/2006/relationships" xmlns:p="http://schemas.openxmlformats.org/presentationml/2006/main">
   <p:cSld>
     <p:spTree>
